--- a/pm2/pm2.pptx
+++ b/pm2/pm2.pptx
@@ -1,18 +1,30 @@
 
 <file path=ppt/presentation.xml><?xml version="1.0" encoding="utf-8"?>
-<p:presentation xmlns:a="http://schemas.openxmlformats.org/drawingml/2006/main" xmlns:r="http://schemas.openxmlformats.org/officeDocument/2006/relationships" xmlns:p="http://schemas.openxmlformats.org/presentationml/2006/main" saveSubsetFonts="1">
+<p:presentation xmlns:a="http://schemas.openxmlformats.org/drawingml/2006/main" xmlns:r="http://schemas.openxmlformats.org/officeDocument/2006/relationships" xmlns:p="http://schemas.openxmlformats.org/presentationml/2006/main">
   <p:sldMasterIdLst>
     <p:sldMasterId id="2147483648" r:id="rId1"/>
   </p:sldMasterIdLst>
   <p:notesMasterIdLst>
-    <p:notesMasterId r:id="rId7"/>
+    <p:notesMasterId r:id="rId6"/>
   </p:notesMasterIdLst>
   <p:sldIdLst>
-    <p:sldId id="257" r:id="rId2"/>
-    <p:sldId id="356" r:id="rId3"/>
-    <p:sldId id="358" r:id="rId4"/>
-    <p:sldId id="357" r:id="rId5"/>
-    <p:sldId id="266" r:id="rId6"/>
+    <p:sldId id="257" r:id="rId3"/>
+    <p:sldId id="356" r:id="rId4"/>
+    <p:sldId id="358" r:id="rId5"/>
+    <p:sldId id="372" r:id="rId7"/>
+    <p:sldId id="374" r:id="rId8"/>
+    <p:sldId id="373" r:id="rId9"/>
+    <p:sldId id="357" r:id="rId10"/>
+    <p:sldId id="362" r:id="rId11"/>
+    <p:sldId id="361" r:id="rId12"/>
+    <p:sldId id="363" r:id="rId13"/>
+    <p:sldId id="364" r:id="rId14"/>
+    <p:sldId id="365" r:id="rId15"/>
+    <p:sldId id="366" r:id="rId16"/>
+    <p:sldId id="367" r:id="rId17"/>
+    <p:sldId id="368" r:id="rId18"/>
+    <p:sldId id="369" r:id="rId19"/>
+    <p:sldId id="266" r:id="rId20"/>
   </p:sldIdLst>
   <p:sldSz cx="12192000" cy="6858000"/>
   <p:notesSz cx="6858000" cy="9144000"/>
@@ -111,14 +123,6 @@
       </a:defRPr>
     </a:lvl9pPr>
   </p:defaultTextStyle>
-  <p:extLst>
-    <p:ext uri="{EFAFB233-063F-42B5-8137-9DF3F51BA10A}">
-      <p15:sldGuideLst xmlns:p15="http://schemas.microsoft.com/office/powerpoint/2012/main"/>
-    </p:ext>
-    <p:ext uri="{2D200454-40CA-4A62-9FC3-DE9A4176ACB9}">
-      <p15:notesGuideLst xmlns:p15="http://schemas.microsoft.com/office/powerpoint/2012/main"/>
-    </p:ext>
-  </p:extLst>
 </p:presentation>
 </file>
 
@@ -204,7 +208,6 @@
           <a:p>
             <a:fld id="{2CCB4879-0248-48F0-AE1A-6DFAC4AE9EC9}" type="datetimeFigureOut">
               <a:rPr lang="zh-CN" altLang="en-US" smtClean="0"/>
-              <a:t>2019/6/12</a:t>
             </a:fld>
             <a:endParaRPr lang="zh-CN" altLang="en-US"/>
           </a:p>
@@ -271,6 +274,7 @@
               <a:rPr lang="zh-CN" altLang="en-US" smtClean="0"/>
               <a:t>单击此处编辑母版文本样式</a:t>
             </a:r>
+            <a:endParaRPr lang="zh-CN" altLang="en-US" smtClean="0"/>
           </a:p>
           <a:p>
             <a:pPr lvl="1"/>
@@ -278,6 +282,7 @@
               <a:rPr lang="zh-CN" altLang="en-US" smtClean="0"/>
               <a:t>第二级</a:t>
             </a:r>
+            <a:endParaRPr lang="zh-CN" altLang="en-US" smtClean="0"/>
           </a:p>
           <a:p>
             <a:pPr lvl="2"/>
@@ -285,6 +290,7 @@
               <a:rPr lang="zh-CN" altLang="en-US" smtClean="0"/>
               <a:t>第三级</a:t>
             </a:r>
+            <a:endParaRPr lang="zh-CN" altLang="en-US" smtClean="0"/>
           </a:p>
           <a:p>
             <a:pPr lvl="3"/>
@@ -292,6 +298,7 @@
               <a:rPr lang="zh-CN" altLang="en-US" smtClean="0"/>
               <a:t>第四级</a:t>
             </a:r>
+            <a:endParaRPr lang="zh-CN" altLang="en-US" smtClean="0"/>
           </a:p>
           <a:p>
             <a:pPr lvl="4"/>
@@ -363,18 +370,12 @@
           <a:p>
             <a:fld id="{B1AD3311-75E8-456A-A379-DA840A3FB1DF}" type="slidenum">
               <a:rPr lang="zh-CN" altLang="en-US" smtClean="0"/>
-              <a:t>‹#›</a:t>
             </a:fld>
             <a:endParaRPr lang="zh-CN" altLang="en-US"/>
           </a:p>
         </p:txBody>
       </p:sp>
     </p:spTree>
-    <p:extLst>
-      <p:ext uri="{BB962C8B-B14F-4D97-AF65-F5344CB8AC3E}">
-        <p14:creationId xmlns:p14="http://schemas.microsoft.com/office/powerpoint/2010/main" val="2734967986"/>
-      </p:ext>
-    </p:extLst>
   </p:cSld>
   <p:clrMap bg1="lt1" tx1="dk1" bg2="lt2" tx2="dk2" accent1="accent1" accent2="accent2" accent3="accent3" accent4="accent4" accent5="accent5" accent6="accent6" hlink="hlink" folHlink="folHlink"/>
   <p:notesStyle>
@@ -472,6 +473,742 @@
 </p:notesMaster>
 </file>
 
+<file path=ppt/notesSlides/notesSlide1.xml><?xml version="1.0" encoding="utf-8"?>
+<p:notes xmlns:a="http://schemas.openxmlformats.org/drawingml/2006/main" xmlns:r="http://schemas.openxmlformats.org/officeDocument/2006/relationships" xmlns:p="http://schemas.openxmlformats.org/presentationml/2006/main">
+  <p:cSld>
+    <p:spTree>
+      <p:nvGrpSpPr>
+        <p:cNvPr id="1" name=""/>
+        <p:cNvGrpSpPr/>
+        <p:nvPr/>
+      </p:nvGrpSpPr>
+      <p:grpSpPr/>
+      <p:sp>
+        <p:nvSpPr>
+          <p:cNvPr id="2" name="幻灯片图像占位符 1"/>
+          <p:cNvSpPr/>
+          <p:nvPr>
+            <p:ph type="sldImg" idx="2"/>
+          </p:nvPr>
+        </p:nvSpPr>
+        <p:spPr/>
+      </p:sp>
+      <p:sp>
+        <p:nvSpPr>
+          <p:cNvPr id="3" name="文本占位符 2"/>
+          <p:cNvSpPr/>
+          <p:nvPr>
+            <p:ph type="body" idx="3"/>
+          </p:nvPr>
+        </p:nvSpPr>
+        <p:spPr/>
+        <p:txBody>
+          <a:bodyPr/>
+          <a:p>
+            <a:endParaRPr lang="zh-CN" altLang="en-US"/>
+          </a:p>
+        </p:txBody>
+      </p:sp>
+    </p:spTree>
+  </p:cSld>
+  <p:clrMapOvr>
+    <a:masterClrMapping/>
+  </p:clrMapOvr>
+</p:notes>
+</file>
+
+<file path=ppt/notesSlides/notesSlide2.xml><?xml version="1.0" encoding="utf-8"?>
+<p:notes xmlns:a="http://schemas.openxmlformats.org/drawingml/2006/main" xmlns:r="http://schemas.openxmlformats.org/officeDocument/2006/relationships" xmlns:p="http://schemas.openxmlformats.org/presentationml/2006/main">
+  <p:cSld>
+    <p:spTree>
+      <p:nvGrpSpPr>
+        <p:cNvPr id="1" name=""/>
+        <p:cNvGrpSpPr/>
+        <p:nvPr/>
+      </p:nvGrpSpPr>
+      <p:grpSpPr/>
+      <p:sp>
+        <p:nvSpPr>
+          <p:cNvPr id="2" name="幻灯片图像占位符 1"/>
+          <p:cNvSpPr/>
+          <p:nvPr>
+            <p:ph type="sldImg" idx="2"/>
+          </p:nvPr>
+        </p:nvSpPr>
+        <p:spPr/>
+      </p:sp>
+      <p:sp>
+        <p:nvSpPr>
+          <p:cNvPr id="3" name="文本占位符 2"/>
+          <p:cNvSpPr/>
+          <p:nvPr>
+            <p:ph type="body" idx="3"/>
+          </p:nvPr>
+        </p:nvSpPr>
+        <p:spPr/>
+        <p:txBody>
+          <a:bodyPr/>
+          <a:p>
+            <a:r>
+              <a:rPr lang="en-US" altLang="zh-CN" dirty="0" smtClean="0">
+                <a:latin typeface="微软雅黑" panose="020B0503020204020204" pitchFamily="34" charset="-122"/>
+                <a:ea typeface="微软雅黑" panose="020B0503020204020204" pitchFamily="34" charset="-122"/>
+                <a:sym typeface="+mn-ea"/>
+              </a:rPr>
+              <a:t>1.</a:t>
+            </a:r>
+            <a:r>
+              <a:rPr lang="zh-CN" altLang="en-US" dirty="0" smtClean="0">
+                <a:latin typeface="微软雅黑" panose="020B0503020204020204" pitchFamily="34" charset="-122"/>
+                <a:ea typeface="微软雅黑" panose="020B0503020204020204" pitchFamily="34" charset="-122"/>
+                <a:sym typeface="+mn-ea"/>
+              </a:rPr>
+              <a:t>服务器一次只为一个请求服务，所有请求按次序等待服务。</a:t>
+            </a:r>
+            <a:endParaRPr lang="zh-CN" altLang="en-US" dirty="0" smtClean="0">
+              <a:latin typeface="微软雅黑" panose="020B0503020204020204" pitchFamily="34" charset="-122"/>
+              <a:ea typeface="微软雅黑" panose="020B0503020204020204" pitchFamily="34" charset="-122"/>
+              <a:sym typeface="+mn-ea"/>
+            </a:endParaRPr>
+          </a:p>
+          <a:p>
+            <a:r>
+              <a:rPr lang="en-US" altLang="zh-CN"/>
+              <a:t>2.</a:t>
+            </a:r>
+            <a:r>
+              <a:rPr lang="zh-CN" altLang="en-US" dirty="0" smtClean="0">
+                <a:latin typeface="微软雅黑" panose="020B0503020204020204" pitchFamily="34" charset="-122"/>
+                <a:ea typeface="微软雅黑" panose="020B0503020204020204" pitchFamily="34" charset="-122"/>
+                <a:sym typeface="+mn-ea"/>
+              </a:rPr>
+              <a:t>通过进程的复制同时服务更多的请求和用户，每一个链接都需要一个进程来服务，代价昂贵；复制进程的同时，需要复制进程内部状态，相同的状态会在内存中存在很多份，造成浪费；并且复制进程由于要复制较多的数据，启动较为缓慢。</a:t>
+            </a:r>
+            <a:endParaRPr lang="zh-CN" altLang="en-US" dirty="0" smtClean="0">
+              <a:latin typeface="微软雅黑" panose="020B0503020204020204" pitchFamily="34" charset="-122"/>
+              <a:ea typeface="微软雅黑" panose="020B0503020204020204" pitchFamily="34" charset="-122"/>
+              <a:sym typeface="+mn-ea"/>
+            </a:endParaRPr>
+          </a:p>
+          <a:p>
+            <a:r>
+              <a:rPr lang="en-US" altLang="zh-CN"/>
+              <a:t>3. </a:t>
+            </a:r>
+            <a:r>
+              <a:rPr lang="zh-CN" altLang="en-US" dirty="0" smtClean="0">
+                <a:latin typeface="微软雅黑" panose="020B0503020204020204" pitchFamily="34" charset="-122"/>
+                <a:ea typeface="微软雅黑" panose="020B0503020204020204" pitchFamily="34" charset="-122"/>
+                <a:sym typeface="+mn-ea"/>
+              </a:rPr>
+              <a:t>为解决进程复制中造成的浪费，多线程被引入服务模型，一个线程服务一次请求。线程开销相对较小，并且可以共享数据，利用线程池可以减少线程创建和销毁的代价。但是每个线程也拥有自己独立的堆栈，需要占用一定的空间；另外由于一个cpu核心一次只能做一件事情，操作系统只能通过将cpu切分为时间片的方法，让线程可以较为均匀地使用cpu资源，但是在切换线程的时候也需要切换线程的上下文，当线程数较多时，时间将会被耗用在上下文切换中。所以在大并发量时，多线程结构还是无法做到强大的伸缩性。</a:t>
+            </a:r>
+            <a:endParaRPr lang="zh-CN" altLang="en-US" dirty="0" smtClean="0">
+              <a:latin typeface="微软雅黑" panose="020B0503020204020204" pitchFamily="34" charset="-122"/>
+              <a:ea typeface="微软雅黑" panose="020B0503020204020204" pitchFamily="34" charset="-122"/>
+              <a:sym typeface="+mn-ea"/>
+            </a:endParaRPr>
+          </a:p>
+          <a:p>
+            <a:pPr marL="0" lvl="1"/>
+            <a:r>
+              <a:rPr lang="en-US" altLang="zh-CN"/>
+              <a:t>4.</a:t>
+            </a:r>
+            <a:r>
+              <a:rPr lang="zh-CN" altLang="en-US" dirty="0" smtClean="0">
+                <a:latin typeface="微软雅黑" panose="020B0503020204020204" pitchFamily="34" charset="-122"/>
+                <a:ea typeface="微软雅黑" panose="020B0503020204020204" pitchFamily="34" charset="-122"/>
+                <a:sym typeface="+mn-ea"/>
+              </a:rPr>
+              <a:t>多线程的服务模型服役了很长一段时间，apache就是采用多进程/多线程模型实现，但是当并发增长上万时，内存耗用的问题就暴露了出来，这就是著名的c10k问题。为解决高并发问题，基于事件驱动的服务模型就出现了，就像node与nginx都是基于事件驱动的方式实现的，采用单线程避免了不必要的内存开销和上下文切换开销。但是事件驱动存在的问题有：1.cpu的利用率，2.进程的健壮性。单进程架构以php最为知名，php中没有线程支持，它的健壮性是由它给每个请求建立独立的上下文来实现。但是对于node来说，所有请求的上下文都是统一的，所有健壮性是亟需解决的问题。由于所有处理都在单线程上进行，影响事件驱动服务模型性能的点在于cpu的计算能力，不受多进程或者多线程模式中资源上线的影响，可伸缩性较前两者高。如果解决掉多核cpu的利用问题，带来的性能上升非常可观。</a:t>
+            </a:r>
+            <a:endParaRPr lang="en-US" altLang="zh-CN"/>
+          </a:p>
+        </p:txBody>
+      </p:sp>
+    </p:spTree>
+  </p:cSld>
+  <p:clrMapOvr>
+    <a:masterClrMapping/>
+  </p:clrMapOvr>
+</p:notes>
+</file>
+
+<file path=ppt/notesSlides/notesSlide3.xml><?xml version="1.0" encoding="utf-8"?>
+<p:notes xmlns:a="http://schemas.openxmlformats.org/drawingml/2006/main" xmlns:r="http://schemas.openxmlformats.org/officeDocument/2006/relationships" xmlns:p="http://schemas.openxmlformats.org/presentationml/2006/main">
+  <p:cSld>
+    <p:spTree>
+      <p:nvGrpSpPr>
+        <p:cNvPr id="1" name=""/>
+        <p:cNvGrpSpPr/>
+        <p:nvPr/>
+      </p:nvGrpSpPr>
+      <p:grpSpPr/>
+      <p:sp>
+        <p:nvSpPr>
+          <p:cNvPr id="2" name="幻灯片图像占位符 1"/>
+          <p:cNvSpPr/>
+          <p:nvPr>
+            <p:ph type="sldImg" idx="2"/>
+          </p:nvPr>
+        </p:nvSpPr>
+        <p:spPr/>
+      </p:sp>
+      <p:sp>
+        <p:nvSpPr>
+          <p:cNvPr id="3" name="文本占位符 2"/>
+          <p:cNvSpPr/>
+          <p:nvPr>
+            <p:ph type="body" idx="3"/>
+          </p:nvPr>
+        </p:nvSpPr>
+        <p:spPr/>
+        <p:txBody>
+          <a:bodyPr/>
+          <a:p>
+            <a:r>
+              <a:rPr lang="zh-CN" altLang="en-US"/>
+              <a:t>演示代码</a:t>
+            </a:r>
+            <a:r>
+              <a:rPr lang="en-US" altLang="zh-CN"/>
+              <a:t>workder.js</a:t>
+            </a:r>
+            <a:r>
+              <a:rPr lang="zh-CN" altLang="en-US"/>
+              <a:t>和</a:t>
+            </a:r>
+            <a:r>
+              <a:rPr lang="en-US" altLang="zh-CN"/>
+              <a:t>master.js</a:t>
+            </a:r>
+            <a:r>
+              <a:rPr lang="zh-CN" altLang="en-US"/>
+              <a:t>，通过ps aux | grep workder.js查看进程数, kill -s 9 pid杀死进程，得出主从模式。</a:t>
+            </a:r>
+            <a:endParaRPr lang="zh-CN" altLang="en-US"/>
+          </a:p>
+        </p:txBody>
+      </p:sp>
+    </p:spTree>
+  </p:cSld>
+  <p:clrMapOvr>
+    <a:masterClrMapping/>
+  </p:clrMapOvr>
+</p:notes>
+</file>
+
+<file path=ppt/notesSlides/notesSlide4.xml><?xml version="1.0" encoding="utf-8"?>
+<p:notes xmlns:a="http://schemas.openxmlformats.org/drawingml/2006/main" xmlns:r="http://schemas.openxmlformats.org/officeDocument/2006/relationships" xmlns:p="http://schemas.openxmlformats.org/presentationml/2006/main">
+  <p:cSld>
+    <p:spTree>
+      <p:nvGrpSpPr>
+        <p:cNvPr id="1" name=""/>
+        <p:cNvGrpSpPr/>
+        <p:nvPr/>
+      </p:nvGrpSpPr>
+      <p:grpSpPr/>
+      <p:sp>
+        <p:nvSpPr>
+          <p:cNvPr id="2" name="幻灯片图像占位符 1"/>
+          <p:cNvSpPr/>
+          <p:nvPr>
+            <p:ph type="sldImg" idx="2"/>
+          </p:nvPr>
+        </p:nvSpPr>
+        <p:spPr/>
+      </p:sp>
+      <p:sp>
+        <p:nvSpPr>
+          <p:cNvPr id="3" name="文本占位符 2"/>
+          <p:cNvSpPr/>
+          <p:nvPr>
+            <p:ph type="body" idx="3"/>
+          </p:nvPr>
+        </p:nvSpPr>
+        <p:spPr/>
+        <p:txBody>
+          <a:bodyPr/>
+          <a:p>
+            <a:r>
+              <a:rPr lang="zh-CN" altLang="en-US"/>
+              <a:t>先说进程通信，</a:t>
+            </a:r>
+            <a:r>
+              <a:rPr lang="zh-CN" altLang="en-US">
+                <a:sym typeface="+mn-ea"/>
+              </a:rPr>
+              <a:t>ipc是为了让不同进程能够互相访问资源并协调工作，</a:t>
+            </a:r>
+            <a:r>
+              <a:rPr lang="zh-CN" altLang="en-US"/>
+              <a:t>node如何实现进程通信（可考虑一下浏览器中webworkder，与其api相似），主要是管道技术实现的进程通信，父进程在创建子进程时会先创建</a:t>
+            </a:r>
+            <a:r>
+              <a:rPr lang="en-US" altLang="zh-CN"/>
+              <a:t>ipc</a:t>
+            </a:r>
+            <a:r>
+              <a:rPr lang="zh-CN" altLang="en-US"/>
+              <a:t>，然后子进程创建之后链接上</a:t>
+            </a:r>
+            <a:r>
+              <a:rPr lang="en-US" altLang="zh-CN"/>
+              <a:t>ipc</a:t>
+            </a:r>
+            <a:r>
+              <a:rPr lang="zh-CN" altLang="en-US"/>
+              <a:t>。</a:t>
+            </a:r>
+            <a:endParaRPr lang="zh-CN" altLang="en-US"/>
+          </a:p>
+          <a:p>
+            <a:r>
+              <a:rPr lang="zh-CN" altLang="en-US"/>
+              <a:t>然后说如何监听相同的端口。演示代码</a:t>
+            </a:r>
+            <a:r>
+              <a:rPr lang="en-US" altLang="zh-CN"/>
+              <a:t>workder1.js, master1.js</a:t>
+            </a:r>
+            <a:r>
+              <a:rPr lang="zh-CN" altLang="en-US"/>
+              <a:t>。解决方案是监听不同端口，然后在主进程上还可以做负载均衡，但是进程每次接收到一个链接都会用掉一个文件描述符，由主进程接收再传递给子进程处理，需要消耗两个文件描述符（翻倍）。如何解决？</a:t>
+            </a:r>
+            <a:endParaRPr lang="zh-CN" altLang="en-US"/>
+          </a:p>
+          <a:p>
+            <a:r>
+              <a:rPr lang="zh-CN" altLang="en-US"/>
+              <a:t>最后引入句柄，</a:t>
+            </a:r>
+            <a:r>
+              <a:rPr lang="en-US" altLang="zh-CN"/>
+              <a:t>node</a:t>
+            </a:r>
+            <a:r>
+              <a:rPr lang="zh-CN" altLang="en-US"/>
+              <a:t>再</a:t>
+            </a:r>
+            <a:r>
+              <a:rPr lang="en-US" altLang="zh-CN"/>
+              <a:t>v0.5.9</a:t>
+            </a:r>
+            <a:r>
+              <a:rPr lang="zh-CN" altLang="en-US"/>
+              <a:t>引入进程间传递句柄的功能。演示</a:t>
+            </a:r>
+            <a:r>
+              <a:rPr lang="en-US" altLang="zh-CN"/>
+              <a:t>parent.js</a:t>
+            </a:r>
+            <a:r>
+              <a:rPr lang="zh-CN" altLang="en-US"/>
+              <a:t>，然后新窗口curl 'http://127.0.0.1:8000/'，父进程和子进程都有可能接收到。</a:t>
+            </a:r>
+            <a:endParaRPr lang="zh-CN" altLang="en-US"/>
+          </a:p>
+          <a:p>
+            <a:endParaRPr lang="zh-CN" altLang="en-US"/>
+          </a:p>
+        </p:txBody>
+      </p:sp>
+    </p:spTree>
+  </p:cSld>
+  <p:clrMapOvr>
+    <a:masterClrMapping/>
+  </p:clrMapOvr>
+</p:notes>
+</file>
+
+<file path=ppt/notesSlides/notesSlide5.xml><?xml version="1.0" encoding="utf-8"?>
+<p:notes xmlns:a="http://schemas.openxmlformats.org/drawingml/2006/main" xmlns:r="http://schemas.openxmlformats.org/officeDocument/2006/relationships" xmlns:p="http://schemas.openxmlformats.org/presentationml/2006/main">
+  <p:cSld>
+    <p:spTree>
+      <p:nvGrpSpPr>
+        <p:cNvPr id="1" name=""/>
+        <p:cNvGrpSpPr/>
+        <p:nvPr/>
+      </p:nvGrpSpPr>
+      <p:grpSpPr/>
+      <p:sp>
+        <p:nvSpPr>
+          <p:cNvPr id="2" name="幻灯片图像占位符 1"/>
+          <p:cNvSpPr/>
+          <p:nvPr>
+            <p:ph type="sldImg" idx="2"/>
+          </p:nvPr>
+        </p:nvSpPr>
+        <p:spPr/>
+      </p:sp>
+      <p:sp>
+        <p:nvSpPr>
+          <p:cNvPr id="3" name="文本占位符 2"/>
+          <p:cNvSpPr/>
+          <p:nvPr>
+            <p:ph type="body" idx="3"/>
+          </p:nvPr>
+        </p:nvSpPr>
+        <p:spPr/>
+        <p:txBody>
+          <a:bodyPr/>
+          <a:p>
+            <a:r>
+              <a:rPr lang="zh-CN" altLang="en-US"/>
+              <a:t>搭建好集群，充分利用了多核</a:t>
+            </a:r>
+            <a:r>
+              <a:rPr lang="en-US" altLang="zh-CN"/>
+              <a:t>cpu</a:t>
+            </a:r>
+            <a:r>
+              <a:rPr lang="zh-CN" altLang="en-US"/>
+              <a:t>资源，似乎就可以迎接客户端大量请求了。但是</a:t>
+            </a:r>
+            <a:r>
+              <a:rPr lang="en-US" altLang="zh-CN"/>
+              <a:t>....</a:t>
+            </a:r>
+            <a:endParaRPr lang="en-US" altLang="zh-CN"/>
+          </a:p>
+        </p:txBody>
+      </p:sp>
+    </p:spTree>
+  </p:cSld>
+  <p:clrMapOvr>
+    <a:masterClrMapping/>
+  </p:clrMapOvr>
+</p:notes>
+</file>
+
+<file path=ppt/notesSlides/notesSlide6.xml><?xml version="1.0" encoding="utf-8"?>
+<p:notes xmlns:a="http://schemas.openxmlformats.org/drawingml/2006/main" xmlns:r="http://schemas.openxmlformats.org/officeDocument/2006/relationships" xmlns:p="http://schemas.openxmlformats.org/presentationml/2006/main">
+  <p:cSld>
+    <p:spTree>
+      <p:nvGrpSpPr>
+        <p:cNvPr id="1" name=""/>
+        <p:cNvGrpSpPr/>
+        <p:nvPr/>
+      </p:nvGrpSpPr>
+      <p:grpSpPr/>
+      <p:sp>
+        <p:nvSpPr>
+          <p:cNvPr id="2" name="幻灯片图像占位符 1"/>
+          <p:cNvSpPr/>
+          <p:nvPr>
+            <p:ph type="sldImg" idx="2"/>
+          </p:nvPr>
+        </p:nvSpPr>
+        <p:spPr/>
+      </p:sp>
+      <p:sp>
+        <p:nvSpPr>
+          <p:cNvPr id="3" name="文本占位符 2"/>
+          <p:cNvSpPr/>
+          <p:nvPr>
+            <p:ph type="body" idx="3"/>
+          </p:nvPr>
+        </p:nvSpPr>
+        <p:spPr/>
+        <p:txBody>
+          <a:bodyPr/>
+          <a:p>
+            <a:r>
+              <a:rPr lang="zh-CN" altLang="en-US"/>
+              <a:t>搭建好集群，充分利用了多核</a:t>
+            </a:r>
+            <a:r>
+              <a:rPr lang="en-US" altLang="zh-CN"/>
+              <a:t>cpu</a:t>
+            </a:r>
+            <a:r>
+              <a:rPr lang="zh-CN" altLang="en-US"/>
+              <a:t>资源，似乎就可以迎接客户端大量请求了。但是</a:t>
+            </a:r>
+            <a:r>
+              <a:rPr lang="en-US" altLang="zh-CN"/>
+              <a:t>....</a:t>
+            </a:r>
+            <a:endParaRPr lang="en-US" altLang="zh-CN"/>
+          </a:p>
+        </p:txBody>
+      </p:sp>
+    </p:spTree>
+  </p:cSld>
+  <p:clrMapOvr>
+    <a:masterClrMapping/>
+  </p:clrMapOvr>
+</p:notes>
+</file>
+
+<file path=ppt/notesSlides/notesSlide7.xml><?xml version="1.0" encoding="utf-8"?>
+<p:notes xmlns:a="http://schemas.openxmlformats.org/drawingml/2006/main" xmlns:r="http://schemas.openxmlformats.org/officeDocument/2006/relationships" xmlns:p="http://schemas.openxmlformats.org/presentationml/2006/main">
+  <p:cSld>
+    <p:spTree>
+      <p:nvGrpSpPr>
+        <p:cNvPr id="1" name=""/>
+        <p:cNvGrpSpPr/>
+        <p:nvPr/>
+      </p:nvGrpSpPr>
+      <p:grpSpPr/>
+      <p:sp>
+        <p:nvSpPr>
+          <p:cNvPr id="2" name="幻灯片图像占位符 1"/>
+          <p:cNvSpPr/>
+          <p:nvPr>
+            <p:ph type="sldImg" idx="2"/>
+          </p:nvPr>
+        </p:nvSpPr>
+        <p:spPr/>
+      </p:sp>
+      <p:sp>
+        <p:nvSpPr>
+          <p:cNvPr id="3" name="文本占位符 2"/>
+          <p:cNvSpPr/>
+          <p:nvPr>
+            <p:ph type="body" idx="3"/>
+          </p:nvPr>
+        </p:nvSpPr>
+        <p:spPr/>
+        <p:txBody>
+          <a:bodyPr/>
+          <a:p>
+            <a:r>
+              <a:rPr lang="zh-CN" altLang="en-US"/>
+              <a:t>有了父子进程直接的相关事件之后，就可以在这些关系直接创建出需要的机制。master2.js</a:t>
+            </a:r>
+            <a:r>
+              <a:rPr lang="en-US" altLang="zh-CN"/>
+              <a:t>, child.js, </a:t>
+            </a:r>
+            <a:r>
+              <a:rPr lang="zh-CN" altLang="en-US"/>
+              <a:t>主动杀死进程，查看重启情况。</a:t>
+            </a:r>
+            <a:endParaRPr lang="zh-CN" altLang="en-US"/>
+          </a:p>
+          <a:p>
+            <a:r>
+              <a:rPr lang="zh-CN" altLang="en-US"/>
+              <a:t>进阶：</a:t>
+            </a:r>
+            <a:endParaRPr lang="zh-CN" altLang="en-US"/>
+          </a:p>
+          <a:p>
+            <a:r>
+              <a:rPr lang="en-US" altLang="zh-CN"/>
+              <a:t>1. </a:t>
+            </a:r>
+            <a:r>
+              <a:rPr lang="zh-CN" altLang="en-US"/>
+              <a:t>子进程添加自杀行为，在发生异常的时候，像主进程发送一个信号，主进程收到信号立即重启一个进程来服务，子进程等所有链接断开后退出进程。</a:t>
+            </a:r>
+            <a:endParaRPr lang="zh-CN" altLang="en-US"/>
+          </a:p>
+          <a:p>
+            <a:r>
+              <a:rPr lang="en-US" altLang="zh-CN"/>
+              <a:t>2. </a:t>
+            </a:r>
+            <a:r>
+              <a:rPr lang="zh-CN" altLang="en-US"/>
+              <a:t>限量重启，无线重启肯定有大问题。要报警。。</a:t>
+            </a:r>
+            <a:endParaRPr lang="zh-CN" altLang="en-US"/>
+          </a:p>
+          <a:p>
+            <a:endParaRPr lang="zh-CN" altLang="en-US"/>
+          </a:p>
+        </p:txBody>
+      </p:sp>
+    </p:spTree>
+  </p:cSld>
+  <p:clrMapOvr>
+    <a:masterClrMapping/>
+  </p:clrMapOvr>
+</p:notes>
+</file>
+
+<file path=ppt/notesSlides/notesSlide8.xml><?xml version="1.0" encoding="utf-8"?>
+<p:notes xmlns:a="http://schemas.openxmlformats.org/drawingml/2006/main" xmlns:r="http://schemas.openxmlformats.org/officeDocument/2006/relationships" xmlns:p="http://schemas.openxmlformats.org/presentationml/2006/main">
+  <p:cSld>
+    <p:spTree>
+      <p:nvGrpSpPr>
+        <p:cNvPr id="1" name=""/>
+        <p:cNvGrpSpPr/>
+        <p:nvPr/>
+      </p:nvGrpSpPr>
+      <p:grpSpPr/>
+      <p:sp>
+        <p:nvSpPr>
+          <p:cNvPr id="2" name="幻灯片图像占位符 1"/>
+          <p:cNvSpPr/>
+          <p:nvPr>
+            <p:ph type="sldImg" idx="2"/>
+          </p:nvPr>
+        </p:nvSpPr>
+        <p:spPr/>
+      </p:sp>
+      <p:sp>
+        <p:nvSpPr>
+          <p:cNvPr id="3" name="文本占位符 2"/>
+          <p:cNvSpPr/>
+          <p:nvPr>
+            <p:ph type="body" idx="3"/>
+          </p:nvPr>
+        </p:nvSpPr>
+        <p:spPr/>
+        <p:txBody>
+          <a:bodyPr/>
+          <a:p>
+            <a:r>
+              <a:rPr lang="en-US" altLang="zh-CN"/>
+              <a:t>1. </a:t>
+            </a:r>
+            <a:r>
+              <a:rPr lang="zh-CN" altLang="en-US"/>
+              <a:t>抢占式策略：对于</a:t>
+            </a:r>
+            <a:r>
+              <a:rPr lang="en-US" altLang="zh-CN"/>
+              <a:t>node</a:t>
+            </a:r>
+            <a:r>
+              <a:rPr lang="zh-CN" altLang="en-US"/>
+              <a:t>来说，它的繁忙情况由</a:t>
+            </a:r>
+            <a:r>
+              <a:rPr lang="en-US" altLang="zh-CN"/>
+              <a:t>CPU</a:t>
+            </a:r>
+            <a:r>
+              <a:rPr lang="zh-CN" altLang="en-US"/>
+              <a:t>和</a:t>
+            </a:r>
+            <a:r>
+              <a:rPr lang="en-US" altLang="zh-CN"/>
+              <a:t>I/O</a:t>
+            </a:r>
+            <a:r>
+              <a:rPr lang="zh-CN" altLang="en-US"/>
+              <a:t>两部分组成，影响抢占的主要是</a:t>
+            </a:r>
+            <a:r>
+              <a:rPr lang="en-US" altLang="zh-CN"/>
+              <a:t>CPU</a:t>
+            </a:r>
+            <a:r>
+              <a:rPr lang="zh-CN" altLang="en-US"/>
+              <a:t>的繁忙度。但是对于不同的业务，可能存在</a:t>
+            </a:r>
+            <a:r>
+              <a:rPr lang="en-US" altLang="zh-CN"/>
+              <a:t>I/O</a:t>
+            </a:r>
+            <a:r>
+              <a:rPr lang="zh-CN" altLang="en-US"/>
+              <a:t>繁忙，</a:t>
+            </a:r>
+            <a:r>
+              <a:rPr lang="en-US" altLang="zh-CN"/>
+              <a:t>CPU</a:t>
+            </a:r>
+            <a:r>
+              <a:rPr lang="zh-CN" altLang="en-US"/>
+              <a:t>空闲的情况，这就可能造成负载不均的情况。</a:t>
+            </a:r>
+            <a:endParaRPr lang="zh-CN" altLang="en-US"/>
+          </a:p>
+          <a:p>
+            <a:r>
+              <a:rPr lang="en-US" altLang="zh-CN"/>
+              <a:t>2. </a:t>
+            </a:r>
+            <a:r>
+              <a:rPr lang="zh-CN" altLang="en-US"/>
+              <a:t>轮叫调度： </a:t>
+            </a:r>
+            <a:r>
+              <a:rPr lang="zh-CN" altLang="en-US" dirty="0" smtClean="0">
+                <a:latin typeface="微软雅黑" panose="020B0503020204020204" pitchFamily="34" charset="-122"/>
+                <a:ea typeface="微软雅黑" panose="020B0503020204020204" pitchFamily="34" charset="-122"/>
+                <a:sym typeface="+mn-ea"/>
+              </a:rPr>
+              <a:t>由主进程接收连接，一次分发给工作进程，每次选择第</a:t>
+            </a:r>
+            <a:r>
+              <a:rPr lang="en-US" altLang="zh-CN" dirty="0" smtClean="0">
+                <a:latin typeface="微软雅黑" panose="020B0503020204020204" pitchFamily="34" charset="-122"/>
+                <a:ea typeface="微软雅黑" panose="020B0503020204020204" pitchFamily="34" charset="-122"/>
+                <a:sym typeface="+mn-ea"/>
+              </a:rPr>
+              <a:t>i = (i + 1) % n</a:t>
+            </a:r>
+            <a:r>
+              <a:rPr lang="zh-CN" altLang="en-US" dirty="0" smtClean="0">
+                <a:latin typeface="微软雅黑" panose="020B0503020204020204" pitchFamily="34" charset="-122"/>
+                <a:ea typeface="微软雅黑" panose="020B0503020204020204" pitchFamily="34" charset="-122"/>
+                <a:sym typeface="+mn-ea"/>
+              </a:rPr>
+              <a:t>个进程</a:t>
+            </a:r>
+            <a:endParaRPr lang="zh-CN" altLang="en-US"/>
+          </a:p>
+        </p:txBody>
+      </p:sp>
+    </p:spTree>
+  </p:cSld>
+  <p:clrMapOvr>
+    <a:masterClrMapping/>
+  </p:clrMapOvr>
+</p:notes>
+</file>
+
+<file path=ppt/notesSlides/notesSlide9.xml><?xml version="1.0" encoding="utf-8"?>
+<p:notes xmlns:a="http://schemas.openxmlformats.org/drawingml/2006/main" xmlns:r="http://schemas.openxmlformats.org/officeDocument/2006/relationships" xmlns:p="http://schemas.openxmlformats.org/presentationml/2006/main">
+  <p:cSld>
+    <p:spTree>
+      <p:nvGrpSpPr>
+        <p:cNvPr id="1" name=""/>
+        <p:cNvGrpSpPr/>
+        <p:nvPr/>
+      </p:nvGrpSpPr>
+      <p:grpSpPr/>
+      <p:sp>
+        <p:nvSpPr>
+          <p:cNvPr id="2" name="幻灯片图像占位符 1"/>
+          <p:cNvSpPr/>
+          <p:nvPr>
+            <p:ph type="sldImg" idx="2"/>
+          </p:nvPr>
+        </p:nvSpPr>
+        <p:spPr/>
+      </p:sp>
+      <p:sp>
+        <p:nvSpPr>
+          <p:cNvPr id="3" name="文本占位符 2"/>
+          <p:cNvSpPr/>
+          <p:nvPr>
+            <p:ph type="body" idx="3"/>
+          </p:nvPr>
+        </p:nvSpPr>
+        <p:spPr/>
+        <p:txBody>
+          <a:bodyPr/>
+          <a:p>
+            <a:endParaRPr lang="en-US" altLang="zh-CN"/>
+          </a:p>
+        </p:txBody>
+      </p:sp>
+    </p:spTree>
+  </p:cSld>
+  <p:clrMapOvr>
+    <a:masterClrMapping/>
+  </p:clrMapOvr>
+</p:notes>
+</file>
+
 <file path=ppt/slideLayouts/slideLayout1.xml><?xml version="1.0" encoding="utf-8"?>
 <p:sldLayout xmlns:a="http://schemas.openxmlformats.org/drawingml/2006/main" xmlns:r="http://schemas.openxmlformats.org/officeDocument/2006/relationships" xmlns:p="http://schemas.openxmlformats.org/presentationml/2006/main" type="title" preserve="1">
   <p:cSld name="标题幻灯片">
@@ -603,7 +1340,6 @@
           <a:p>
             <a:fld id="{C5C19566-C8BD-4010-B66E-DF212B1223D2}" type="datetimeFigureOut">
               <a:rPr lang="zh-CN" altLang="en-US" smtClean="0"/>
-              <a:t>2019/6/12</a:t>
             </a:fld>
             <a:endParaRPr lang="zh-CN" altLang="en-US"/>
           </a:p>
@@ -645,18 +1381,12 @@
           <a:p>
             <a:fld id="{5BCF5696-A447-47EA-AE96-1888FB357DBD}" type="slidenum">
               <a:rPr lang="zh-CN" altLang="en-US" smtClean="0"/>
-              <a:t>‹#›</a:t>
             </a:fld>
             <a:endParaRPr lang="zh-CN" altLang="en-US"/>
           </a:p>
         </p:txBody>
       </p:sp>
     </p:spTree>
-    <p:extLst>
-      <p:ext uri="{BB962C8B-B14F-4D97-AF65-F5344CB8AC3E}">
-        <p14:creationId xmlns:p14="http://schemas.microsoft.com/office/powerpoint/2010/main" val="1134218332"/>
-      </p:ext>
-    </p:extLst>
   </p:cSld>
   <p:clrMapOvr>
     <a:masterClrMapping/>
@@ -724,6 +1454,7 @@
               <a:rPr lang="zh-CN" altLang="en-US" smtClean="0"/>
               <a:t>单击此处编辑母版文本样式</a:t>
             </a:r>
+            <a:endParaRPr lang="zh-CN" altLang="en-US" smtClean="0"/>
           </a:p>
           <a:p>
             <a:pPr lvl="1"/>
@@ -731,6 +1462,7 @@
               <a:rPr lang="zh-CN" altLang="en-US" smtClean="0"/>
               <a:t>第二级</a:t>
             </a:r>
+            <a:endParaRPr lang="zh-CN" altLang="en-US" smtClean="0"/>
           </a:p>
           <a:p>
             <a:pPr lvl="2"/>
@@ -738,6 +1470,7 @@
               <a:rPr lang="zh-CN" altLang="en-US" smtClean="0"/>
               <a:t>第三级</a:t>
             </a:r>
+            <a:endParaRPr lang="zh-CN" altLang="en-US" smtClean="0"/>
           </a:p>
           <a:p>
             <a:pPr lvl="3"/>
@@ -745,6 +1478,7 @@
               <a:rPr lang="zh-CN" altLang="en-US" smtClean="0"/>
               <a:t>第四级</a:t>
             </a:r>
+            <a:endParaRPr lang="zh-CN" altLang="en-US" smtClean="0"/>
           </a:p>
           <a:p>
             <a:pPr lvl="4"/>
@@ -773,7 +1507,6 @@
           <a:p>
             <a:fld id="{C5C19566-C8BD-4010-B66E-DF212B1223D2}" type="datetimeFigureOut">
               <a:rPr lang="zh-CN" altLang="en-US" smtClean="0"/>
-              <a:t>2019/6/12</a:t>
             </a:fld>
             <a:endParaRPr lang="zh-CN" altLang="en-US"/>
           </a:p>
@@ -815,18 +1548,12 @@
           <a:p>
             <a:fld id="{5BCF5696-A447-47EA-AE96-1888FB357DBD}" type="slidenum">
               <a:rPr lang="zh-CN" altLang="en-US" smtClean="0"/>
-              <a:t>‹#›</a:t>
             </a:fld>
             <a:endParaRPr lang="zh-CN" altLang="en-US"/>
           </a:p>
         </p:txBody>
       </p:sp>
     </p:spTree>
-    <p:extLst>
-      <p:ext uri="{BB962C8B-B14F-4D97-AF65-F5344CB8AC3E}">
-        <p14:creationId xmlns:p14="http://schemas.microsoft.com/office/powerpoint/2010/main" val="1887479045"/>
-      </p:ext>
-    </p:extLst>
   </p:cSld>
   <p:clrMapOvr>
     <a:masterClrMapping/>
@@ -904,6 +1631,7 @@
               <a:rPr lang="zh-CN" altLang="en-US" smtClean="0"/>
               <a:t>单击此处编辑母版文本样式</a:t>
             </a:r>
+            <a:endParaRPr lang="zh-CN" altLang="en-US" smtClean="0"/>
           </a:p>
           <a:p>
             <a:pPr lvl="1"/>
@@ -911,6 +1639,7 @@
               <a:rPr lang="zh-CN" altLang="en-US" smtClean="0"/>
               <a:t>第二级</a:t>
             </a:r>
+            <a:endParaRPr lang="zh-CN" altLang="en-US" smtClean="0"/>
           </a:p>
           <a:p>
             <a:pPr lvl="2"/>
@@ -918,6 +1647,7 @@
               <a:rPr lang="zh-CN" altLang="en-US" smtClean="0"/>
               <a:t>第三级</a:t>
             </a:r>
+            <a:endParaRPr lang="zh-CN" altLang="en-US" smtClean="0"/>
           </a:p>
           <a:p>
             <a:pPr lvl="3"/>
@@ -925,6 +1655,7 @@
               <a:rPr lang="zh-CN" altLang="en-US" smtClean="0"/>
               <a:t>第四级</a:t>
             </a:r>
+            <a:endParaRPr lang="zh-CN" altLang="en-US" smtClean="0"/>
           </a:p>
           <a:p>
             <a:pPr lvl="4"/>
@@ -953,7 +1684,6 @@
           <a:p>
             <a:fld id="{C5C19566-C8BD-4010-B66E-DF212B1223D2}" type="datetimeFigureOut">
               <a:rPr lang="zh-CN" altLang="en-US" smtClean="0"/>
-              <a:t>2019/6/12</a:t>
             </a:fld>
             <a:endParaRPr lang="zh-CN" altLang="en-US"/>
           </a:p>
@@ -995,18 +1725,12 @@
           <a:p>
             <a:fld id="{5BCF5696-A447-47EA-AE96-1888FB357DBD}" type="slidenum">
               <a:rPr lang="zh-CN" altLang="en-US" smtClean="0"/>
-              <a:t>‹#›</a:t>
             </a:fld>
             <a:endParaRPr lang="zh-CN" altLang="en-US"/>
           </a:p>
         </p:txBody>
       </p:sp>
     </p:spTree>
-    <p:extLst>
-      <p:ext uri="{BB962C8B-B14F-4D97-AF65-F5344CB8AC3E}">
-        <p14:creationId xmlns:p14="http://schemas.microsoft.com/office/powerpoint/2010/main" val="537246482"/>
-      </p:ext>
-    </p:extLst>
   </p:cSld>
   <p:clrMapOvr>
     <a:masterClrMapping/>
@@ -1032,11 +1756,6 @@
         </a:xfrm>
       </p:grpSpPr>
     </p:spTree>
-    <p:extLst>
-      <p:ext uri="{BB962C8B-B14F-4D97-AF65-F5344CB8AC3E}">
-        <p14:creationId xmlns:p14="http://schemas.microsoft.com/office/powerpoint/2010/main" val="2921002"/>
-      </p:ext>
-    </p:extLst>
   </p:cSld>
   <p:clrMapOvr>
     <a:masterClrMapping/>
@@ -1175,9 +1894,9 @@
                   <a:solidFill>
                     <a:prstClr val="white"/>
                   </a:solidFill>
-                  <a:latin typeface="Arial" panose="020B0604020202020204" pitchFamily="34" charset="0"/>
+                  <a:latin typeface="Arial" panose="020B0604020202090204" pitchFamily="34" charset="0"/>
                   <a:ea typeface="微软雅黑" panose="020B0503020204020204" pitchFamily="34" charset="-122"/>
-                  <a:sym typeface="Arial" panose="020B0604020202020204" pitchFamily="34" charset="0"/>
+                  <a:sym typeface="Arial" panose="020B0604020202090204" pitchFamily="34" charset="0"/>
                 </a:endParaRPr>
               </a:p>
             </p:txBody>
@@ -1228,9 +1947,9 @@
                   <a:solidFill>
                     <a:prstClr val="white"/>
                   </a:solidFill>
-                  <a:latin typeface="Arial" panose="020B0604020202020204" pitchFamily="34" charset="0"/>
+                  <a:latin typeface="Arial" panose="020B0604020202090204" pitchFamily="34" charset="0"/>
                   <a:ea typeface="微软雅黑" panose="020B0503020204020204" pitchFamily="34" charset="-122"/>
-                  <a:sym typeface="Arial" panose="020B0604020202020204" pitchFamily="34" charset="0"/>
+                  <a:sym typeface="Arial" panose="020B0604020202090204" pitchFamily="34" charset="0"/>
                 </a:endParaRPr>
               </a:p>
             </p:txBody>
@@ -1273,11 +1992,6 @@
         </p:cxnSp>
       </p:grpSp>
     </p:spTree>
-    <p:extLst>
-      <p:ext uri="{BB962C8B-B14F-4D97-AF65-F5344CB8AC3E}">
-        <p14:creationId xmlns:p14="http://schemas.microsoft.com/office/powerpoint/2010/main" val="3949962806"/>
-      </p:ext>
-    </p:extLst>
   </p:cSld>
   <p:clrMapOvr>
     <a:masterClrMapping/>
@@ -1355,6 +2069,7 @@
               <a:rPr lang="zh-CN" altLang="en-US" smtClean="0"/>
               <a:t>单击此处编辑母版文本样式</a:t>
             </a:r>
+            <a:endParaRPr lang="zh-CN" altLang="en-US" smtClean="0"/>
           </a:p>
           <a:p>
             <a:pPr lvl="1"/>
@@ -1362,6 +2077,7 @@
               <a:rPr lang="zh-CN" altLang="en-US" smtClean="0"/>
               <a:t>第二级</a:t>
             </a:r>
+            <a:endParaRPr lang="zh-CN" altLang="en-US" smtClean="0"/>
           </a:p>
           <a:p>
             <a:pPr lvl="2"/>
@@ -1369,6 +2085,7 @@
               <a:rPr lang="zh-CN" altLang="en-US" smtClean="0"/>
               <a:t>第三级</a:t>
             </a:r>
+            <a:endParaRPr lang="zh-CN" altLang="en-US" smtClean="0"/>
           </a:p>
           <a:p>
             <a:pPr lvl="3"/>
@@ -1376,6 +2093,7 @@
               <a:rPr lang="zh-CN" altLang="en-US" smtClean="0"/>
               <a:t>第四级</a:t>
             </a:r>
+            <a:endParaRPr lang="zh-CN" altLang="en-US" smtClean="0"/>
           </a:p>
           <a:p>
             <a:pPr lvl="4"/>
@@ -1404,7 +2122,6 @@
           <a:p>
             <a:fld id="{C5C19566-C8BD-4010-B66E-DF212B1223D2}" type="datetimeFigureOut">
               <a:rPr lang="zh-CN" altLang="en-US" smtClean="0"/>
-              <a:t>2019/6/12</a:t>
             </a:fld>
             <a:endParaRPr lang="zh-CN" altLang="en-US"/>
           </a:p>
@@ -1446,18 +2163,12 @@
           <a:p>
             <a:fld id="{5BCF5696-A447-47EA-AE96-1888FB357DBD}" type="slidenum">
               <a:rPr lang="zh-CN" altLang="en-US" smtClean="0"/>
-              <a:t>‹#›</a:t>
             </a:fld>
             <a:endParaRPr lang="zh-CN" altLang="en-US"/>
           </a:p>
         </p:txBody>
       </p:sp>
     </p:spTree>
-    <p:extLst>
-      <p:ext uri="{BB962C8B-B14F-4D97-AF65-F5344CB8AC3E}">
-        <p14:creationId xmlns:p14="http://schemas.microsoft.com/office/powerpoint/2010/main" val="2466842671"/>
-      </p:ext>
-    </p:extLst>
   </p:cSld>
   <p:clrMapOvr>
     <a:masterClrMapping/>
@@ -1630,6 +2341,7 @@
               <a:rPr lang="zh-CN" altLang="en-US" smtClean="0"/>
               <a:t>单击此处编辑母版文本样式</a:t>
             </a:r>
+            <a:endParaRPr lang="zh-CN" altLang="en-US" smtClean="0"/>
           </a:p>
         </p:txBody>
       </p:sp>
@@ -1650,7 +2362,6 @@
           <a:p>
             <a:fld id="{C5C19566-C8BD-4010-B66E-DF212B1223D2}" type="datetimeFigureOut">
               <a:rPr lang="zh-CN" altLang="en-US" smtClean="0"/>
-              <a:t>2019/6/12</a:t>
             </a:fld>
             <a:endParaRPr lang="zh-CN" altLang="en-US"/>
           </a:p>
@@ -1692,18 +2403,12 @@
           <a:p>
             <a:fld id="{5BCF5696-A447-47EA-AE96-1888FB357DBD}" type="slidenum">
               <a:rPr lang="zh-CN" altLang="en-US" smtClean="0"/>
-              <a:t>‹#›</a:t>
             </a:fld>
             <a:endParaRPr lang="zh-CN" altLang="en-US"/>
           </a:p>
         </p:txBody>
       </p:sp>
     </p:spTree>
-    <p:extLst>
-      <p:ext uri="{BB962C8B-B14F-4D97-AF65-F5344CB8AC3E}">
-        <p14:creationId xmlns:p14="http://schemas.microsoft.com/office/powerpoint/2010/main" val="4137025218"/>
-      </p:ext>
-    </p:extLst>
   </p:cSld>
   <p:clrMapOvr>
     <a:masterClrMapping/>
@@ -1776,6 +2481,7 @@
               <a:rPr lang="zh-CN" altLang="en-US" smtClean="0"/>
               <a:t>单击此处编辑母版文本样式</a:t>
             </a:r>
+            <a:endParaRPr lang="zh-CN" altLang="en-US" smtClean="0"/>
           </a:p>
           <a:p>
             <a:pPr lvl="1"/>
@@ -1783,6 +2489,7 @@
               <a:rPr lang="zh-CN" altLang="en-US" smtClean="0"/>
               <a:t>第二级</a:t>
             </a:r>
+            <a:endParaRPr lang="zh-CN" altLang="en-US" smtClean="0"/>
           </a:p>
           <a:p>
             <a:pPr lvl="2"/>
@@ -1790,6 +2497,7 @@
               <a:rPr lang="zh-CN" altLang="en-US" smtClean="0"/>
               <a:t>第三级</a:t>
             </a:r>
+            <a:endParaRPr lang="zh-CN" altLang="en-US" smtClean="0"/>
           </a:p>
           <a:p>
             <a:pPr lvl="3"/>
@@ -1797,6 +2505,7 @@
               <a:rPr lang="zh-CN" altLang="en-US" smtClean="0"/>
               <a:t>第四级</a:t>
             </a:r>
+            <a:endParaRPr lang="zh-CN" altLang="en-US" smtClean="0"/>
           </a:p>
           <a:p>
             <a:pPr lvl="4"/>
@@ -1833,6 +2542,7 @@
               <a:rPr lang="zh-CN" altLang="en-US" smtClean="0"/>
               <a:t>单击此处编辑母版文本样式</a:t>
             </a:r>
+            <a:endParaRPr lang="zh-CN" altLang="en-US" smtClean="0"/>
           </a:p>
           <a:p>
             <a:pPr lvl="1"/>
@@ -1840,6 +2550,7 @@
               <a:rPr lang="zh-CN" altLang="en-US" smtClean="0"/>
               <a:t>第二级</a:t>
             </a:r>
+            <a:endParaRPr lang="zh-CN" altLang="en-US" smtClean="0"/>
           </a:p>
           <a:p>
             <a:pPr lvl="2"/>
@@ -1847,6 +2558,7 @@
               <a:rPr lang="zh-CN" altLang="en-US" smtClean="0"/>
               <a:t>第三级</a:t>
             </a:r>
+            <a:endParaRPr lang="zh-CN" altLang="en-US" smtClean="0"/>
           </a:p>
           <a:p>
             <a:pPr lvl="3"/>
@@ -1854,6 +2566,7 @@
               <a:rPr lang="zh-CN" altLang="en-US" smtClean="0"/>
               <a:t>第四级</a:t>
             </a:r>
+            <a:endParaRPr lang="zh-CN" altLang="en-US" smtClean="0"/>
           </a:p>
           <a:p>
             <a:pPr lvl="4"/>
@@ -1882,7 +2595,6 @@
           <a:p>
             <a:fld id="{C5C19566-C8BD-4010-B66E-DF212B1223D2}" type="datetimeFigureOut">
               <a:rPr lang="zh-CN" altLang="en-US" smtClean="0"/>
-              <a:t>2019/6/12</a:t>
             </a:fld>
             <a:endParaRPr lang="zh-CN" altLang="en-US"/>
           </a:p>
@@ -1924,18 +2636,12 @@
           <a:p>
             <a:fld id="{5BCF5696-A447-47EA-AE96-1888FB357DBD}" type="slidenum">
               <a:rPr lang="zh-CN" altLang="en-US" smtClean="0"/>
-              <a:t>‹#›</a:t>
             </a:fld>
             <a:endParaRPr lang="zh-CN" altLang="en-US"/>
           </a:p>
         </p:txBody>
       </p:sp>
     </p:spTree>
-    <p:extLst>
-      <p:ext uri="{BB962C8B-B14F-4D97-AF65-F5344CB8AC3E}">
-        <p14:creationId xmlns:p14="http://schemas.microsoft.com/office/powerpoint/2010/main" val="410291920"/>
-      </p:ext>
-    </p:extLst>
   </p:cSld>
   <p:clrMapOvr>
     <a:masterClrMapping/>
@@ -2050,6 +2756,7 @@
               <a:rPr lang="zh-CN" altLang="en-US" smtClean="0"/>
               <a:t>单击此处编辑母版文本样式</a:t>
             </a:r>
+            <a:endParaRPr lang="zh-CN" altLang="en-US" smtClean="0"/>
           </a:p>
         </p:txBody>
       </p:sp>
@@ -2078,6 +2785,7 @@
               <a:rPr lang="zh-CN" altLang="en-US" smtClean="0"/>
               <a:t>单击此处编辑母版文本样式</a:t>
             </a:r>
+            <a:endParaRPr lang="zh-CN" altLang="en-US" smtClean="0"/>
           </a:p>
           <a:p>
             <a:pPr lvl="1"/>
@@ -2085,6 +2793,7 @@
               <a:rPr lang="zh-CN" altLang="en-US" smtClean="0"/>
               <a:t>第二级</a:t>
             </a:r>
+            <a:endParaRPr lang="zh-CN" altLang="en-US" smtClean="0"/>
           </a:p>
           <a:p>
             <a:pPr lvl="2"/>
@@ -2092,6 +2801,7 @@
               <a:rPr lang="zh-CN" altLang="en-US" smtClean="0"/>
               <a:t>第三级</a:t>
             </a:r>
+            <a:endParaRPr lang="zh-CN" altLang="en-US" smtClean="0"/>
           </a:p>
           <a:p>
             <a:pPr lvl="3"/>
@@ -2099,6 +2809,7 @@
               <a:rPr lang="zh-CN" altLang="en-US" smtClean="0"/>
               <a:t>第四级</a:t>
             </a:r>
+            <a:endParaRPr lang="zh-CN" altLang="en-US" smtClean="0"/>
           </a:p>
           <a:p>
             <a:pPr lvl="4"/>
@@ -2172,6 +2883,7 @@
               <a:rPr lang="zh-CN" altLang="en-US" smtClean="0"/>
               <a:t>单击此处编辑母版文本样式</a:t>
             </a:r>
+            <a:endParaRPr lang="zh-CN" altLang="en-US" smtClean="0"/>
           </a:p>
         </p:txBody>
       </p:sp>
@@ -2200,6 +2912,7 @@
               <a:rPr lang="zh-CN" altLang="en-US" smtClean="0"/>
               <a:t>单击此处编辑母版文本样式</a:t>
             </a:r>
+            <a:endParaRPr lang="zh-CN" altLang="en-US" smtClean="0"/>
           </a:p>
           <a:p>
             <a:pPr lvl="1"/>
@@ -2207,6 +2920,7 @@
               <a:rPr lang="zh-CN" altLang="en-US" smtClean="0"/>
               <a:t>第二级</a:t>
             </a:r>
+            <a:endParaRPr lang="zh-CN" altLang="en-US" smtClean="0"/>
           </a:p>
           <a:p>
             <a:pPr lvl="2"/>
@@ -2214,6 +2928,7 @@
               <a:rPr lang="zh-CN" altLang="en-US" smtClean="0"/>
               <a:t>第三级</a:t>
             </a:r>
+            <a:endParaRPr lang="zh-CN" altLang="en-US" smtClean="0"/>
           </a:p>
           <a:p>
             <a:pPr lvl="3"/>
@@ -2221,6 +2936,7 @@
               <a:rPr lang="zh-CN" altLang="en-US" smtClean="0"/>
               <a:t>第四级</a:t>
             </a:r>
+            <a:endParaRPr lang="zh-CN" altLang="en-US" smtClean="0"/>
           </a:p>
           <a:p>
             <a:pPr lvl="4"/>
@@ -2249,7 +2965,6 @@
           <a:p>
             <a:fld id="{C5C19566-C8BD-4010-B66E-DF212B1223D2}" type="datetimeFigureOut">
               <a:rPr lang="zh-CN" altLang="en-US" smtClean="0"/>
-              <a:t>2019/6/12</a:t>
             </a:fld>
             <a:endParaRPr lang="zh-CN" altLang="en-US"/>
           </a:p>
@@ -2291,18 +3006,12 @@
           <a:p>
             <a:fld id="{5BCF5696-A447-47EA-AE96-1888FB357DBD}" type="slidenum">
               <a:rPr lang="zh-CN" altLang="en-US" smtClean="0"/>
-              <a:t>‹#›</a:t>
             </a:fld>
             <a:endParaRPr lang="zh-CN" altLang="en-US"/>
           </a:p>
         </p:txBody>
       </p:sp>
     </p:spTree>
-    <p:extLst>
-      <p:ext uri="{BB962C8B-B14F-4D97-AF65-F5344CB8AC3E}">
-        <p14:creationId xmlns:p14="http://schemas.microsoft.com/office/powerpoint/2010/main" val="2157265331"/>
-      </p:ext>
-    </p:extLst>
   </p:cSld>
   <p:clrMapOvr>
     <a:masterClrMapping/>
@@ -2367,7 +3076,6 @@
           <a:p>
             <a:fld id="{C5C19566-C8BD-4010-B66E-DF212B1223D2}" type="datetimeFigureOut">
               <a:rPr lang="zh-CN" altLang="en-US" smtClean="0"/>
-              <a:t>2019/6/12</a:t>
             </a:fld>
             <a:endParaRPr lang="zh-CN" altLang="en-US"/>
           </a:p>
@@ -2409,18 +3117,12 @@
           <a:p>
             <a:fld id="{5BCF5696-A447-47EA-AE96-1888FB357DBD}" type="slidenum">
               <a:rPr lang="zh-CN" altLang="en-US" smtClean="0"/>
-              <a:t>‹#›</a:t>
             </a:fld>
             <a:endParaRPr lang="zh-CN" altLang="en-US"/>
           </a:p>
         </p:txBody>
       </p:sp>
     </p:spTree>
-    <p:extLst>
-      <p:ext uri="{BB962C8B-B14F-4D97-AF65-F5344CB8AC3E}">
-        <p14:creationId xmlns:p14="http://schemas.microsoft.com/office/powerpoint/2010/main" val="3914115617"/>
-      </p:ext>
-    </p:extLst>
   </p:cSld>
   <p:clrMapOvr>
     <a:masterClrMapping/>
@@ -2462,7 +3164,6 @@
           <a:p>
             <a:fld id="{C5C19566-C8BD-4010-B66E-DF212B1223D2}" type="datetimeFigureOut">
               <a:rPr lang="zh-CN" altLang="en-US" smtClean="0"/>
-              <a:t>2019/6/12</a:t>
             </a:fld>
             <a:endParaRPr lang="zh-CN" altLang="en-US"/>
           </a:p>
@@ -2504,18 +3205,12 @@
           <a:p>
             <a:fld id="{5BCF5696-A447-47EA-AE96-1888FB357DBD}" type="slidenum">
               <a:rPr lang="zh-CN" altLang="en-US" smtClean="0"/>
-              <a:t>‹#›</a:t>
             </a:fld>
             <a:endParaRPr lang="zh-CN" altLang="en-US"/>
           </a:p>
         </p:txBody>
       </p:sp>
     </p:spTree>
-    <p:extLst>
-      <p:ext uri="{BB962C8B-B14F-4D97-AF65-F5344CB8AC3E}">
-        <p14:creationId xmlns:p14="http://schemas.microsoft.com/office/powerpoint/2010/main" val="893191720"/>
-      </p:ext>
-    </p:extLst>
   </p:cSld>
   <p:clrMapOvr>
     <a:masterClrMapping/>
@@ -2625,6 +3320,7 @@
               <a:rPr lang="zh-CN" altLang="en-US" smtClean="0"/>
               <a:t>单击此处编辑母版文本样式</a:t>
             </a:r>
+            <a:endParaRPr lang="zh-CN" altLang="en-US" smtClean="0"/>
           </a:p>
           <a:p>
             <a:pPr lvl="1"/>
@@ -2632,6 +3328,7 @@
               <a:rPr lang="zh-CN" altLang="en-US" smtClean="0"/>
               <a:t>第二级</a:t>
             </a:r>
+            <a:endParaRPr lang="zh-CN" altLang="en-US" smtClean="0"/>
           </a:p>
           <a:p>
             <a:pPr lvl="2"/>
@@ -2639,6 +3336,7 @@
               <a:rPr lang="zh-CN" altLang="en-US" smtClean="0"/>
               <a:t>第三级</a:t>
             </a:r>
+            <a:endParaRPr lang="zh-CN" altLang="en-US" smtClean="0"/>
           </a:p>
           <a:p>
             <a:pPr lvl="3"/>
@@ -2646,6 +3344,7 @@
               <a:rPr lang="zh-CN" altLang="en-US" smtClean="0"/>
               <a:t>第四级</a:t>
             </a:r>
+            <a:endParaRPr lang="zh-CN" altLang="en-US" smtClean="0"/>
           </a:p>
           <a:p>
             <a:pPr lvl="4"/>
@@ -2719,6 +3418,7 @@
               <a:rPr lang="zh-CN" altLang="en-US" smtClean="0"/>
               <a:t>单击此处编辑母版文本样式</a:t>
             </a:r>
+            <a:endParaRPr lang="zh-CN" altLang="en-US" smtClean="0"/>
           </a:p>
         </p:txBody>
       </p:sp>
@@ -2739,7 +3439,6 @@
           <a:p>
             <a:fld id="{C5C19566-C8BD-4010-B66E-DF212B1223D2}" type="datetimeFigureOut">
               <a:rPr lang="zh-CN" altLang="en-US" smtClean="0"/>
-              <a:t>2019/6/12</a:t>
             </a:fld>
             <a:endParaRPr lang="zh-CN" altLang="en-US"/>
           </a:p>
@@ -2781,18 +3480,12 @@
           <a:p>
             <a:fld id="{5BCF5696-A447-47EA-AE96-1888FB357DBD}" type="slidenum">
               <a:rPr lang="zh-CN" altLang="en-US" smtClean="0"/>
-              <a:t>‹#›</a:t>
             </a:fld>
             <a:endParaRPr lang="zh-CN" altLang="en-US"/>
           </a:p>
         </p:txBody>
       </p:sp>
     </p:spTree>
-    <p:extLst>
-      <p:ext uri="{BB962C8B-B14F-4D97-AF65-F5344CB8AC3E}">
-        <p14:creationId xmlns:p14="http://schemas.microsoft.com/office/powerpoint/2010/main" val="1021169926"/>
-      </p:ext>
-    </p:extLst>
   </p:cSld>
   <p:clrMapOvr>
     <a:masterClrMapping/>
@@ -2972,6 +3665,7 @@
               <a:rPr lang="zh-CN" altLang="en-US" smtClean="0"/>
               <a:t>单击此处编辑母版文本样式</a:t>
             </a:r>
+            <a:endParaRPr lang="zh-CN" altLang="en-US" smtClean="0"/>
           </a:p>
         </p:txBody>
       </p:sp>
@@ -2992,7 +3686,6 @@
           <a:p>
             <a:fld id="{C5C19566-C8BD-4010-B66E-DF212B1223D2}" type="datetimeFigureOut">
               <a:rPr lang="zh-CN" altLang="en-US" smtClean="0"/>
-              <a:t>2019/6/12</a:t>
             </a:fld>
             <a:endParaRPr lang="zh-CN" altLang="en-US"/>
           </a:p>
@@ -3034,18 +3727,12 @@
           <a:p>
             <a:fld id="{5BCF5696-A447-47EA-AE96-1888FB357DBD}" type="slidenum">
               <a:rPr lang="zh-CN" altLang="en-US" smtClean="0"/>
-              <a:t>‹#›</a:t>
             </a:fld>
             <a:endParaRPr lang="zh-CN" altLang="en-US"/>
           </a:p>
         </p:txBody>
       </p:sp>
     </p:spTree>
-    <p:extLst>
-      <p:ext uri="{BB962C8B-B14F-4D97-AF65-F5344CB8AC3E}">
-        <p14:creationId xmlns:p14="http://schemas.microsoft.com/office/powerpoint/2010/main" val="2682834029"/>
-      </p:ext>
-    </p:extLst>
   </p:cSld>
   <p:clrMapOvr>
     <a:masterClrMapping/>
@@ -3138,6 +3825,7 @@
               <a:rPr lang="zh-CN" altLang="en-US" smtClean="0"/>
               <a:t>单击此处编辑母版文本样式</a:t>
             </a:r>
+            <a:endParaRPr lang="zh-CN" altLang="en-US" smtClean="0"/>
           </a:p>
           <a:p>
             <a:pPr lvl="1"/>
@@ -3145,6 +3833,7 @@
               <a:rPr lang="zh-CN" altLang="en-US" smtClean="0"/>
               <a:t>第二级</a:t>
             </a:r>
+            <a:endParaRPr lang="zh-CN" altLang="en-US" smtClean="0"/>
           </a:p>
           <a:p>
             <a:pPr lvl="2"/>
@@ -3152,6 +3841,7 @@
               <a:rPr lang="zh-CN" altLang="en-US" smtClean="0"/>
               <a:t>第三级</a:t>
             </a:r>
+            <a:endParaRPr lang="zh-CN" altLang="en-US" smtClean="0"/>
           </a:p>
           <a:p>
             <a:pPr lvl="3"/>
@@ -3159,6 +3849,7 @@
               <a:rPr lang="zh-CN" altLang="en-US" smtClean="0"/>
               <a:t>第四级</a:t>
             </a:r>
+            <a:endParaRPr lang="zh-CN" altLang="en-US" smtClean="0"/>
           </a:p>
           <a:p>
             <a:pPr lvl="4"/>
@@ -3205,7 +3896,6 @@
           <a:p>
             <a:fld id="{C5C19566-C8BD-4010-B66E-DF212B1223D2}" type="datetimeFigureOut">
               <a:rPr lang="zh-CN" altLang="en-US" smtClean="0"/>
-              <a:t>2019/6/12</a:t>
             </a:fld>
             <a:endParaRPr lang="zh-CN" altLang="en-US"/>
           </a:p>
@@ -3283,18 +3973,12 @@
           <a:p>
             <a:fld id="{5BCF5696-A447-47EA-AE96-1888FB357DBD}" type="slidenum">
               <a:rPr lang="zh-CN" altLang="en-US" smtClean="0"/>
-              <a:t>‹#›</a:t>
             </a:fld>
             <a:endParaRPr lang="zh-CN" altLang="en-US"/>
           </a:p>
         </p:txBody>
       </p:sp>
     </p:spTree>
-    <p:extLst>
-      <p:ext uri="{BB962C8B-B14F-4D97-AF65-F5344CB8AC3E}">
-        <p14:creationId xmlns:p14="http://schemas.microsoft.com/office/powerpoint/2010/main" val="2676915653"/>
-      </p:ext>
-    </p:extLst>
   </p:cSld>
   <p:clrMap bg1="lt1" tx1="dk1" bg2="lt2" tx2="dk2" accent1="accent1" accent2="accent2" accent3="accent3" accent4="accent4" accent5="accent5" accent6="accent6" hlink="hlink" folHlink="folHlink"/>
   <p:sldLayoutIdLst>
@@ -3340,7 +4024,7 @@
         <a:spcBef>
           <a:spcPts val="1000"/>
         </a:spcBef>
-        <a:buFont typeface="Arial" panose="020B0604020202020204" pitchFamily="34" charset="0"/>
+        <a:buFont typeface="Arial" panose="020B0604020202090204" pitchFamily="34" charset="0"/>
         <a:buChar char="•"/>
         <a:defRPr sz="2800" kern="1200">
           <a:solidFill>
@@ -3358,7 +4042,7 @@
         <a:spcBef>
           <a:spcPts val="500"/>
         </a:spcBef>
-        <a:buFont typeface="Arial" panose="020B0604020202020204" pitchFamily="34" charset="0"/>
+        <a:buFont typeface="Arial" panose="020B0604020202090204" pitchFamily="34" charset="0"/>
         <a:buChar char="•"/>
         <a:defRPr sz="2400" kern="1200">
           <a:solidFill>
@@ -3376,7 +4060,7 @@
         <a:spcBef>
           <a:spcPts val="500"/>
         </a:spcBef>
-        <a:buFont typeface="Arial" panose="020B0604020202020204" pitchFamily="34" charset="0"/>
+        <a:buFont typeface="Arial" panose="020B0604020202090204" pitchFamily="34" charset="0"/>
         <a:buChar char="•"/>
         <a:defRPr sz="2000" kern="1200">
           <a:solidFill>
@@ -3394,7 +4078,7 @@
         <a:spcBef>
           <a:spcPts val="500"/>
         </a:spcBef>
-        <a:buFont typeface="Arial" panose="020B0604020202020204" pitchFamily="34" charset="0"/>
+        <a:buFont typeface="Arial" panose="020B0604020202090204" pitchFamily="34" charset="0"/>
         <a:buChar char="•"/>
         <a:defRPr sz="1800" kern="1200">
           <a:solidFill>
@@ -3412,7 +4096,7 @@
         <a:spcBef>
           <a:spcPts val="500"/>
         </a:spcBef>
-        <a:buFont typeface="Arial" panose="020B0604020202020204" pitchFamily="34" charset="0"/>
+        <a:buFont typeface="Arial" panose="020B0604020202090204" pitchFamily="34" charset="0"/>
         <a:buChar char="•"/>
         <a:defRPr sz="1800" kern="1200">
           <a:solidFill>
@@ -3430,7 +4114,7 @@
         <a:spcBef>
           <a:spcPts val="500"/>
         </a:spcBef>
-        <a:buFont typeface="Arial" panose="020B0604020202020204" pitchFamily="34" charset="0"/>
+        <a:buFont typeface="Arial" panose="020B0604020202090204" pitchFamily="34" charset="0"/>
         <a:buChar char="•"/>
         <a:defRPr sz="1800" kern="1200">
           <a:solidFill>
@@ -3448,7 +4132,7 @@
         <a:spcBef>
           <a:spcPts val="500"/>
         </a:spcBef>
-        <a:buFont typeface="Arial" panose="020B0604020202020204" pitchFamily="34" charset="0"/>
+        <a:buFont typeface="Arial" panose="020B0604020202090204" pitchFamily="34" charset="0"/>
         <a:buChar char="•"/>
         <a:defRPr sz="1800" kern="1200">
           <a:solidFill>
@@ -3466,7 +4150,7 @@
         <a:spcBef>
           <a:spcPts val="500"/>
         </a:spcBef>
-        <a:buFont typeface="Arial" panose="020B0604020202020204" pitchFamily="34" charset="0"/>
+        <a:buFont typeface="Arial" panose="020B0604020202090204" pitchFamily="34" charset="0"/>
         <a:buChar char="•"/>
         <a:defRPr sz="1800" kern="1200">
           <a:solidFill>
@@ -3484,7 +4168,7 @@
         <a:spcBef>
           <a:spcPts val="500"/>
         </a:spcBef>
-        <a:buFont typeface="Arial" panose="020B0604020202020204" pitchFamily="34" charset="0"/>
+        <a:buFont typeface="Arial" panose="020B0604020202090204" pitchFamily="34" charset="0"/>
         <a:buChar char="•"/>
         <a:defRPr sz="1800" kern="1200">
           <a:solidFill>
@@ -3658,9 +4342,9 @@
               <a:solidFill>
                 <a:prstClr val="white"/>
               </a:solidFill>
-              <a:latin typeface="Arial" panose="020B0604020202020204" pitchFamily="34" charset="0"/>
+              <a:latin typeface="Arial" panose="020B0604020202090204" pitchFamily="34" charset="0"/>
               <a:ea typeface="微软雅黑" panose="020B0503020204020204" pitchFamily="34" charset="-122"/>
-              <a:sym typeface="Arial" panose="020B0604020202020204" pitchFamily="34" charset="0"/>
+              <a:sym typeface="Arial" panose="020B0604020202090204" pitchFamily="34" charset="0"/>
             </a:endParaRPr>
           </a:p>
         </p:txBody>
@@ -3674,7 +4358,7 @@
         <p:spPr>
           <a:xfrm>
             <a:off x="341813" y="2936017"/>
-            <a:ext cx="11583795" cy="1200329"/>
+            <a:ext cx="11583795" cy="1198880"/>
           </a:xfrm>
           <a:prstGeom prst="rect">
             <a:avLst/>
@@ -3693,34 +4377,34 @@
               </a:lnSpc>
             </a:pPr>
             <a:r>
+              <a:rPr lang="en-US" altLang="zh-CN" sz="4800" b="1" dirty="0" smtClean="0">
+                <a:solidFill>
+                  <a:prstClr val="white"/>
+                </a:solidFill>
+                <a:latin typeface="微软雅黑" panose="020B0503020204020204" pitchFamily="34" charset="-122"/>
+                <a:ea typeface="微软雅黑" panose="020B0503020204020204" pitchFamily="34" charset="-122"/>
+                <a:sym typeface="Arial" panose="020B0604020202090204" pitchFamily="34" charset="0"/>
+              </a:rPr>
+              <a:t>PM2</a:t>
+            </a:r>
+            <a:r>
               <a:rPr lang="zh-CN" altLang="en-US" sz="4800" b="1" dirty="0" smtClean="0">
                 <a:solidFill>
                   <a:prstClr val="white"/>
                 </a:solidFill>
                 <a:latin typeface="微软雅黑" panose="020B0503020204020204" pitchFamily="34" charset="-122"/>
                 <a:ea typeface="微软雅黑" panose="020B0503020204020204" pitchFamily="34" charset="-122"/>
-                <a:sym typeface="Arial" panose="020B0604020202020204" pitchFamily="34" charset="0"/>
-              </a:rPr>
-              <a:t>重新认识</a:t>
-            </a:r>
-            <a:r>
-              <a:rPr lang="en-US" altLang="zh-CN" sz="4800" b="1" dirty="0" smtClean="0">
-                <a:solidFill>
-                  <a:prstClr val="white"/>
-                </a:solidFill>
-                <a:latin typeface="微软雅黑" panose="020B0503020204020204" pitchFamily="34" charset="-122"/>
-                <a:ea typeface="微软雅黑" panose="020B0503020204020204" pitchFamily="34" charset="-122"/>
-                <a:sym typeface="Arial" panose="020B0604020202020204" pitchFamily="34" charset="0"/>
-              </a:rPr>
-              <a:t>PM2</a:t>
-            </a:r>
-            <a:endParaRPr lang="en-US" altLang="zh-CN" sz="4800" b="1" dirty="0" smtClean="0">
+                <a:sym typeface="Arial" panose="020B0604020202090204" pitchFamily="34" charset="0"/>
+              </a:rPr>
+              <a:t>使用及其原理</a:t>
+            </a:r>
+            <a:endParaRPr lang="zh-CN" altLang="en-US" sz="4800" b="1" dirty="0" smtClean="0">
               <a:solidFill>
                 <a:prstClr val="white"/>
               </a:solidFill>
               <a:latin typeface="微软雅黑" panose="020B0503020204020204" pitchFamily="34" charset="-122"/>
               <a:ea typeface="微软雅黑" panose="020B0503020204020204" pitchFamily="34" charset="-122"/>
-              <a:sym typeface="Arial" panose="020B0604020202020204" pitchFamily="34" charset="0"/>
+              <a:sym typeface="Arial" panose="020B0604020202090204" pitchFamily="34" charset="0"/>
             </a:endParaRPr>
           </a:p>
         </p:txBody>
@@ -3753,9 +4437,9 @@
                 <a:solidFill>
                   <a:prstClr val="white"/>
                 </a:solidFill>
-                <a:latin typeface="Arial" panose="020B0604020202020204" pitchFamily="34" charset="0"/>
-                <a:ea typeface="微软雅黑" panose="020B0503020204020204" pitchFamily="34" charset="-122"/>
-                <a:sym typeface="Arial" panose="020B0604020202020204" pitchFamily="34" charset="0"/>
+                <a:latin typeface="Arial" panose="020B0604020202090204" pitchFamily="34" charset="0"/>
+                <a:ea typeface="微软雅黑" panose="020B0503020204020204" pitchFamily="34" charset="-122"/>
+                <a:sym typeface="Arial" panose="020B0604020202090204" pitchFamily="34" charset="0"/>
               </a:rPr>
               <a:t>服务与风控开发组 </a:t>
             </a:r>
@@ -3764,9 +4448,9 @@
                 <a:solidFill>
                   <a:prstClr val="white"/>
                 </a:solidFill>
-                <a:latin typeface="Arial" panose="020B0604020202020204" pitchFamily="34" charset="0"/>
-                <a:ea typeface="微软雅黑" panose="020B0503020204020204" pitchFamily="34" charset="-122"/>
-                <a:sym typeface="Arial" panose="020B0604020202020204" pitchFamily="34" charset="0"/>
+                <a:latin typeface="Arial" panose="020B0604020202090204" pitchFamily="34" charset="0"/>
+                <a:ea typeface="微软雅黑" panose="020B0503020204020204" pitchFamily="34" charset="-122"/>
+                <a:sym typeface="Arial" panose="020B0604020202090204" pitchFamily="34" charset="0"/>
               </a:rPr>
               <a:t>Johnnychen</a:t>
             </a:r>
@@ -3775,9 +4459,9 @@
                 <a:solidFill>
                   <a:prstClr val="white"/>
                 </a:solidFill>
-                <a:latin typeface="Arial" panose="020B0604020202020204" pitchFamily="34" charset="0"/>
-                <a:ea typeface="微软雅黑" panose="020B0503020204020204" pitchFamily="34" charset="-122"/>
-                <a:sym typeface="Arial" panose="020B0604020202020204" pitchFamily="34" charset="0"/>
+                <a:latin typeface="Arial" panose="020B0604020202090204" pitchFamily="34" charset="0"/>
+                <a:ea typeface="微软雅黑" panose="020B0503020204020204" pitchFamily="34" charset="-122"/>
+                <a:sym typeface="Arial" panose="020B0604020202090204" pitchFamily="34" charset="0"/>
               </a:rPr>
               <a:t> </a:t>
             </a:r>
@@ -3786,9 +4470,9 @@
                 <a:solidFill>
                   <a:prstClr val="white"/>
                 </a:solidFill>
-                <a:latin typeface="Arial" panose="020B0604020202020204" pitchFamily="34" charset="0"/>
-                <a:ea typeface="微软雅黑" panose="020B0503020204020204" pitchFamily="34" charset="-122"/>
-                <a:sym typeface="Arial" panose="020B0604020202020204" pitchFamily="34" charset="0"/>
+                <a:latin typeface="Arial" panose="020B0604020202090204" pitchFamily="34" charset="0"/>
+                <a:ea typeface="微软雅黑" panose="020B0503020204020204" pitchFamily="34" charset="-122"/>
+                <a:sym typeface="Arial" panose="020B0604020202090204" pitchFamily="34" charset="0"/>
               </a:rPr>
               <a:t>2019</a:t>
             </a:r>
@@ -3797,9 +4481,9 @@
                 <a:solidFill>
                   <a:prstClr val="white"/>
                 </a:solidFill>
-                <a:latin typeface="Arial" panose="020B0604020202020204" pitchFamily="34" charset="0"/>
-                <a:ea typeface="微软雅黑" panose="020B0503020204020204" pitchFamily="34" charset="-122"/>
-                <a:sym typeface="Arial" panose="020B0604020202020204" pitchFamily="34" charset="0"/>
+                <a:latin typeface="Arial" panose="020B0604020202090204" pitchFamily="34" charset="0"/>
+                <a:ea typeface="微软雅黑" panose="020B0503020204020204" pitchFamily="34" charset="-122"/>
+                <a:sym typeface="Arial" panose="020B0604020202090204" pitchFamily="34" charset="0"/>
               </a:rPr>
               <a:t>年</a:t>
             </a:r>
@@ -3808,9 +4492,9 @@
                 <a:solidFill>
                   <a:prstClr val="white"/>
                 </a:solidFill>
-                <a:latin typeface="Arial" panose="020B0604020202020204" pitchFamily="34" charset="0"/>
-                <a:ea typeface="微软雅黑" panose="020B0503020204020204" pitchFamily="34" charset="-122"/>
-                <a:sym typeface="Arial" panose="020B0604020202020204" pitchFamily="34" charset="0"/>
+                <a:latin typeface="Arial" panose="020B0604020202090204" pitchFamily="34" charset="0"/>
+                <a:ea typeface="微软雅黑" panose="020B0503020204020204" pitchFamily="34" charset="-122"/>
+                <a:sym typeface="Arial" panose="020B0604020202090204" pitchFamily="34" charset="0"/>
               </a:rPr>
               <a:t>6</a:t>
             </a:r>
@@ -3819,9 +4503,9 @@
                 <a:solidFill>
                   <a:prstClr val="white"/>
                 </a:solidFill>
-                <a:latin typeface="Arial" panose="020B0604020202020204" pitchFamily="34" charset="0"/>
-                <a:ea typeface="微软雅黑" panose="020B0503020204020204" pitchFamily="34" charset="-122"/>
-                <a:sym typeface="Arial" panose="020B0604020202020204" pitchFamily="34" charset="0"/>
+                <a:latin typeface="Arial" panose="020B0604020202090204" pitchFamily="34" charset="0"/>
+                <a:ea typeface="微软雅黑" panose="020B0503020204020204" pitchFamily="34" charset="-122"/>
+                <a:sym typeface="Arial" panose="020B0604020202090204" pitchFamily="34" charset="0"/>
               </a:rPr>
               <a:t>月</a:t>
             </a:r>
@@ -3829,9 +4513,9 @@
               <a:solidFill>
                 <a:prstClr val="white"/>
               </a:solidFill>
-              <a:latin typeface="Arial" panose="020B0604020202020204" pitchFamily="34" charset="0"/>
+              <a:latin typeface="Arial" panose="020B0604020202090204" pitchFamily="34" charset="0"/>
               <a:ea typeface="微软雅黑" panose="020B0503020204020204" pitchFamily="34" charset="-122"/>
-              <a:sym typeface="Arial" panose="020B0604020202020204" pitchFamily="34" charset="0"/>
+              <a:sym typeface="Arial" panose="020B0604020202090204" pitchFamily="34" charset="0"/>
             </a:endParaRPr>
           </a:p>
         </p:txBody>
@@ -3872,11 +4556,6 @@
         </p:style>
       </p:cxnSp>
     </p:spTree>
-    <p:extLst>
-      <p:ext uri="{BB962C8B-B14F-4D97-AF65-F5344CB8AC3E}">
-        <p14:creationId xmlns:p14="http://schemas.microsoft.com/office/powerpoint/2010/main" val="249802943"/>
-      </p:ext>
-    </p:extLst>
   </p:cSld>
   <p:clrMapOvr>
     <a:masterClrMapping/>
@@ -4139,7 +4818,7 @@
 </p:sld>
 </file>
 
-<file path=ppt/slides/slide2.xml><?xml version="1.0" encoding="utf-8"?>
+<file path=ppt/slides/slide10.xml><?xml version="1.0" encoding="utf-8"?>
 <p:sld xmlns:a="http://schemas.openxmlformats.org/drawingml/2006/main" xmlns:r="http://schemas.openxmlformats.org/officeDocument/2006/relationships" xmlns:p="http://schemas.openxmlformats.org/presentationml/2006/main">
   <p:cSld>
     <p:spTree>
@@ -4166,8 +4845,8 @@
         </p:nvSpPr>
         <p:spPr bwMode="auto">
           <a:xfrm>
-            <a:off x="847042" y="1217728"/>
-            <a:ext cx="10113484" cy="1477328"/>
+            <a:off x="847042" y="1234238"/>
+            <a:ext cx="10113484" cy="553085"/>
           </a:xfrm>
           <a:prstGeom prst="rect">
             <a:avLst/>
@@ -4215,7 +4894,7 @@
                 <a:solidFill>
                   <a:schemeClr val="tx1"/>
                 </a:solidFill>
-                <a:latin typeface="Arial" panose="020B0604020202020204" pitchFamily="34" charset="0"/>
+                <a:latin typeface="Arial" panose="020B0604020202090204" pitchFamily="34" charset="0"/>
                 <a:ea typeface="宋体" panose="02010600030101010101" pitchFamily="2" charset="-122"/>
                 <a:cs typeface="+mn-cs"/>
               </a:defRPr>
@@ -4231,7 +4910,7 @@
                 <a:solidFill>
                   <a:schemeClr val="tx1"/>
                 </a:solidFill>
-                <a:latin typeface="Arial" panose="020B0604020202020204" pitchFamily="34" charset="0"/>
+                <a:latin typeface="Arial" panose="020B0604020202090204" pitchFamily="34" charset="0"/>
                 <a:ea typeface="宋体" panose="02010600030101010101" pitchFamily="2" charset="-122"/>
                 <a:cs typeface="+mn-cs"/>
               </a:defRPr>
@@ -4247,7 +4926,7 @@
                 <a:solidFill>
                   <a:schemeClr val="tx1"/>
                 </a:solidFill>
-                <a:latin typeface="Arial" panose="020B0604020202020204" pitchFamily="34" charset="0"/>
+                <a:latin typeface="Arial" panose="020B0604020202090204" pitchFamily="34" charset="0"/>
                 <a:ea typeface="宋体" panose="02010600030101010101" pitchFamily="2" charset="-122"/>
                 <a:cs typeface="+mn-cs"/>
               </a:defRPr>
@@ -4263,7 +4942,7 @@
                 <a:solidFill>
                   <a:schemeClr val="tx1"/>
                 </a:solidFill>
-                <a:latin typeface="Arial" panose="020B0604020202020204" pitchFamily="34" charset="0"/>
+                <a:latin typeface="Arial" panose="020B0604020202090204" pitchFamily="34" charset="0"/>
                 <a:ea typeface="宋体" panose="02010600030101010101" pitchFamily="2" charset="-122"/>
                 <a:cs typeface="+mn-cs"/>
               </a:defRPr>
@@ -4279,7 +4958,7 @@
                 <a:solidFill>
                   <a:schemeClr val="tx1"/>
                 </a:solidFill>
-                <a:latin typeface="Arial" panose="020B0604020202020204" pitchFamily="34" charset="0"/>
+                <a:latin typeface="Arial" panose="020B0604020202090204" pitchFamily="34" charset="0"/>
                 <a:ea typeface="宋体" panose="02010600030101010101" pitchFamily="2" charset="-122"/>
                 <a:cs typeface="+mn-cs"/>
               </a:defRPr>
@@ -4289,7 +4968,7 @@
                 <a:solidFill>
                   <a:schemeClr val="tx1"/>
                 </a:solidFill>
-                <a:latin typeface="Arial" panose="020B0604020202020204" pitchFamily="34" charset="0"/>
+                <a:latin typeface="Arial" panose="020B0604020202090204" pitchFamily="34" charset="0"/>
                 <a:ea typeface="宋体" panose="02010600030101010101" pitchFamily="2" charset="-122"/>
                 <a:cs typeface="+mn-cs"/>
               </a:defRPr>
@@ -4299,7 +4978,7 @@
                 <a:solidFill>
                   <a:schemeClr val="tx1"/>
                 </a:solidFill>
-                <a:latin typeface="Arial" panose="020B0604020202020204" pitchFamily="34" charset="0"/>
+                <a:latin typeface="Arial" panose="020B0604020202090204" pitchFamily="34" charset="0"/>
                 <a:ea typeface="宋体" panose="02010600030101010101" pitchFamily="2" charset="-122"/>
                 <a:cs typeface="+mn-cs"/>
               </a:defRPr>
@@ -4309,7 +4988,7 @@
                 <a:solidFill>
                   <a:schemeClr val="tx1"/>
                 </a:solidFill>
-                <a:latin typeface="Arial" panose="020B0604020202020204" pitchFamily="34" charset="0"/>
+                <a:latin typeface="Arial" panose="020B0604020202090204" pitchFamily="34" charset="0"/>
                 <a:ea typeface="宋体" panose="02010600030101010101" pitchFamily="2" charset="-122"/>
                 <a:cs typeface="+mn-cs"/>
               </a:defRPr>
@@ -4319,14 +4998,14 @@
                 <a:solidFill>
                   <a:schemeClr val="tx1"/>
                 </a:solidFill>
-                <a:latin typeface="Arial" panose="020B0604020202020204" pitchFamily="34" charset="0"/>
+                <a:latin typeface="Arial" panose="020B0604020202090204" pitchFamily="34" charset="0"/>
                 <a:ea typeface="宋体" panose="02010600030101010101" pitchFamily="2" charset="-122"/>
                 <a:cs typeface="+mn-cs"/>
               </a:defRPr>
             </a:lvl9pPr>
           </a:lstStyle>
           <a:p>
-            <a:pPr eaLnBrk="1" hangingPunct="1">
+            <a:pPr indent="0" eaLnBrk="1" hangingPunct="1">
               <a:lnSpc>
                 <a:spcPct val="150000"/>
               </a:lnSpc>
@@ -4344,51 +5023,28 @@
                 <a:latin typeface="微软雅黑" panose="020B0503020204020204" pitchFamily="34" charset="-122"/>
                 <a:ea typeface="微软雅黑" panose="020B0503020204020204" pitchFamily="34" charset="-122"/>
               </a:rPr>
-              <a:t>p = process</a:t>
-            </a:r>
-          </a:p>
-          <a:p>
-            <a:pPr eaLnBrk="1" hangingPunct="1">
-              <a:lnSpc>
-                <a:spcPct val="150000"/>
-              </a:lnSpc>
-              <a:spcBef>
-                <a:spcPct val="0"/>
-              </a:spcBef>
-              <a:spcAft>
-                <a:spcPts val="0"/>
-              </a:spcAft>
-              <a:buFontTx/>
-              <a:buNone/>
-            </a:pPr>
+              <a:t>node</a:t>
+            </a:r>
+            <a:r>
+              <a:rPr lang="zh-CN" altLang="en-US" sz="2000" dirty="0" smtClean="0">
+                <a:latin typeface="微软雅黑" panose="020B0503020204020204" pitchFamily="34" charset="-122"/>
+                <a:ea typeface="微软雅黑" panose="020B0503020204020204" pitchFamily="34" charset="-122"/>
+              </a:rPr>
+              <a:t>的</a:t>
+            </a:r>
             <a:r>
               <a:rPr lang="en-US" altLang="zh-CN" sz="2000" dirty="0" smtClean="0">
                 <a:latin typeface="微软雅黑" panose="020B0503020204020204" pitchFamily="34" charset="-122"/>
                 <a:ea typeface="微软雅黑" panose="020B0503020204020204" pitchFamily="34" charset="-122"/>
               </a:rPr>
-              <a:t>m = manager</a:t>
-            </a:r>
-          </a:p>
-          <a:p>
-            <a:pPr eaLnBrk="1" hangingPunct="1">
-              <a:lnSpc>
-                <a:spcPct val="150000"/>
-              </a:lnSpc>
-              <a:spcBef>
-                <a:spcPct val="0"/>
-              </a:spcBef>
-              <a:spcAft>
-                <a:spcPts val="0"/>
-              </a:spcAft>
-              <a:buFontTx/>
-              <a:buNone/>
-            </a:pPr>
-            <a:r>
-              <a:rPr lang="en-US" altLang="zh-CN" sz="2000" dirty="0" smtClean="0">
-                <a:latin typeface="微软雅黑" panose="020B0503020204020204" pitchFamily="34" charset="-122"/>
-                <a:ea typeface="微软雅黑" panose="020B0503020204020204" pitchFamily="34" charset="-122"/>
-              </a:rPr>
-              <a:t>2 = 1 + 1</a:t>
+              <a:t>child_process</a:t>
+            </a:r>
+            <a:r>
+              <a:rPr lang="zh-CN" altLang="en-US" sz="2000" dirty="0" smtClean="0">
+                <a:latin typeface="微软雅黑" panose="020B0503020204020204" pitchFamily="34" charset="-122"/>
+                <a:ea typeface="微软雅黑" panose="020B0503020204020204" pitchFamily="34" charset="-122"/>
+              </a:rPr>
+              <a:t>模块</a:t>
             </a:r>
             <a:endParaRPr lang="en-US" altLang="zh-CN" sz="2000" dirty="0" smtClean="0">
               <a:latin typeface="微软雅黑" panose="020B0503020204020204" pitchFamily="34" charset="-122"/>
@@ -4406,7 +5062,7 @@
         <p:spPr>
           <a:xfrm>
             <a:off x="1749424" y="70765"/>
-            <a:ext cx="7455535" cy="584775"/>
+            <a:ext cx="7455535" cy="583565"/>
           </a:xfrm>
           <a:prstGeom prst="rect">
             <a:avLst/>
@@ -4424,21 +5080,14 @@
                 <a:latin typeface="微软雅黑" panose="020B0503020204020204" pitchFamily="34" charset="-122"/>
                 <a:ea typeface="微软雅黑" panose="020B0503020204020204" pitchFamily="34" charset="-122"/>
               </a:rPr>
-              <a:t>1. </a:t>
-            </a:r>
-            <a:r>
-              <a:rPr lang="en-US" altLang="zh-CN" sz="3200" dirty="0" smtClean="0">
-                <a:latin typeface="微软雅黑" panose="020B0503020204020204" pitchFamily="34" charset="-122"/>
-                <a:ea typeface="微软雅黑" panose="020B0503020204020204" pitchFamily="34" charset="-122"/>
-              </a:rPr>
-              <a:t>pm2</a:t>
+              <a:t>2. node</a:t>
             </a:r>
             <a:r>
               <a:rPr lang="zh-CN" altLang="en-US" sz="3200" dirty="0" smtClean="0">
                 <a:latin typeface="微软雅黑" panose="020B0503020204020204" pitchFamily="34" charset="-122"/>
                 <a:ea typeface="微软雅黑" panose="020B0503020204020204" pitchFamily="34" charset="-122"/>
               </a:rPr>
-              <a:t>是什么？</a:t>
+              <a:t>多进程架构</a:t>
             </a:r>
             <a:endParaRPr lang="zh-CN" altLang="en-US" sz="3200" dirty="0" smtClean="0">
               <a:latin typeface="微软雅黑" panose="020B0503020204020204" pitchFamily="34" charset="-122"/>
@@ -4447,12 +5096,1296 @@
           </a:p>
         </p:txBody>
       </p:sp>
+      <p:pic>
+        <p:nvPicPr>
+          <p:cNvPr id="5" name="图片 4" descr="主从模式"/>
+          <p:cNvPicPr>
+            <a:picLocks noChangeAspect="1"/>
+          </p:cNvPicPr>
+          <p:nvPr/>
+        </p:nvPicPr>
+        <p:blipFill>
+          <a:blip r:embed="rId1"/>
+          <a:stretch>
+            <a:fillRect/>
+          </a:stretch>
+        </p:blipFill>
+        <p:spPr>
+          <a:xfrm>
+            <a:off x="847090" y="2009775"/>
+            <a:ext cx="8103870" cy="3740150"/>
+          </a:xfrm>
+          <a:prstGeom prst="rect">
+            <a:avLst/>
+          </a:prstGeom>
+        </p:spPr>
+      </p:pic>
     </p:spTree>
-    <p:extLst>
-      <p:ext uri="{BB962C8B-B14F-4D97-AF65-F5344CB8AC3E}">
-        <p14:creationId xmlns:p14="http://schemas.microsoft.com/office/powerpoint/2010/main" val="4166404600"/>
-      </p:ext>
-    </p:extLst>
+  </p:cSld>
+  <p:clrMapOvr>
+    <a:masterClrMapping/>
+  </p:clrMapOvr>
+  <p:transition spd="med">
+    <p:random/>
+  </p:transition>
+  <p:timing>
+    <p:tnLst>
+      <p:par>
+        <p:cTn id="1" dur="indefinite" restart="never" nodeType="tmRoot">
+          <p:childTnLst>
+            <p:seq concurrent="1" nextAc="seek">
+              <p:cTn id="2" dur="indefinite" nodeType="mainSeq">
+                <p:childTnLst>
+                  <p:par>
+                    <p:cTn id="3" fill="hold">
+                      <p:stCondLst>
+                        <p:cond delay="indefinite"/>
+                      </p:stCondLst>
+                      <p:childTnLst>
+                        <p:par>
+                          <p:cTn id="4" fill="hold">
+                            <p:stCondLst>
+                              <p:cond delay="0"/>
+                            </p:stCondLst>
+                            <p:childTnLst>
+                              <p:par>
+                                <p:cTn id="5" presetID="2" presetClass="entr" presetSubtype="4" fill="hold" grpId="0" nodeType="clickEffect">
+                                  <p:stCondLst>
+                                    <p:cond delay="0"/>
+                                  </p:stCondLst>
+                                  <p:childTnLst>
+                                    <p:set>
+                                      <p:cBhvr>
+                                        <p:cTn id="6" dur="1" fill="hold">
+                                          <p:stCondLst>
+                                            <p:cond delay="0"/>
+                                          </p:stCondLst>
+                                        </p:cTn>
+                                        <p:tgtEl>
+                                          <p:spTgt spid="3"/>
+                                        </p:tgtEl>
+                                        <p:attrNameLst>
+                                          <p:attrName>style.visibility</p:attrName>
+                                        </p:attrNameLst>
+                                      </p:cBhvr>
+                                      <p:to>
+                                        <p:strVal val="visible"/>
+                                      </p:to>
+                                    </p:set>
+                                    <p:anim calcmode="lin" valueType="num">
+                                      <p:cBhvr additive="base">
+                                        <p:cTn id="7" dur="500" fill="hold"/>
+                                        <p:tgtEl>
+                                          <p:spTgt spid="3"/>
+                                        </p:tgtEl>
+                                        <p:attrNameLst>
+                                          <p:attrName>ppt_x</p:attrName>
+                                        </p:attrNameLst>
+                                      </p:cBhvr>
+                                      <p:tavLst>
+                                        <p:tav tm="0">
+                                          <p:val>
+                                            <p:strVal val="#ppt_x"/>
+                                          </p:val>
+                                        </p:tav>
+                                        <p:tav tm="100000">
+                                          <p:val>
+                                            <p:strVal val="#ppt_x"/>
+                                          </p:val>
+                                        </p:tav>
+                                      </p:tavLst>
+                                    </p:anim>
+                                    <p:anim calcmode="lin" valueType="num">
+                                      <p:cBhvr additive="base">
+                                        <p:cTn id="8" dur="500" fill="hold"/>
+                                        <p:tgtEl>
+                                          <p:spTgt spid="3"/>
+                                        </p:tgtEl>
+                                        <p:attrNameLst>
+                                          <p:attrName>ppt_y</p:attrName>
+                                        </p:attrNameLst>
+                                      </p:cBhvr>
+                                      <p:tavLst>
+                                        <p:tav tm="0">
+                                          <p:val>
+                                            <p:strVal val="1+#ppt_h/2"/>
+                                          </p:val>
+                                        </p:tav>
+                                        <p:tav tm="100000">
+                                          <p:val>
+                                            <p:strVal val="#ppt_y"/>
+                                          </p:val>
+                                        </p:tav>
+                                      </p:tavLst>
+                                    </p:anim>
+                                  </p:childTnLst>
+                                </p:cTn>
+                              </p:par>
+                            </p:childTnLst>
+                          </p:cTn>
+                        </p:par>
+                      </p:childTnLst>
+                    </p:cTn>
+                  </p:par>
+                  <p:par>
+                    <p:cTn id="9" fill="hold">
+                      <p:stCondLst>
+                        <p:cond delay="indefinite"/>
+                      </p:stCondLst>
+                      <p:childTnLst>
+                        <p:par>
+                          <p:cTn id="10" fill="hold">
+                            <p:stCondLst>
+                              <p:cond delay="0"/>
+                            </p:stCondLst>
+                            <p:childTnLst>
+                              <p:par>
+                                <p:cTn id="11" presetID="2" presetClass="entr" presetSubtype="4" fill="hold" nodeType="clickEffect">
+                                  <p:stCondLst>
+                                    <p:cond delay="0"/>
+                                  </p:stCondLst>
+                                  <p:childTnLst>
+                                    <p:set>
+                                      <p:cBhvr>
+                                        <p:cTn id="12" dur="1" fill="hold">
+                                          <p:stCondLst>
+                                            <p:cond delay="0"/>
+                                          </p:stCondLst>
+                                        </p:cTn>
+                                        <p:tgtEl>
+                                          <p:spTgt spid="5"/>
+                                        </p:tgtEl>
+                                        <p:attrNameLst>
+                                          <p:attrName>style.visibility</p:attrName>
+                                        </p:attrNameLst>
+                                      </p:cBhvr>
+                                      <p:to>
+                                        <p:strVal val="visible"/>
+                                      </p:to>
+                                    </p:set>
+                                    <p:anim calcmode="lin" valueType="num">
+                                      <p:cBhvr additive="base">
+                                        <p:cTn id="13" dur="500" fill="hold"/>
+                                        <p:tgtEl>
+                                          <p:spTgt spid="5"/>
+                                        </p:tgtEl>
+                                        <p:attrNameLst>
+                                          <p:attrName>ppt_x</p:attrName>
+                                        </p:attrNameLst>
+                                      </p:cBhvr>
+                                      <p:tavLst>
+                                        <p:tav tm="0">
+                                          <p:val>
+                                            <p:strVal val="#ppt_x"/>
+                                          </p:val>
+                                        </p:tav>
+                                        <p:tav tm="100000">
+                                          <p:val>
+                                            <p:strVal val="#ppt_x"/>
+                                          </p:val>
+                                        </p:tav>
+                                      </p:tavLst>
+                                    </p:anim>
+                                    <p:anim calcmode="lin" valueType="num">
+                                      <p:cBhvr additive="base">
+                                        <p:cTn id="14" dur="500" fill="hold"/>
+                                        <p:tgtEl>
+                                          <p:spTgt spid="5"/>
+                                        </p:tgtEl>
+                                        <p:attrNameLst>
+                                          <p:attrName>ppt_y</p:attrName>
+                                        </p:attrNameLst>
+                                      </p:cBhvr>
+                                      <p:tavLst>
+                                        <p:tav tm="0">
+                                          <p:val>
+                                            <p:strVal val="1+#ppt_h/2"/>
+                                          </p:val>
+                                        </p:tav>
+                                        <p:tav tm="100000">
+                                          <p:val>
+                                            <p:strVal val="#ppt_y"/>
+                                          </p:val>
+                                        </p:tav>
+                                      </p:tavLst>
+                                    </p:anim>
+                                  </p:childTnLst>
+                                </p:cTn>
+                              </p:par>
+                            </p:childTnLst>
+                          </p:cTn>
+                        </p:par>
+                      </p:childTnLst>
+                    </p:cTn>
+                  </p:par>
+                </p:childTnLst>
+              </p:cTn>
+              <p:prevCondLst>
+                <p:cond evt="onPrev" delay="0">
+                  <p:tgtEl>
+                    <p:sldTgt/>
+                  </p:tgtEl>
+                </p:cond>
+              </p:prevCondLst>
+              <p:nextCondLst>
+                <p:cond evt="onNext" delay="0">
+                  <p:tgtEl>
+                    <p:sldTgt/>
+                  </p:tgtEl>
+                </p:cond>
+              </p:nextCondLst>
+            </p:seq>
+          </p:childTnLst>
+        </p:cTn>
+      </p:par>
+    </p:tnLst>
+    <p:bldLst>
+      <p:bldP spid="3" grpId="0"/>
+    </p:bldLst>
+  </p:timing>
+</p:sld>
+</file>
+
+<file path=ppt/slides/slide11.xml><?xml version="1.0" encoding="utf-8"?>
+<p:sld xmlns:a="http://schemas.openxmlformats.org/drawingml/2006/main" xmlns:r="http://schemas.openxmlformats.org/officeDocument/2006/relationships" xmlns:p="http://schemas.openxmlformats.org/presentationml/2006/main">
+  <p:cSld>
+    <p:spTree>
+      <p:nvGrpSpPr>
+        <p:cNvPr id="1" name=""/>
+        <p:cNvGrpSpPr/>
+        <p:nvPr/>
+      </p:nvGrpSpPr>
+      <p:grpSpPr>
+        <a:xfrm>
+          <a:off x="0" y="0"/>
+          <a:ext cx="0" cy="0"/>
+          <a:chOff x="0" y="0"/>
+          <a:chExt cx="0" cy="0"/>
+        </a:xfrm>
+      </p:grpSpPr>
+      <p:sp>
+        <p:nvSpPr>
+          <p:cNvPr id="3" name="文本框 2"/>
+          <p:cNvSpPr txBox="1">
+            <a:spLocks noChangeArrowheads="1"/>
+          </p:cNvSpPr>
+          <p:nvPr/>
+        </p:nvSpPr>
+        <p:spPr bwMode="auto">
+          <a:xfrm>
+            <a:off x="847042" y="1217728"/>
+            <a:ext cx="10113484" cy="553085"/>
+          </a:xfrm>
+          <a:prstGeom prst="rect">
+            <a:avLst/>
+          </a:prstGeom>
+          <a:noFill/>
+          <a:ln>
+            <a:noFill/>
+          </a:ln>
+          <a:extLst>
+            <a:ext uri="{909E8E84-426E-40DD-AFC4-6F175D3DCCD1}">
+              <a14:hiddenFill xmlns:a14="http://schemas.microsoft.com/office/drawing/2010/main">
+                <a:solidFill>
+                  <a:srgbClr val="FFFFFF"/>
+                </a:solidFill>
+              </a14:hiddenFill>
+            </a:ext>
+            <a:ext uri="{91240B29-F687-4F45-9708-019B960494DF}">
+              <a14:hiddenLine xmlns:a14="http://schemas.microsoft.com/office/drawing/2010/main" w="9525">
+                <a:solidFill>
+                  <a:srgbClr val="000000"/>
+                </a:solidFill>
+                <a:miter lim="800000"/>
+                <a:headEnd/>
+                <a:tailEnd/>
+              </a14:hiddenLine>
+            </a:ext>
+          </a:extLst>
+        </p:spPr>
+        <p:txBody>
+          <a:bodyPr wrap="square">
+            <a:spAutoFit/>
+          </a:bodyPr>
+          <a:lstStyle>
+            <a:defPPr>
+              <a:defRPr lang="zh-CN"/>
+            </a:defPPr>
+            <a:lvl1pPr algn="l" rtl="0" eaLnBrk="0" fontAlgn="base" hangingPunct="0">
+              <a:spcBef>
+                <a:spcPct val="0"/>
+              </a:spcBef>
+              <a:spcAft>
+                <a:spcPct val="0"/>
+              </a:spcAft>
+              <a:defRPr kern="1200">
+                <a:solidFill>
+                  <a:schemeClr val="tx1"/>
+                </a:solidFill>
+                <a:latin typeface="Arial" panose="020B0604020202090204" pitchFamily="34" charset="0"/>
+                <a:ea typeface="宋体" panose="02010600030101010101" pitchFamily="2" charset="-122"/>
+                <a:cs typeface="+mn-cs"/>
+              </a:defRPr>
+            </a:lvl1pPr>
+            <a:lvl2pPr marL="457200" algn="l" rtl="0" eaLnBrk="0" fontAlgn="base" hangingPunct="0">
+              <a:spcBef>
+                <a:spcPct val="0"/>
+              </a:spcBef>
+              <a:spcAft>
+                <a:spcPct val="0"/>
+              </a:spcAft>
+              <a:defRPr kern="1200">
+                <a:solidFill>
+                  <a:schemeClr val="tx1"/>
+                </a:solidFill>
+                <a:latin typeface="Arial" panose="020B0604020202090204" pitchFamily="34" charset="0"/>
+                <a:ea typeface="宋体" panose="02010600030101010101" pitchFamily="2" charset="-122"/>
+                <a:cs typeface="+mn-cs"/>
+              </a:defRPr>
+            </a:lvl2pPr>
+            <a:lvl3pPr marL="914400" algn="l" rtl="0" eaLnBrk="0" fontAlgn="base" hangingPunct="0">
+              <a:spcBef>
+                <a:spcPct val="0"/>
+              </a:spcBef>
+              <a:spcAft>
+                <a:spcPct val="0"/>
+              </a:spcAft>
+              <a:defRPr kern="1200">
+                <a:solidFill>
+                  <a:schemeClr val="tx1"/>
+                </a:solidFill>
+                <a:latin typeface="Arial" panose="020B0604020202090204" pitchFamily="34" charset="0"/>
+                <a:ea typeface="宋体" panose="02010600030101010101" pitchFamily="2" charset="-122"/>
+                <a:cs typeface="+mn-cs"/>
+              </a:defRPr>
+            </a:lvl3pPr>
+            <a:lvl4pPr marL="1371600" algn="l" rtl="0" eaLnBrk="0" fontAlgn="base" hangingPunct="0">
+              <a:spcBef>
+                <a:spcPct val="0"/>
+              </a:spcBef>
+              <a:spcAft>
+                <a:spcPct val="0"/>
+              </a:spcAft>
+              <a:defRPr kern="1200">
+                <a:solidFill>
+                  <a:schemeClr val="tx1"/>
+                </a:solidFill>
+                <a:latin typeface="Arial" panose="020B0604020202090204" pitchFamily="34" charset="0"/>
+                <a:ea typeface="宋体" panose="02010600030101010101" pitchFamily="2" charset="-122"/>
+                <a:cs typeface="+mn-cs"/>
+              </a:defRPr>
+            </a:lvl4pPr>
+            <a:lvl5pPr marL="1828800" algn="l" rtl="0" eaLnBrk="0" fontAlgn="base" hangingPunct="0">
+              <a:spcBef>
+                <a:spcPct val="0"/>
+              </a:spcBef>
+              <a:spcAft>
+                <a:spcPct val="0"/>
+              </a:spcAft>
+              <a:defRPr kern="1200">
+                <a:solidFill>
+                  <a:schemeClr val="tx1"/>
+                </a:solidFill>
+                <a:latin typeface="Arial" panose="020B0604020202090204" pitchFamily="34" charset="0"/>
+                <a:ea typeface="宋体" panose="02010600030101010101" pitchFamily="2" charset="-122"/>
+                <a:cs typeface="+mn-cs"/>
+              </a:defRPr>
+            </a:lvl5pPr>
+            <a:lvl6pPr marL="2286000" algn="l" defTabSz="914400" rtl="0" eaLnBrk="1" latinLnBrk="0" hangingPunct="1">
+              <a:defRPr kern="1200">
+                <a:solidFill>
+                  <a:schemeClr val="tx1"/>
+                </a:solidFill>
+                <a:latin typeface="Arial" panose="020B0604020202090204" pitchFamily="34" charset="0"/>
+                <a:ea typeface="宋体" panose="02010600030101010101" pitchFamily="2" charset="-122"/>
+                <a:cs typeface="+mn-cs"/>
+              </a:defRPr>
+            </a:lvl6pPr>
+            <a:lvl7pPr marL="2743200" algn="l" defTabSz="914400" rtl="0" eaLnBrk="1" latinLnBrk="0" hangingPunct="1">
+              <a:defRPr kern="1200">
+                <a:solidFill>
+                  <a:schemeClr val="tx1"/>
+                </a:solidFill>
+                <a:latin typeface="Arial" panose="020B0604020202090204" pitchFamily="34" charset="0"/>
+                <a:ea typeface="宋体" panose="02010600030101010101" pitchFamily="2" charset="-122"/>
+                <a:cs typeface="+mn-cs"/>
+              </a:defRPr>
+            </a:lvl7pPr>
+            <a:lvl8pPr marL="3200400" algn="l" defTabSz="914400" rtl="0" eaLnBrk="1" latinLnBrk="0" hangingPunct="1">
+              <a:defRPr kern="1200">
+                <a:solidFill>
+                  <a:schemeClr val="tx1"/>
+                </a:solidFill>
+                <a:latin typeface="Arial" panose="020B0604020202090204" pitchFamily="34" charset="0"/>
+                <a:ea typeface="宋体" panose="02010600030101010101" pitchFamily="2" charset="-122"/>
+                <a:cs typeface="+mn-cs"/>
+              </a:defRPr>
+            </a:lvl8pPr>
+            <a:lvl9pPr marL="3657600" algn="l" defTabSz="914400" rtl="0" eaLnBrk="1" latinLnBrk="0" hangingPunct="1">
+              <a:defRPr kern="1200">
+                <a:solidFill>
+                  <a:schemeClr val="tx1"/>
+                </a:solidFill>
+                <a:latin typeface="Arial" panose="020B0604020202090204" pitchFamily="34" charset="0"/>
+                <a:ea typeface="宋体" panose="02010600030101010101" pitchFamily="2" charset="-122"/>
+                <a:cs typeface="+mn-cs"/>
+              </a:defRPr>
+            </a:lvl9pPr>
+          </a:lstStyle>
+          <a:p>
+            <a:pPr indent="0" eaLnBrk="1" hangingPunct="1">
+              <a:lnSpc>
+                <a:spcPct val="150000"/>
+              </a:lnSpc>
+              <a:spcBef>
+                <a:spcPct val="0"/>
+              </a:spcBef>
+              <a:spcAft>
+                <a:spcPts val="0"/>
+              </a:spcAft>
+              <a:buFontTx/>
+              <a:buNone/>
+            </a:pPr>
+            <a:r>
+              <a:rPr lang="zh-CN" altLang="en-US" sz="2000" dirty="0" smtClean="0">
+                <a:latin typeface="微软雅黑" panose="020B0503020204020204" pitchFamily="34" charset="-122"/>
+                <a:ea typeface="微软雅黑" panose="020B0503020204020204" pitchFamily="34" charset="-122"/>
+              </a:rPr>
+              <a:t>进程间通信和共享同一个端口</a:t>
+            </a:r>
+            <a:endParaRPr lang="zh-CN" altLang="en-US" sz="2000" dirty="0" smtClean="0">
+              <a:latin typeface="微软雅黑" panose="020B0503020204020204" pitchFamily="34" charset="-122"/>
+              <a:ea typeface="微软雅黑" panose="020B0503020204020204" pitchFamily="34" charset="-122"/>
+            </a:endParaRPr>
+          </a:p>
+        </p:txBody>
+      </p:sp>
+      <p:sp>
+        <p:nvSpPr>
+          <p:cNvPr id="4" name="文本框 3"/>
+          <p:cNvSpPr txBox="1"/>
+          <p:nvPr/>
+        </p:nvSpPr>
+        <p:spPr>
+          <a:xfrm>
+            <a:off x="1749424" y="70765"/>
+            <a:ext cx="7455535" cy="583565"/>
+          </a:xfrm>
+          <a:prstGeom prst="rect">
+            <a:avLst/>
+          </a:prstGeom>
+          <a:noFill/>
+        </p:spPr>
+        <p:txBody>
+          <a:bodyPr wrap="square" rtlCol="0">
+            <a:spAutoFit/>
+          </a:bodyPr>
+          <a:lstStyle/>
+          <a:p>
+            <a:r>
+              <a:rPr lang="en-US" altLang="zh-CN" sz="3200" dirty="0" smtClean="0">
+                <a:latin typeface="微软雅黑" panose="020B0503020204020204" pitchFamily="34" charset="-122"/>
+                <a:ea typeface="微软雅黑" panose="020B0503020204020204" pitchFamily="34" charset="-122"/>
+              </a:rPr>
+              <a:t>2. </a:t>
+            </a:r>
+            <a:r>
+              <a:rPr lang="zh-CN" altLang="en-US" sz="3200" dirty="0" smtClean="0">
+                <a:latin typeface="微软雅黑" panose="020B0503020204020204" pitchFamily="34" charset="-122"/>
+                <a:ea typeface="微软雅黑" panose="020B0503020204020204" pitchFamily="34" charset="-122"/>
+              </a:rPr>
+              <a:t>进程间通信</a:t>
+            </a:r>
+            <a:endParaRPr lang="zh-CN" altLang="en-US" sz="3200" dirty="0" smtClean="0">
+              <a:latin typeface="微软雅黑" panose="020B0503020204020204" pitchFamily="34" charset="-122"/>
+              <a:ea typeface="微软雅黑" panose="020B0503020204020204" pitchFamily="34" charset="-122"/>
+            </a:endParaRPr>
+          </a:p>
+        </p:txBody>
+      </p:sp>
+      <p:pic>
+        <p:nvPicPr>
+          <p:cNvPr id="2" name="图片 1" descr="node IPC示意图"/>
+          <p:cNvPicPr>
+            <a:picLocks noChangeAspect="1"/>
+          </p:cNvPicPr>
+          <p:nvPr/>
+        </p:nvPicPr>
+        <p:blipFill>
+          <a:blip r:embed="rId1"/>
+          <a:stretch>
+            <a:fillRect/>
+          </a:stretch>
+        </p:blipFill>
+        <p:spPr>
+          <a:xfrm>
+            <a:off x="962025" y="2327910"/>
+            <a:ext cx="4529455" cy="3561715"/>
+          </a:xfrm>
+          <a:prstGeom prst="rect">
+            <a:avLst/>
+          </a:prstGeom>
+        </p:spPr>
+      </p:pic>
+      <p:pic>
+        <p:nvPicPr>
+          <p:cNvPr id="5" name="图片 4" descr="主进程将请求发送给工作进程"/>
+          <p:cNvPicPr>
+            <a:picLocks noChangeAspect="1"/>
+          </p:cNvPicPr>
+          <p:nvPr/>
+        </p:nvPicPr>
+        <p:blipFill>
+          <a:blip r:embed="rId2"/>
+          <a:stretch>
+            <a:fillRect/>
+          </a:stretch>
+        </p:blipFill>
+        <p:spPr>
+          <a:xfrm>
+            <a:off x="1295400" y="2078990"/>
+            <a:ext cx="4699000" cy="3810635"/>
+          </a:xfrm>
+          <a:prstGeom prst="rect">
+            <a:avLst/>
+          </a:prstGeom>
+        </p:spPr>
+      </p:pic>
+      <p:pic>
+        <p:nvPicPr>
+          <p:cNvPr id="6" name="图片 5" descr="主进程发送完句柄关闭监听结构图"/>
+          <p:cNvPicPr>
+            <a:picLocks noChangeAspect="1"/>
+          </p:cNvPicPr>
+          <p:nvPr/>
+        </p:nvPicPr>
+        <p:blipFill>
+          <a:blip r:embed="rId3"/>
+          <a:stretch>
+            <a:fillRect/>
+          </a:stretch>
+        </p:blipFill>
+        <p:spPr>
+          <a:xfrm>
+            <a:off x="1050925" y="2127250"/>
+            <a:ext cx="5032375" cy="3963035"/>
+          </a:xfrm>
+          <a:prstGeom prst="rect">
+            <a:avLst/>
+          </a:prstGeom>
+        </p:spPr>
+      </p:pic>
+    </p:spTree>
+  </p:cSld>
+  <p:clrMapOvr>
+    <a:masterClrMapping/>
+  </p:clrMapOvr>
+  <p:transition spd="med">
+    <p:random/>
+  </p:transition>
+  <p:timing>
+    <p:tnLst>
+      <p:par>
+        <p:cTn id="1" dur="indefinite" restart="never" nodeType="tmRoot">
+          <p:childTnLst>
+            <p:seq concurrent="1" nextAc="seek">
+              <p:cTn id="2" dur="indefinite" nodeType="mainSeq">
+                <p:childTnLst>
+                  <p:par>
+                    <p:cTn id="3" fill="hold">
+                      <p:stCondLst>
+                        <p:cond delay="indefinite"/>
+                      </p:stCondLst>
+                      <p:childTnLst>
+                        <p:par>
+                          <p:cTn id="4" fill="hold">
+                            <p:stCondLst>
+                              <p:cond delay="0"/>
+                            </p:stCondLst>
+                            <p:childTnLst>
+                              <p:par>
+                                <p:cTn id="5" presetID="2" presetClass="entr" presetSubtype="4" fill="hold" nodeType="clickEffect">
+                                  <p:stCondLst>
+                                    <p:cond delay="0"/>
+                                  </p:stCondLst>
+                                  <p:childTnLst>
+                                    <p:set>
+                                      <p:cBhvr>
+                                        <p:cTn id="6" dur="1" fill="hold">
+                                          <p:stCondLst>
+                                            <p:cond delay="0"/>
+                                          </p:stCondLst>
+                                        </p:cTn>
+                                        <p:tgtEl>
+                                          <p:spTgt spid="2"/>
+                                        </p:tgtEl>
+                                        <p:attrNameLst>
+                                          <p:attrName>style.visibility</p:attrName>
+                                        </p:attrNameLst>
+                                      </p:cBhvr>
+                                      <p:to>
+                                        <p:strVal val="visible"/>
+                                      </p:to>
+                                    </p:set>
+                                    <p:anim calcmode="lin" valueType="num">
+                                      <p:cBhvr additive="base">
+                                        <p:cTn id="7" dur="500" fill="hold"/>
+                                        <p:tgtEl>
+                                          <p:spTgt spid="2"/>
+                                        </p:tgtEl>
+                                        <p:attrNameLst>
+                                          <p:attrName>ppt_x</p:attrName>
+                                        </p:attrNameLst>
+                                      </p:cBhvr>
+                                      <p:tavLst>
+                                        <p:tav tm="0">
+                                          <p:val>
+                                            <p:strVal val="#ppt_x"/>
+                                          </p:val>
+                                        </p:tav>
+                                        <p:tav tm="100000">
+                                          <p:val>
+                                            <p:strVal val="#ppt_x"/>
+                                          </p:val>
+                                        </p:tav>
+                                      </p:tavLst>
+                                    </p:anim>
+                                    <p:anim calcmode="lin" valueType="num">
+                                      <p:cBhvr additive="base">
+                                        <p:cTn id="8" dur="500" fill="hold"/>
+                                        <p:tgtEl>
+                                          <p:spTgt spid="2"/>
+                                        </p:tgtEl>
+                                        <p:attrNameLst>
+                                          <p:attrName>ppt_y</p:attrName>
+                                        </p:attrNameLst>
+                                      </p:cBhvr>
+                                      <p:tavLst>
+                                        <p:tav tm="0">
+                                          <p:val>
+                                            <p:strVal val="1+#ppt_h/2"/>
+                                          </p:val>
+                                        </p:tav>
+                                        <p:tav tm="100000">
+                                          <p:val>
+                                            <p:strVal val="#ppt_y"/>
+                                          </p:val>
+                                        </p:tav>
+                                      </p:tavLst>
+                                    </p:anim>
+                                  </p:childTnLst>
+                                </p:cTn>
+                              </p:par>
+                            </p:childTnLst>
+                          </p:cTn>
+                        </p:par>
+                      </p:childTnLst>
+                    </p:cTn>
+                  </p:par>
+                  <p:par>
+                    <p:cTn id="9" fill="hold">
+                      <p:stCondLst>
+                        <p:cond delay="indefinite"/>
+                      </p:stCondLst>
+                      <p:childTnLst>
+                        <p:par>
+                          <p:cTn id="10" fill="hold">
+                            <p:stCondLst>
+                              <p:cond delay="0"/>
+                            </p:stCondLst>
+                            <p:childTnLst>
+                              <p:par>
+                                <p:cTn id="11" presetID="2" presetClass="entr" presetSubtype="4" fill="hold" nodeType="clickEffect">
+                                  <p:stCondLst>
+                                    <p:cond delay="0"/>
+                                  </p:stCondLst>
+                                  <p:childTnLst>
+                                    <p:set>
+                                      <p:cBhvr>
+                                        <p:cTn id="12" dur="1" fill="hold">
+                                          <p:stCondLst>
+                                            <p:cond delay="0"/>
+                                          </p:stCondLst>
+                                        </p:cTn>
+                                        <p:tgtEl>
+                                          <p:spTgt spid="5"/>
+                                        </p:tgtEl>
+                                        <p:attrNameLst>
+                                          <p:attrName>style.visibility</p:attrName>
+                                        </p:attrNameLst>
+                                      </p:cBhvr>
+                                      <p:to>
+                                        <p:strVal val="visible"/>
+                                      </p:to>
+                                    </p:set>
+                                    <p:anim calcmode="lin" valueType="num">
+                                      <p:cBhvr additive="base">
+                                        <p:cTn id="13" dur="500" fill="hold"/>
+                                        <p:tgtEl>
+                                          <p:spTgt spid="5"/>
+                                        </p:tgtEl>
+                                        <p:attrNameLst>
+                                          <p:attrName>ppt_x</p:attrName>
+                                        </p:attrNameLst>
+                                      </p:cBhvr>
+                                      <p:tavLst>
+                                        <p:tav tm="0">
+                                          <p:val>
+                                            <p:strVal val="#ppt_x"/>
+                                          </p:val>
+                                        </p:tav>
+                                        <p:tav tm="100000">
+                                          <p:val>
+                                            <p:strVal val="#ppt_x"/>
+                                          </p:val>
+                                        </p:tav>
+                                      </p:tavLst>
+                                    </p:anim>
+                                    <p:anim calcmode="lin" valueType="num">
+                                      <p:cBhvr additive="base">
+                                        <p:cTn id="14" dur="500" fill="hold"/>
+                                        <p:tgtEl>
+                                          <p:spTgt spid="5"/>
+                                        </p:tgtEl>
+                                        <p:attrNameLst>
+                                          <p:attrName>ppt_y</p:attrName>
+                                        </p:attrNameLst>
+                                      </p:cBhvr>
+                                      <p:tavLst>
+                                        <p:tav tm="0">
+                                          <p:val>
+                                            <p:strVal val="1+#ppt_h/2"/>
+                                          </p:val>
+                                        </p:tav>
+                                        <p:tav tm="100000">
+                                          <p:val>
+                                            <p:strVal val="#ppt_y"/>
+                                          </p:val>
+                                        </p:tav>
+                                      </p:tavLst>
+                                    </p:anim>
+                                  </p:childTnLst>
+                                </p:cTn>
+                              </p:par>
+                            </p:childTnLst>
+                          </p:cTn>
+                        </p:par>
+                      </p:childTnLst>
+                    </p:cTn>
+                  </p:par>
+                  <p:par>
+                    <p:cTn id="15" fill="hold">
+                      <p:stCondLst>
+                        <p:cond delay="indefinite"/>
+                      </p:stCondLst>
+                      <p:childTnLst>
+                        <p:par>
+                          <p:cTn id="16" fill="hold">
+                            <p:stCondLst>
+                              <p:cond delay="0"/>
+                            </p:stCondLst>
+                            <p:childTnLst>
+                              <p:par>
+                                <p:cTn id="17" presetID="2" presetClass="entr" presetSubtype="4" fill="hold" nodeType="clickEffect">
+                                  <p:stCondLst>
+                                    <p:cond delay="0"/>
+                                  </p:stCondLst>
+                                  <p:childTnLst>
+                                    <p:set>
+                                      <p:cBhvr>
+                                        <p:cTn id="18" dur="1" fill="hold">
+                                          <p:stCondLst>
+                                            <p:cond delay="0"/>
+                                          </p:stCondLst>
+                                        </p:cTn>
+                                        <p:tgtEl>
+                                          <p:spTgt spid="6"/>
+                                        </p:tgtEl>
+                                        <p:attrNameLst>
+                                          <p:attrName>style.visibility</p:attrName>
+                                        </p:attrNameLst>
+                                      </p:cBhvr>
+                                      <p:to>
+                                        <p:strVal val="visible"/>
+                                      </p:to>
+                                    </p:set>
+                                    <p:anim calcmode="lin" valueType="num">
+                                      <p:cBhvr additive="base">
+                                        <p:cTn id="19" dur="500" fill="hold"/>
+                                        <p:tgtEl>
+                                          <p:spTgt spid="6"/>
+                                        </p:tgtEl>
+                                        <p:attrNameLst>
+                                          <p:attrName>ppt_x</p:attrName>
+                                        </p:attrNameLst>
+                                      </p:cBhvr>
+                                      <p:tavLst>
+                                        <p:tav tm="0">
+                                          <p:val>
+                                            <p:strVal val="#ppt_x"/>
+                                          </p:val>
+                                        </p:tav>
+                                        <p:tav tm="100000">
+                                          <p:val>
+                                            <p:strVal val="#ppt_x"/>
+                                          </p:val>
+                                        </p:tav>
+                                      </p:tavLst>
+                                    </p:anim>
+                                    <p:anim calcmode="lin" valueType="num">
+                                      <p:cBhvr additive="base">
+                                        <p:cTn id="20" dur="500" fill="hold"/>
+                                        <p:tgtEl>
+                                          <p:spTgt spid="6"/>
+                                        </p:tgtEl>
+                                        <p:attrNameLst>
+                                          <p:attrName>ppt_y</p:attrName>
+                                        </p:attrNameLst>
+                                      </p:cBhvr>
+                                      <p:tavLst>
+                                        <p:tav tm="0">
+                                          <p:val>
+                                            <p:strVal val="1+#ppt_h/2"/>
+                                          </p:val>
+                                        </p:tav>
+                                        <p:tav tm="100000">
+                                          <p:val>
+                                            <p:strVal val="#ppt_y"/>
+                                          </p:val>
+                                        </p:tav>
+                                      </p:tavLst>
+                                    </p:anim>
+                                  </p:childTnLst>
+                                </p:cTn>
+                              </p:par>
+                            </p:childTnLst>
+                          </p:cTn>
+                        </p:par>
+                      </p:childTnLst>
+                    </p:cTn>
+                  </p:par>
+                </p:childTnLst>
+              </p:cTn>
+              <p:prevCondLst>
+                <p:cond evt="onPrev" delay="0">
+                  <p:tgtEl>
+                    <p:sldTgt/>
+                  </p:tgtEl>
+                </p:cond>
+              </p:prevCondLst>
+              <p:nextCondLst>
+                <p:cond evt="onNext" delay="0">
+                  <p:tgtEl>
+                    <p:sldTgt/>
+                  </p:tgtEl>
+                </p:cond>
+              </p:nextCondLst>
+            </p:seq>
+          </p:childTnLst>
+        </p:cTn>
+      </p:par>
+    </p:tnLst>
+  </p:timing>
+</p:sld>
+</file>
+
+<file path=ppt/slides/slide12.xml><?xml version="1.0" encoding="utf-8"?>
+<p:sld xmlns:a="http://schemas.openxmlformats.org/drawingml/2006/main" xmlns:r="http://schemas.openxmlformats.org/officeDocument/2006/relationships" xmlns:p="http://schemas.openxmlformats.org/presentationml/2006/main">
+  <p:cSld>
+    <p:spTree>
+      <p:nvGrpSpPr>
+        <p:cNvPr id="1" name=""/>
+        <p:cNvGrpSpPr/>
+        <p:nvPr/>
+      </p:nvGrpSpPr>
+      <p:grpSpPr>
+        <a:xfrm>
+          <a:off x="0" y="0"/>
+          <a:ext cx="0" cy="0"/>
+          <a:chOff x="0" y="0"/>
+          <a:chExt cx="0" cy="0"/>
+        </a:xfrm>
+      </p:grpSpPr>
+      <p:sp>
+        <p:nvSpPr>
+          <p:cNvPr id="3" name="文本框 2"/>
+          <p:cNvSpPr txBox="1">
+            <a:spLocks noChangeArrowheads="1"/>
+          </p:cNvSpPr>
+          <p:nvPr/>
+        </p:nvSpPr>
+        <p:spPr bwMode="auto">
+          <a:xfrm>
+            <a:off x="847042" y="1217728"/>
+            <a:ext cx="10113484" cy="2399665"/>
+          </a:xfrm>
+          <a:prstGeom prst="rect">
+            <a:avLst/>
+          </a:prstGeom>
+          <a:noFill/>
+          <a:ln>
+            <a:noFill/>
+          </a:ln>
+          <a:extLst>
+            <a:ext uri="{909E8E84-426E-40DD-AFC4-6F175D3DCCD1}">
+              <a14:hiddenFill xmlns:a14="http://schemas.microsoft.com/office/drawing/2010/main">
+                <a:solidFill>
+                  <a:srgbClr val="FFFFFF"/>
+                </a:solidFill>
+              </a14:hiddenFill>
+            </a:ext>
+            <a:ext uri="{91240B29-F687-4F45-9708-019B960494DF}">
+              <a14:hiddenLine xmlns:a14="http://schemas.microsoft.com/office/drawing/2010/main" w="9525">
+                <a:solidFill>
+                  <a:srgbClr val="000000"/>
+                </a:solidFill>
+                <a:miter lim="800000"/>
+                <a:headEnd/>
+                <a:tailEnd/>
+              </a14:hiddenLine>
+            </a:ext>
+          </a:extLst>
+        </p:spPr>
+        <p:txBody>
+          <a:bodyPr wrap="square">
+            <a:spAutoFit/>
+          </a:bodyPr>
+          <a:lstStyle>
+            <a:defPPr>
+              <a:defRPr lang="zh-CN"/>
+            </a:defPPr>
+            <a:lvl1pPr algn="l" rtl="0" eaLnBrk="0" fontAlgn="base" hangingPunct="0">
+              <a:spcBef>
+                <a:spcPct val="0"/>
+              </a:spcBef>
+              <a:spcAft>
+                <a:spcPct val="0"/>
+              </a:spcAft>
+              <a:defRPr kern="1200">
+                <a:solidFill>
+                  <a:schemeClr val="tx1"/>
+                </a:solidFill>
+                <a:latin typeface="Arial" panose="020B0604020202090204" pitchFamily="34" charset="0"/>
+                <a:ea typeface="宋体" panose="02010600030101010101" pitchFamily="2" charset="-122"/>
+                <a:cs typeface="+mn-cs"/>
+              </a:defRPr>
+            </a:lvl1pPr>
+            <a:lvl2pPr marL="457200" algn="l" rtl="0" eaLnBrk="0" fontAlgn="base" hangingPunct="0">
+              <a:spcBef>
+                <a:spcPct val="0"/>
+              </a:spcBef>
+              <a:spcAft>
+                <a:spcPct val="0"/>
+              </a:spcAft>
+              <a:defRPr kern="1200">
+                <a:solidFill>
+                  <a:schemeClr val="tx1"/>
+                </a:solidFill>
+                <a:latin typeface="Arial" panose="020B0604020202090204" pitchFamily="34" charset="0"/>
+                <a:ea typeface="宋体" panose="02010600030101010101" pitchFamily="2" charset="-122"/>
+                <a:cs typeface="+mn-cs"/>
+              </a:defRPr>
+            </a:lvl2pPr>
+            <a:lvl3pPr marL="914400" algn="l" rtl="0" eaLnBrk="0" fontAlgn="base" hangingPunct="0">
+              <a:spcBef>
+                <a:spcPct val="0"/>
+              </a:spcBef>
+              <a:spcAft>
+                <a:spcPct val="0"/>
+              </a:spcAft>
+              <a:defRPr kern="1200">
+                <a:solidFill>
+                  <a:schemeClr val="tx1"/>
+                </a:solidFill>
+                <a:latin typeface="Arial" panose="020B0604020202090204" pitchFamily="34" charset="0"/>
+                <a:ea typeface="宋体" panose="02010600030101010101" pitchFamily="2" charset="-122"/>
+                <a:cs typeface="+mn-cs"/>
+              </a:defRPr>
+            </a:lvl3pPr>
+            <a:lvl4pPr marL="1371600" algn="l" rtl="0" eaLnBrk="0" fontAlgn="base" hangingPunct="0">
+              <a:spcBef>
+                <a:spcPct val="0"/>
+              </a:spcBef>
+              <a:spcAft>
+                <a:spcPct val="0"/>
+              </a:spcAft>
+              <a:defRPr kern="1200">
+                <a:solidFill>
+                  <a:schemeClr val="tx1"/>
+                </a:solidFill>
+                <a:latin typeface="Arial" panose="020B0604020202090204" pitchFamily="34" charset="0"/>
+                <a:ea typeface="宋体" panose="02010600030101010101" pitchFamily="2" charset="-122"/>
+                <a:cs typeface="+mn-cs"/>
+              </a:defRPr>
+            </a:lvl4pPr>
+            <a:lvl5pPr marL="1828800" algn="l" rtl="0" eaLnBrk="0" fontAlgn="base" hangingPunct="0">
+              <a:spcBef>
+                <a:spcPct val="0"/>
+              </a:spcBef>
+              <a:spcAft>
+                <a:spcPct val="0"/>
+              </a:spcAft>
+              <a:defRPr kern="1200">
+                <a:solidFill>
+                  <a:schemeClr val="tx1"/>
+                </a:solidFill>
+                <a:latin typeface="Arial" panose="020B0604020202090204" pitchFamily="34" charset="0"/>
+                <a:ea typeface="宋体" panose="02010600030101010101" pitchFamily="2" charset="-122"/>
+                <a:cs typeface="+mn-cs"/>
+              </a:defRPr>
+            </a:lvl5pPr>
+            <a:lvl6pPr marL="2286000" algn="l" defTabSz="914400" rtl="0" eaLnBrk="1" latinLnBrk="0" hangingPunct="1">
+              <a:defRPr kern="1200">
+                <a:solidFill>
+                  <a:schemeClr val="tx1"/>
+                </a:solidFill>
+                <a:latin typeface="Arial" panose="020B0604020202090204" pitchFamily="34" charset="0"/>
+                <a:ea typeface="宋体" panose="02010600030101010101" pitchFamily="2" charset="-122"/>
+                <a:cs typeface="+mn-cs"/>
+              </a:defRPr>
+            </a:lvl6pPr>
+            <a:lvl7pPr marL="2743200" algn="l" defTabSz="914400" rtl="0" eaLnBrk="1" latinLnBrk="0" hangingPunct="1">
+              <a:defRPr kern="1200">
+                <a:solidFill>
+                  <a:schemeClr val="tx1"/>
+                </a:solidFill>
+                <a:latin typeface="Arial" panose="020B0604020202090204" pitchFamily="34" charset="0"/>
+                <a:ea typeface="宋体" panose="02010600030101010101" pitchFamily="2" charset="-122"/>
+                <a:cs typeface="+mn-cs"/>
+              </a:defRPr>
+            </a:lvl7pPr>
+            <a:lvl8pPr marL="3200400" algn="l" defTabSz="914400" rtl="0" eaLnBrk="1" latinLnBrk="0" hangingPunct="1">
+              <a:defRPr kern="1200">
+                <a:solidFill>
+                  <a:schemeClr val="tx1"/>
+                </a:solidFill>
+                <a:latin typeface="Arial" panose="020B0604020202090204" pitchFamily="34" charset="0"/>
+                <a:ea typeface="宋体" panose="02010600030101010101" pitchFamily="2" charset="-122"/>
+                <a:cs typeface="+mn-cs"/>
+              </a:defRPr>
+            </a:lvl8pPr>
+            <a:lvl9pPr marL="3657600" algn="l" defTabSz="914400" rtl="0" eaLnBrk="1" latinLnBrk="0" hangingPunct="1">
+              <a:defRPr kern="1200">
+                <a:solidFill>
+                  <a:schemeClr val="tx1"/>
+                </a:solidFill>
+                <a:latin typeface="Arial" panose="020B0604020202090204" pitchFamily="34" charset="0"/>
+                <a:ea typeface="宋体" panose="02010600030101010101" pitchFamily="2" charset="-122"/>
+                <a:cs typeface="+mn-cs"/>
+              </a:defRPr>
+            </a:lvl9pPr>
+          </a:lstStyle>
+          <a:p>
+            <a:pPr indent="0" eaLnBrk="1" hangingPunct="1">
+              <a:lnSpc>
+                <a:spcPct val="150000"/>
+              </a:lnSpc>
+              <a:spcBef>
+                <a:spcPct val="0"/>
+              </a:spcBef>
+              <a:spcAft>
+                <a:spcPts val="0"/>
+              </a:spcAft>
+              <a:buFontTx/>
+              <a:buNone/>
+            </a:pPr>
+            <a:r>
+              <a:rPr lang="en-US" altLang="zh-CN" sz="2000" dirty="0" smtClean="0">
+                <a:latin typeface="微软雅黑" panose="020B0503020204020204" pitchFamily="34" charset="-122"/>
+                <a:ea typeface="微软雅黑" panose="020B0503020204020204" pitchFamily="34" charset="-122"/>
+              </a:rPr>
+              <a:t>1. </a:t>
+            </a:r>
+            <a:r>
+              <a:rPr lang="zh-CN" altLang="en-US" sz="2000" dirty="0" smtClean="0">
+                <a:latin typeface="微软雅黑" panose="020B0503020204020204" pitchFamily="34" charset="-122"/>
+                <a:ea typeface="微软雅黑" panose="020B0503020204020204" pitchFamily="34" charset="-122"/>
+              </a:rPr>
+              <a:t>性能问题</a:t>
+            </a:r>
+            <a:endParaRPr lang="zh-CN" altLang="en-US" sz="2000" dirty="0" smtClean="0">
+              <a:latin typeface="微软雅黑" panose="020B0503020204020204" pitchFamily="34" charset="-122"/>
+              <a:ea typeface="微软雅黑" panose="020B0503020204020204" pitchFamily="34" charset="-122"/>
+            </a:endParaRPr>
+          </a:p>
+          <a:p>
+            <a:pPr indent="0" eaLnBrk="1" hangingPunct="1">
+              <a:lnSpc>
+                <a:spcPct val="150000"/>
+              </a:lnSpc>
+              <a:spcBef>
+                <a:spcPct val="0"/>
+              </a:spcBef>
+              <a:spcAft>
+                <a:spcPts val="0"/>
+              </a:spcAft>
+              <a:buFontTx/>
+              <a:buNone/>
+            </a:pPr>
+            <a:r>
+              <a:rPr lang="en-US" altLang="zh-CN" sz="2000" dirty="0" smtClean="0">
+                <a:latin typeface="微软雅黑" panose="020B0503020204020204" pitchFamily="34" charset="-122"/>
+                <a:ea typeface="微软雅黑" panose="020B0503020204020204" pitchFamily="34" charset="-122"/>
+              </a:rPr>
+              <a:t>2. </a:t>
+            </a:r>
+            <a:r>
+              <a:rPr lang="zh-CN" altLang="en-US" sz="2000" dirty="0" smtClean="0">
+                <a:latin typeface="微软雅黑" panose="020B0503020204020204" pitchFamily="34" charset="-122"/>
+                <a:ea typeface="微软雅黑" panose="020B0503020204020204" pitchFamily="34" charset="-122"/>
+              </a:rPr>
+              <a:t>多个工作进程的存活状态管理</a:t>
+            </a:r>
+            <a:endParaRPr lang="zh-CN" altLang="en-US" sz="2000" dirty="0" smtClean="0">
+              <a:latin typeface="微软雅黑" panose="020B0503020204020204" pitchFamily="34" charset="-122"/>
+              <a:ea typeface="微软雅黑" panose="020B0503020204020204" pitchFamily="34" charset="-122"/>
+            </a:endParaRPr>
+          </a:p>
+          <a:p>
+            <a:pPr indent="0" eaLnBrk="1" hangingPunct="1">
+              <a:lnSpc>
+                <a:spcPct val="150000"/>
+              </a:lnSpc>
+              <a:spcBef>
+                <a:spcPct val="0"/>
+              </a:spcBef>
+              <a:spcAft>
+                <a:spcPts val="0"/>
+              </a:spcAft>
+              <a:buFontTx/>
+              <a:buNone/>
+            </a:pPr>
+            <a:r>
+              <a:rPr lang="en-US" altLang="zh-CN" sz="2000" dirty="0" smtClean="0">
+                <a:latin typeface="微软雅黑" panose="020B0503020204020204" pitchFamily="34" charset="-122"/>
+                <a:ea typeface="微软雅黑" panose="020B0503020204020204" pitchFamily="34" charset="-122"/>
+              </a:rPr>
+              <a:t>3. </a:t>
+            </a:r>
+            <a:r>
+              <a:rPr lang="zh-CN" altLang="en-US" sz="2000" dirty="0" smtClean="0">
+                <a:latin typeface="微软雅黑" panose="020B0503020204020204" pitchFamily="34" charset="-122"/>
+                <a:ea typeface="微软雅黑" panose="020B0503020204020204" pitchFamily="34" charset="-122"/>
+              </a:rPr>
+              <a:t>工作进程的平滑启动</a:t>
+            </a:r>
+            <a:endParaRPr lang="zh-CN" altLang="en-US" sz="2000" dirty="0" smtClean="0">
+              <a:latin typeface="微软雅黑" panose="020B0503020204020204" pitchFamily="34" charset="-122"/>
+              <a:ea typeface="微软雅黑" panose="020B0503020204020204" pitchFamily="34" charset="-122"/>
+            </a:endParaRPr>
+          </a:p>
+          <a:p>
+            <a:pPr indent="0" eaLnBrk="1" hangingPunct="1">
+              <a:lnSpc>
+                <a:spcPct val="150000"/>
+              </a:lnSpc>
+              <a:spcBef>
+                <a:spcPct val="0"/>
+              </a:spcBef>
+              <a:spcAft>
+                <a:spcPts val="0"/>
+              </a:spcAft>
+              <a:buFontTx/>
+              <a:buNone/>
+            </a:pPr>
+            <a:r>
+              <a:rPr lang="en-US" altLang="zh-CN" sz="2000" dirty="0" smtClean="0">
+                <a:latin typeface="微软雅黑" panose="020B0503020204020204" pitchFamily="34" charset="-122"/>
+                <a:ea typeface="微软雅黑" panose="020B0503020204020204" pitchFamily="34" charset="-122"/>
+              </a:rPr>
+              <a:t>4. </a:t>
+            </a:r>
+            <a:r>
+              <a:rPr lang="zh-CN" altLang="en-US" sz="2000" dirty="0" smtClean="0">
+                <a:latin typeface="微软雅黑" panose="020B0503020204020204" pitchFamily="34" charset="-122"/>
+                <a:ea typeface="微软雅黑" panose="020B0503020204020204" pitchFamily="34" charset="-122"/>
+              </a:rPr>
+              <a:t>配置或者静态数据的动态载入</a:t>
+            </a:r>
+            <a:endParaRPr lang="zh-CN" altLang="en-US" sz="2000" dirty="0" smtClean="0">
+              <a:latin typeface="微软雅黑" panose="020B0503020204020204" pitchFamily="34" charset="-122"/>
+              <a:ea typeface="微软雅黑" panose="020B0503020204020204" pitchFamily="34" charset="-122"/>
+            </a:endParaRPr>
+          </a:p>
+          <a:p>
+            <a:pPr indent="0" eaLnBrk="1" hangingPunct="1">
+              <a:lnSpc>
+                <a:spcPct val="150000"/>
+              </a:lnSpc>
+              <a:spcBef>
+                <a:spcPct val="0"/>
+              </a:spcBef>
+              <a:spcAft>
+                <a:spcPts val="0"/>
+              </a:spcAft>
+              <a:buFontTx/>
+              <a:buNone/>
+            </a:pPr>
+            <a:r>
+              <a:rPr lang="en-US" altLang="zh-CN" sz="2000" dirty="0" smtClean="0">
+                <a:latin typeface="微软雅黑" panose="020B0503020204020204" pitchFamily="34" charset="-122"/>
+                <a:ea typeface="微软雅黑" panose="020B0503020204020204" pitchFamily="34" charset="-122"/>
+              </a:rPr>
+              <a:t>5. </a:t>
+            </a:r>
+            <a:r>
+              <a:rPr lang="zh-CN" altLang="en-US" sz="2000" dirty="0" smtClean="0">
+                <a:latin typeface="微软雅黑" panose="020B0503020204020204" pitchFamily="34" charset="-122"/>
+                <a:ea typeface="微软雅黑" panose="020B0503020204020204" pitchFamily="34" charset="-122"/>
+              </a:rPr>
+              <a:t>其他细节</a:t>
+            </a:r>
+            <a:endParaRPr lang="zh-CN" altLang="en-US" sz="2000" dirty="0" smtClean="0">
+              <a:latin typeface="微软雅黑" panose="020B0503020204020204" pitchFamily="34" charset="-122"/>
+              <a:ea typeface="微软雅黑" panose="020B0503020204020204" pitchFamily="34" charset="-122"/>
+            </a:endParaRPr>
+          </a:p>
+        </p:txBody>
+      </p:sp>
+      <p:sp>
+        <p:nvSpPr>
+          <p:cNvPr id="4" name="文本框 3"/>
+          <p:cNvSpPr txBox="1"/>
+          <p:nvPr/>
+        </p:nvSpPr>
+        <p:spPr>
+          <a:xfrm>
+            <a:off x="1749424" y="70765"/>
+            <a:ext cx="7455535" cy="583565"/>
+          </a:xfrm>
+          <a:prstGeom prst="rect">
+            <a:avLst/>
+          </a:prstGeom>
+          <a:noFill/>
+        </p:spPr>
+        <p:txBody>
+          <a:bodyPr wrap="square" rtlCol="0">
+            <a:spAutoFit/>
+          </a:bodyPr>
+          <a:lstStyle/>
+          <a:p>
+            <a:r>
+              <a:rPr lang="en-US" altLang="zh-CN" sz="3200" dirty="0" smtClean="0">
+                <a:latin typeface="微软雅黑" panose="020B0503020204020204" pitchFamily="34" charset="-122"/>
+                <a:ea typeface="微软雅黑" panose="020B0503020204020204" pitchFamily="34" charset="-122"/>
+              </a:rPr>
+              <a:t>3. </a:t>
+            </a:r>
+            <a:r>
+              <a:rPr lang="zh-CN" altLang="en-US" sz="3200" dirty="0" smtClean="0">
+                <a:latin typeface="微软雅黑" panose="020B0503020204020204" pitchFamily="34" charset="-122"/>
+                <a:ea typeface="微软雅黑" panose="020B0503020204020204" pitchFamily="34" charset="-122"/>
+              </a:rPr>
+              <a:t>集群稳定之路</a:t>
+            </a:r>
+            <a:endParaRPr lang="zh-CN" altLang="en-US" sz="3200" dirty="0" smtClean="0">
+              <a:latin typeface="微软雅黑" panose="020B0503020204020204" pitchFamily="34" charset="-122"/>
+              <a:ea typeface="微软雅黑" panose="020B0503020204020204" pitchFamily="34" charset="-122"/>
+            </a:endParaRPr>
+          </a:p>
+        </p:txBody>
+      </p:sp>
+    </p:spTree>
   </p:cSld>
   <p:clrMapOvr>
     <a:masterClrMapping/>
@@ -4470,7 +6403,7 @@
 </p:sld>
 </file>
 
-<file path=ppt/slides/slide3.xml><?xml version="1.0" encoding="utf-8"?>
+<file path=ppt/slides/slide13.xml><?xml version="1.0" encoding="utf-8"?>
 <p:sld xmlns:a="http://schemas.openxmlformats.org/drawingml/2006/main" xmlns:r="http://schemas.openxmlformats.org/officeDocument/2006/relationships" xmlns:p="http://schemas.openxmlformats.org/presentationml/2006/main">
   <p:cSld>
     <p:spTree>
@@ -4498,7 +6431,7 @@
         <p:spPr bwMode="auto">
           <a:xfrm>
             <a:off x="847042" y="1217728"/>
-            <a:ext cx="10113484" cy="1477328"/>
+            <a:ext cx="10113484" cy="3322955"/>
           </a:xfrm>
           <a:prstGeom prst="rect">
             <a:avLst/>
@@ -4546,7 +6479,7 @@
                 <a:solidFill>
                   <a:schemeClr val="tx1"/>
                 </a:solidFill>
-                <a:latin typeface="Arial" panose="020B0604020202020204" pitchFamily="34" charset="0"/>
+                <a:latin typeface="Arial" panose="020B0604020202090204" pitchFamily="34" charset="0"/>
                 <a:ea typeface="宋体" panose="02010600030101010101" pitchFamily="2" charset="-122"/>
                 <a:cs typeface="+mn-cs"/>
               </a:defRPr>
@@ -4562,7 +6495,7 @@
                 <a:solidFill>
                   <a:schemeClr val="tx1"/>
                 </a:solidFill>
-                <a:latin typeface="Arial" panose="020B0604020202020204" pitchFamily="34" charset="0"/>
+                <a:latin typeface="Arial" panose="020B0604020202090204" pitchFamily="34" charset="0"/>
                 <a:ea typeface="宋体" panose="02010600030101010101" pitchFamily="2" charset="-122"/>
                 <a:cs typeface="+mn-cs"/>
               </a:defRPr>
@@ -4578,7 +6511,7 @@
                 <a:solidFill>
                   <a:schemeClr val="tx1"/>
                 </a:solidFill>
-                <a:latin typeface="Arial" panose="020B0604020202020204" pitchFamily="34" charset="0"/>
+                <a:latin typeface="Arial" panose="020B0604020202090204" pitchFamily="34" charset="0"/>
                 <a:ea typeface="宋体" panose="02010600030101010101" pitchFamily="2" charset="-122"/>
                 <a:cs typeface="+mn-cs"/>
               </a:defRPr>
@@ -4594,7 +6527,7 @@
                 <a:solidFill>
                   <a:schemeClr val="tx1"/>
                 </a:solidFill>
-                <a:latin typeface="Arial" panose="020B0604020202020204" pitchFamily="34" charset="0"/>
+                <a:latin typeface="Arial" panose="020B0604020202090204" pitchFamily="34" charset="0"/>
                 <a:ea typeface="宋体" panose="02010600030101010101" pitchFamily="2" charset="-122"/>
                 <a:cs typeface="+mn-cs"/>
               </a:defRPr>
@@ -4610,7 +6543,7 @@
                 <a:solidFill>
                   <a:schemeClr val="tx1"/>
                 </a:solidFill>
-                <a:latin typeface="Arial" panose="020B0604020202020204" pitchFamily="34" charset="0"/>
+                <a:latin typeface="Arial" panose="020B0604020202090204" pitchFamily="34" charset="0"/>
                 <a:ea typeface="宋体" panose="02010600030101010101" pitchFamily="2" charset="-122"/>
                 <a:cs typeface="+mn-cs"/>
               </a:defRPr>
@@ -4620,7 +6553,7 @@
                 <a:solidFill>
                   <a:schemeClr val="tx1"/>
                 </a:solidFill>
-                <a:latin typeface="Arial" panose="020B0604020202020204" pitchFamily="34" charset="0"/>
+                <a:latin typeface="Arial" panose="020B0604020202090204" pitchFamily="34" charset="0"/>
                 <a:ea typeface="宋体" panose="02010600030101010101" pitchFamily="2" charset="-122"/>
                 <a:cs typeface="+mn-cs"/>
               </a:defRPr>
@@ -4630,7 +6563,7 @@
                 <a:solidFill>
                   <a:schemeClr val="tx1"/>
                 </a:solidFill>
-                <a:latin typeface="Arial" panose="020B0604020202020204" pitchFamily="34" charset="0"/>
+                <a:latin typeface="Arial" panose="020B0604020202090204" pitchFamily="34" charset="0"/>
                 <a:ea typeface="宋体" panose="02010600030101010101" pitchFamily="2" charset="-122"/>
                 <a:cs typeface="+mn-cs"/>
               </a:defRPr>
@@ -4640,7 +6573,7 @@
                 <a:solidFill>
                   <a:schemeClr val="tx1"/>
                 </a:solidFill>
-                <a:latin typeface="Arial" panose="020B0604020202020204" pitchFamily="34" charset="0"/>
+                <a:latin typeface="Arial" panose="020B0604020202090204" pitchFamily="34" charset="0"/>
                 <a:ea typeface="宋体" panose="02010600030101010101" pitchFamily="2" charset="-122"/>
                 <a:cs typeface="+mn-cs"/>
               </a:defRPr>
@@ -4650,14 +6583,14 @@
                 <a:solidFill>
                   <a:schemeClr val="tx1"/>
                 </a:solidFill>
-                <a:latin typeface="Arial" panose="020B0604020202020204" pitchFamily="34" charset="0"/>
+                <a:latin typeface="Arial" panose="020B0604020202090204" pitchFamily="34" charset="0"/>
                 <a:ea typeface="宋体" panose="02010600030101010101" pitchFamily="2" charset="-122"/>
                 <a:cs typeface="+mn-cs"/>
               </a:defRPr>
             </a:lvl9pPr>
           </a:lstStyle>
           <a:p>
-            <a:pPr eaLnBrk="1" hangingPunct="1">
+            <a:pPr indent="0" eaLnBrk="1" hangingPunct="1">
               <a:lnSpc>
                 <a:spcPct val="150000"/>
               </a:lnSpc>
@@ -4671,15 +6604,19 @@
               <a:buNone/>
             </a:pPr>
             <a:r>
-              <a:rPr lang="en-US" altLang="zh-CN" sz="2000" dirty="0" smtClean="0">
-                <a:latin typeface="微软雅黑" panose="020B0503020204020204" pitchFamily="34" charset="-122"/>
-                <a:ea typeface="微软雅黑" panose="020B0503020204020204" pitchFamily="34" charset="-122"/>
-              </a:rPr>
-              <a:t>p = process</a:t>
-            </a:r>
-          </a:p>
-          <a:p>
-            <a:pPr eaLnBrk="1" hangingPunct="1">
+              <a:rPr lang="zh-CN" altLang="en-US" sz="2000" dirty="0" smtClean="0">
+                <a:latin typeface="微软雅黑" panose="020B0503020204020204" pitchFamily="34" charset="-122"/>
+                <a:ea typeface="微软雅黑" panose="020B0503020204020204" pitchFamily="34" charset="-122"/>
+              </a:rPr>
+              <a:t>进程事件：</a:t>
+            </a:r>
+            <a:endParaRPr lang="zh-CN" altLang="en-US" sz="2000" dirty="0" smtClean="0">
+              <a:latin typeface="微软雅黑" panose="020B0503020204020204" pitchFamily="34" charset="-122"/>
+              <a:ea typeface="微软雅黑" panose="020B0503020204020204" pitchFamily="34" charset="-122"/>
+            </a:endParaRPr>
+          </a:p>
+          <a:p>
+            <a:pPr indent="0" eaLnBrk="1" hangingPunct="1">
               <a:lnSpc>
                 <a:spcPct val="150000"/>
               </a:lnSpc>
@@ -4697,11 +6634,22 @@
                 <a:latin typeface="微软雅黑" panose="020B0503020204020204" pitchFamily="34" charset="-122"/>
                 <a:ea typeface="微软雅黑" panose="020B0503020204020204" pitchFamily="34" charset="-122"/>
               </a:rPr>
-              <a:t>m = manager</a:t>
-            </a:r>
-          </a:p>
-          <a:p>
-            <a:pPr eaLnBrk="1" hangingPunct="1">
+              <a:t>error</a:t>
+            </a:r>
+            <a:r>
+              <a:rPr lang="zh-CN" altLang="en-US" sz="2000" dirty="0" smtClean="0">
+                <a:latin typeface="微软雅黑" panose="020B0503020204020204" pitchFamily="34" charset="-122"/>
+                <a:ea typeface="微软雅黑" panose="020B0503020204020204" pitchFamily="34" charset="-122"/>
+              </a:rPr>
+              <a:t>： 当子进程无法被复制创建、无法被杀死、无法发送消息时会触发该事件。</a:t>
+            </a:r>
+            <a:endParaRPr lang="zh-CN" altLang="en-US" sz="2000" dirty="0" smtClean="0">
+              <a:latin typeface="微软雅黑" panose="020B0503020204020204" pitchFamily="34" charset="-122"/>
+              <a:ea typeface="微软雅黑" panose="020B0503020204020204" pitchFamily="34" charset="-122"/>
+            </a:endParaRPr>
+          </a:p>
+          <a:p>
+            <a:pPr indent="0" eaLnBrk="1" hangingPunct="1">
               <a:lnSpc>
                 <a:spcPct val="150000"/>
               </a:lnSpc>
@@ -4719,13 +6667,147 @@
                 <a:latin typeface="微软雅黑" panose="020B0503020204020204" pitchFamily="34" charset="-122"/>
                 <a:ea typeface="微软雅黑" panose="020B0503020204020204" pitchFamily="34" charset="-122"/>
               </a:rPr>
-              <a:t>2 = 1 + 1</a:t>
-            </a:r>
-            <a:endParaRPr lang="en-US" altLang="zh-CN" sz="2000" dirty="0" smtClean="0">
+              <a:t>exit</a:t>
+            </a:r>
+            <a:r>
+              <a:rPr lang="zh-CN" altLang="en-US" sz="2000" dirty="0" smtClean="0">
+                <a:latin typeface="微软雅黑" panose="020B0503020204020204" pitchFamily="34" charset="-122"/>
+                <a:ea typeface="微软雅黑" panose="020B0503020204020204" pitchFamily="34" charset="-122"/>
+              </a:rPr>
+              <a:t>：子进程退出时触发。</a:t>
+            </a:r>
+            <a:endParaRPr lang="zh-CN" altLang="en-US" sz="2000" dirty="0" smtClean="0">
               <a:latin typeface="微软雅黑" panose="020B0503020204020204" pitchFamily="34" charset="-122"/>
               <a:ea typeface="微软雅黑" panose="020B0503020204020204" pitchFamily="34" charset="-122"/>
             </a:endParaRPr>
           </a:p>
+          <a:p>
+            <a:pPr indent="0" eaLnBrk="1" hangingPunct="1">
+              <a:lnSpc>
+                <a:spcPct val="150000"/>
+              </a:lnSpc>
+              <a:spcBef>
+                <a:spcPct val="0"/>
+              </a:spcBef>
+              <a:spcAft>
+                <a:spcPts val="0"/>
+              </a:spcAft>
+              <a:buFontTx/>
+              <a:buNone/>
+            </a:pPr>
+            <a:r>
+              <a:rPr lang="en-US" altLang="zh-CN" sz="2000" dirty="0" smtClean="0">
+                <a:latin typeface="微软雅黑" panose="020B0503020204020204" pitchFamily="34" charset="-122"/>
+                <a:ea typeface="微软雅黑" panose="020B0503020204020204" pitchFamily="34" charset="-122"/>
+              </a:rPr>
+              <a:t>close</a:t>
+            </a:r>
+            <a:r>
+              <a:rPr lang="zh-CN" altLang="en-US" sz="2000" dirty="0" smtClean="0">
+                <a:latin typeface="微软雅黑" panose="020B0503020204020204" pitchFamily="34" charset="-122"/>
+                <a:ea typeface="微软雅黑" panose="020B0503020204020204" pitchFamily="34" charset="-122"/>
+              </a:rPr>
+              <a:t>：在子进程的标准输入输出流终止时触发该事件。</a:t>
+            </a:r>
+            <a:endParaRPr lang="zh-CN" altLang="en-US" sz="2000" dirty="0" smtClean="0">
+              <a:latin typeface="微软雅黑" panose="020B0503020204020204" pitchFamily="34" charset="-122"/>
+              <a:ea typeface="微软雅黑" panose="020B0503020204020204" pitchFamily="34" charset="-122"/>
+            </a:endParaRPr>
+          </a:p>
+          <a:p>
+            <a:pPr indent="0" eaLnBrk="1" hangingPunct="1">
+              <a:lnSpc>
+                <a:spcPct val="150000"/>
+              </a:lnSpc>
+              <a:spcBef>
+                <a:spcPct val="0"/>
+              </a:spcBef>
+              <a:spcAft>
+                <a:spcPts val="0"/>
+              </a:spcAft>
+              <a:buFontTx/>
+              <a:buNone/>
+            </a:pPr>
+            <a:r>
+              <a:rPr lang="en-US" altLang="zh-CN" sz="2000" dirty="0" smtClean="0">
+                <a:latin typeface="微软雅黑" panose="020B0503020204020204" pitchFamily="34" charset="-122"/>
+                <a:ea typeface="微软雅黑" panose="020B0503020204020204" pitchFamily="34" charset="-122"/>
+              </a:rPr>
+              <a:t>disconnect</a:t>
+            </a:r>
+            <a:r>
+              <a:rPr lang="zh-CN" altLang="en-US" sz="2000" dirty="0" smtClean="0">
+                <a:latin typeface="微软雅黑" panose="020B0503020204020204" pitchFamily="34" charset="-122"/>
+                <a:ea typeface="微软雅黑" panose="020B0503020204020204" pitchFamily="34" charset="-122"/>
+              </a:rPr>
+              <a:t>：在父进程或子进程中调用</a:t>
+            </a:r>
+            <a:r>
+              <a:rPr lang="en-US" altLang="zh-CN" sz="2000" dirty="0" smtClean="0">
+                <a:latin typeface="微软雅黑" panose="020B0503020204020204" pitchFamily="34" charset="-122"/>
+                <a:ea typeface="微软雅黑" panose="020B0503020204020204" pitchFamily="34" charset="-122"/>
+              </a:rPr>
+              <a:t>disconnect()</a:t>
+            </a:r>
+            <a:r>
+              <a:rPr lang="zh-CN" altLang="en-US" sz="2000" dirty="0" smtClean="0">
+                <a:latin typeface="微软雅黑" panose="020B0503020204020204" pitchFamily="34" charset="-122"/>
+                <a:ea typeface="微软雅黑" panose="020B0503020204020204" pitchFamily="34" charset="-122"/>
+              </a:rPr>
+              <a:t>方法时触发该事件，调用该方法时将关闭</a:t>
+            </a:r>
+            <a:r>
+              <a:rPr lang="en-US" altLang="zh-CN" sz="2000" dirty="0" smtClean="0">
+                <a:latin typeface="微软雅黑" panose="020B0503020204020204" pitchFamily="34" charset="-122"/>
+                <a:ea typeface="微软雅黑" panose="020B0503020204020204" pitchFamily="34" charset="-122"/>
+              </a:rPr>
+              <a:t>IPC</a:t>
+            </a:r>
+            <a:r>
+              <a:rPr lang="zh-CN" altLang="en-US" sz="2000" dirty="0" smtClean="0">
+                <a:latin typeface="微软雅黑" panose="020B0503020204020204" pitchFamily="34" charset="-122"/>
+                <a:ea typeface="微软雅黑" panose="020B0503020204020204" pitchFamily="34" charset="-122"/>
+              </a:rPr>
+              <a:t>通道。</a:t>
+            </a:r>
+            <a:endParaRPr lang="zh-CN" altLang="en-US" sz="2000" dirty="0" smtClean="0">
+              <a:latin typeface="微软雅黑" panose="020B0503020204020204" pitchFamily="34" charset="-122"/>
+              <a:ea typeface="微软雅黑" panose="020B0503020204020204" pitchFamily="34" charset="-122"/>
+            </a:endParaRPr>
+          </a:p>
+          <a:p>
+            <a:pPr indent="0" eaLnBrk="1" hangingPunct="1">
+              <a:lnSpc>
+                <a:spcPct val="150000"/>
+              </a:lnSpc>
+              <a:spcBef>
+                <a:spcPct val="0"/>
+              </a:spcBef>
+              <a:spcAft>
+                <a:spcPts val="0"/>
+              </a:spcAft>
+              <a:buFontTx/>
+              <a:buNone/>
+            </a:pPr>
+            <a:r>
+              <a:rPr lang="en-US" altLang="zh-CN" sz="2000" dirty="0" smtClean="0">
+                <a:latin typeface="微软雅黑" panose="020B0503020204020204" pitchFamily="34" charset="-122"/>
+                <a:ea typeface="微软雅黑" panose="020B0503020204020204" pitchFamily="34" charset="-122"/>
+              </a:rPr>
+              <a:t>kill</a:t>
+            </a:r>
+            <a:r>
+              <a:rPr lang="zh-CN" altLang="en-US" sz="2000" dirty="0" smtClean="0">
+                <a:latin typeface="微软雅黑" panose="020B0503020204020204" pitchFamily="34" charset="-122"/>
+                <a:ea typeface="微软雅黑" panose="020B0503020204020204" pitchFamily="34" charset="-122"/>
+              </a:rPr>
+              <a:t>：父进程给子进程发送消息，参数为一个系统指令。</a:t>
+            </a:r>
+            <a:endParaRPr lang="zh-CN" altLang="en-US" sz="2000" dirty="0" smtClean="0">
+              <a:latin typeface="微软雅黑" panose="020B0503020204020204" pitchFamily="34" charset="-122"/>
+              <a:ea typeface="微软雅黑" panose="020B0503020204020204" pitchFamily="34" charset="-122"/>
+            </a:endParaRPr>
+          </a:p>
         </p:txBody>
       </p:sp>
       <p:sp>
@@ -4737,7 +6819,7 @@
         <p:spPr>
           <a:xfrm>
             <a:off x="1749424" y="70765"/>
-            <a:ext cx="7455535" cy="584775"/>
+            <a:ext cx="7455535" cy="583565"/>
           </a:xfrm>
           <a:prstGeom prst="rect">
             <a:avLst/>
@@ -4755,21 +6837,14 @@
                 <a:latin typeface="微软雅黑" panose="020B0503020204020204" pitchFamily="34" charset="-122"/>
                 <a:ea typeface="微软雅黑" panose="020B0503020204020204" pitchFamily="34" charset="-122"/>
               </a:rPr>
-              <a:t>1. </a:t>
-            </a:r>
-            <a:r>
-              <a:rPr lang="en-US" altLang="zh-CN" sz="3200" dirty="0" smtClean="0">
-                <a:latin typeface="微软雅黑" panose="020B0503020204020204" pitchFamily="34" charset="-122"/>
-                <a:ea typeface="微软雅黑" panose="020B0503020204020204" pitchFamily="34" charset="-122"/>
-              </a:rPr>
-              <a:t>0</a:t>
+              <a:t>3.1 </a:t>
             </a:r>
             <a:r>
               <a:rPr lang="zh-CN" altLang="en-US" sz="3200" dirty="0" smtClean="0">
                 <a:latin typeface="微软雅黑" panose="020B0503020204020204" pitchFamily="34" charset="-122"/>
                 <a:ea typeface="微软雅黑" panose="020B0503020204020204" pitchFamily="34" charset="-122"/>
               </a:rPr>
-              <a:t>秒自动重启</a:t>
+              <a:t>进程事件</a:t>
             </a:r>
             <a:endParaRPr lang="zh-CN" altLang="en-US" sz="3200" dirty="0" smtClean="0">
               <a:latin typeface="微软雅黑" panose="020B0503020204020204" pitchFamily="34" charset="-122"/>
@@ -4779,11 +6854,6 @@
         </p:txBody>
       </p:sp>
     </p:spTree>
-    <p:extLst>
-      <p:ext uri="{BB962C8B-B14F-4D97-AF65-F5344CB8AC3E}">
-        <p14:creationId xmlns:p14="http://schemas.microsoft.com/office/powerpoint/2010/main" val="797088222"/>
-      </p:ext>
-    </p:extLst>
   </p:cSld>
   <p:clrMapOvr>
     <a:masterClrMapping/>
@@ -4801,7 +6871,7 @@
 </p:sld>
 </file>
 
-<file path=ppt/slides/slide4.xml><?xml version="1.0" encoding="utf-8"?>
+<file path=ppt/slides/slide14.xml><?xml version="1.0" encoding="utf-8"?>
 <p:sld xmlns:a="http://schemas.openxmlformats.org/drawingml/2006/main" xmlns:r="http://schemas.openxmlformats.org/officeDocument/2006/relationships" xmlns:p="http://schemas.openxmlformats.org/presentationml/2006/main">
   <p:cSld>
     <p:spTree>
@@ -4820,313 +6890,6 @@
       </p:grpSpPr>
       <p:sp>
         <p:nvSpPr>
-          <p:cNvPr id="3" name="文本框 2"/>
-          <p:cNvSpPr txBox="1">
-            <a:spLocks noChangeArrowheads="1"/>
-          </p:cNvSpPr>
-          <p:nvPr/>
-        </p:nvSpPr>
-        <p:spPr bwMode="auto">
-          <a:xfrm>
-            <a:off x="847042" y="1217728"/>
-            <a:ext cx="10113484" cy="2862322"/>
-          </a:xfrm>
-          <a:prstGeom prst="rect">
-            <a:avLst/>
-          </a:prstGeom>
-          <a:noFill/>
-          <a:ln>
-            <a:noFill/>
-          </a:ln>
-          <a:extLst>
-            <a:ext uri="{909E8E84-426E-40DD-AFC4-6F175D3DCCD1}">
-              <a14:hiddenFill xmlns:a14="http://schemas.microsoft.com/office/drawing/2010/main">
-                <a:solidFill>
-                  <a:srgbClr val="FFFFFF"/>
-                </a:solidFill>
-              </a14:hiddenFill>
-            </a:ext>
-            <a:ext uri="{91240B29-F687-4F45-9708-019B960494DF}">
-              <a14:hiddenLine xmlns:a14="http://schemas.microsoft.com/office/drawing/2010/main" w="9525">
-                <a:solidFill>
-                  <a:srgbClr val="000000"/>
-                </a:solidFill>
-                <a:miter lim="800000"/>
-                <a:headEnd/>
-                <a:tailEnd/>
-              </a14:hiddenLine>
-            </a:ext>
-          </a:extLst>
-        </p:spPr>
-        <p:txBody>
-          <a:bodyPr wrap="square">
-            <a:spAutoFit/>
-          </a:bodyPr>
-          <a:lstStyle>
-            <a:defPPr>
-              <a:defRPr lang="zh-CN"/>
-            </a:defPPr>
-            <a:lvl1pPr algn="l" rtl="0" eaLnBrk="0" fontAlgn="base" hangingPunct="0">
-              <a:spcBef>
-                <a:spcPct val="0"/>
-              </a:spcBef>
-              <a:spcAft>
-                <a:spcPct val="0"/>
-              </a:spcAft>
-              <a:defRPr kern="1200">
-                <a:solidFill>
-                  <a:schemeClr val="tx1"/>
-                </a:solidFill>
-                <a:latin typeface="Arial" panose="020B0604020202020204" pitchFamily="34" charset="0"/>
-                <a:ea typeface="宋体" panose="02010600030101010101" pitchFamily="2" charset="-122"/>
-                <a:cs typeface="+mn-cs"/>
-              </a:defRPr>
-            </a:lvl1pPr>
-            <a:lvl2pPr marL="457200" algn="l" rtl="0" eaLnBrk="0" fontAlgn="base" hangingPunct="0">
-              <a:spcBef>
-                <a:spcPct val="0"/>
-              </a:spcBef>
-              <a:spcAft>
-                <a:spcPct val="0"/>
-              </a:spcAft>
-              <a:defRPr kern="1200">
-                <a:solidFill>
-                  <a:schemeClr val="tx1"/>
-                </a:solidFill>
-                <a:latin typeface="Arial" panose="020B0604020202020204" pitchFamily="34" charset="0"/>
-                <a:ea typeface="宋体" panose="02010600030101010101" pitchFamily="2" charset="-122"/>
-                <a:cs typeface="+mn-cs"/>
-              </a:defRPr>
-            </a:lvl2pPr>
-            <a:lvl3pPr marL="914400" algn="l" rtl="0" eaLnBrk="0" fontAlgn="base" hangingPunct="0">
-              <a:spcBef>
-                <a:spcPct val="0"/>
-              </a:spcBef>
-              <a:spcAft>
-                <a:spcPct val="0"/>
-              </a:spcAft>
-              <a:defRPr kern="1200">
-                <a:solidFill>
-                  <a:schemeClr val="tx1"/>
-                </a:solidFill>
-                <a:latin typeface="Arial" panose="020B0604020202020204" pitchFamily="34" charset="0"/>
-                <a:ea typeface="宋体" panose="02010600030101010101" pitchFamily="2" charset="-122"/>
-                <a:cs typeface="+mn-cs"/>
-              </a:defRPr>
-            </a:lvl3pPr>
-            <a:lvl4pPr marL="1371600" algn="l" rtl="0" eaLnBrk="0" fontAlgn="base" hangingPunct="0">
-              <a:spcBef>
-                <a:spcPct val="0"/>
-              </a:spcBef>
-              <a:spcAft>
-                <a:spcPct val="0"/>
-              </a:spcAft>
-              <a:defRPr kern="1200">
-                <a:solidFill>
-                  <a:schemeClr val="tx1"/>
-                </a:solidFill>
-                <a:latin typeface="Arial" panose="020B0604020202020204" pitchFamily="34" charset="0"/>
-                <a:ea typeface="宋体" panose="02010600030101010101" pitchFamily="2" charset="-122"/>
-                <a:cs typeface="+mn-cs"/>
-              </a:defRPr>
-            </a:lvl4pPr>
-            <a:lvl5pPr marL="1828800" algn="l" rtl="0" eaLnBrk="0" fontAlgn="base" hangingPunct="0">
-              <a:spcBef>
-                <a:spcPct val="0"/>
-              </a:spcBef>
-              <a:spcAft>
-                <a:spcPct val="0"/>
-              </a:spcAft>
-              <a:defRPr kern="1200">
-                <a:solidFill>
-                  <a:schemeClr val="tx1"/>
-                </a:solidFill>
-                <a:latin typeface="Arial" panose="020B0604020202020204" pitchFamily="34" charset="0"/>
-                <a:ea typeface="宋体" panose="02010600030101010101" pitchFamily="2" charset="-122"/>
-                <a:cs typeface="+mn-cs"/>
-              </a:defRPr>
-            </a:lvl5pPr>
-            <a:lvl6pPr marL="2286000" algn="l" defTabSz="914400" rtl="0" eaLnBrk="1" latinLnBrk="0" hangingPunct="1">
-              <a:defRPr kern="1200">
-                <a:solidFill>
-                  <a:schemeClr val="tx1"/>
-                </a:solidFill>
-                <a:latin typeface="Arial" panose="020B0604020202020204" pitchFamily="34" charset="0"/>
-                <a:ea typeface="宋体" panose="02010600030101010101" pitchFamily="2" charset="-122"/>
-                <a:cs typeface="+mn-cs"/>
-              </a:defRPr>
-            </a:lvl6pPr>
-            <a:lvl7pPr marL="2743200" algn="l" defTabSz="914400" rtl="0" eaLnBrk="1" latinLnBrk="0" hangingPunct="1">
-              <a:defRPr kern="1200">
-                <a:solidFill>
-                  <a:schemeClr val="tx1"/>
-                </a:solidFill>
-                <a:latin typeface="Arial" panose="020B0604020202020204" pitchFamily="34" charset="0"/>
-                <a:ea typeface="宋体" panose="02010600030101010101" pitchFamily="2" charset="-122"/>
-                <a:cs typeface="+mn-cs"/>
-              </a:defRPr>
-            </a:lvl7pPr>
-            <a:lvl8pPr marL="3200400" algn="l" defTabSz="914400" rtl="0" eaLnBrk="1" latinLnBrk="0" hangingPunct="1">
-              <a:defRPr kern="1200">
-                <a:solidFill>
-                  <a:schemeClr val="tx1"/>
-                </a:solidFill>
-                <a:latin typeface="Arial" panose="020B0604020202020204" pitchFamily="34" charset="0"/>
-                <a:ea typeface="宋体" panose="02010600030101010101" pitchFamily="2" charset="-122"/>
-                <a:cs typeface="+mn-cs"/>
-              </a:defRPr>
-            </a:lvl8pPr>
-            <a:lvl9pPr marL="3657600" algn="l" defTabSz="914400" rtl="0" eaLnBrk="1" latinLnBrk="0" hangingPunct="1">
-              <a:defRPr kern="1200">
-                <a:solidFill>
-                  <a:schemeClr val="tx1"/>
-                </a:solidFill>
-                <a:latin typeface="Arial" panose="020B0604020202020204" pitchFamily="34" charset="0"/>
-                <a:ea typeface="宋体" panose="02010600030101010101" pitchFamily="2" charset="-122"/>
-                <a:cs typeface="+mn-cs"/>
-              </a:defRPr>
-            </a:lvl9pPr>
-          </a:lstStyle>
-          <a:p>
-            <a:pPr marL="457200" indent="-457200" eaLnBrk="1" hangingPunct="1">
-              <a:lnSpc>
-                <a:spcPct val="150000"/>
-              </a:lnSpc>
-              <a:spcBef>
-                <a:spcPct val="0"/>
-              </a:spcBef>
-              <a:spcAft>
-                <a:spcPts val="0"/>
-              </a:spcAft>
-              <a:buFontTx/>
-              <a:buAutoNum type="arabicPeriod"/>
-            </a:pPr>
-            <a:r>
-              <a:rPr lang="zh-CN" altLang="en-US" sz="2000" dirty="0" smtClean="0">
-                <a:latin typeface="微软雅黑" panose="020B0503020204020204" pitchFamily="34" charset="-122"/>
-                <a:ea typeface="微软雅黑" panose="020B0503020204020204" pitchFamily="34" charset="-122"/>
-              </a:rPr>
-              <a:t>一行代码部署应用程序。</a:t>
-            </a:r>
-          </a:p>
-          <a:p>
-            <a:pPr marL="457200" indent="-457200" eaLnBrk="1" hangingPunct="1">
-              <a:lnSpc>
-                <a:spcPct val="150000"/>
-              </a:lnSpc>
-              <a:spcBef>
-                <a:spcPct val="0"/>
-              </a:spcBef>
-              <a:spcAft>
-                <a:spcPts val="0"/>
-              </a:spcAft>
-              <a:buFontTx/>
-              <a:buAutoNum type="arabicPeriod"/>
-            </a:pPr>
-            <a:r>
-              <a:rPr lang="zh-CN" altLang="en-US" sz="2000" dirty="0" smtClean="0">
-                <a:latin typeface="微软雅黑" panose="020B0503020204020204" pitchFamily="34" charset="-122"/>
-                <a:ea typeface="微软雅黑" panose="020B0503020204020204" pitchFamily="34" charset="-122"/>
-              </a:rPr>
-              <a:t>程序奔溃或者机器重启是自动重启。</a:t>
-            </a:r>
-          </a:p>
-          <a:p>
-            <a:pPr marL="457200" indent="-457200" eaLnBrk="1" hangingPunct="1">
-              <a:lnSpc>
-                <a:spcPct val="150000"/>
-              </a:lnSpc>
-              <a:spcBef>
-                <a:spcPct val="0"/>
-              </a:spcBef>
-              <a:spcAft>
-                <a:spcPts val="0"/>
-              </a:spcAft>
-              <a:buFontTx/>
-              <a:buAutoNum type="arabicPeriod"/>
-            </a:pPr>
-            <a:r>
-              <a:rPr lang="zh-CN" altLang="en-US" sz="2000" dirty="0" smtClean="0">
-                <a:latin typeface="微软雅黑" panose="020B0503020204020204" pitchFamily="34" charset="-122"/>
-                <a:ea typeface="微软雅黑" panose="020B0503020204020204" pitchFamily="34" charset="-122"/>
-              </a:rPr>
-              <a:t>内置负载均衡（集群模式）。</a:t>
-            </a:r>
-          </a:p>
-          <a:p>
-            <a:pPr marL="457200" indent="-457200" eaLnBrk="1" hangingPunct="1">
-              <a:lnSpc>
-                <a:spcPct val="150000"/>
-              </a:lnSpc>
-              <a:spcBef>
-                <a:spcPct val="0"/>
-              </a:spcBef>
-              <a:spcAft>
-                <a:spcPts val="0"/>
-              </a:spcAft>
-              <a:buFontTx/>
-              <a:buAutoNum type="arabicPeriod"/>
-            </a:pPr>
-            <a:r>
-              <a:rPr lang="zh-CN" altLang="en-US" sz="2000" dirty="0" smtClean="0">
-                <a:latin typeface="微软雅黑" panose="020B0503020204020204" pitchFamily="34" charset="-122"/>
-                <a:ea typeface="微软雅黑" panose="020B0503020204020204" pitchFamily="34" charset="-122"/>
-              </a:rPr>
-              <a:t>不停机重载应用程序。</a:t>
-            </a:r>
-          </a:p>
-          <a:p>
-            <a:pPr marL="457200" indent="-457200" eaLnBrk="1" hangingPunct="1">
-              <a:lnSpc>
-                <a:spcPct val="150000"/>
-              </a:lnSpc>
-              <a:spcBef>
-                <a:spcPct val="0"/>
-              </a:spcBef>
-              <a:spcAft>
-                <a:spcPts val="0"/>
-              </a:spcAft>
-              <a:buFontTx/>
-              <a:buAutoNum type="arabicPeriod"/>
-            </a:pPr>
-            <a:r>
-              <a:rPr lang="zh-CN" altLang="en-US" sz="2000" dirty="0" smtClean="0">
-                <a:latin typeface="微软雅黑" panose="020B0503020204020204" pitchFamily="34" charset="-122"/>
-                <a:ea typeface="微软雅黑" panose="020B0503020204020204" pitchFamily="34" charset="-122"/>
-              </a:rPr>
-              <a:t>更直观的进程管理。</a:t>
-            </a:r>
-            <a:endParaRPr lang="en-US" altLang="zh-CN" sz="2000" dirty="0" smtClean="0">
-              <a:latin typeface="微软雅黑" panose="020B0503020204020204" pitchFamily="34" charset="-122"/>
-              <a:ea typeface="微软雅黑" panose="020B0503020204020204" pitchFamily="34" charset="-122"/>
-            </a:endParaRPr>
-          </a:p>
-          <a:p>
-            <a:pPr marL="457200" indent="-457200" eaLnBrk="1" hangingPunct="1">
-              <a:lnSpc>
-                <a:spcPct val="150000"/>
-              </a:lnSpc>
-              <a:spcBef>
-                <a:spcPct val="0"/>
-              </a:spcBef>
-              <a:spcAft>
-                <a:spcPts val="0"/>
-              </a:spcAft>
-              <a:buFontTx/>
-              <a:buAutoNum type="arabicPeriod"/>
-            </a:pPr>
-            <a:r>
-              <a:rPr lang="zh-CN" altLang="en-US" sz="2000" dirty="0" smtClean="0">
-                <a:latin typeface="微软雅黑" panose="020B0503020204020204" pitchFamily="34" charset="-122"/>
-                <a:ea typeface="微软雅黑" panose="020B0503020204020204" pitchFamily="34" charset="-122"/>
-              </a:rPr>
-              <a:t>简化的日志管理。</a:t>
-            </a:r>
-          </a:p>
-        </p:txBody>
-      </p:sp>
-      <p:sp>
-        <p:nvSpPr>
           <p:cNvPr id="4" name="文本框 3"/>
           <p:cNvSpPr txBox="1"/>
           <p:nvPr/>
@@ -5134,7 +6897,7 @@
         <p:spPr>
           <a:xfrm>
             <a:off x="1749424" y="70765"/>
-            <a:ext cx="7455535" cy="584775"/>
+            <a:ext cx="7455535" cy="583565"/>
           </a:xfrm>
           <a:prstGeom prst="rect">
             <a:avLst/>
@@ -5152,21 +6915,14 @@
                 <a:latin typeface="微软雅黑" panose="020B0503020204020204" pitchFamily="34" charset="-122"/>
                 <a:ea typeface="微软雅黑" panose="020B0503020204020204" pitchFamily="34" charset="-122"/>
               </a:rPr>
-              <a:t>1. </a:t>
-            </a:r>
-            <a:r>
-              <a:rPr lang="en-US" altLang="zh-CN" sz="3200" dirty="0" smtClean="0">
-                <a:latin typeface="微软雅黑" panose="020B0503020204020204" pitchFamily="34" charset="-122"/>
-                <a:ea typeface="微软雅黑" panose="020B0503020204020204" pitchFamily="34" charset="-122"/>
-              </a:rPr>
-              <a:t>pm2</a:t>
+              <a:t>3.2 </a:t>
             </a:r>
             <a:r>
               <a:rPr lang="zh-CN" altLang="en-US" sz="3200" dirty="0" smtClean="0">
                 <a:latin typeface="微软雅黑" panose="020B0503020204020204" pitchFamily="34" charset="-122"/>
                 <a:ea typeface="微软雅黑" panose="020B0503020204020204" pitchFamily="34" charset="-122"/>
               </a:rPr>
-              <a:t>特点？</a:t>
+              <a:t>自动重启</a:t>
             </a:r>
             <a:endParaRPr lang="zh-CN" altLang="en-US" sz="3200" dirty="0" smtClean="0">
               <a:latin typeface="微软雅黑" panose="020B0503020204020204" pitchFamily="34" charset="-122"/>
@@ -5175,12 +6931,31 @@
           </a:p>
         </p:txBody>
       </p:sp>
+      <p:pic>
+        <p:nvPicPr>
+          <p:cNvPr id="6" name="图片 5" descr="主进程加入子进程管理机制"/>
+          <p:cNvPicPr>
+            <a:picLocks noChangeAspect="1"/>
+          </p:cNvPicPr>
+          <p:nvPr/>
+        </p:nvPicPr>
+        <p:blipFill>
+          <a:blip r:embed="rId1"/>
+          <a:stretch>
+            <a:fillRect/>
+          </a:stretch>
+        </p:blipFill>
+        <p:spPr>
+          <a:xfrm>
+            <a:off x="1164590" y="1657350"/>
+            <a:ext cx="7251700" cy="2921000"/>
+          </a:xfrm>
+          <a:prstGeom prst="rect">
+            <a:avLst/>
+          </a:prstGeom>
+        </p:spPr>
+      </p:pic>
     </p:spTree>
-    <p:extLst>
-      <p:ext uri="{BB962C8B-B14F-4D97-AF65-F5344CB8AC3E}">
-        <p14:creationId xmlns:p14="http://schemas.microsoft.com/office/powerpoint/2010/main" val="2016549867"/>
-      </p:ext>
-    </p:extLst>
   </p:cSld>
   <p:clrMapOvr>
     <a:masterClrMapping/>
@@ -5198,7 +6973,879 @@
 </p:sld>
 </file>
 
-<file path=ppt/slides/slide5.xml><?xml version="1.0" encoding="utf-8"?>
+<file path=ppt/slides/slide15.xml><?xml version="1.0" encoding="utf-8"?>
+<p:sld xmlns:a="http://schemas.openxmlformats.org/drawingml/2006/main" xmlns:r="http://schemas.openxmlformats.org/officeDocument/2006/relationships" xmlns:p="http://schemas.openxmlformats.org/presentationml/2006/main">
+  <p:cSld>
+    <p:spTree>
+      <p:nvGrpSpPr>
+        <p:cNvPr id="1" name=""/>
+        <p:cNvGrpSpPr/>
+        <p:nvPr/>
+      </p:nvGrpSpPr>
+      <p:grpSpPr>
+        <a:xfrm>
+          <a:off x="0" y="0"/>
+          <a:ext cx="0" cy="0"/>
+          <a:chOff x="0" y="0"/>
+          <a:chExt cx="0" cy="0"/>
+        </a:xfrm>
+      </p:grpSpPr>
+      <p:sp>
+        <p:nvSpPr>
+          <p:cNvPr id="4" name="文本框 3"/>
+          <p:cNvSpPr txBox="1"/>
+          <p:nvPr/>
+        </p:nvSpPr>
+        <p:spPr>
+          <a:xfrm>
+            <a:off x="1749424" y="70765"/>
+            <a:ext cx="7455535" cy="583565"/>
+          </a:xfrm>
+          <a:prstGeom prst="rect">
+            <a:avLst/>
+          </a:prstGeom>
+          <a:noFill/>
+        </p:spPr>
+        <p:txBody>
+          <a:bodyPr wrap="square" rtlCol="0">
+            <a:spAutoFit/>
+          </a:bodyPr>
+          <a:lstStyle/>
+          <a:p>
+            <a:r>
+              <a:rPr lang="en-US" altLang="zh-CN" sz="3200" dirty="0" smtClean="0">
+                <a:latin typeface="微软雅黑" panose="020B0503020204020204" pitchFamily="34" charset="-122"/>
+                <a:ea typeface="微软雅黑" panose="020B0503020204020204" pitchFamily="34" charset="-122"/>
+              </a:rPr>
+              <a:t>3.3 </a:t>
+            </a:r>
+            <a:r>
+              <a:rPr lang="zh-CN" altLang="en-US" sz="3200" dirty="0" smtClean="0">
+                <a:latin typeface="微软雅黑" panose="020B0503020204020204" pitchFamily="34" charset="-122"/>
+                <a:ea typeface="微软雅黑" panose="020B0503020204020204" pitchFamily="34" charset="-122"/>
+              </a:rPr>
+              <a:t>负载均衡</a:t>
+            </a:r>
+            <a:endParaRPr lang="zh-CN" altLang="en-US" sz="3200" dirty="0" smtClean="0">
+              <a:latin typeface="微软雅黑" panose="020B0503020204020204" pitchFamily="34" charset="-122"/>
+              <a:ea typeface="微软雅黑" panose="020B0503020204020204" pitchFamily="34" charset="-122"/>
+            </a:endParaRPr>
+          </a:p>
+        </p:txBody>
+      </p:sp>
+      <p:sp>
+        <p:nvSpPr>
+          <p:cNvPr id="3" name="文本框 2"/>
+          <p:cNvSpPr txBox="1">
+            <a:spLocks noChangeArrowheads="1"/>
+          </p:cNvSpPr>
+          <p:nvPr/>
+        </p:nvSpPr>
+        <p:spPr bwMode="auto">
+          <a:xfrm>
+            <a:off x="847042" y="1217728"/>
+            <a:ext cx="10113484" cy="1014730"/>
+          </a:xfrm>
+          <a:prstGeom prst="rect">
+            <a:avLst/>
+          </a:prstGeom>
+          <a:noFill/>
+          <a:ln>
+            <a:noFill/>
+          </a:ln>
+          <a:extLst>
+            <a:ext uri="{909E8E84-426E-40DD-AFC4-6F175D3DCCD1}">
+              <a14:hiddenFill xmlns:a14="http://schemas.microsoft.com/office/drawing/2010/main">
+                <a:solidFill>
+                  <a:srgbClr val="FFFFFF"/>
+                </a:solidFill>
+              </a14:hiddenFill>
+            </a:ext>
+            <a:ext uri="{91240B29-F687-4F45-9708-019B960494DF}">
+              <a14:hiddenLine xmlns:a14="http://schemas.microsoft.com/office/drawing/2010/main" w="9525">
+                <a:solidFill>
+                  <a:srgbClr val="000000"/>
+                </a:solidFill>
+                <a:miter lim="800000"/>
+                <a:headEnd/>
+                <a:tailEnd/>
+              </a14:hiddenLine>
+            </a:ext>
+          </a:extLst>
+        </p:spPr>
+        <p:txBody>
+          <a:bodyPr wrap="square">
+            <a:spAutoFit/>
+          </a:bodyPr>
+          <a:lstStyle>
+            <a:defPPr>
+              <a:defRPr lang="zh-CN"/>
+            </a:defPPr>
+            <a:lvl1pPr algn="l" rtl="0" eaLnBrk="0" fontAlgn="base" hangingPunct="0">
+              <a:spcBef>
+                <a:spcPct val="0"/>
+              </a:spcBef>
+              <a:spcAft>
+                <a:spcPct val="0"/>
+              </a:spcAft>
+              <a:defRPr kern="1200">
+                <a:solidFill>
+                  <a:schemeClr val="tx1"/>
+                </a:solidFill>
+                <a:latin typeface="Arial" panose="020B0604020202090204" pitchFamily="34" charset="0"/>
+                <a:ea typeface="宋体" panose="02010600030101010101" pitchFamily="2" charset="-122"/>
+                <a:cs typeface="+mn-cs"/>
+              </a:defRPr>
+            </a:lvl1pPr>
+            <a:lvl2pPr marL="457200" algn="l" rtl="0" eaLnBrk="0" fontAlgn="base" hangingPunct="0">
+              <a:spcBef>
+                <a:spcPct val="0"/>
+              </a:spcBef>
+              <a:spcAft>
+                <a:spcPct val="0"/>
+              </a:spcAft>
+              <a:defRPr kern="1200">
+                <a:solidFill>
+                  <a:schemeClr val="tx1"/>
+                </a:solidFill>
+                <a:latin typeface="Arial" panose="020B0604020202090204" pitchFamily="34" charset="0"/>
+                <a:ea typeface="宋体" panose="02010600030101010101" pitchFamily="2" charset="-122"/>
+                <a:cs typeface="+mn-cs"/>
+              </a:defRPr>
+            </a:lvl2pPr>
+            <a:lvl3pPr marL="914400" algn="l" rtl="0" eaLnBrk="0" fontAlgn="base" hangingPunct="0">
+              <a:spcBef>
+                <a:spcPct val="0"/>
+              </a:spcBef>
+              <a:spcAft>
+                <a:spcPct val="0"/>
+              </a:spcAft>
+              <a:defRPr kern="1200">
+                <a:solidFill>
+                  <a:schemeClr val="tx1"/>
+                </a:solidFill>
+                <a:latin typeface="Arial" panose="020B0604020202090204" pitchFamily="34" charset="0"/>
+                <a:ea typeface="宋体" panose="02010600030101010101" pitchFamily="2" charset="-122"/>
+                <a:cs typeface="+mn-cs"/>
+              </a:defRPr>
+            </a:lvl3pPr>
+            <a:lvl4pPr marL="1371600" algn="l" rtl="0" eaLnBrk="0" fontAlgn="base" hangingPunct="0">
+              <a:spcBef>
+                <a:spcPct val="0"/>
+              </a:spcBef>
+              <a:spcAft>
+                <a:spcPct val="0"/>
+              </a:spcAft>
+              <a:defRPr kern="1200">
+                <a:solidFill>
+                  <a:schemeClr val="tx1"/>
+                </a:solidFill>
+                <a:latin typeface="Arial" panose="020B0604020202090204" pitchFamily="34" charset="0"/>
+                <a:ea typeface="宋体" panose="02010600030101010101" pitchFamily="2" charset="-122"/>
+                <a:cs typeface="+mn-cs"/>
+              </a:defRPr>
+            </a:lvl4pPr>
+            <a:lvl5pPr marL="1828800" algn="l" rtl="0" eaLnBrk="0" fontAlgn="base" hangingPunct="0">
+              <a:spcBef>
+                <a:spcPct val="0"/>
+              </a:spcBef>
+              <a:spcAft>
+                <a:spcPct val="0"/>
+              </a:spcAft>
+              <a:defRPr kern="1200">
+                <a:solidFill>
+                  <a:schemeClr val="tx1"/>
+                </a:solidFill>
+                <a:latin typeface="Arial" panose="020B0604020202090204" pitchFamily="34" charset="0"/>
+                <a:ea typeface="宋体" panose="02010600030101010101" pitchFamily="2" charset="-122"/>
+                <a:cs typeface="+mn-cs"/>
+              </a:defRPr>
+            </a:lvl5pPr>
+            <a:lvl6pPr marL="2286000" algn="l" defTabSz="914400" rtl="0" eaLnBrk="1" latinLnBrk="0" hangingPunct="1">
+              <a:defRPr kern="1200">
+                <a:solidFill>
+                  <a:schemeClr val="tx1"/>
+                </a:solidFill>
+                <a:latin typeface="Arial" panose="020B0604020202090204" pitchFamily="34" charset="0"/>
+                <a:ea typeface="宋体" panose="02010600030101010101" pitchFamily="2" charset="-122"/>
+                <a:cs typeface="+mn-cs"/>
+              </a:defRPr>
+            </a:lvl6pPr>
+            <a:lvl7pPr marL="2743200" algn="l" defTabSz="914400" rtl="0" eaLnBrk="1" latinLnBrk="0" hangingPunct="1">
+              <a:defRPr kern="1200">
+                <a:solidFill>
+                  <a:schemeClr val="tx1"/>
+                </a:solidFill>
+                <a:latin typeface="Arial" panose="020B0604020202090204" pitchFamily="34" charset="0"/>
+                <a:ea typeface="宋体" panose="02010600030101010101" pitchFamily="2" charset="-122"/>
+                <a:cs typeface="+mn-cs"/>
+              </a:defRPr>
+            </a:lvl7pPr>
+            <a:lvl8pPr marL="3200400" algn="l" defTabSz="914400" rtl="0" eaLnBrk="1" latinLnBrk="0" hangingPunct="1">
+              <a:defRPr kern="1200">
+                <a:solidFill>
+                  <a:schemeClr val="tx1"/>
+                </a:solidFill>
+                <a:latin typeface="Arial" panose="020B0604020202090204" pitchFamily="34" charset="0"/>
+                <a:ea typeface="宋体" panose="02010600030101010101" pitchFamily="2" charset="-122"/>
+                <a:cs typeface="+mn-cs"/>
+              </a:defRPr>
+            </a:lvl8pPr>
+            <a:lvl9pPr marL="3657600" algn="l" defTabSz="914400" rtl="0" eaLnBrk="1" latinLnBrk="0" hangingPunct="1">
+              <a:defRPr kern="1200">
+                <a:solidFill>
+                  <a:schemeClr val="tx1"/>
+                </a:solidFill>
+                <a:latin typeface="Arial" panose="020B0604020202090204" pitchFamily="34" charset="0"/>
+                <a:ea typeface="宋体" panose="02010600030101010101" pitchFamily="2" charset="-122"/>
+                <a:cs typeface="+mn-cs"/>
+              </a:defRPr>
+            </a:lvl9pPr>
+          </a:lstStyle>
+          <a:p>
+            <a:pPr indent="0" eaLnBrk="1" hangingPunct="1">
+              <a:lnSpc>
+                <a:spcPct val="150000"/>
+              </a:lnSpc>
+              <a:spcBef>
+                <a:spcPct val="0"/>
+              </a:spcBef>
+              <a:spcAft>
+                <a:spcPts val="0"/>
+              </a:spcAft>
+              <a:buFontTx/>
+              <a:buNone/>
+            </a:pPr>
+            <a:r>
+              <a:rPr lang="en-US" altLang="zh-CN" sz="2000" dirty="0" smtClean="0">
+                <a:latin typeface="微软雅黑" panose="020B0503020204020204" pitchFamily="34" charset="-122"/>
+                <a:ea typeface="微软雅黑" panose="020B0503020204020204" pitchFamily="34" charset="-122"/>
+              </a:rPr>
+              <a:t>node</a:t>
+            </a:r>
+            <a:r>
+              <a:rPr lang="zh-CN" altLang="en-US" sz="2000" dirty="0" smtClean="0">
+                <a:latin typeface="微软雅黑" panose="020B0503020204020204" pitchFamily="34" charset="-122"/>
+                <a:ea typeface="微软雅黑" panose="020B0503020204020204" pitchFamily="34" charset="-122"/>
+              </a:rPr>
+              <a:t>默认提供的机制是操作系统的抢占式策略。</a:t>
+            </a:r>
+            <a:endParaRPr lang="zh-CN" altLang="en-US" sz="2000" dirty="0" smtClean="0">
+              <a:latin typeface="微软雅黑" panose="020B0503020204020204" pitchFamily="34" charset="-122"/>
+              <a:ea typeface="微软雅黑" panose="020B0503020204020204" pitchFamily="34" charset="-122"/>
+            </a:endParaRPr>
+          </a:p>
+          <a:p>
+            <a:pPr indent="0" eaLnBrk="1" hangingPunct="1">
+              <a:lnSpc>
+                <a:spcPct val="150000"/>
+              </a:lnSpc>
+              <a:spcBef>
+                <a:spcPct val="0"/>
+              </a:spcBef>
+              <a:spcAft>
+                <a:spcPts val="0"/>
+              </a:spcAft>
+              <a:buFontTx/>
+              <a:buNone/>
+            </a:pPr>
+            <a:endParaRPr lang="zh-CN" altLang="en-US" sz="2000" dirty="0" smtClean="0">
+              <a:latin typeface="微软雅黑" panose="020B0503020204020204" pitchFamily="34" charset="-122"/>
+              <a:ea typeface="微软雅黑" panose="020B0503020204020204" pitchFamily="34" charset="-122"/>
+            </a:endParaRPr>
+          </a:p>
+        </p:txBody>
+      </p:sp>
+      <p:sp>
+        <p:nvSpPr>
+          <p:cNvPr id="2" name="文本框 1"/>
+          <p:cNvSpPr txBox="1">
+            <a:spLocks noChangeArrowheads="1"/>
+          </p:cNvSpPr>
+          <p:nvPr/>
+        </p:nvSpPr>
+        <p:spPr bwMode="auto">
+          <a:xfrm>
+            <a:off x="847042" y="2068628"/>
+            <a:ext cx="10113484" cy="1476375"/>
+          </a:xfrm>
+          <a:prstGeom prst="rect">
+            <a:avLst/>
+          </a:prstGeom>
+          <a:noFill/>
+          <a:ln>
+            <a:noFill/>
+          </a:ln>
+          <a:extLst>
+            <a:ext uri="{909E8E84-426E-40DD-AFC4-6F175D3DCCD1}">
+              <a14:hiddenFill xmlns:a14="http://schemas.microsoft.com/office/drawing/2010/main">
+                <a:solidFill>
+                  <a:srgbClr val="FFFFFF"/>
+                </a:solidFill>
+              </a14:hiddenFill>
+            </a:ext>
+            <a:ext uri="{91240B29-F687-4F45-9708-019B960494DF}">
+              <a14:hiddenLine xmlns:a14="http://schemas.microsoft.com/office/drawing/2010/main" w="9525">
+                <a:solidFill>
+                  <a:srgbClr val="000000"/>
+                </a:solidFill>
+                <a:miter lim="800000"/>
+                <a:headEnd/>
+                <a:tailEnd/>
+              </a14:hiddenLine>
+            </a:ext>
+          </a:extLst>
+        </p:spPr>
+        <p:txBody>
+          <a:bodyPr wrap="square">
+            <a:spAutoFit/>
+          </a:bodyPr>
+          <a:lstStyle>
+            <a:defPPr>
+              <a:defRPr lang="zh-CN"/>
+            </a:defPPr>
+            <a:lvl1pPr algn="l" rtl="0" eaLnBrk="0" fontAlgn="base" hangingPunct="0">
+              <a:spcBef>
+                <a:spcPct val="0"/>
+              </a:spcBef>
+              <a:spcAft>
+                <a:spcPct val="0"/>
+              </a:spcAft>
+              <a:defRPr kern="1200">
+                <a:solidFill>
+                  <a:schemeClr val="tx1"/>
+                </a:solidFill>
+                <a:latin typeface="Arial" panose="020B0604020202090204" pitchFamily="34" charset="0"/>
+                <a:ea typeface="宋体" panose="02010600030101010101" pitchFamily="2" charset="-122"/>
+                <a:cs typeface="+mn-cs"/>
+              </a:defRPr>
+            </a:lvl1pPr>
+            <a:lvl2pPr marL="457200" algn="l" rtl="0" eaLnBrk="0" fontAlgn="base" hangingPunct="0">
+              <a:spcBef>
+                <a:spcPct val="0"/>
+              </a:spcBef>
+              <a:spcAft>
+                <a:spcPct val="0"/>
+              </a:spcAft>
+              <a:defRPr kern="1200">
+                <a:solidFill>
+                  <a:schemeClr val="tx1"/>
+                </a:solidFill>
+                <a:latin typeface="Arial" panose="020B0604020202090204" pitchFamily="34" charset="0"/>
+                <a:ea typeface="宋体" panose="02010600030101010101" pitchFamily="2" charset="-122"/>
+                <a:cs typeface="+mn-cs"/>
+              </a:defRPr>
+            </a:lvl2pPr>
+            <a:lvl3pPr marL="914400" algn="l" rtl="0" eaLnBrk="0" fontAlgn="base" hangingPunct="0">
+              <a:spcBef>
+                <a:spcPct val="0"/>
+              </a:spcBef>
+              <a:spcAft>
+                <a:spcPct val="0"/>
+              </a:spcAft>
+              <a:defRPr kern="1200">
+                <a:solidFill>
+                  <a:schemeClr val="tx1"/>
+                </a:solidFill>
+                <a:latin typeface="Arial" panose="020B0604020202090204" pitchFamily="34" charset="0"/>
+                <a:ea typeface="宋体" panose="02010600030101010101" pitchFamily="2" charset="-122"/>
+                <a:cs typeface="+mn-cs"/>
+              </a:defRPr>
+            </a:lvl3pPr>
+            <a:lvl4pPr marL="1371600" algn="l" rtl="0" eaLnBrk="0" fontAlgn="base" hangingPunct="0">
+              <a:spcBef>
+                <a:spcPct val="0"/>
+              </a:spcBef>
+              <a:spcAft>
+                <a:spcPct val="0"/>
+              </a:spcAft>
+              <a:defRPr kern="1200">
+                <a:solidFill>
+                  <a:schemeClr val="tx1"/>
+                </a:solidFill>
+                <a:latin typeface="Arial" panose="020B0604020202090204" pitchFamily="34" charset="0"/>
+                <a:ea typeface="宋体" panose="02010600030101010101" pitchFamily="2" charset="-122"/>
+                <a:cs typeface="+mn-cs"/>
+              </a:defRPr>
+            </a:lvl4pPr>
+            <a:lvl5pPr marL="1828800" algn="l" rtl="0" eaLnBrk="0" fontAlgn="base" hangingPunct="0">
+              <a:spcBef>
+                <a:spcPct val="0"/>
+              </a:spcBef>
+              <a:spcAft>
+                <a:spcPct val="0"/>
+              </a:spcAft>
+              <a:defRPr kern="1200">
+                <a:solidFill>
+                  <a:schemeClr val="tx1"/>
+                </a:solidFill>
+                <a:latin typeface="Arial" panose="020B0604020202090204" pitchFamily="34" charset="0"/>
+                <a:ea typeface="宋体" panose="02010600030101010101" pitchFamily="2" charset="-122"/>
+                <a:cs typeface="+mn-cs"/>
+              </a:defRPr>
+            </a:lvl5pPr>
+            <a:lvl6pPr marL="2286000" algn="l" defTabSz="914400" rtl="0" eaLnBrk="1" latinLnBrk="0" hangingPunct="1">
+              <a:defRPr kern="1200">
+                <a:solidFill>
+                  <a:schemeClr val="tx1"/>
+                </a:solidFill>
+                <a:latin typeface="Arial" panose="020B0604020202090204" pitchFamily="34" charset="0"/>
+                <a:ea typeface="宋体" panose="02010600030101010101" pitchFamily="2" charset="-122"/>
+                <a:cs typeface="+mn-cs"/>
+              </a:defRPr>
+            </a:lvl6pPr>
+            <a:lvl7pPr marL="2743200" algn="l" defTabSz="914400" rtl="0" eaLnBrk="1" latinLnBrk="0" hangingPunct="1">
+              <a:defRPr kern="1200">
+                <a:solidFill>
+                  <a:schemeClr val="tx1"/>
+                </a:solidFill>
+                <a:latin typeface="Arial" panose="020B0604020202090204" pitchFamily="34" charset="0"/>
+                <a:ea typeface="宋体" panose="02010600030101010101" pitchFamily="2" charset="-122"/>
+                <a:cs typeface="+mn-cs"/>
+              </a:defRPr>
+            </a:lvl7pPr>
+            <a:lvl8pPr marL="3200400" algn="l" defTabSz="914400" rtl="0" eaLnBrk="1" latinLnBrk="0" hangingPunct="1">
+              <a:defRPr kern="1200">
+                <a:solidFill>
+                  <a:schemeClr val="tx1"/>
+                </a:solidFill>
+                <a:latin typeface="Arial" panose="020B0604020202090204" pitchFamily="34" charset="0"/>
+                <a:ea typeface="宋体" panose="02010600030101010101" pitchFamily="2" charset="-122"/>
+                <a:cs typeface="+mn-cs"/>
+              </a:defRPr>
+            </a:lvl8pPr>
+            <a:lvl9pPr marL="3657600" algn="l" defTabSz="914400" rtl="0" eaLnBrk="1" latinLnBrk="0" hangingPunct="1">
+              <a:defRPr kern="1200">
+                <a:solidFill>
+                  <a:schemeClr val="tx1"/>
+                </a:solidFill>
+                <a:latin typeface="Arial" panose="020B0604020202090204" pitchFamily="34" charset="0"/>
+                <a:ea typeface="宋体" panose="02010600030101010101" pitchFamily="2" charset="-122"/>
+                <a:cs typeface="+mn-cs"/>
+              </a:defRPr>
+            </a:lvl9pPr>
+          </a:lstStyle>
+          <a:p>
+            <a:pPr indent="0" eaLnBrk="1" hangingPunct="1">
+              <a:lnSpc>
+                <a:spcPct val="150000"/>
+              </a:lnSpc>
+              <a:spcBef>
+                <a:spcPct val="0"/>
+              </a:spcBef>
+              <a:spcAft>
+                <a:spcPts val="0"/>
+              </a:spcAft>
+              <a:buFontTx/>
+              <a:buNone/>
+            </a:pPr>
+            <a:r>
+              <a:rPr lang="en-US" altLang="zh-CN" sz="2000" dirty="0" smtClean="0">
+                <a:latin typeface="微软雅黑" panose="020B0503020204020204" pitchFamily="34" charset="-122"/>
+                <a:ea typeface="微软雅黑" panose="020B0503020204020204" pitchFamily="34" charset="-122"/>
+              </a:rPr>
+              <a:t>node</a:t>
+            </a:r>
+            <a:r>
+              <a:rPr lang="zh-CN" altLang="en-US" sz="2000" dirty="0" smtClean="0">
+                <a:latin typeface="微软雅黑" panose="020B0503020204020204" pitchFamily="34" charset="-122"/>
+                <a:ea typeface="微软雅黑" panose="020B0503020204020204" pitchFamily="34" charset="-122"/>
+              </a:rPr>
+              <a:t>在</a:t>
+            </a:r>
+            <a:r>
+              <a:rPr lang="en-US" altLang="zh-CN" sz="2000" dirty="0" smtClean="0">
+                <a:latin typeface="微软雅黑" panose="020B0503020204020204" pitchFamily="34" charset="-122"/>
+                <a:ea typeface="微软雅黑" panose="020B0503020204020204" pitchFamily="34" charset="-122"/>
+              </a:rPr>
+              <a:t>v0.11</a:t>
+            </a:r>
+            <a:r>
+              <a:rPr lang="zh-CN" altLang="en-US" sz="2000" dirty="0" smtClean="0">
+                <a:latin typeface="微软雅黑" panose="020B0503020204020204" pitchFamily="34" charset="-122"/>
+                <a:ea typeface="微软雅黑" panose="020B0503020204020204" pitchFamily="34" charset="-122"/>
+              </a:rPr>
+              <a:t>中提供了一中更为合理的方式，</a:t>
+            </a:r>
+            <a:r>
+              <a:rPr lang="en-US" altLang="zh-CN" sz="2000" dirty="0" smtClean="0">
+                <a:latin typeface="微软雅黑" panose="020B0503020204020204" pitchFamily="34" charset="-122"/>
+                <a:ea typeface="微软雅黑" panose="020B0503020204020204" pitchFamily="34" charset="-122"/>
+              </a:rPr>
+              <a:t>Round-Robin</a:t>
+            </a:r>
+            <a:r>
+              <a:rPr lang="zh-CN" altLang="en-US" sz="2000" dirty="0" smtClean="0">
+                <a:latin typeface="微软雅黑" panose="020B0503020204020204" pitchFamily="34" charset="-122"/>
+                <a:ea typeface="微软雅黑" panose="020B0503020204020204" pitchFamily="34" charset="-122"/>
+              </a:rPr>
+              <a:t>（轮叫调度）</a:t>
+            </a:r>
+            <a:endParaRPr lang="zh-CN" altLang="en-US" sz="2000" dirty="0" smtClean="0">
+              <a:latin typeface="微软雅黑" panose="020B0503020204020204" pitchFamily="34" charset="-122"/>
+              <a:ea typeface="微软雅黑" panose="020B0503020204020204" pitchFamily="34" charset="-122"/>
+            </a:endParaRPr>
+          </a:p>
+          <a:p>
+            <a:pPr indent="0" eaLnBrk="1" hangingPunct="1">
+              <a:lnSpc>
+                <a:spcPct val="150000"/>
+              </a:lnSpc>
+              <a:spcBef>
+                <a:spcPct val="0"/>
+              </a:spcBef>
+              <a:spcAft>
+                <a:spcPts val="0"/>
+              </a:spcAft>
+              <a:buFontTx/>
+              <a:buNone/>
+            </a:pPr>
+            <a:endParaRPr lang="zh-CN" altLang="en-US" sz="2000" dirty="0" smtClean="0">
+              <a:latin typeface="微软雅黑" panose="020B0503020204020204" pitchFamily="34" charset="-122"/>
+              <a:ea typeface="微软雅黑" panose="020B0503020204020204" pitchFamily="34" charset="-122"/>
+            </a:endParaRPr>
+          </a:p>
+          <a:p>
+            <a:pPr indent="0" eaLnBrk="1" hangingPunct="1">
+              <a:lnSpc>
+                <a:spcPct val="150000"/>
+              </a:lnSpc>
+              <a:spcBef>
+                <a:spcPct val="0"/>
+              </a:spcBef>
+              <a:spcAft>
+                <a:spcPts val="0"/>
+              </a:spcAft>
+              <a:buFontTx/>
+              <a:buNone/>
+            </a:pPr>
+            <a:endParaRPr lang="zh-CN" altLang="en-US" sz="2000" dirty="0" smtClean="0">
+              <a:latin typeface="微软雅黑" panose="020B0503020204020204" pitchFamily="34" charset="-122"/>
+              <a:ea typeface="微软雅黑" panose="020B0503020204020204" pitchFamily="34" charset="-122"/>
+            </a:endParaRPr>
+          </a:p>
+        </p:txBody>
+      </p:sp>
+    </p:spTree>
+  </p:cSld>
+  <p:clrMapOvr>
+    <a:masterClrMapping/>
+  </p:clrMapOvr>
+  <p:transition spd="med">
+    <p:random/>
+  </p:transition>
+  <p:timing>
+    <p:tnLst>
+      <p:par>
+        <p:cTn id="1" dur="indefinite" restart="never" nodeType="tmRoot"/>
+      </p:par>
+    </p:tnLst>
+  </p:timing>
+</p:sld>
+</file>
+
+<file path=ppt/slides/slide16.xml><?xml version="1.0" encoding="utf-8"?>
+<p:sld xmlns:a="http://schemas.openxmlformats.org/drawingml/2006/main" xmlns:r="http://schemas.openxmlformats.org/officeDocument/2006/relationships" xmlns:p="http://schemas.openxmlformats.org/presentationml/2006/main">
+  <p:cSld>
+    <p:spTree>
+      <p:nvGrpSpPr>
+        <p:cNvPr id="1" name=""/>
+        <p:cNvGrpSpPr/>
+        <p:nvPr/>
+      </p:nvGrpSpPr>
+      <p:grpSpPr>
+        <a:xfrm>
+          <a:off x="0" y="0"/>
+          <a:ext cx="0" cy="0"/>
+          <a:chOff x="0" y="0"/>
+          <a:chExt cx="0" cy="0"/>
+        </a:xfrm>
+      </p:grpSpPr>
+      <p:sp>
+        <p:nvSpPr>
+          <p:cNvPr id="4" name="文本框 3"/>
+          <p:cNvSpPr txBox="1"/>
+          <p:nvPr/>
+        </p:nvSpPr>
+        <p:spPr>
+          <a:xfrm>
+            <a:off x="1749424" y="70765"/>
+            <a:ext cx="7455535" cy="583565"/>
+          </a:xfrm>
+          <a:prstGeom prst="rect">
+            <a:avLst/>
+          </a:prstGeom>
+          <a:noFill/>
+        </p:spPr>
+        <p:txBody>
+          <a:bodyPr wrap="square" rtlCol="0">
+            <a:spAutoFit/>
+          </a:bodyPr>
+          <a:lstStyle/>
+          <a:p>
+            <a:r>
+              <a:rPr lang="en-US" altLang="zh-CN" sz="3200" dirty="0" smtClean="0">
+                <a:latin typeface="微软雅黑" panose="020B0503020204020204" pitchFamily="34" charset="-122"/>
+                <a:ea typeface="微软雅黑" panose="020B0503020204020204" pitchFamily="34" charset="-122"/>
+              </a:rPr>
+              <a:t>3.3 </a:t>
+            </a:r>
+            <a:r>
+              <a:rPr lang="zh-CN" altLang="en-US" sz="3200" dirty="0" smtClean="0">
+                <a:latin typeface="微软雅黑" panose="020B0503020204020204" pitchFamily="34" charset="-122"/>
+                <a:ea typeface="微软雅黑" panose="020B0503020204020204" pitchFamily="34" charset="-122"/>
+              </a:rPr>
+              <a:t>状态共享</a:t>
+            </a:r>
+            <a:endParaRPr lang="zh-CN" altLang="en-US" sz="3200" dirty="0" smtClean="0">
+              <a:latin typeface="微软雅黑" panose="020B0503020204020204" pitchFamily="34" charset="-122"/>
+              <a:ea typeface="微软雅黑" panose="020B0503020204020204" pitchFamily="34" charset="-122"/>
+            </a:endParaRPr>
+          </a:p>
+        </p:txBody>
+      </p:sp>
+      <p:sp>
+        <p:nvSpPr>
+          <p:cNvPr id="3" name="文本框 2"/>
+          <p:cNvSpPr txBox="1">
+            <a:spLocks noChangeArrowheads="1"/>
+          </p:cNvSpPr>
+          <p:nvPr/>
+        </p:nvSpPr>
+        <p:spPr bwMode="auto">
+          <a:xfrm>
+            <a:off x="847042" y="1217728"/>
+            <a:ext cx="10113484" cy="1014730"/>
+          </a:xfrm>
+          <a:prstGeom prst="rect">
+            <a:avLst/>
+          </a:prstGeom>
+          <a:noFill/>
+          <a:ln>
+            <a:noFill/>
+          </a:ln>
+          <a:extLst>
+            <a:ext uri="{909E8E84-426E-40DD-AFC4-6F175D3DCCD1}">
+              <a14:hiddenFill xmlns:a14="http://schemas.microsoft.com/office/drawing/2010/main">
+                <a:solidFill>
+                  <a:srgbClr val="FFFFFF"/>
+                </a:solidFill>
+              </a14:hiddenFill>
+            </a:ext>
+            <a:ext uri="{91240B29-F687-4F45-9708-019B960494DF}">
+              <a14:hiddenLine xmlns:a14="http://schemas.microsoft.com/office/drawing/2010/main" w="9525">
+                <a:solidFill>
+                  <a:srgbClr val="000000"/>
+                </a:solidFill>
+                <a:miter lim="800000"/>
+                <a:headEnd/>
+                <a:tailEnd/>
+              </a14:hiddenLine>
+            </a:ext>
+          </a:extLst>
+        </p:spPr>
+        <p:txBody>
+          <a:bodyPr wrap="square">
+            <a:spAutoFit/>
+          </a:bodyPr>
+          <a:lstStyle>
+            <a:defPPr>
+              <a:defRPr lang="zh-CN"/>
+            </a:defPPr>
+            <a:lvl1pPr algn="l" rtl="0" eaLnBrk="0" fontAlgn="base" hangingPunct="0">
+              <a:spcBef>
+                <a:spcPct val="0"/>
+              </a:spcBef>
+              <a:spcAft>
+                <a:spcPct val="0"/>
+              </a:spcAft>
+              <a:defRPr kern="1200">
+                <a:solidFill>
+                  <a:schemeClr val="tx1"/>
+                </a:solidFill>
+                <a:latin typeface="Arial" panose="020B0604020202090204" pitchFamily="34" charset="0"/>
+                <a:ea typeface="宋体" panose="02010600030101010101" pitchFamily="2" charset="-122"/>
+                <a:cs typeface="+mn-cs"/>
+              </a:defRPr>
+            </a:lvl1pPr>
+            <a:lvl2pPr marL="457200" algn="l" rtl="0" eaLnBrk="0" fontAlgn="base" hangingPunct="0">
+              <a:spcBef>
+                <a:spcPct val="0"/>
+              </a:spcBef>
+              <a:spcAft>
+                <a:spcPct val="0"/>
+              </a:spcAft>
+              <a:defRPr kern="1200">
+                <a:solidFill>
+                  <a:schemeClr val="tx1"/>
+                </a:solidFill>
+                <a:latin typeface="Arial" panose="020B0604020202090204" pitchFamily="34" charset="0"/>
+                <a:ea typeface="宋体" panose="02010600030101010101" pitchFamily="2" charset="-122"/>
+                <a:cs typeface="+mn-cs"/>
+              </a:defRPr>
+            </a:lvl2pPr>
+            <a:lvl3pPr marL="914400" algn="l" rtl="0" eaLnBrk="0" fontAlgn="base" hangingPunct="0">
+              <a:spcBef>
+                <a:spcPct val="0"/>
+              </a:spcBef>
+              <a:spcAft>
+                <a:spcPct val="0"/>
+              </a:spcAft>
+              <a:defRPr kern="1200">
+                <a:solidFill>
+                  <a:schemeClr val="tx1"/>
+                </a:solidFill>
+                <a:latin typeface="Arial" panose="020B0604020202090204" pitchFamily="34" charset="0"/>
+                <a:ea typeface="宋体" panose="02010600030101010101" pitchFamily="2" charset="-122"/>
+                <a:cs typeface="+mn-cs"/>
+              </a:defRPr>
+            </a:lvl3pPr>
+            <a:lvl4pPr marL="1371600" algn="l" rtl="0" eaLnBrk="0" fontAlgn="base" hangingPunct="0">
+              <a:spcBef>
+                <a:spcPct val="0"/>
+              </a:spcBef>
+              <a:spcAft>
+                <a:spcPct val="0"/>
+              </a:spcAft>
+              <a:defRPr kern="1200">
+                <a:solidFill>
+                  <a:schemeClr val="tx1"/>
+                </a:solidFill>
+                <a:latin typeface="Arial" panose="020B0604020202090204" pitchFamily="34" charset="0"/>
+                <a:ea typeface="宋体" panose="02010600030101010101" pitchFamily="2" charset="-122"/>
+                <a:cs typeface="+mn-cs"/>
+              </a:defRPr>
+            </a:lvl4pPr>
+            <a:lvl5pPr marL="1828800" algn="l" rtl="0" eaLnBrk="0" fontAlgn="base" hangingPunct="0">
+              <a:spcBef>
+                <a:spcPct val="0"/>
+              </a:spcBef>
+              <a:spcAft>
+                <a:spcPct val="0"/>
+              </a:spcAft>
+              <a:defRPr kern="1200">
+                <a:solidFill>
+                  <a:schemeClr val="tx1"/>
+                </a:solidFill>
+                <a:latin typeface="Arial" panose="020B0604020202090204" pitchFamily="34" charset="0"/>
+                <a:ea typeface="宋体" panose="02010600030101010101" pitchFamily="2" charset="-122"/>
+                <a:cs typeface="+mn-cs"/>
+              </a:defRPr>
+            </a:lvl5pPr>
+            <a:lvl6pPr marL="2286000" algn="l" defTabSz="914400" rtl="0" eaLnBrk="1" latinLnBrk="0" hangingPunct="1">
+              <a:defRPr kern="1200">
+                <a:solidFill>
+                  <a:schemeClr val="tx1"/>
+                </a:solidFill>
+                <a:latin typeface="Arial" panose="020B0604020202090204" pitchFamily="34" charset="0"/>
+                <a:ea typeface="宋体" panose="02010600030101010101" pitchFamily="2" charset="-122"/>
+                <a:cs typeface="+mn-cs"/>
+              </a:defRPr>
+            </a:lvl6pPr>
+            <a:lvl7pPr marL="2743200" algn="l" defTabSz="914400" rtl="0" eaLnBrk="1" latinLnBrk="0" hangingPunct="1">
+              <a:defRPr kern="1200">
+                <a:solidFill>
+                  <a:schemeClr val="tx1"/>
+                </a:solidFill>
+                <a:latin typeface="Arial" panose="020B0604020202090204" pitchFamily="34" charset="0"/>
+                <a:ea typeface="宋体" panose="02010600030101010101" pitchFamily="2" charset="-122"/>
+                <a:cs typeface="+mn-cs"/>
+              </a:defRPr>
+            </a:lvl7pPr>
+            <a:lvl8pPr marL="3200400" algn="l" defTabSz="914400" rtl="0" eaLnBrk="1" latinLnBrk="0" hangingPunct="1">
+              <a:defRPr kern="1200">
+                <a:solidFill>
+                  <a:schemeClr val="tx1"/>
+                </a:solidFill>
+                <a:latin typeface="Arial" panose="020B0604020202090204" pitchFamily="34" charset="0"/>
+                <a:ea typeface="宋体" panose="02010600030101010101" pitchFamily="2" charset="-122"/>
+                <a:cs typeface="+mn-cs"/>
+              </a:defRPr>
+            </a:lvl8pPr>
+            <a:lvl9pPr marL="3657600" algn="l" defTabSz="914400" rtl="0" eaLnBrk="1" latinLnBrk="0" hangingPunct="1">
+              <a:defRPr kern="1200">
+                <a:solidFill>
+                  <a:schemeClr val="tx1"/>
+                </a:solidFill>
+                <a:latin typeface="Arial" panose="020B0604020202090204" pitchFamily="34" charset="0"/>
+                <a:ea typeface="宋体" panose="02010600030101010101" pitchFamily="2" charset="-122"/>
+                <a:cs typeface="+mn-cs"/>
+              </a:defRPr>
+            </a:lvl9pPr>
+          </a:lstStyle>
+          <a:p>
+            <a:pPr indent="0" eaLnBrk="1" hangingPunct="1">
+              <a:lnSpc>
+                <a:spcPct val="150000"/>
+              </a:lnSpc>
+              <a:spcBef>
+                <a:spcPct val="0"/>
+              </a:spcBef>
+              <a:spcAft>
+                <a:spcPts val="0"/>
+              </a:spcAft>
+              <a:buFontTx/>
+              <a:buNone/>
+            </a:pPr>
+            <a:r>
+              <a:rPr lang="en-US" altLang="zh-CN" sz="2000" dirty="0" smtClean="0">
+                <a:latin typeface="微软雅黑" panose="020B0503020204020204" pitchFamily="34" charset="-122"/>
+                <a:ea typeface="微软雅黑" panose="020B0503020204020204" pitchFamily="34" charset="-122"/>
+              </a:rPr>
+              <a:t>node</a:t>
+            </a:r>
+            <a:r>
+              <a:rPr lang="zh-CN" altLang="en-US" sz="2000" dirty="0" smtClean="0">
+                <a:latin typeface="微软雅黑" panose="020B0503020204020204" pitchFamily="34" charset="-122"/>
+                <a:ea typeface="微软雅黑" panose="020B0503020204020204" pitchFamily="34" charset="-122"/>
+              </a:rPr>
+              <a:t>默认提供的机制是操作系统的抢占式策略。</a:t>
+            </a:r>
+            <a:endParaRPr lang="zh-CN" altLang="en-US" sz="2000" dirty="0" smtClean="0">
+              <a:latin typeface="微软雅黑" panose="020B0503020204020204" pitchFamily="34" charset="-122"/>
+              <a:ea typeface="微软雅黑" panose="020B0503020204020204" pitchFamily="34" charset="-122"/>
+            </a:endParaRPr>
+          </a:p>
+          <a:p>
+            <a:pPr indent="0" eaLnBrk="1" hangingPunct="1">
+              <a:lnSpc>
+                <a:spcPct val="150000"/>
+              </a:lnSpc>
+              <a:spcBef>
+                <a:spcPct val="0"/>
+              </a:spcBef>
+              <a:spcAft>
+                <a:spcPts val="0"/>
+              </a:spcAft>
+              <a:buFontTx/>
+              <a:buNone/>
+            </a:pPr>
+            <a:endParaRPr lang="zh-CN" altLang="en-US" sz="2000" dirty="0" smtClean="0">
+              <a:latin typeface="微软雅黑" panose="020B0503020204020204" pitchFamily="34" charset="-122"/>
+              <a:ea typeface="微软雅黑" panose="020B0503020204020204" pitchFamily="34" charset="-122"/>
+            </a:endParaRPr>
+          </a:p>
+        </p:txBody>
+      </p:sp>
+    </p:spTree>
+  </p:cSld>
+  <p:clrMapOvr>
+    <a:masterClrMapping/>
+  </p:clrMapOvr>
+  <p:transition spd="med">
+    <p:random/>
+  </p:transition>
+  <p:timing>
+    <p:tnLst>
+      <p:par>
+        <p:cTn id="1" dur="indefinite" restart="never" nodeType="tmRoot"/>
+      </p:par>
+    </p:tnLst>
+  </p:timing>
+</p:sld>
+</file>
+
+<file path=ppt/slides/slide17.xml><?xml version="1.0" encoding="utf-8"?>
 <p:sld xmlns:a="http://schemas.openxmlformats.org/drawingml/2006/main" xmlns:r="http://schemas.openxmlformats.org/officeDocument/2006/relationships" xmlns:p="http://schemas.openxmlformats.org/presentationml/2006/main">
   <p:cSld>
     <p:spTree>
@@ -5261,9 +7908,9 @@
               <a:solidFill>
                 <a:prstClr val="white"/>
               </a:solidFill>
-              <a:latin typeface="Arial" panose="020B0604020202020204" pitchFamily="34" charset="0"/>
+              <a:latin typeface="Arial" panose="020B0604020202090204" pitchFamily="34" charset="0"/>
               <a:ea typeface="微软雅黑" panose="020B0503020204020204" pitchFamily="34" charset="-122"/>
-              <a:sym typeface="Arial" panose="020B0604020202020204" pitchFamily="34" charset="0"/>
+              <a:sym typeface="Arial" panose="020B0604020202090204" pitchFamily="34" charset="0"/>
             </a:endParaRPr>
           </a:p>
         </p:txBody>
@@ -5296,7 +7943,7 @@
                 <a:solidFill>
                   <a:prstClr val="white"/>
                 </a:solidFill>
-                <a:latin typeface="Arial" panose="020B0604020202020204" pitchFamily="34" charset="0"/>
+                <a:latin typeface="Arial" panose="020B0604020202090204" pitchFamily="34" charset="0"/>
                 <a:ea typeface="微软雅黑" panose="020B0503020204020204" pitchFamily="34" charset="-122"/>
               </a:rPr>
               <a:t>Thanks</a:t>
@@ -5305,7 +7952,7 @@
               <a:solidFill>
                 <a:prstClr val="white"/>
               </a:solidFill>
-              <a:latin typeface="Arial" panose="020B0604020202020204" pitchFamily="34" charset="0"/>
+              <a:latin typeface="Arial" panose="020B0604020202090204" pitchFamily="34" charset="0"/>
               <a:ea typeface="微软雅黑" panose="020B0503020204020204" pitchFamily="34" charset="-122"/>
             </a:endParaRPr>
           </a:p>
@@ -5345,7 +7992,7 @@
                 </a:solidFill>
                 <a:latin typeface="微软雅黑" panose="020B0503020204020204" pitchFamily="34" charset="-122"/>
                 <a:ea typeface="微软雅黑" panose="020B0503020204020204" pitchFamily="34" charset="-122"/>
-                <a:sym typeface="Arial" panose="020B0604020202020204" pitchFamily="34" charset="0"/>
+                <a:sym typeface="Arial" panose="020B0604020202090204" pitchFamily="34" charset="0"/>
               </a:rPr>
               <a:t>知行合一，让你赢在起跑线！</a:t>
             </a:r>
@@ -5355,17 +8002,12 @@
               </a:solidFill>
               <a:latin typeface="微软雅黑" panose="020B0503020204020204" pitchFamily="34" charset="-122"/>
               <a:ea typeface="微软雅黑" panose="020B0503020204020204" pitchFamily="34" charset="-122"/>
-              <a:sym typeface="Arial" panose="020B0604020202020204" pitchFamily="34" charset="0"/>
+              <a:sym typeface="Arial" panose="020B0604020202090204" pitchFamily="34" charset="0"/>
             </a:endParaRPr>
           </a:p>
         </p:txBody>
       </p:sp>
     </p:spTree>
-    <p:extLst>
-      <p:ext uri="{BB962C8B-B14F-4D97-AF65-F5344CB8AC3E}">
-        <p14:creationId xmlns:p14="http://schemas.microsoft.com/office/powerpoint/2010/main" val="875809153"/>
-      </p:ext>
-    </p:extLst>
   </p:cSld>
   <p:clrMapOvr>
     <a:masterClrMapping/>
@@ -5547,6 +8189,3353 @@
 </p:sld>
 </file>
 
+<file path=ppt/slides/slide2.xml><?xml version="1.0" encoding="utf-8"?>
+<p:sld xmlns:a="http://schemas.openxmlformats.org/drawingml/2006/main" xmlns:r="http://schemas.openxmlformats.org/officeDocument/2006/relationships" xmlns:p="http://schemas.openxmlformats.org/presentationml/2006/main">
+  <p:cSld>
+    <p:spTree>
+      <p:nvGrpSpPr>
+        <p:cNvPr id="1" name=""/>
+        <p:cNvGrpSpPr/>
+        <p:nvPr/>
+      </p:nvGrpSpPr>
+      <p:grpSpPr>
+        <a:xfrm>
+          <a:off x="0" y="0"/>
+          <a:ext cx="0" cy="0"/>
+          <a:chOff x="0" y="0"/>
+          <a:chExt cx="0" cy="0"/>
+        </a:xfrm>
+      </p:grpSpPr>
+      <p:sp>
+        <p:nvSpPr>
+          <p:cNvPr id="3" name="文本框 2"/>
+          <p:cNvSpPr txBox="1">
+            <a:spLocks noChangeArrowheads="1"/>
+          </p:cNvSpPr>
+          <p:nvPr/>
+        </p:nvSpPr>
+        <p:spPr bwMode="auto">
+          <a:xfrm>
+            <a:off x="847042" y="1217728"/>
+            <a:ext cx="10113484" cy="1476375"/>
+          </a:xfrm>
+          <a:prstGeom prst="rect">
+            <a:avLst/>
+          </a:prstGeom>
+          <a:noFill/>
+          <a:ln>
+            <a:noFill/>
+          </a:ln>
+          <a:extLst>
+            <a:ext uri="{909E8E84-426E-40DD-AFC4-6F175D3DCCD1}">
+              <a14:hiddenFill xmlns:a14="http://schemas.microsoft.com/office/drawing/2010/main">
+                <a:solidFill>
+                  <a:srgbClr val="FFFFFF"/>
+                </a:solidFill>
+              </a14:hiddenFill>
+            </a:ext>
+            <a:ext uri="{91240B29-F687-4F45-9708-019B960494DF}">
+              <a14:hiddenLine xmlns:a14="http://schemas.microsoft.com/office/drawing/2010/main" w="9525">
+                <a:solidFill>
+                  <a:srgbClr val="000000"/>
+                </a:solidFill>
+                <a:miter lim="800000"/>
+                <a:headEnd/>
+                <a:tailEnd/>
+              </a14:hiddenLine>
+            </a:ext>
+          </a:extLst>
+        </p:spPr>
+        <p:txBody>
+          <a:bodyPr wrap="square">
+            <a:spAutoFit/>
+          </a:bodyPr>
+          <a:lstStyle>
+            <a:defPPr>
+              <a:defRPr lang="zh-CN"/>
+            </a:defPPr>
+            <a:lvl1pPr algn="l" rtl="0" eaLnBrk="0" fontAlgn="base" hangingPunct="0">
+              <a:spcBef>
+                <a:spcPct val="0"/>
+              </a:spcBef>
+              <a:spcAft>
+                <a:spcPct val="0"/>
+              </a:spcAft>
+              <a:defRPr kern="1200">
+                <a:solidFill>
+                  <a:schemeClr val="tx1"/>
+                </a:solidFill>
+                <a:latin typeface="Arial" panose="020B0604020202090204" pitchFamily="34" charset="0"/>
+                <a:ea typeface="宋体" panose="02010600030101010101" pitchFamily="2" charset="-122"/>
+                <a:cs typeface="+mn-cs"/>
+              </a:defRPr>
+            </a:lvl1pPr>
+            <a:lvl2pPr marL="457200" algn="l" rtl="0" eaLnBrk="0" fontAlgn="base" hangingPunct="0">
+              <a:spcBef>
+                <a:spcPct val="0"/>
+              </a:spcBef>
+              <a:spcAft>
+                <a:spcPct val="0"/>
+              </a:spcAft>
+              <a:defRPr kern="1200">
+                <a:solidFill>
+                  <a:schemeClr val="tx1"/>
+                </a:solidFill>
+                <a:latin typeface="Arial" panose="020B0604020202090204" pitchFamily="34" charset="0"/>
+                <a:ea typeface="宋体" panose="02010600030101010101" pitchFamily="2" charset="-122"/>
+                <a:cs typeface="+mn-cs"/>
+              </a:defRPr>
+            </a:lvl2pPr>
+            <a:lvl3pPr marL="914400" algn="l" rtl="0" eaLnBrk="0" fontAlgn="base" hangingPunct="0">
+              <a:spcBef>
+                <a:spcPct val="0"/>
+              </a:spcBef>
+              <a:spcAft>
+                <a:spcPct val="0"/>
+              </a:spcAft>
+              <a:defRPr kern="1200">
+                <a:solidFill>
+                  <a:schemeClr val="tx1"/>
+                </a:solidFill>
+                <a:latin typeface="Arial" panose="020B0604020202090204" pitchFamily="34" charset="0"/>
+                <a:ea typeface="宋体" panose="02010600030101010101" pitchFamily="2" charset="-122"/>
+                <a:cs typeface="+mn-cs"/>
+              </a:defRPr>
+            </a:lvl3pPr>
+            <a:lvl4pPr marL="1371600" algn="l" rtl="0" eaLnBrk="0" fontAlgn="base" hangingPunct="0">
+              <a:spcBef>
+                <a:spcPct val="0"/>
+              </a:spcBef>
+              <a:spcAft>
+                <a:spcPct val="0"/>
+              </a:spcAft>
+              <a:defRPr kern="1200">
+                <a:solidFill>
+                  <a:schemeClr val="tx1"/>
+                </a:solidFill>
+                <a:latin typeface="Arial" panose="020B0604020202090204" pitchFamily="34" charset="0"/>
+                <a:ea typeface="宋体" panose="02010600030101010101" pitchFamily="2" charset="-122"/>
+                <a:cs typeface="+mn-cs"/>
+              </a:defRPr>
+            </a:lvl4pPr>
+            <a:lvl5pPr marL="1828800" algn="l" rtl="0" eaLnBrk="0" fontAlgn="base" hangingPunct="0">
+              <a:spcBef>
+                <a:spcPct val="0"/>
+              </a:spcBef>
+              <a:spcAft>
+                <a:spcPct val="0"/>
+              </a:spcAft>
+              <a:defRPr kern="1200">
+                <a:solidFill>
+                  <a:schemeClr val="tx1"/>
+                </a:solidFill>
+                <a:latin typeface="Arial" panose="020B0604020202090204" pitchFamily="34" charset="0"/>
+                <a:ea typeface="宋体" panose="02010600030101010101" pitchFamily="2" charset="-122"/>
+                <a:cs typeface="+mn-cs"/>
+              </a:defRPr>
+            </a:lvl5pPr>
+            <a:lvl6pPr marL="2286000" algn="l" defTabSz="914400" rtl="0" eaLnBrk="1" latinLnBrk="0" hangingPunct="1">
+              <a:defRPr kern="1200">
+                <a:solidFill>
+                  <a:schemeClr val="tx1"/>
+                </a:solidFill>
+                <a:latin typeface="Arial" panose="020B0604020202090204" pitchFamily="34" charset="0"/>
+                <a:ea typeface="宋体" panose="02010600030101010101" pitchFamily="2" charset="-122"/>
+                <a:cs typeface="+mn-cs"/>
+              </a:defRPr>
+            </a:lvl6pPr>
+            <a:lvl7pPr marL="2743200" algn="l" defTabSz="914400" rtl="0" eaLnBrk="1" latinLnBrk="0" hangingPunct="1">
+              <a:defRPr kern="1200">
+                <a:solidFill>
+                  <a:schemeClr val="tx1"/>
+                </a:solidFill>
+                <a:latin typeface="Arial" panose="020B0604020202090204" pitchFamily="34" charset="0"/>
+                <a:ea typeface="宋体" panose="02010600030101010101" pitchFamily="2" charset="-122"/>
+                <a:cs typeface="+mn-cs"/>
+              </a:defRPr>
+            </a:lvl7pPr>
+            <a:lvl8pPr marL="3200400" algn="l" defTabSz="914400" rtl="0" eaLnBrk="1" latinLnBrk="0" hangingPunct="1">
+              <a:defRPr kern="1200">
+                <a:solidFill>
+                  <a:schemeClr val="tx1"/>
+                </a:solidFill>
+                <a:latin typeface="Arial" panose="020B0604020202090204" pitchFamily="34" charset="0"/>
+                <a:ea typeface="宋体" panose="02010600030101010101" pitchFamily="2" charset="-122"/>
+                <a:cs typeface="+mn-cs"/>
+              </a:defRPr>
+            </a:lvl8pPr>
+            <a:lvl9pPr marL="3657600" algn="l" defTabSz="914400" rtl="0" eaLnBrk="1" latinLnBrk="0" hangingPunct="1">
+              <a:defRPr kern="1200">
+                <a:solidFill>
+                  <a:schemeClr val="tx1"/>
+                </a:solidFill>
+                <a:latin typeface="Arial" panose="020B0604020202090204" pitchFamily="34" charset="0"/>
+                <a:ea typeface="宋体" panose="02010600030101010101" pitchFamily="2" charset="-122"/>
+                <a:cs typeface="+mn-cs"/>
+              </a:defRPr>
+            </a:lvl9pPr>
+          </a:lstStyle>
+          <a:p>
+            <a:pPr eaLnBrk="1" hangingPunct="1">
+              <a:lnSpc>
+                <a:spcPct val="150000"/>
+              </a:lnSpc>
+              <a:spcBef>
+                <a:spcPct val="0"/>
+              </a:spcBef>
+              <a:spcAft>
+                <a:spcPts val="0"/>
+              </a:spcAft>
+              <a:buFontTx/>
+              <a:buNone/>
+            </a:pPr>
+            <a:r>
+              <a:rPr lang="en-US" altLang="zh-CN" sz="2000" dirty="0" smtClean="0">
+                <a:latin typeface="微软雅黑" panose="020B0503020204020204" pitchFamily="34" charset="-122"/>
+                <a:ea typeface="微软雅黑" panose="020B0503020204020204" pitchFamily="34" charset="-122"/>
+              </a:rPr>
+              <a:t>PM2是一个带有负载均衡功能的Node应用的进程管理器。PM2可以利用服务器上的所有CPU，并保证进程永远都活着，0秒的重载，部署管理多个Node项目。PM2是Node线上部署完美的管理工具。</a:t>
+            </a:r>
+            <a:endParaRPr lang="en-US" altLang="zh-CN" sz="2000" dirty="0" smtClean="0">
+              <a:latin typeface="微软雅黑" panose="020B0503020204020204" pitchFamily="34" charset="-122"/>
+              <a:ea typeface="微软雅黑" panose="020B0503020204020204" pitchFamily="34" charset="-122"/>
+            </a:endParaRPr>
+          </a:p>
+        </p:txBody>
+      </p:sp>
+      <p:sp>
+        <p:nvSpPr>
+          <p:cNvPr id="4" name="文本框 3"/>
+          <p:cNvSpPr txBox="1"/>
+          <p:nvPr/>
+        </p:nvSpPr>
+        <p:spPr>
+          <a:xfrm>
+            <a:off x="1749424" y="70765"/>
+            <a:ext cx="7455535" cy="584775"/>
+          </a:xfrm>
+          <a:prstGeom prst="rect">
+            <a:avLst/>
+          </a:prstGeom>
+          <a:noFill/>
+        </p:spPr>
+        <p:txBody>
+          <a:bodyPr wrap="square" rtlCol="0">
+            <a:spAutoFit/>
+          </a:bodyPr>
+          <a:lstStyle/>
+          <a:p>
+            <a:r>
+              <a:rPr lang="en-US" altLang="zh-CN" sz="3200" dirty="0" smtClean="0">
+                <a:latin typeface="微软雅黑" panose="020B0503020204020204" pitchFamily="34" charset="-122"/>
+                <a:ea typeface="微软雅黑" panose="020B0503020204020204" pitchFamily="34" charset="-122"/>
+              </a:rPr>
+              <a:t>1. pm2</a:t>
+            </a:r>
+            <a:r>
+              <a:rPr lang="zh-CN" altLang="en-US" sz="3200" dirty="0" smtClean="0">
+                <a:latin typeface="微软雅黑" panose="020B0503020204020204" pitchFamily="34" charset="-122"/>
+                <a:ea typeface="微软雅黑" panose="020B0503020204020204" pitchFamily="34" charset="-122"/>
+              </a:rPr>
+              <a:t>是什么？</a:t>
+            </a:r>
+            <a:endParaRPr lang="zh-CN" altLang="en-US" sz="3200" dirty="0" smtClean="0">
+              <a:latin typeface="微软雅黑" panose="020B0503020204020204" pitchFamily="34" charset="-122"/>
+              <a:ea typeface="微软雅黑" panose="020B0503020204020204" pitchFamily="34" charset="-122"/>
+            </a:endParaRPr>
+          </a:p>
+        </p:txBody>
+      </p:sp>
+    </p:spTree>
+  </p:cSld>
+  <p:clrMapOvr>
+    <a:masterClrMapping/>
+  </p:clrMapOvr>
+  <p:transition spd="med">
+    <p:random/>
+  </p:transition>
+  <p:timing>
+    <p:tnLst>
+      <p:par>
+        <p:cTn id="1" dur="indefinite" restart="never" nodeType="tmRoot"/>
+      </p:par>
+    </p:tnLst>
+  </p:timing>
+</p:sld>
+</file>
+
+<file path=ppt/slides/slide3.xml><?xml version="1.0" encoding="utf-8"?>
+<p:sld xmlns:a="http://schemas.openxmlformats.org/drawingml/2006/main" xmlns:r="http://schemas.openxmlformats.org/officeDocument/2006/relationships" xmlns:p="http://schemas.openxmlformats.org/presentationml/2006/main">
+  <p:cSld>
+    <p:spTree>
+      <p:nvGrpSpPr>
+        <p:cNvPr id="1" name=""/>
+        <p:cNvGrpSpPr/>
+        <p:nvPr/>
+      </p:nvGrpSpPr>
+      <p:grpSpPr>
+        <a:xfrm>
+          <a:off x="0" y="0"/>
+          <a:ext cx="0" cy="0"/>
+          <a:chOff x="0" y="0"/>
+          <a:chExt cx="0" cy="0"/>
+        </a:xfrm>
+      </p:grpSpPr>
+      <p:sp>
+        <p:nvSpPr>
+          <p:cNvPr id="3" name="文本框 2"/>
+          <p:cNvSpPr txBox="1">
+            <a:spLocks noChangeArrowheads="1"/>
+          </p:cNvSpPr>
+          <p:nvPr/>
+        </p:nvSpPr>
+        <p:spPr bwMode="auto">
+          <a:xfrm>
+            <a:off x="847042" y="1225348"/>
+            <a:ext cx="10113484" cy="3784600"/>
+          </a:xfrm>
+          <a:prstGeom prst="rect">
+            <a:avLst/>
+          </a:prstGeom>
+          <a:noFill/>
+          <a:ln>
+            <a:noFill/>
+          </a:ln>
+          <a:extLst>
+            <a:ext uri="{909E8E84-426E-40DD-AFC4-6F175D3DCCD1}">
+              <a14:hiddenFill xmlns:a14="http://schemas.microsoft.com/office/drawing/2010/main">
+                <a:solidFill>
+                  <a:srgbClr val="FFFFFF"/>
+                </a:solidFill>
+              </a14:hiddenFill>
+            </a:ext>
+            <a:ext uri="{91240B29-F687-4F45-9708-019B960494DF}">
+              <a14:hiddenLine xmlns:a14="http://schemas.microsoft.com/office/drawing/2010/main" w="9525">
+                <a:solidFill>
+                  <a:srgbClr val="000000"/>
+                </a:solidFill>
+                <a:miter lim="800000"/>
+                <a:headEnd/>
+                <a:tailEnd/>
+              </a14:hiddenLine>
+            </a:ext>
+          </a:extLst>
+        </p:spPr>
+        <p:txBody>
+          <a:bodyPr wrap="square">
+            <a:spAutoFit/>
+          </a:bodyPr>
+          <a:lstStyle>
+            <a:defPPr>
+              <a:defRPr lang="zh-CN"/>
+            </a:defPPr>
+            <a:lvl1pPr algn="l" rtl="0" eaLnBrk="0" fontAlgn="base" hangingPunct="0">
+              <a:spcBef>
+                <a:spcPct val="0"/>
+              </a:spcBef>
+              <a:spcAft>
+                <a:spcPct val="0"/>
+              </a:spcAft>
+              <a:defRPr kern="1200">
+                <a:solidFill>
+                  <a:schemeClr val="tx1"/>
+                </a:solidFill>
+                <a:latin typeface="Arial" panose="020B0604020202090204" pitchFamily="34" charset="0"/>
+                <a:ea typeface="宋体" panose="02010600030101010101" pitchFamily="2" charset="-122"/>
+                <a:cs typeface="+mn-cs"/>
+              </a:defRPr>
+            </a:lvl1pPr>
+            <a:lvl2pPr marL="457200" algn="l" rtl="0" eaLnBrk="0" fontAlgn="base" hangingPunct="0">
+              <a:spcBef>
+                <a:spcPct val="0"/>
+              </a:spcBef>
+              <a:spcAft>
+                <a:spcPct val="0"/>
+              </a:spcAft>
+              <a:defRPr kern="1200">
+                <a:solidFill>
+                  <a:schemeClr val="tx1"/>
+                </a:solidFill>
+                <a:latin typeface="Arial" panose="020B0604020202090204" pitchFamily="34" charset="0"/>
+                <a:ea typeface="宋体" panose="02010600030101010101" pitchFamily="2" charset="-122"/>
+                <a:cs typeface="+mn-cs"/>
+              </a:defRPr>
+            </a:lvl2pPr>
+            <a:lvl3pPr marL="914400" algn="l" rtl="0" eaLnBrk="0" fontAlgn="base" hangingPunct="0">
+              <a:spcBef>
+                <a:spcPct val="0"/>
+              </a:spcBef>
+              <a:spcAft>
+                <a:spcPct val="0"/>
+              </a:spcAft>
+              <a:defRPr kern="1200">
+                <a:solidFill>
+                  <a:schemeClr val="tx1"/>
+                </a:solidFill>
+                <a:latin typeface="Arial" panose="020B0604020202090204" pitchFamily="34" charset="0"/>
+                <a:ea typeface="宋体" panose="02010600030101010101" pitchFamily="2" charset="-122"/>
+                <a:cs typeface="+mn-cs"/>
+              </a:defRPr>
+            </a:lvl3pPr>
+            <a:lvl4pPr marL="1371600" algn="l" rtl="0" eaLnBrk="0" fontAlgn="base" hangingPunct="0">
+              <a:spcBef>
+                <a:spcPct val="0"/>
+              </a:spcBef>
+              <a:spcAft>
+                <a:spcPct val="0"/>
+              </a:spcAft>
+              <a:defRPr kern="1200">
+                <a:solidFill>
+                  <a:schemeClr val="tx1"/>
+                </a:solidFill>
+                <a:latin typeface="Arial" panose="020B0604020202090204" pitchFamily="34" charset="0"/>
+                <a:ea typeface="宋体" panose="02010600030101010101" pitchFamily="2" charset="-122"/>
+                <a:cs typeface="+mn-cs"/>
+              </a:defRPr>
+            </a:lvl4pPr>
+            <a:lvl5pPr marL="1828800" algn="l" rtl="0" eaLnBrk="0" fontAlgn="base" hangingPunct="0">
+              <a:spcBef>
+                <a:spcPct val="0"/>
+              </a:spcBef>
+              <a:spcAft>
+                <a:spcPct val="0"/>
+              </a:spcAft>
+              <a:defRPr kern="1200">
+                <a:solidFill>
+                  <a:schemeClr val="tx1"/>
+                </a:solidFill>
+                <a:latin typeface="Arial" panose="020B0604020202090204" pitchFamily="34" charset="0"/>
+                <a:ea typeface="宋体" panose="02010600030101010101" pitchFamily="2" charset="-122"/>
+                <a:cs typeface="+mn-cs"/>
+              </a:defRPr>
+            </a:lvl5pPr>
+            <a:lvl6pPr marL="2286000" algn="l" defTabSz="914400" rtl="0" eaLnBrk="1" latinLnBrk="0" hangingPunct="1">
+              <a:defRPr kern="1200">
+                <a:solidFill>
+                  <a:schemeClr val="tx1"/>
+                </a:solidFill>
+                <a:latin typeface="Arial" panose="020B0604020202090204" pitchFamily="34" charset="0"/>
+                <a:ea typeface="宋体" panose="02010600030101010101" pitchFamily="2" charset="-122"/>
+                <a:cs typeface="+mn-cs"/>
+              </a:defRPr>
+            </a:lvl6pPr>
+            <a:lvl7pPr marL="2743200" algn="l" defTabSz="914400" rtl="0" eaLnBrk="1" latinLnBrk="0" hangingPunct="1">
+              <a:defRPr kern="1200">
+                <a:solidFill>
+                  <a:schemeClr val="tx1"/>
+                </a:solidFill>
+                <a:latin typeface="Arial" panose="020B0604020202090204" pitchFamily="34" charset="0"/>
+                <a:ea typeface="宋体" panose="02010600030101010101" pitchFamily="2" charset="-122"/>
+                <a:cs typeface="+mn-cs"/>
+              </a:defRPr>
+            </a:lvl7pPr>
+            <a:lvl8pPr marL="3200400" algn="l" defTabSz="914400" rtl="0" eaLnBrk="1" latinLnBrk="0" hangingPunct="1">
+              <a:defRPr kern="1200">
+                <a:solidFill>
+                  <a:schemeClr val="tx1"/>
+                </a:solidFill>
+                <a:latin typeface="Arial" panose="020B0604020202090204" pitchFamily="34" charset="0"/>
+                <a:ea typeface="宋体" panose="02010600030101010101" pitchFamily="2" charset="-122"/>
+                <a:cs typeface="+mn-cs"/>
+              </a:defRPr>
+            </a:lvl8pPr>
+            <a:lvl9pPr marL="3657600" algn="l" defTabSz="914400" rtl="0" eaLnBrk="1" latinLnBrk="0" hangingPunct="1">
+              <a:defRPr kern="1200">
+                <a:solidFill>
+                  <a:schemeClr val="tx1"/>
+                </a:solidFill>
+                <a:latin typeface="Arial" panose="020B0604020202090204" pitchFamily="34" charset="0"/>
+                <a:ea typeface="宋体" panose="02010600030101010101" pitchFamily="2" charset="-122"/>
+                <a:cs typeface="+mn-cs"/>
+              </a:defRPr>
+            </a:lvl9pPr>
+          </a:lstStyle>
+          <a:p>
+            <a:pPr eaLnBrk="1" hangingPunct="1">
+              <a:lnSpc>
+                <a:spcPct val="150000"/>
+              </a:lnSpc>
+              <a:spcBef>
+                <a:spcPct val="0"/>
+              </a:spcBef>
+              <a:spcAft>
+                <a:spcPts val="0"/>
+              </a:spcAft>
+              <a:buFontTx/>
+              <a:buNone/>
+            </a:pPr>
+            <a:r>
+              <a:rPr lang="en-US" altLang="zh-CN" sz="2000" dirty="0" smtClean="0">
+                <a:latin typeface="微软雅黑" panose="020B0503020204020204" pitchFamily="34" charset="-122"/>
+                <a:ea typeface="微软雅黑" panose="020B0503020204020204" pitchFamily="34" charset="-122"/>
+              </a:rPr>
+              <a:t>npm install pm2 -g ： 全局安装</a:t>
+            </a:r>
+            <a:endParaRPr lang="en-US" altLang="zh-CN" sz="2000" dirty="0" smtClean="0">
+              <a:latin typeface="微软雅黑" panose="020B0503020204020204" pitchFamily="34" charset="-122"/>
+              <a:ea typeface="微软雅黑" panose="020B0503020204020204" pitchFamily="34" charset="-122"/>
+            </a:endParaRPr>
+          </a:p>
+          <a:p>
+            <a:pPr eaLnBrk="1" hangingPunct="1">
+              <a:lnSpc>
+                <a:spcPct val="150000"/>
+              </a:lnSpc>
+              <a:spcBef>
+                <a:spcPct val="0"/>
+              </a:spcBef>
+              <a:spcAft>
+                <a:spcPts val="0"/>
+              </a:spcAft>
+              <a:buFontTx/>
+              <a:buNone/>
+            </a:pPr>
+            <a:r>
+              <a:rPr lang="en-US" altLang="zh-CN" sz="2000" dirty="0" smtClean="0">
+                <a:latin typeface="微软雅黑" panose="020B0503020204020204" pitchFamily="34" charset="-122"/>
+                <a:ea typeface="微软雅黑" panose="020B0503020204020204" pitchFamily="34" charset="-122"/>
+              </a:rPr>
+              <a:t>pm2 start app.js ： 启动服务，入口文件是app.js</a:t>
+            </a:r>
+            <a:endParaRPr lang="en-US" altLang="zh-CN" sz="2000" dirty="0" smtClean="0">
+              <a:latin typeface="微软雅黑" panose="020B0503020204020204" pitchFamily="34" charset="-122"/>
+              <a:ea typeface="微软雅黑" panose="020B0503020204020204" pitchFamily="34" charset="-122"/>
+            </a:endParaRPr>
+          </a:p>
+          <a:p>
+            <a:pPr eaLnBrk="1" hangingPunct="1">
+              <a:lnSpc>
+                <a:spcPct val="150000"/>
+              </a:lnSpc>
+              <a:spcBef>
+                <a:spcPct val="0"/>
+              </a:spcBef>
+              <a:spcAft>
+                <a:spcPts val="0"/>
+              </a:spcAft>
+              <a:buFontTx/>
+              <a:buNone/>
+            </a:pPr>
+            <a:r>
+              <a:rPr lang="en-US" altLang="zh-CN" sz="2000" dirty="0" smtClean="0">
+                <a:latin typeface="微软雅黑" panose="020B0503020204020204" pitchFamily="34" charset="-122"/>
+                <a:ea typeface="微软雅黑" panose="020B0503020204020204" pitchFamily="34" charset="-122"/>
+              </a:rPr>
+              <a:t>pm2 start app.js -i [n] --name [name] ： 启动n个进程，名字命名为name</a:t>
+            </a:r>
+            <a:endParaRPr lang="en-US" altLang="zh-CN" sz="2000" dirty="0" smtClean="0">
+              <a:latin typeface="微软雅黑" panose="020B0503020204020204" pitchFamily="34" charset="-122"/>
+              <a:ea typeface="微软雅黑" panose="020B0503020204020204" pitchFamily="34" charset="-122"/>
+            </a:endParaRPr>
+          </a:p>
+          <a:p>
+            <a:pPr eaLnBrk="1" hangingPunct="1">
+              <a:lnSpc>
+                <a:spcPct val="150000"/>
+              </a:lnSpc>
+              <a:spcBef>
+                <a:spcPct val="0"/>
+              </a:spcBef>
+              <a:spcAft>
+                <a:spcPts val="0"/>
+              </a:spcAft>
+              <a:buFontTx/>
+              <a:buNone/>
+            </a:pPr>
+            <a:r>
+              <a:rPr lang="en-US" altLang="zh-CN" sz="2000" dirty="0" smtClean="0">
+                <a:latin typeface="微软雅黑" panose="020B0503020204020204" pitchFamily="34" charset="-122"/>
+                <a:ea typeface="微软雅黑" panose="020B0503020204020204" pitchFamily="34" charset="-122"/>
+              </a:rPr>
+              <a:t>npm restart  [name or id] ： 重启服务</a:t>
+            </a:r>
+            <a:endParaRPr lang="en-US" altLang="zh-CN" sz="2000" dirty="0" smtClean="0">
+              <a:latin typeface="微软雅黑" panose="020B0503020204020204" pitchFamily="34" charset="-122"/>
+              <a:ea typeface="微软雅黑" panose="020B0503020204020204" pitchFamily="34" charset="-122"/>
+            </a:endParaRPr>
+          </a:p>
+          <a:p>
+            <a:pPr eaLnBrk="1" hangingPunct="1">
+              <a:lnSpc>
+                <a:spcPct val="150000"/>
+              </a:lnSpc>
+              <a:spcBef>
+                <a:spcPct val="0"/>
+              </a:spcBef>
+              <a:spcAft>
+                <a:spcPts val="0"/>
+              </a:spcAft>
+              <a:buFontTx/>
+              <a:buNone/>
+            </a:pPr>
+            <a:r>
+              <a:rPr lang="en-US" altLang="zh-CN" sz="2000" dirty="0" smtClean="0">
+                <a:latin typeface="微软雅黑" panose="020B0503020204020204" pitchFamily="34" charset="-122"/>
+                <a:ea typeface="微软雅黑" panose="020B0503020204020204" pitchFamily="34" charset="-122"/>
+              </a:rPr>
+              <a:t>npm reload  [name or id] ： 和rastart功能相同，但是可以实现0s的无缝衔接</a:t>
+            </a:r>
+            <a:endParaRPr lang="en-US" altLang="zh-CN" sz="2000" dirty="0" smtClean="0">
+              <a:latin typeface="微软雅黑" panose="020B0503020204020204" pitchFamily="34" charset="-122"/>
+              <a:ea typeface="微软雅黑" panose="020B0503020204020204" pitchFamily="34" charset="-122"/>
+            </a:endParaRPr>
+          </a:p>
+          <a:p>
+            <a:pPr eaLnBrk="1" hangingPunct="1">
+              <a:lnSpc>
+                <a:spcPct val="150000"/>
+              </a:lnSpc>
+              <a:spcBef>
+                <a:spcPct val="0"/>
+              </a:spcBef>
+              <a:spcAft>
+                <a:spcPts val="0"/>
+              </a:spcAft>
+              <a:buFontTx/>
+              <a:buNone/>
+            </a:pPr>
+            <a:r>
+              <a:rPr lang="en-US" altLang="zh-CN" sz="2000" dirty="0" smtClean="0">
+                <a:latin typeface="微软雅黑" panose="020B0503020204020204" pitchFamily="34" charset="-122"/>
+                <a:ea typeface="微软雅黑" panose="020B0503020204020204" pitchFamily="34" charset="-122"/>
+              </a:rPr>
+              <a:t>pm2 start app.js --max_memory_restart 1024M ： 当内存超过1024M时自动重启</a:t>
+            </a:r>
+            <a:endParaRPr lang="en-US" altLang="zh-CN" sz="2000" dirty="0" smtClean="0">
+              <a:latin typeface="微软雅黑" panose="020B0503020204020204" pitchFamily="34" charset="-122"/>
+              <a:ea typeface="微软雅黑" panose="020B0503020204020204" pitchFamily="34" charset="-122"/>
+            </a:endParaRPr>
+          </a:p>
+          <a:p>
+            <a:pPr eaLnBrk="1" hangingPunct="1">
+              <a:lnSpc>
+                <a:spcPct val="150000"/>
+              </a:lnSpc>
+              <a:spcBef>
+                <a:spcPct val="0"/>
+              </a:spcBef>
+              <a:spcAft>
+                <a:spcPts val="0"/>
+              </a:spcAft>
+              <a:buFontTx/>
+              <a:buNone/>
+            </a:pPr>
+            <a:r>
+              <a:rPr lang="en-US" altLang="zh-CN" sz="2000" dirty="0" smtClean="0">
+                <a:latin typeface="微软雅黑" panose="020B0503020204020204" pitchFamily="34" charset="-122"/>
+                <a:ea typeface="微软雅黑" panose="020B0503020204020204" pitchFamily="34" charset="-122"/>
+              </a:rPr>
+              <a:t>pm2 ls</a:t>
+            </a:r>
+            <a:endParaRPr lang="en-US" altLang="zh-CN" sz="2000" dirty="0" smtClean="0">
+              <a:latin typeface="微软雅黑" panose="020B0503020204020204" pitchFamily="34" charset="-122"/>
+              <a:ea typeface="微软雅黑" panose="020B0503020204020204" pitchFamily="34" charset="-122"/>
+            </a:endParaRPr>
+          </a:p>
+          <a:p>
+            <a:pPr eaLnBrk="1" hangingPunct="1">
+              <a:lnSpc>
+                <a:spcPct val="150000"/>
+              </a:lnSpc>
+              <a:spcBef>
+                <a:spcPct val="0"/>
+              </a:spcBef>
+              <a:spcAft>
+                <a:spcPts val="0"/>
+              </a:spcAft>
+              <a:buFontTx/>
+              <a:buNone/>
+            </a:pPr>
+            <a:r>
+              <a:rPr lang="en-US" altLang="zh-CN" sz="2000" dirty="0" smtClean="0">
+                <a:latin typeface="微软雅黑" panose="020B0503020204020204" pitchFamily="34" charset="-122"/>
+                <a:ea typeface="微软雅黑" panose="020B0503020204020204" pitchFamily="34" charset="-122"/>
+              </a:rPr>
+              <a:t>pm2 delete </a:t>
+            </a:r>
+            <a:r>
+              <a:rPr lang="en-US" altLang="zh-CN" sz="2000" dirty="0" smtClean="0">
+                <a:latin typeface="微软雅黑" panose="020B0503020204020204" pitchFamily="34" charset="-122"/>
+                <a:ea typeface="微软雅黑" panose="020B0503020204020204" pitchFamily="34" charset="-122"/>
+                <a:sym typeface="+mn-ea"/>
+              </a:rPr>
+              <a:t>[name or id]</a:t>
+            </a:r>
+            <a:endParaRPr lang="en-US" altLang="zh-CN" sz="2000" dirty="0" smtClean="0">
+              <a:latin typeface="微软雅黑" panose="020B0503020204020204" pitchFamily="34" charset="-122"/>
+              <a:ea typeface="微软雅黑" panose="020B0503020204020204" pitchFamily="34" charset="-122"/>
+            </a:endParaRPr>
+          </a:p>
+        </p:txBody>
+      </p:sp>
+      <p:sp>
+        <p:nvSpPr>
+          <p:cNvPr id="4" name="文本框 3"/>
+          <p:cNvSpPr txBox="1"/>
+          <p:nvPr/>
+        </p:nvSpPr>
+        <p:spPr>
+          <a:xfrm>
+            <a:off x="1749424" y="70765"/>
+            <a:ext cx="7455535" cy="583565"/>
+          </a:xfrm>
+          <a:prstGeom prst="rect">
+            <a:avLst/>
+          </a:prstGeom>
+          <a:noFill/>
+        </p:spPr>
+        <p:txBody>
+          <a:bodyPr wrap="square" rtlCol="0">
+            <a:spAutoFit/>
+          </a:bodyPr>
+          <a:lstStyle/>
+          <a:p>
+            <a:r>
+              <a:rPr lang="en-US" altLang="zh-CN" sz="3200" dirty="0" smtClean="0">
+                <a:latin typeface="微软雅黑" panose="020B0503020204020204" pitchFamily="34" charset="-122"/>
+                <a:ea typeface="微软雅黑" panose="020B0503020204020204" pitchFamily="34" charset="-122"/>
+              </a:rPr>
+              <a:t>2. </a:t>
+            </a:r>
+            <a:r>
+              <a:rPr lang="zh-CN" altLang="en-US" sz="3200" dirty="0" smtClean="0">
+                <a:latin typeface="微软雅黑" panose="020B0503020204020204" pitchFamily="34" charset="-122"/>
+                <a:ea typeface="微软雅黑" panose="020B0503020204020204" pitchFamily="34" charset="-122"/>
+              </a:rPr>
+              <a:t>基本操作</a:t>
+            </a:r>
+            <a:endParaRPr lang="zh-CN" altLang="en-US" sz="3200" dirty="0" smtClean="0">
+              <a:latin typeface="微软雅黑" panose="020B0503020204020204" pitchFamily="34" charset="-122"/>
+              <a:ea typeface="微软雅黑" panose="020B0503020204020204" pitchFamily="34" charset="-122"/>
+            </a:endParaRPr>
+          </a:p>
+        </p:txBody>
+      </p:sp>
+    </p:spTree>
+  </p:cSld>
+  <p:clrMapOvr>
+    <a:masterClrMapping/>
+  </p:clrMapOvr>
+  <p:transition spd="med">
+    <p:random/>
+  </p:transition>
+  <p:timing>
+    <p:tnLst>
+      <p:par>
+        <p:cTn id="1" dur="indefinite" restart="never" nodeType="tmRoot"/>
+      </p:par>
+    </p:tnLst>
+  </p:timing>
+</p:sld>
+</file>
+
+<file path=ppt/slides/slide4.xml><?xml version="1.0" encoding="utf-8"?>
+<p:sld xmlns:a="http://schemas.openxmlformats.org/drawingml/2006/main" xmlns:r="http://schemas.openxmlformats.org/officeDocument/2006/relationships" xmlns:p="http://schemas.openxmlformats.org/presentationml/2006/main">
+  <p:cSld>
+    <p:spTree>
+      <p:nvGrpSpPr>
+        <p:cNvPr id="1" name=""/>
+        <p:cNvGrpSpPr/>
+        <p:nvPr/>
+      </p:nvGrpSpPr>
+      <p:grpSpPr>
+        <a:xfrm>
+          <a:off x="0" y="0"/>
+          <a:ext cx="0" cy="0"/>
+          <a:chOff x="0" y="0"/>
+          <a:chExt cx="0" cy="0"/>
+        </a:xfrm>
+      </p:grpSpPr>
+      <p:sp>
+        <p:nvSpPr>
+          <p:cNvPr id="3" name="文本框 2"/>
+          <p:cNvSpPr txBox="1">
+            <a:spLocks noChangeArrowheads="1"/>
+          </p:cNvSpPr>
+          <p:nvPr/>
+        </p:nvSpPr>
+        <p:spPr bwMode="auto">
+          <a:xfrm>
+            <a:off x="847042" y="1225348"/>
+            <a:ext cx="10113484" cy="3784600"/>
+          </a:xfrm>
+          <a:prstGeom prst="rect">
+            <a:avLst/>
+          </a:prstGeom>
+          <a:noFill/>
+          <a:ln>
+            <a:noFill/>
+          </a:ln>
+          <a:extLst>
+            <a:ext uri="{909E8E84-426E-40DD-AFC4-6F175D3DCCD1}">
+              <a14:hiddenFill xmlns:a14="http://schemas.microsoft.com/office/drawing/2010/main">
+                <a:solidFill>
+                  <a:srgbClr val="FFFFFF"/>
+                </a:solidFill>
+              </a14:hiddenFill>
+            </a:ext>
+            <a:ext uri="{91240B29-F687-4F45-9708-019B960494DF}">
+              <a14:hiddenLine xmlns:a14="http://schemas.microsoft.com/office/drawing/2010/main" w="9525">
+                <a:solidFill>
+                  <a:srgbClr val="000000"/>
+                </a:solidFill>
+                <a:miter lim="800000"/>
+                <a:headEnd/>
+                <a:tailEnd/>
+              </a14:hiddenLine>
+            </a:ext>
+          </a:extLst>
+        </p:spPr>
+        <p:txBody>
+          <a:bodyPr wrap="square">
+            <a:spAutoFit/>
+          </a:bodyPr>
+          <a:lstStyle>
+            <a:defPPr>
+              <a:defRPr lang="zh-CN"/>
+            </a:defPPr>
+            <a:lvl1pPr algn="l" rtl="0" eaLnBrk="0" fontAlgn="base" hangingPunct="0">
+              <a:spcBef>
+                <a:spcPct val="0"/>
+              </a:spcBef>
+              <a:spcAft>
+                <a:spcPct val="0"/>
+              </a:spcAft>
+              <a:defRPr kern="1200">
+                <a:solidFill>
+                  <a:schemeClr val="tx1"/>
+                </a:solidFill>
+                <a:latin typeface="Arial" panose="020B0604020202090204" pitchFamily="34" charset="0"/>
+                <a:ea typeface="宋体" panose="02010600030101010101" pitchFamily="2" charset="-122"/>
+                <a:cs typeface="+mn-cs"/>
+              </a:defRPr>
+            </a:lvl1pPr>
+            <a:lvl2pPr marL="457200" algn="l" rtl="0" eaLnBrk="0" fontAlgn="base" hangingPunct="0">
+              <a:spcBef>
+                <a:spcPct val="0"/>
+              </a:spcBef>
+              <a:spcAft>
+                <a:spcPct val="0"/>
+              </a:spcAft>
+              <a:defRPr kern="1200">
+                <a:solidFill>
+                  <a:schemeClr val="tx1"/>
+                </a:solidFill>
+                <a:latin typeface="Arial" panose="020B0604020202090204" pitchFamily="34" charset="0"/>
+                <a:ea typeface="宋体" panose="02010600030101010101" pitchFamily="2" charset="-122"/>
+                <a:cs typeface="+mn-cs"/>
+              </a:defRPr>
+            </a:lvl2pPr>
+            <a:lvl3pPr marL="914400" algn="l" rtl="0" eaLnBrk="0" fontAlgn="base" hangingPunct="0">
+              <a:spcBef>
+                <a:spcPct val="0"/>
+              </a:spcBef>
+              <a:spcAft>
+                <a:spcPct val="0"/>
+              </a:spcAft>
+              <a:defRPr kern="1200">
+                <a:solidFill>
+                  <a:schemeClr val="tx1"/>
+                </a:solidFill>
+                <a:latin typeface="Arial" panose="020B0604020202090204" pitchFamily="34" charset="0"/>
+                <a:ea typeface="宋体" panose="02010600030101010101" pitchFamily="2" charset="-122"/>
+                <a:cs typeface="+mn-cs"/>
+              </a:defRPr>
+            </a:lvl3pPr>
+            <a:lvl4pPr marL="1371600" algn="l" rtl="0" eaLnBrk="0" fontAlgn="base" hangingPunct="0">
+              <a:spcBef>
+                <a:spcPct val="0"/>
+              </a:spcBef>
+              <a:spcAft>
+                <a:spcPct val="0"/>
+              </a:spcAft>
+              <a:defRPr kern="1200">
+                <a:solidFill>
+                  <a:schemeClr val="tx1"/>
+                </a:solidFill>
+                <a:latin typeface="Arial" panose="020B0604020202090204" pitchFamily="34" charset="0"/>
+                <a:ea typeface="宋体" panose="02010600030101010101" pitchFamily="2" charset="-122"/>
+                <a:cs typeface="+mn-cs"/>
+              </a:defRPr>
+            </a:lvl4pPr>
+            <a:lvl5pPr marL="1828800" algn="l" rtl="0" eaLnBrk="0" fontAlgn="base" hangingPunct="0">
+              <a:spcBef>
+                <a:spcPct val="0"/>
+              </a:spcBef>
+              <a:spcAft>
+                <a:spcPct val="0"/>
+              </a:spcAft>
+              <a:defRPr kern="1200">
+                <a:solidFill>
+                  <a:schemeClr val="tx1"/>
+                </a:solidFill>
+                <a:latin typeface="Arial" panose="020B0604020202090204" pitchFamily="34" charset="0"/>
+                <a:ea typeface="宋体" panose="02010600030101010101" pitchFamily="2" charset="-122"/>
+                <a:cs typeface="+mn-cs"/>
+              </a:defRPr>
+            </a:lvl5pPr>
+            <a:lvl6pPr marL="2286000" algn="l" defTabSz="914400" rtl="0" eaLnBrk="1" latinLnBrk="0" hangingPunct="1">
+              <a:defRPr kern="1200">
+                <a:solidFill>
+                  <a:schemeClr val="tx1"/>
+                </a:solidFill>
+                <a:latin typeface="Arial" panose="020B0604020202090204" pitchFamily="34" charset="0"/>
+                <a:ea typeface="宋体" panose="02010600030101010101" pitchFamily="2" charset="-122"/>
+                <a:cs typeface="+mn-cs"/>
+              </a:defRPr>
+            </a:lvl6pPr>
+            <a:lvl7pPr marL="2743200" algn="l" defTabSz="914400" rtl="0" eaLnBrk="1" latinLnBrk="0" hangingPunct="1">
+              <a:defRPr kern="1200">
+                <a:solidFill>
+                  <a:schemeClr val="tx1"/>
+                </a:solidFill>
+                <a:latin typeface="Arial" panose="020B0604020202090204" pitchFamily="34" charset="0"/>
+                <a:ea typeface="宋体" panose="02010600030101010101" pitchFamily="2" charset="-122"/>
+                <a:cs typeface="+mn-cs"/>
+              </a:defRPr>
+            </a:lvl7pPr>
+            <a:lvl8pPr marL="3200400" algn="l" defTabSz="914400" rtl="0" eaLnBrk="1" latinLnBrk="0" hangingPunct="1">
+              <a:defRPr kern="1200">
+                <a:solidFill>
+                  <a:schemeClr val="tx1"/>
+                </a:solidFill>
+                <a:latin typeface="Arial" panose="020B0604020202090204" pitchFamily="34" charset="0"/>
+                <a:ea typeface="宋体" panose="02010600030101010101" pitchFamily="2" charset="-122"/>
+                <a:cs typeface="+mn-cs"/>
+              </a:defRPr>
+            </a:lvl8pPr>
+            <a:lvl9pPr marL="3657600" algn="l" defTabSz="914400" rtl="0" eaLnBrk="1" latinLnBrk="0" hangingPunct="1">
+              <a:defRPr kern="1200">
+                <a:solidFill>
+                  <a:schemeClr val="tx1"/>
+                </a:solidFill>
+                <a:latin typeface="Arial" panose="020B0604020202090204" pitchFamily="34" charset="0"/>
+                <a:ea typeface="宋体" panose="02010600030101010101" pitchFamily="2" charset="-122"/>
+                <a:cs typeface="+mn-cs"/>
+              </a:defRPr>
+            </a:lvl9pPr>
+          </a:lstStyle>
+          <a:p>
+            <a:pPr eaLnBrk="1" hangingPunct="1">
+              <a:lnSpc>
+                <a:spcPct val="150000"/>
+              </a:lnSpc>
+              <a:spcBef>
+                <a:spcPct val="0"/>
+              </a:spcBef>
+              <a:spcAft>
+                <a:spcPts val="0"/>
+              </a:spcAft>
+              <a:buFontTx/>
+              <a:buNone/>
+            </a:pPr>
+            <a:r>
+              <a:rPr lang="en-US" altLang="zh-CN" sz="2000" dirty="0" smtClean="0">
+                <a:latin typeface="微软雅黑" panose="020B0503020204020204" pitchFamily="34" charset="-122"/>
+                <a:ea typeface="微软雅黑" panose="020B0503020204020204" pitchFamily="34" charset="-122"/>
+              </a:rPr>
+              <a:t>npm install pm2 -g ： 全局安装</a:t>
+            </a:r>
+            <a:endParaRPr lang="en-US" altLang="zh-CN" sz="2000" dirty="0" smtClean="0">
+              <a:latin typeface="微软雅黑" panose="020B0503020204020204" pitchFamily="34" charset="-122"/>
+              <a:ea typeface="微软雅黑" panose="020B0503020204020204" pitchFamily="34" charset="-122"/>
+            </a:endParaRPr>
+          </a:p>
+          <a:p>
+            <a:pPr eaLnBrk="1" hangingPunct="1">
+              <a:lnSpc>
+                <a:spcPct val="150000"/>
+              </a:lnSpc>
+              <a:spcBef>
+                <a:spcPct val="0"/>
+              </a:spcBef>
+              <a:spcAft>
+                <a:spcPts val="0"/>
+              </a:spcAft>
+              <a:buFontTx/>
+              <a:buNone/>
+            </a:pPr>
+            <a:r>
+              <a:rPr lang="en-US" altLang="zh-CN" sz="2000" dirty="0" smtClean="0">
+                <a:latin typeface="微软雅黑" panose="020B0503020204020204" pitchFamily="34" charset="-122"/>
+                <a:ea typeface="微软雅黑" panose="020B0503020204020204" pitchFamily="34" charset="-122"/>
+              </a:rPr>
+              <a:t>pm2 start app.js ： 启动服务，入口文件是app.js</a:t>
+            </a:r>
+            <a:endParaRPr lang="en-US" altLang="zh-CN" sz="2000" dirty="0" smtClean="0">
+              <a:latin typeface="微软雅黑" panose="020B0503020204020204" pitchFamily="34" charset="-122"/>
+              <a:ea typeface="微软雅黑" panose="020B0503020204020204" pitchFamily="34" charset="-122"/>
+            </a:endParaRPr>
+          </a:p>
+          <a:p>
+            <a:pPr eaLnBrk="1" hangingPunct="1">
+              <a:lnSpc>
+                <a:spcPct val="150000"/>
+              </a:lnSpc>
+              <a:spcBef>
+                <a:spcPct val="0"/>
+              </a:spcBef>
+              <a:spcAft>
+                <a:spcPts val="0"/>
+              </a:spcAft>
+              <a:buFontTx/>
+              <a:buNone/>
+            </a:pPr>
+            <a:r>
+              <a:rPr lang="en-US" altLang="zh-CN" sz="2000" dirty="0" smtClean="0">
+                <a:latin typeface="微软雅黑" panose="020B0503020204020204" pitchFamily="34" charset="-122"/>
+                <a:ea typeface="微软雅黑" panose="020B0503020204020204" pitchFamily="34" charset="-122"/>
+              </a:rPr>
+              <a:t>pm2 start app.js -i [n] --name [name] ： 启动n个进程，名字命名为name</a:t>
+            </a:r>
+            <a:endParaRPr lang="en-US" altLang="zh-CN" sz="2000" dirty="0" smtClean="0">
+              <a:latin typeface="微软雅黑" panose="020B0503020204020204" pitchFamily="34" charset="-122"/>
+              <a:ea typeface="微软雅黑" panose="020B0503020204020204" pitchFamily="34" charset="-122"/>
+            </a:endParaRPr>
+          </a:p>
+          <a:p>
+            <a:pPr eaLnBrk="1" hangingPunct="1">
+              <a:lnSpc>
+                <a:spcPct val="150000"/>
+              </a:lnSpc>
+              <a:spcBef>
+                <a:spcPct val="0"/>
+              </a:spcBef>
+              <a:spcAft>
+                <a:spcPts val="0"/>
+              </a:spcAft>
+              <a:buFontTx/>
+              <a:buNone/>
+            </a:pPr>
+            <a:r>
+              <a:rPr lang="en-US" altLang="zh-CN" sz="2000" dirty="0" smtClean="0">
+                <a:latin typeface="微软雅黑" panose="020B0503020204020204" pitchFamily="34" charset="-122"/>
+                <a:ea typeface="微软雅黑" panose="020B0503020204020204" pitchFamily="34" charset="-122"/>
+              </a:rPr>
+              <a:t>npm restart  [name or id] ： 重启服务</a:t>
+            </a:r>
+            <a:endParaRPr lang="en-US" altLang="zh-CN" sz="2000" dirty="0" smtClean="0">
+              <a:latin typeface="微软雅黑" panose="020B0503020204020204" pitchFamily="34" charset="-122"/>
+              <a:ea typeface="微软雅黑" panose="020B0503020204020204" pitchFamily="34" charset="-122"/>
+            </a:endParaRPr>
+          </a:p>
+          <a:p>
+            <a:pPr eaLnBrk="1" hangingPunct="1">
+              <a:lnSpc>
+                <a:spcPct val="150000"/>
+              </a:lnSpc>
+              <a:spcBef>
+                <a:spcPct val="0"/>
+              </a:spcBef>
+              <a:spcAft>
+                <a:spcPts val="0"/>
+              </a:spcAft>
+              <a:buFontTx/>
+              <a:buNone/>
+            </a:pPr>
+            <a:r>
+              <a:rPr lang="en-US" altLang="zh-CN" sz="2000" dirty="0" smtClean="0">
+                <a:latin typeface="微软雅黑" panose="020B0503020204020204" pitchFamily="34" charset="-122"/>
+                <a:ea typeface="微软雅黑" panose="020B0503020204020204" pitchFamily="34" charset="-122"/>
+              </a:rPr>
+              <a:t>npm reload  [name or id] ： 和rastart功能相同，但是可以实现0s的无缝衔接</a:t>
+            </a:r>
+            <a:endParaRPr lang="en-US" altLang="zh-CN" sz="2000" dirty="0" smtClean="0">
+              <a:latin typeface="微软雅黑" panose="020B0503020204020204" pitchFamily="34" charset="-122"/>
+              <a:ea typeface="微软雅黑" panose="020B0503020204020204" pitchFamily="34" charset="-122"/>
+            </a:endParaRPr>
+          </a:p>
+          <a:p>
+            <a:pPr eaLnBrk="1" hangingPunct="1">
+              <a:lnSpc>
+                <a:spcPct val="150000"/>
+              </a:lnSpc>
+              <a:spcBef>
+                <a:spcPct val="0"/>
+              </a:spcBef>
+              <a:spcAft>
+                <a:spcPts val="0"/>
+              </a:spcAft>
+              <a:buFontTx/>
+              <a:buNone/>
+            </a:pPr>
+            <a:r>
+              <a:rPr lang="en-US" altLang="zh-CN" sz="2000" dirty="0" smtClean="0">
+                <a:latin typeface="微软雅黑" panose="020B0503020204020204" pitchFamily="34" charset="-122"/>
+                <a:ea typeface="微软雅黑" panose="020B0503020204020204" pitchFamily="34" charset="-122"/>
+              </a:rPr>
+              <a:t>pm2 start app.js --max_memory_restart 1024M ： 当内存超过1024M时自动重启</a:t>
+            </a:r>
+            <a:endParaRPr lang="en-US" altLang="zh-CN" sz="2000" dirty="0" smtClean="0">
+              <a:latin typeface="微软雅黑" panose="020B0503020204020204" pitchFamily="34" charset="-122"/>
+              <a:ea typeface="微软雅黑" panose="020B0503020204020204" pitchFamily="34" charset="-122"/>
+            </a:endParaRPr>
+          </a:p>
+          <a:p>
+            <a:pPr eaLnBrk="1" hangingPunct="1">
+              <a:lnSpc>
+                <a:spcPct val="150000"/>
+              </a:lnSpc>
+              <a:spcBef>
+                <a:spcPct val="0"/>
+              </a:spcBef>
+              <a:spcAft>
+                <a:spcPts val="0"/>
+              </a:spcAft>
+              <a:buFontTx/>
+              <a:buNone/>
+            </a:pPr>
+            <a:r>
+              <a:rPr lang="en-US" altLang="zh-CN" sz="2000" dirty="0" smtClean="0">
+                <a:latin typeface="微软雅黑" panose="020B0503020204020204" pitchFamily="34" charset="-122"/>
+                <a:ea typeface="微软雅黑" panose="020B0503020204020204" pitchFamily="34" charset="-122"/>
+              </a:rPr>
+              <a:t>pm2 ls</a:t>
+            </a:r>
+            <a:endParaRPr lang="en-US" altLang="zh-CN" sz="2000" dirty="0" smtClean="0">
+              <a:latin typeface="微软雅黑" panose="020B0503020204020204" pitchFamily="34" charset="-122"/>
+              <a:ea typeface="微软雅黑" panose="020B0503020204020204" pitchFamily="34" charset="-122"/>
+            </a:endParaRPr>
+          </a:p>
+          <a:p>
+            <a:pPr eaLnBrk="1" hangingPunct="1">
+              <a:lnSpc>
+                <a:spcPct val="150000"/>
+              </a:lnSpc>
+              <a:spcBef>
+                <a:spcPct val="0"/>
+              </a:spcBef>
+              <a:spcAft>
+                <a:spcPts val="0"/>
+              </a:spcAft>
+              <a:buFontTx/>
+              <a:buNone/>
+            </a:pPr>
+            <a:r>
+              <a:rPr lang="en-US" altLang="zh-CN" sz="2000" dirty="0" smtClean="0">
+                <a:latin typeface="微软雅黑" panose="020B0503020204020204" pitchFamily="34" charset="-122"/>
+                <a:ea typeface="微软雅黑" panose="020B0503020204020204" pitchFamily="34" charset="-122"/>
+              </a:rPr>
+              <a:t>pm2 delete </a:t>
+            </a:r>
+            <a:r>
+              <a:rPr lang="en-US" altLang="zh-CN" sz="2000" dirty="0" smtClean="0">
+                <a:latin typeface="微软雅黑" panose="020B0503020204020204" pitchFamily="34" charset="-122"/>
+                <a:ea typeface="微软雅黑" panose="020B0503020204020204" pitchFamily="34" charset="-122"/>
+                <a:sym typeface="+mn-ea"/>
+              </a:rPr>
+              <a:t>[name or id]</a:t>
+            </a:r>
+            <a:endParaRPr lang="en-US" altLang="zh-CN" sz="2000" dirty="0" smtClean="0">
+              <a:latin typeface="微软雅黑" panose="020B0503020204020204" pitchFamily="34" charset="-122"/>
+              <a:ea typeface="微软雅黑" panose="020B0503020204020204" pitchFamily="34" charset="-122"/>
+            </a:endParaRPr>
+          </a:p>
+        </p:txBody>
+      </p:sp>
+      <p:sp>
+        <p:nvSpPr>
+          <p:cNvPr id="4" name="文本框 3"/>
+          <p:cNvSpPr txBox="1"/>
+          <p:nvPr/>
+        </p:nvSpPr>
+        <p:spPr>
+          <a:xfrm>
+            <a:off x="1749424" y="70765"/>
+            <a:ext cx="7455535" cy="583565"/>
+          </a:xfrm>
+          <a:prstGeom prst="rect">
+            <a:avLst/>
+          </a:prstGeom>
+          <a:noFill/>
+        </p:spPr>
+        <p:txBody>
+          <a:bodyPr wrap="square" rtlCol="0">
+            <a:spAutoFit/>
+          </a:bodyPr>
+          <a:lstStyle/>
+          <a:p>
+            <a:r>
+              <a:rPr lang="en-US" altLang="zh-CN" sz="3200" dirty="0" smtClean="0">
+                <a:latin typeface="微软雅黑" panose="020B0503020204020204" pitchFamily="34" charset="-122"/>
+                <a:ea typeface="微软雅黑" panose="020B0503020204020204" pitchFamily="34" charset="-122"/>
+              </a:rPr>
+              <a:t>3. </a:t>
+            </a:r>
+            <a:r>
+              <a:rPr lang="zh-CN" altLang="en-US" sz="3200" dirty="0" smtClean="0">
+                <a:latin typeface="微软雅黑" panose="020B0503020204020204" pitchFamily="34" charset="-122"/>
+                <a:ea typeface="微软雅黑" panose="020B0503020204020204" pitchFamily="34" charset="-122"/>
+              </a:rPr>
+              <a:t>配置文件启动</a:t>
+            </a:r>
+            <a:endParaRPr lang="zh-CN" altLang="en-US" sz="3200" dirty="0" smtClean="0">
+              <a:latin typeface="微软雅黑" panose="020B0503020204020204" pitchFamily="34" charset="-122"/>
+              <a:ea typeface="微软雅黑" panose="020B0503020204020204" pitchFamily="34" charset="-122"/>
+            </a:endParaRPr>
+          </a:p>
+        </p:txBody>
+      </p:sp>
+    </p:spTree>
+  </p:cSld>
+  <p:clrMapOvr>
+    <a:masterClrMapping/>
+  </p:clrMapOvr>
+  <p:transition spd="med">
+    <p:random/>
+  </p:transition>
+  <p:timing>
+    <p:tnLst>
+      <p:par>
+        <p:cTn id="1" dur="indefinite" restart="never" nodeType="tmRoot"/>
+      </p:par>
+    </p:tnLst>
+  </p:timing>
+</p:sld>
+</file>
+
+<file path=ppt/slides/slide5.xml><?xml version="1.0" encoding="utf-8"?>
+<p:sld xmlns:a="http://schemas.openxmlformats.org/drawingml/2006/main" xmlns:r="http://schemas.openxmlformats.org/officeDocument/2006/relationships" xmlns:p="http://schemas.openxmlformats.org/presentationml/2006/main">
+  <p:cSld>
+    <p:spTree>
+      <p:nvGrpSpPr>
+        <p:cNvPr id="1" name=""/>
+        <p:cNvGrpSpPr/>
+        <p:nvPr/>
+      </p:nvGrpSpPr>
+      <p:grpSpPr>
+        <a:xfrm>
+          <a:off x="0" y="0"/>
+          <a:ext cx="0" cy="0"/>
+          <a:chOff x="0" y="0"/>
+          <a:chExt cx="0" cy="0"/>
+        </a:xfrm>
+      </p:grpSpPr>
+      <p:sp>
+        <p:nvSpPr>
+          <p:cNvPr id="3" name="文本框 2"/>
+          <p:cNvSpPr txBox="1">
+            <a:spLocks noChangeArrowheads="1"/>
+          </p:cNvSpPr>
+          <p:nvPr/>
+        </p:nvSpPr>
+        <p:spPr bwMode="auto">
+          <a:xfrm>
+            <a:off x="847042" y="1225348"/>
+            <a:ext cx="10113484" cy="3784600"/>
+          </a:xfrm>
+          <a:prstGeom prst="rect">
+            <a:avLst/>
+          </a:prstGeom>
+          <a:noFill/>
+          <a:ln>
+            <a:noFill/>
+          </a:ln>
+          <a:extLst>
+            <a:ext uri="{909E8E84-426E-40DD-AFC4-6F175D3DCCD1}">
+              <a14:hiddenFill xmlns:a14="http://schemas.microsoft.com/office/drawing/2010/main">
+                <a:solidFill>
+                  <a:srgbClr val="FFFFFF"/>
+                </a:solidFill>
+              </a14:hiddenFill>
+            </a:ext>
+            <a:ext uri="{91240B29-F687-4F45-9708-019B960494DF}">
+              <a14:hiddenLine xmlns:a14="http://schemas.microsoft.com/office/drawing/2010/main" w="9525">
+                <a:solidFill>
+                  <a:srgbClr val="000000"/>
+                </a:solidFill>
+                <a:miter lim="800000"/>
+                <a:headEnd/>
+                <a:tailEnd/>
+              </a14:hiddenLine>
+            </a:ext>
+          </a:extLst>
+        </p:spPr>
+        <p:txBody>
+          <a:bodyPr wrap="square">
+            <a:spAutoFit/>
+          </a:bodyPr>
+          <a:lstStyle>
+            <a:defPPr>
+              <a:defRPr lang="zh-CN"/>
+            </a:defPPr>
+            <a:lvl1pPr algn="l" rtl="0" eaLnBrk="0" fontAlgn="base" hangingPunct="0">
+              <a:spcBef>
+                <a:spcPct val="0"/>
+              </a:spcBef>
+              <a:spcAft>
+                <a:spcPct val="0"/>
+              </a:spcAft>
+              <a:defRPr kern="1200">
+                <a:solidFill>
+                  <a:schemeClr val="tx1"/>
+                </a:solidFill>
+                <a:latin typeface="Arial" panose="020B0604020202090204" pitchFamily="34" charset="0"/>
+                <a:ea typeface="宋体" panose="02010600030101010101" pitchFamily="2" charset="-122"/>
+                <a:cs typeface="+mn-cs"/>
+              </a:defRPr>
+            </a:lvl1pPr>
+            <a:lvl2pPr marL="457200" algn="l" rtl="0" eaLnBrk="0" fontAlgn="base" hangingPunct="0">
+              <a:spcBef>
+                <a:spcPct val="0"/>
+              </a:spcBef>
+              <a:spcAft>
+                <a:spcPct val="0"/>
+              </a:spcAft>
+              <a:defRPr kern="1200">
+                <a:solidFill>
+                  <a:schemeClr val="tx1"/>
+                </a:solidFill>
+                <a:latin typeface="Arial" panose="020B0604020202090204" pitchFamily="34" charset="0"/>
+                <a:ea typeface="宋体" panose="02010600030101010101" pitchFamily="2" charset="-122"/>
+                <a:cs typeface="+mn-cs"/>
+              </a:defRPr>
+            </a:lvl2pPr>
+            <a:lvl3pPr marL="914400" algn="l" rtl="0" eaLnBrk="0" fontAlgn="base" hangingPunct="0">
+              <a:spcBef>
+                <a:spcPct val="0"/>
+              </a:spcBef>
+              <a:spcAft>
+                <a:spcPct val="0"/>
+              </a:spcAft>
+              <a:defRPr kern="1200">
+                <a:solidFill>
+                  <a:schemeClr val="tx1"/>
+                </a:solidFill>
+                <a:latin typeface="Arial" panose="020B0604020202090204" pitchFamily="34" charset="0"/>
+                <a:ea typeface="宋体" panose="02010600030101010101" pitchFamily="2" charset="-122"/>
+                <a:cs typeface="+mn-cs"/>
+              </a:defRPr>
+            </a:lvl3pPr>
+            <a:lvl4pPr marL="1371600" algn="l" rtl="0" eaLnBrk="0" fontAlgn="base" hangingPunct="0">
+              <a:spcBef>
+                <a:spcPct val="0"/>
+              </a:spcBef>
+              <a:spcAft>
+                <a:spcPct val="0"/>
+              </a:spcAft>
+              <a:defRPr kern="1200">
+                <a:solidFill>
+                  <a:schemeClr val="tx1"/>
+                </a:solidFill>
+                <a:latin typeface="Arial" panose="020B0604020202090204" pitchFamily="34" charset="0"/>
+                <a:ea typeface="宋体" panose="02010600030101010101" pitchFamily="2" charset="-122"/>
+                <a:cs typeface="+mn-cs"/>
+              </a:defRPr>
+            </a:lvl4pPr>
+            <a:lvl5pPr marL="1828800" algn="l" rtl="0" eaLnBrk="0" fontAlgn="base" hangingPunct="0">
+              <a:spcBef>
+                <a:spcPct val="0"/>
+              </a:spcBef>
+              <a:spcAft>
+                <a:spcPct val="0"/>
+              </a:spcAft>
+              <a:defRPr kern="1200">
+                <a:solidFill>
+                  <a:schemeClr val="tx1"/>
+                </a:solidFill>
+                <a:latin typeface="Arial" panose="020B0604020202090204" pitchFamily="34" charset="0"/>
+                <a:ea typeface="宋体" panose="02010600030101010101" pitchFamily="2" charset="-122"/>
+                <a:cs typeface="+mn-cs"/>
+              </a:defRPr>
+            </a:lvl5pPr>
+            <a:lvl6pPr marL="2286000" algn="l" defTabSz="914400" rtl="0" eaLnBrk="1" latinLnBrk="0" hangingPunct="1">
+              <a:defRPr kern="1200">
+                <a:solidFill>
+                  <a:schemeClr val="tx1"/>
+                </a:solidFill>
+                <a:latin typeface="Arial" panose="020B0604020202090204" pitchFamily="34" charset="0"/>
+                <a:ea typeface="宋体" panose="02010600030101010101" pitchFamily="2" charset="-122"/>
+                <a:cs typeface="+mn-cs"/>
+              </a:defRPr>
+            </a:lvl6pPr>
+            <a:lvl7pPr marL="2743200" algn="l" defTabSz="914400" rtl="0" eaLnBrk="1" latinLnBrk="0" hangingPunct="1">
+              <a:defRPr kern="1200">
+                <a:solidFill>
+                  <a:schemeClr val="tx1"/>
+                </a:solidFill>
+                <a:latin typeface="Arial" panose="020B0604020202090204" pitchFamily="34" charset="0"/>
+                <a:ea typeface="宋体" panose="02010600030101010101" pitchFamily="2" charset="-122"/>
+                <a:cs typeface="+mn-cs"/>
+              </a:defRPr>
+            </a:lvl7pPr>
+            <a:lvl8pPr marL="3200400" algn="l" defTabSz="914400" rtl="0" eaLnBrk="1" latinLnBrk="0" hangingPunct="1">
+              <a:defRPr kern="1200">
+                <a:solidFill>
+                  <a:schemeClr val="tx1"/>
+                </a:solidFill>
+                <a:latin typeface="Arial" panose="020B0604020202090204" pitchFamily="34" charset="0"/>
+                <a:ea typeface="宋体" panose="02010600030101010101" pitchFamily="2" charset="-122"/>
+                <a:cs typeface="+mn-cs"/>
+              </a:defRPr>
+            </a:lvl8pPr>
+            <a:lvl9pPr marL="3657600" algn="l" defTabSz="914400" rtl="0" eaLnBrk="1" latinLnBrk="0" hangingPunct="1">
+              <a:defRPr kern="1200">
+                <a:solidFill>
+                  <a:schemeClr val="tx1"/>
+                </a:solidFill>
+                <a:latin typeface="Arial" panose="020B0604020202090204" pitchFamily="34" charset="0"/>
+                <a:ea typeface="宋体" panose="02010600030101010101" pitchFamily="2" charset="-122"/>
+                <a:cs typeface="+mn-cs"/>
+              </a:defRPr>
+            </a:lvl9pPr>
+          </a:lstStyle>
+          <a:p>
+            <a:pPr eaLnBrk="1" hangingPunct="1">
+              <a:lnSpc>
+                <a:spcPct val="150000"/>
+              </a:lnSpc>
+              <a:spcBef>
+                <a:spcPct val="0"/>
+              </a:spcBef>
+              <a:spcAft>
+                <a:spcPts val="0"/>
+              </a:spcAft>
+              <a:buFontTx/>
+              <a:buNone/>
+            </a:pPr>
+            <a:r>
+              <a:rPr lang="en-US" altLang="zh-CN" sz="2000" dirty="0" smtClean="0">
+                <a:latin typeface="微软雅黑" panose="020B0503020204020204" pitchFamily="34" charset="-122"/>
+                <a:ea typeface="微软雅黑" panose="020B0503020204020204" pitchFamily="34" charset="-122"/>
+              </a:rPr>
+              <a:t>npm install pm2 -g ： 全局安装</a:t>
+            </a:r>
+            <a:endParaRPr lang="en-US" altLang="zh-CN" sz="2000" dirty="0" smtClean="0">
+              <a:latin typeface="微软雅黑" panose="020B0503020204020204" pitchFamily="34" charset="-122"/>
+              <a:ea typeface="微软雅黑" panose="020B0503020204020204" pitchFamily="34" charset="-122"/>
+            </a:endParaRPr>
+          </a:p>
+          <a:p>
+            <a:pPr eaLnBrk="1" hangingPunct="1">
+              <a:lnSpc>
+                <a:spcPct val="150000"/>
+              </a:lnSpc>
+              <a:spcBef>
+                <a:spcPct val="0"/>
+              </a:spcBef>
+              <a:spcAft>
+                <a:spcPts val="0"/>
+              </a:spcAft>
+              <a:buFontTx/>
+              <a:buNone/>
+            </a:pPr>
+            <a:r>
+              <a:rPr lang="en-US" altLang="zh-CN" sz="2000" dirty="0" smtClean="0">
+                <a:latin typeface="微软雅黑" panose="020B0503020204020204" pitchFamily="34" charset="-122"/>
+                <a:ea typeface="微软雅黑" panose="020B0503020204020204" pitchFamily="34" charset="-122"/>
+              </a:rPr>
+              <a:t>pm2 start app.js ： 启动服务，入口文件是app.js</a:t>
+            </a:r>
+            <a:endParaRPr lang="en-US" altLang="zh-CN" sz="2000" dirty="0" smtClean="0">
+              <a:latin typeface="微软雅黑" panose="020B0503020204020204" pitchFamily="34" charset="-122"/>
+              <a:ea typeface="微软雅黑" panose="020B0503020204020204" pitchFamily="34" charset="-122"/>
+            </a:endParaRPr>
+          </a:p>
+          <a:p>
+            <a:pPr eaLnBrk="1" hangingPunct="1">
+              <a:lnSpc>
+                <a:spcPct val="150000"/>
+              </a:lnSpc>
+              <a:spcBef>
+                <a:spcPct val="0"/>
+              </a:spcBef>
+              <a:spcAft>
+                <a:spcPts val="0"/>
+              </a:spcAft>
+              <a:buFontTx/>
+              <a:buNone/>
+            </a:pPr>
+            <a:r>
+              <a:rPr lang="en-US" altLang="zh-CN" sz="2000" dirty="0" smtClean="0">
+                <a:latin typeface="微软雅黑" panose="020B0503020204020204" pitchFamily="34" charset="-122"/>
+                <a:ea typeface="微软雅黑" panose="020B0503020204020204" pitchFamily="34" charset="-122"/>
+              </a:rPr>
+              <a:t>pm2 start app.js -i [n] --name [name] --watch ： 启动n个进程，名字命名为name</a:t>
+            </a:r>
+            <a:endParaRPr lang="en-US" altLang="zh-CN" sz="2000" dirty="0" smtClean="0">
+              <a:latin typeface="微软雅黑" panose="020B0503020204020204" pitchFamily="34" charset="-122"/>
+              <a:ea typeface="微软雅黑" panose="020B0503020204020204" pitchFamily="34" charset="-122"/>
+            </a:endParaRPr>
+          </a:p>
+          <a:p>
+            <a:pPr eaLnBrk="1" hangingPunct="1">
+              <a:lnSpc>
+                <a:spcPct val="150000"/>
+              </a:lnSpc>
+              <a:spcBef>
+                <a:spcPct val="0"/>
+              </a:spcBef>
+              <a:spcAft>
+                <a:spcPts val="0"/>
+              </a:spcAft>
+              <a:buFontTx/>
+              <a:buNone/>
+            </a:pPr>
+            <a:r>
+              <a:rPr lang="en-US" altLang="zh-CN" sz="2000" dirty="0" smtClean="0">
+                <a:latin typeface="微软雅黑" panose="020B0503020204020204" pitchFamily="34" charset="-122"/>
+                <a:ea typeface="微软雅黑" panose="020B0503020204020204" pitchFamily="34" charset="-122"/>
+              </a:rPr>
+              <a:t>npm restart  [name or id] ： 重启服务</a:t>
+            </a:r>
+            <a:endParaRPr lang="en-US" altLang="zh-CN" sz="2000" dirty="0" smtClean="0">
+              <a:latin typeface="微软雅黑" panose="020B0503020204020204" pitchFamily="34" charset="-122"/>
+              <a:ea typeface="微软雅黑" panose="020B0503020204020204" pitchFamily="34" charset="-122"/>
+            </a:endParaRPr>
+          </a:p>
+          <a:p>
+            <a:pPr eaLnBrk="1" hangingPunct="1">
+              <a:lnSpc>
+                <a:spcPct val="150000"/>
+              </a:lnSpc>
+              <a:spcBef>
+                <a:spcPct val="0"/>
+              </a:spcBef>
+              <a:spcAft>
+                <a:spcPts val="0"/>
+              </a:spcAft>
+              <a:buFontTx/>
+              <a:buNone/>
+            </a:pPr>
+            <a:r>
+              <a:rPr lang="en-US" altLang="zh-CN" sz="2000" dirty="0" smtClean="0">
+                <a:latin typeface="微软雅黑" panose="020B0503020204020204" pitchFamily="34" charset="-122"/>
+                <a:ea typeface="微软雅黑" panose="020B0503020204020204" pitchFamily="34" charset="-122"/>
+              </a:rPr>
+              <a:t>npm reload  [name or id] ： 和rastart功能相同，但是可以实现0s的无缝衔接</a:t>
+            </a:r>
+            <a:endParaRPr lang="en-US" altLang="zh-CN" sz="2000" dirty="0" smtClean="0">
+              <a:latin typeface="微软雅黑" panose="020B0503020204020204" pitchFamily="34" charset="-122"/>
+              <a:ea typeface="微软雅黑" panose="020B0503020204020204" pitchFamily="34" charset="-122"/>
+            </a:endParaRPr>
+          </a:p>
+          <a:p>
+            <a:pPr eaLnBrk="1" hangingPunct="1">
+              <a:lnSpc>
+                <a:spcPct val="150000"/>
+              </a:lnSpc>
+              <a:spcBef>
+                <a:spcPct val="0"/>
+              </a:spcBef>
+              <a:spcAft>
+                <a:spcPts val="0"/>
+              </a:spcAft>
+              <a:buFontTx/>
+              <a:buNone/>
+            </a:pPr>
+            <a:r>
+              <a:rPr lang="en-US" altLang="zh-CN" sz="2000" dirty="0" smtClean="0">
+                <a:latin typeface="微软雅黑" panose="020B0503020204020204" pitchFamily="34" charset="-122"/>
+                <a:ea typeface="微软雅黑" panose="020B0503020204020204" pitchFamily="34" charset="-122"/>
+              </a:rPr>
+              <a:t>pm2 start app.js --max_memory_restart 1024M ： 当内存超过1024M时自动重启</a:t>
+            </a:r>
+            <a:endParaRPr lang="en-US" altLang="zh-CN" sz="2000" dirty="0" smtClean="0">
+              <a:latin typeface="微软雅黑" panose="020B0503020204020204" pitchFamily="34" charset="-122"/>
+              <a:ea typeface="微软雅黑" panose="020B0503020204020204" pitchFamily="34" charset="-122"/>
+            </a:endParaRPr>
+          </a:p>
+          <a:p>
+            <a:pPr eaLnBrk="1" hangingPunct="1">
+              <a:lnSpc>
+                <a:spcPct val="150000"/>
+              </a:lnSpc>
+              <a:spcBef>
+                <a:spcPct val="0"/>
+              </a:spcBef>
+              <a:spcAft>
+                <a:spcPts val="0"/>
+              </a:spcAft>
+              <a:buFontTx/>
+              <a:buNone/>
+            </a:pPr>
+            <a:r>
+              <a:rPr lang="en-US" altLang="zh-CN" sz="2000" dirty="0" smtClean="0">
+                <a:latin typeface="微软雅黑" panose="020B0503020204020204" pitchFamily="34" charset="-122"/>
+                <a:ea typeface="微软雅黑" panose="020B0503020204020204" pitchFamily="34" charset="-122"/>
+              </a:rPr>
+              <a:t>pm2 ls</a:t>
+            </a:r>
+            <a:endParaRPr lang="en-US" altLang="zh-CN" sz="2000" dirty="0" smtClean="0">
+              <a:latin typeface="微软雅黑" panose="020B0503020204020204" pitchFamily="34" charset="-122"/>
+              <a:ea typeface="微软雅黑" panose="020B0503020204020204" pitchFamily="34" charset="-122"/>
+            </a:endParaRPr>
+          </a:p>
+          <a:p>
+            <a:pPr eaLnBrk="1" hangingPunct="1">
+              <a:lnSpc>
+                <a:spcPct val="150000"/>
+              </a:lnSpc>
+              <a:spcBef>
+                <a:spcPct val="0"/>
+              </a:spcBef>
+              <a:spcAft>
+                <a:spcPts val="0"/>
+              </a:spcAft>
+              <a:buFontTx/>
+              <a:buNone/>
+            </a:pPr>
+            <a:r>
+              <a:rPr lang="en-US" altLang="zh-CN" sz="2000" dirty="0" smtClean="0">
+                <a:latin typeface="微软雅黑" panose="020B0503020204020204" pitchFamily="34" charset="-122"/>
+                <a:ea typeface="微软雅黑" panose="020B0503020204020204" pitchFamily="34" charset="-122"/>
+              </a:rPr>
+              <a:t>pm2 delete </a:t>
+            </a:r>
+            <a:r>
+              <a:rPr lang="en-US" altLang="zh-CN" sz="2000" dirty="0" smtClean="0">
+                <a:latin typeface="微软雅黑" panose="020B0503020204020204" pitchFamily="34" charset="-122"/>
+                <a:ea typeface="微软雅黑" panose="020B0503020204020204" pitchFamily="34" charset="-122"/>
+                <a:sym typeface="+mn-ea"/>
+              </a:rPr>
+              <a:t>[name or id]</a:t>
+            </a:r>
+            <a:endParaRPr lang="en-US" altLang="zh-CN" sz="2000" dirty="0" smtClean="0">
+              <a:latin typeface="微软雅黑" panose="020B0503020204020204" pitchFamily="34" charset="-122"/>
+              <a:ea typeface="微软雅黑" panose="020B0503020204020204" pitchFamily="34" charset="-122"/>
+            </a:endParaRPr>
+          </a:p>
+        </p:txBody>
+      </p:sp>
+      <p:sp>
+        <p:nvSpPr>
+          <p:cNvPr id="4" name="文本框 3"/>
+          <p:cNvSpPr txBox="1"/>
+          <p:nvPr/>
+        </p:nvSpPr>
+        <p:spPr>
+          <a:xfrm>
+            <a:off x="1749424" y="70765"/>
+            <a:ext cx="7455535" cy="583565"/>
+          </a:xfrm>
+          <a:prstGeom prst="rect">
+            <a:avLst/>
+          </a:prstGeom>
+          <a:noFill/>
+        </p:spPr>
+        <p:txBody>
+          <a:bodyPr wrap="square" rtlCol="0">
+            <a:spAutoFit/>
+          </a:bodyPr>
+          <a:lstStyle/>
+          <a:p>
+            <a:r>
+              <a:rPr lang="en-US" altLang="zh-CN" sz="3200" dirty="0" smtClean="0">
+                <a:latin typeface="微软雅黑" panose="020B0503020204020204" pitchFamily="34" charset="-122"/>
+                <a:ea typeface="微软雅黑" panose="020B0503020204020204" pitchFamily="34" charset="-122"/>
+              </a:rPr>
+              <a:t>4. fork</a:t>
+            </a:r>
+            <a:r>
+              <a:rPr lang="zh-CN" altLang="en-US" sz="3200" dirty="0" smtClean="0">
+                <a:latin typeface="微软雅黑" panose="020B0503020204020204" pitchFamily="34" charset="-122"/>
+                <a:ea typeface="微软雅黑" panose="020B0503020204020204" pitchFamily="34" charset="-122"/>
+              </a:rPr>
+              <a:t>与cluster</a:t>
+            </a:r>
+            <a:endParaRPr lang="zh-CN" altLang="en-US" sz="3200" dirty="0" smtClean="0">
+              <a:latin typeface="微软雅黑" panose="020B0503020204020204" pitchFamily="34" charset="-122"/>
+              <a:ea typeface="微软雅黑" panose="020B0503020204020204" pitchFamily="34" charset="-122"/>
+            </a:endParaRPr>
+          </a:p>
+        </p:txBody>
+      </p:sp>
+    </p:spTree>
+  </p:cSld>
+  <p:clrMapOvr>
+    <a:masterClrMapping/>
+  </p:clrMapOvr>
+  <p:transition spd="med">
+    <p:random/>
+  </p:transition>
+  <p:timing>
+    <p:tnLst>
+      <p:par>
+        <p:cTn id="1" dur="indefinite" restart="never" nodeType="tmRoot"/>
+      </p:par>
+    </p:tnLst>
+  </p:timing>
+</p:sld>
+</file>
+
+<file path=ppt/slides/slide6.xml><?xml version="1.0" encoding="utf-8"?>
+<p:sld xmlns:a="http://schemas.openxmlformats.org/drawingml/2006/main" xmlns:r="http://schemas.openxmlformats.org/officeDocument/2006/relationships" xmlns:p="http://schemas.openxmlformats.org/presentationml/2006/main">
+  <p:cSld>
+    <p:spTree>
+      <p:nvGrpSpPr>
+        <p:cNvPr id="1" name=""/>
+        <p:cNvGrpSpPr/>
+        <p:nvPr/>
+      </p:nvGrpSpPr>
+      <p:grpSpPr>
+        <a:xfrm>
+          <a:off x="0" y="0"/>
+          <a:ext cx="0" cy="0"/>
+          <a:chOff x="0" y="0"/>
+          <a:chExt cx="0" cy="0"/>
+        </a:xfrm>
+      </p:grpSpPr>
+      <p:sp>
+        <p:nvSpPr>
+          <p:cNvPr id="3" name="文本框 2"/>
+          <p:cNvSpPr txBox="1">
+            <a:spLocks noChangeArrowheads="1"/>
+          </p:cNvSpPr>
+          <p:nvPr/>
+        </p:nvSpPr>
+        <p:spPr bwMode="auto">
+          <a:xfrm>
+            <a:off x="847042" y="1225348"/>
+            <a:ext cx="10113484" cy="3784600"/>
+          </a:xfrm>
+          <a:prstGeom prst="rect">
+            <a:avLst/>
+          </a:prstGeom>
+          <a:noFill/>
+          <a:ln>
+            <a:noFill/>
+          </a:ln>
+          <a:extLst>
+            <a:ext uri="{909E8E84-426E-40DD-AFC4-6F175D3DCCD1}">
+              <a14:hiddenFill xmlns:a14="http://schemas.microsoft.com/office/drawing/2010/main">
+                <a:solidFill>
+                  <a:srgbClr val="FFFFFF"/>
+                </a:solidFill>
+              </a14:hiddenFill>
+            </a:ext>
+            <a:ext uri="{91240B29-F687-4F45-9708-019B960494DF}">
+              <a14:hiddenLine xmlns:a14="http://schemas.microsoft.com/office/drawing/2010/main" w="9525">
+                <a:solidFill>
+                  <a:srgbClr val="000000"/>
+                </a:solidFill>
+                <a:miter lim="800000"/>
+                <a:headEnd/>
+                <a:tailEnd/>
+              </a14:hiddenLine>
+            </a:ext>
+          </a:extLst>
+        </p:spPr>
+        <p:txBody>
+          <a:bodyPr wrap="square">
+            <a:spAutoFit/>
+          </a:bodyPr>
+          <a:lstStyle>
+            <a:defPPr>
+              <a:defRPr lang="zh-CN"/>
+            </a:defPPr>
+            <a:lvl1pPr algn="l" rtl="0" eaLnBrk="0" fontAlgn="base" hangingPunct="0">
+              <a:spcBef>
+                <a:spcPct val="0"/>
+              </a:spcBef>
+              <a:spcAft>
+                <a:spcPct val="0"/>
+              </a:spcAft>
+              <a:defRPr kern="1200">
+                <a:solidFill>
+                  <a:schemeClr val="tx1"/>
+                </a:solidFill>
+                <a:latin typeface="Arial" panose="020B0604020202090204" pitchFamily="34" charset="0"/>
+                <a:ea typeface="宋体" panose="02010600030101010101" pitchFamily="2" charset="-122"/>
+                <a:cs typeface="+mn-cs"/>
+              </a:defRPr>
+            </a:lvl1pPr>
+            <a:lvl2pPr marL="457200" algn="l" rtl="0" eaLnBrk="0" fontAlgn="base" hangingPunct="0">
+              <a:spcBef>
+                <a:spcPct val="0"/>
+              </a:spcBef>
+              <a:spcAft>
+                <a:spcPct val="0"/>
+              </a:spcAft>
+              <a:defRPr kern="1200">
+                <a:solidFill>
+                  <a:schemeClr val="tx1"/>
+                </a:solidFill>
+                <a:latin typeface="Arial" panose="020B0604020202090204" pitchFamily="34" charset="0"/>
+                <a:ea typeface="宋体" panose="02010600030101010101" pitchFamily="2" charset="-122"/>
+                <a:cs typeface="+mn-cs"/>
+              </a:defRPr>
+            </a:lvl2pPr>
+            <a:lvl3pPr marL="914400" algn="l" rtl="0" eaLnBrk="0" fontAlgn="base" hangingPunct="0">
+              <a:spcBef>
+                <a:spcPct val="0"/>
+              </a:spcBef>
+              <a:spcAft>
+                <a:spcPct val="0"/>
+              </a:spcAft>
+              <a:defRPr kern="1200">
+                <a:solidFill>
+                  <a:schemeClr val="tx1"/>
+                </a:solidFill>
+                <a:latin typeface="Arial" panose="020B0604020202090204" pitchFamily="34" charset="0"/>
+                <a:ea typeface="宋体" panose="02010600030101010101" pitchFamily="2" charset="-122"/>
+                <a:cs typeface="+mn-cs"/>
+              </a:defRPr>
+            </a:lvl3pPr>
+            <a:lvl4pPr marL="1371600" algn="l" rtl="0" eaLnBrk="0" fontAlgn="base" hangingPunct="0">
+              <a:spcBef>
+                <a:spcPct val="0"/>
+              </a:spcBef>
+              <a:spcAft>
+                <a:spcPct val="0"/>
+              </a:spcAft>
+              <a:defRPr kern="1200">
+                <a:solidFill>
+                  <a:schemeClr val="tx1"/>
+                </a:solidFill>
+                <a:latin typeface="Arial" panose="020B0604020202090204" pitchFamily="34" charset="0"/>
+                <a:ea typeface="宋体" panose="02010600030101010101" pitchFamily="2" charset="-122"/>
+                <a:cs typeface="+mn-cs"/>
+              </a:defRPr>
+            </a:lvl4pPr>
+            <a:lvl5pPr marL="1828800" algn="l" rtl="0" eaLnBrk="0" fontAlgn="base" hangingPunct="0">
+              <a:spcBef>
+                <a:spcPct val="0"/>
+              </a:spcBef>
+              <a:spcAft>
+                <a:spcPct val="0"/>
+              </a:spcAft>
+              <a:defRPr kern="1200">
+                <a:solidFill>
+                  <a:schemeClr val="tx1"/>
+                </a:solidFill>
+                <a:latin typeface="Arial" panose="020B0604020202090204" pitchFamily="34" charset="0"/>
+                <a:ea typeface="宋体" panose="02010600030101010101" pitchFamily="2" charset="-122"/>
+                <a:cs typeface="+mn-cs"/>
+              </a:defRPr>
+            </a:lvl5pPr>
+            <a:lvl6pPr marL="2286000" algn="l" defTabSz="914400" rtl="0" eaLnBrk="1" latinLnBrk="0" hangingPunct="1">
+              <a:defRPr kern="1200">
+                <a:solidFill>
+                  <a:schemeClr val="tx1"/>
+                </a:solidFill>
+                <a:latin typeface="Arial" panose="020B0604020202090204" pitchFamily="34" charset="0"/>
+                <a:ea typeface="宋体" panose="02010600030101010101" pitchFamily="2" charset="-122"/>
+                <a:cs typeface="+mn-cs"/>
+              </a:defRPr>
+            </a:lvl6pPr>
+            <a:lvl7pPr marL="2743200" algn="l" defTabSz="914400" rtl="0" eaLnBrk="1" latinLnBrk="0" hangingPunct="1">
+              <a:defRPr kern="1200">
+                <a:solidFill>
+                  <a:schemeClr val="tx1"/>
+                </a:solidFill>
+                <a:latin typeface="Arial" panose="020B0604020202090204" pitchFamily="34" charset="0"/>
+                <a:ea typeface="宋体" panose="02010600030101010101" pitchFamily="2" charset="-122"/>
+                <a:cs typeface="+mn-cs"/>
+              </a:defRPr>
+            </a:lvl7pPr>
+            <a:lvl8pPr marL="3200400" algn="l" defTabSz="914400" rtl="0" eaLnBrk="1" latinLnBrk="0" hangingPunct="1">
+              <a:defRPr kern="1200">
+                <a:solidFill>
+                  <a:schemeClr val="tx1"/>
+                </a:solidFill>
+                <a:latin typeface="Arial" panose="020B0604020202090204" pitchFamily="34" charset="0"/>
+                <a:ea typeface="宋体" panose="02010600030101010101" pitchFamily="2" charset="-122"/>
+                <a:cs typeface="+mn-cs"/>
+              </a:defRPr>
+            </a:lvl8pPr>
+            <a:lvl9pPr marL="3657600" algn="l" defTabSz="914400" rtl="0" eaLnBrk="1" latinLnBrk="0" hangingPunct="1">
+              <a:defRPr kern="1200">
+                <a:solidFill>
+                  <a:schemeClr val="tx1"/>
+                </a:solidFill>
+                <a:latin typeface="Arial" panose="020B0604020202090204" pitchFamily="34" charset="0"/>
+                <a:ea typeface="宋体" panose="02010600030101010101" pitchFamily="2" charset="-122"/>
+                <a:cs typeface="+mn-cs"/>
+              </a:defRPr>
+            </a:lvl9pPr>
+          </a:lstStyle>
+          <a:p>
+            <a:pPr eaLnBrk="1" hangingPunct="1">
+              <a:lnSpc>
+                <a:spcPct val="150000"/>
+              </a:lnSpc>
+              <a:spcBef>
+                <a:spcPct val="0"/>
+              </a:spcBef>
+              <a:spcAft>
+                <a:spcPts val="0"/>
+              </a:spcAft>
+              <a:buFontTx/>
+              <a:buNone/>
+            </a:pPr>
+            <a:r>
+              <a:rPr lang="en-US" altLang="zh-CN" sz="2000" dirty="0" smtClean="0">
+                <a:latin typeface="微软雅黑" panose="020B0503020204020204" pitchFamily="34" charset="-122"/>
+                <a:ea typeface="微软雅黑" panose="020B0503020204020204" pitchFamily="34" charset="-122"/>
+              </a:rPr>
+              <a:t>npm install pm2 -g ： 全局安装</a:t>
+            </a:r>
+            <a:endParaRPr lang="en-US" altLang="zh-CN" sz="2000" dirty="0" smtClean="0">
+              <a:latin typeface="微软雅黑" panose="020B0503020204020204" pitchFamily="34" charset="-122"/>
+              <a:ea typeface="微软雅黑" panose="020B0503020204020204" pitchFamily="34" charset="-122"/>
+            </a:endParaRPr>
+          </a:p>
+          <a:p>
+            <a:pPr eaLnBrk="1" hangingPunct="1">
+              <a:lnSpc>
+                <a:spcPct val="150000"/>
+              </a:lnSpc>
+              <a:spcBef>
+                <a:spcPct val="0"/>
+              </a:spcBef>
+              <a:spcAft>
+                <a:spcPts val="0"/>
+              </a:spcAft>
+              <a:buFontTx/>
+              <a:buNone/>
+            </a:pPr>
+            <a:r>
+              <a:rPr lang="en-US" altLang="zh-CN" sz="2000" dirty="0" smtClean="0">
+                <a:latin typeface="微软雅黑" panose="020B0503020204020204" pitchFamily="34" charset="-122"/>
+                <a:ea typeface="微软雅黑" panose="020B0503020204020204" pitchFamily="34" charset="-122"/>
+              </a:rPr>
+              <a:t>pm2 start app.js ： 启动服务，入口文件是app.js</a:t>
+            </a:r>
+            <a:endParaRPr lang="en-US" altLang="zh-CN" sz="2000" dirty="0" smtClean="0">
+              <a:latin typeface="微软雅黑" panose="020B0503020204020204" pitchFamily="34" charset="-122"/>
+              <a:ea typeface="微软雅黑" panose="020B0503020204020204" pitchFamily="34" charset="-122"/>
+            </a:endParaRPr>
+          </a:p>
+          <a:p>
+            <a:pPr eaLnBrk="1" hangingPunct="1">
+              <a:lnSpc>
+                <a:spcPct val="150000"/>
+              </a:lnSpc>
+              <a:spcBef>
+                <a:spcPct val="0"/>
+              </a:spcBef>
+              <a:spcAft>
+                <a:spcPts val="0"/>
+              </a:spcAft>
+              <a:buFontTx/>
+              <a:buNone/>
+            </a:pPr>
+            <a:r>
+              <a:rPr lang="en-US" altLang="zh-CN" sz="2000" dirty="0" smtClean="0">
+                <a:latin typeface="微软雅黑" panose="020B0503020204020204" pitchFamily="34" charset="-122"/>
+                <a:ea typeface="微软雅黑" panose="020B0503020204020204" pitchFamily="34" charset="-122"/>
+              </a:rPr>
+              <a:t>pm2 start app.js -i [n] --name [name] ： 启动n个进程，名字命名为name</a:t>
+            </a:r>
+            <a:endParaRPr lang="en-US" altLang="zh-CN" sz="2000" dirty="0" smtClean="0">
+              <a:latin typeface="微软雅黑" panose="020B0503020204020204" pitchFamily="34" charset="-122"/>
+              <a:ea typeface="微软雅黑" panose="020B0503020204020204" pitchFamily="34" charset="-122"/>
+            </a:endParaRPr>
+          </a:p>
+          <a:p>
+            <a:pPr eaLnBrk="1" hangingPunct="1">
+              <a:lnSpc>
+                <a:spcPct val="150000"/>
+              </a:lnSpc>
+              <a:spcBef>
+                <a:spcPct val="0"/>
+              </a:spcBef>
+              <a:spcAft>
+                <a:spcPts val="0"/>
+              </a:spcAft>
+              <a:buFontTx/>
+              <a:buNone/>
+            </a:pPr>
+            <a:r>
+              <a:rPr lang="en-US" altLang="zh-CN" sz="2000" dirty="0" smtClean="0">
+                <a:latin typeface="微软雅黑" panose="020B0503020204020204" pitchFamily="34" charset="-122"/>
+                <a:ea typeface="微软雅黑" panose="020B0503020204020204" pitchFamily="34" charset="-122"/>
+              </a:rPr>
+              <a:t>npm restart  [name or id] ： 重启服务</a:t>
+            </a:r>
+            <a:endParaRPr lang="en-US" altLang="zh-CN" sz="2000" dirty="0" smtClean="0">
+              <a:latin typeface="微软雅黑" panose="020B0503020204020204" pitchFamily="34" charset="-122"/>
+              <a:ea typeface="微软雅黑" panose="020B0503020204020204" pitchFamily="34" charset="-122"/>
+            </a:endParaRPr>
+          </a:p>
+          <a:p>
+            <a:pPr eaLnBrk="1" hangingPunct="1">
+              <a:lnSpc>
+                <a:spcPct val="150000"/>
+              </a:lnSpc>
+              <a:spcBef>
+                <a:spcPct val="0"/>
+              </a:spcBef>
+              <a:spcAft>
+                <a:spcPts val="0"/>
+              </a:spcAft>
+              <a:buFontTx/>
+              <a:buNone/>
+            </a:pPr>
+            <a:r>
+              <a:rPr lang="en-US" altLang="zh-CN" sz="2000" dirty="0" smtClean="0">
+                <a:latin typeface="微软雅黑" panose="020B0503020204020204" pitchFamily="34" charset="-122"/>
+                <a:ea typeface="微软雅黑" panose="020B0503020204020204" pitchFamily="34" charset="-122"/>
+              </a:rPr>
+              <a:t>npm reload  [name or id] ： 和rastart功能相同，但是可以实现0s的无缝衔接</a:t>
+            </a:r>
+            <a:endParaRPr lang="en-US" altLang="zh-CN" sz="2000" dirty="0" smtClean="0">
+              <a:latin typeface="微软雅黑" panose="020B0503020204020204" pitchFamily="34" charset="-122"/>
+              <a:ea typeface="微软雅黑" panose="020B0503020204020204" pitchFamily="34" charset="-122"/>
+            </a:endParaRPr>
+          </a:p>
+          <a:p>
+            <a:pPr eaLnBrk="1" hangingPunct="1">
+              <a:lnSpc>
+                <a:spcPct val="150000"/>
+              </a:lnSpc>
+              <a:spcBef>
+                <a:spcPct val="0"/>
+              </a:spcBef>
+              <a:spcAft>
+                <a:spcPts val="0"/>
+              </a:spcAft>
+              <a:buFontTx/>
+              <a:buNone/>
+            </a:pPr>
+            <a:r>
+              <a:rPr lang="en-US" altLang="zh-CN" sz="2000" dirty="0" smtClean="0">
+                <a:latin typeface="微软雅黑" panose="020B0503020204020204" pitchFamily="34" charset="-122"/>
+                <a:ea typeface="微软雅黑" panose="020B0503020204020204" pitchFamily="34" charset="-122"/>
+              </a:rPr>
+              <a:t>pm2 start app.js --max_memory_restart 1024M ： 当内存超过1024M时自动重启</a:t>
+            </a:r>
+            <a:endParaRPr lang="en-US" altLang="zh-CN" sz="2000" dirty="0" smtClean="0">
+              <a:latin typeface="微软雅黑" panose="020B0503020204020204" pitchFamily="34" charset="-122"/>
+              <a:ea typeface="微软雅黑" panose="020B0503020204020204" pitchFamily="34" charset="-122"/>
+            </a:endParaRPr>
+          </a:p>
+          <a:p>
+            <a:pPr eaLnBrk="1" hangingPunct="1">
+              <a:lnSpc>
+                <a:spcPct val="150000"/>
+              </a:lnSpc>
+              <a:spcBef>
+                <a:spcPct val="0"/>
+              </a:spcBef>
+              <a:spcAft>
+                <a:spcPts val="0"/>
+              </a:spcAft>
+              <a:buFontTx/>
+              <a:buNone/>
+            </a:pPr>
+            <a:r>
+              <a:rPr lang="en-US" altLang="zh-CN" sz="2000" dirty="0" smtClean="0">
+                <a:latin typeface="微软雅黑" panose="020B0503020204020204" pitchFamily="34" charset="-122"/>
+                <a:ea typeface="微软雅黑" panose="020B0503020204020204" pitchFamily="34" charset="-122"/>
+              </a:rPr>
+              <a:t>pm2 ls</a:t>
+            </a:r>
+            <a:endParaRPr lang="en-US" altLang="zh-CN" sz="2000" dirty="0" smtClean="0">
+              <a:latin typeface="微软雅黑" panose="020B0503020204020204" pitchFamily="34" charset="-122"/>
+              <a:ea typeface="微软雅黑" panose="020B0503020204020204" pitchFamily="34" charset="-122"/>
+            </a:endParaRPr>
+          </a:p>
+          <a:p>
+            <a:pPr eaLnBrk="1" hangingPunct="1">
+              <a:lnSpc>
+                <a:spcPct val="150000"/>
+              </a:lnSpc>
+              <a:spcBef>
+                <a:spcPct val="0"/>
+              </a:spcBef>
+              <a:spcAft>
+                <a:spcPts val="0"/>
+              </a:spcAft>
+              <a:buFontTx/>
+              <a:buNone/>
+            </a:pPr>
+            <a:r>
+              <a:rPr lang="en-US" altLang="zh-CN" sz="2000" dirty="0" smtClean="0">
+                <a:latin typeface="微软雅黑" panose="020B0503020204020204" pitchFamily="34" charset="-122"/>
+                <a:ea typeface="微软雅黑" panose="020B0503020204020204" pitchFamily="34" charset="-122"/>
+              </a:rPr>
+              <a:t>pm2 delete </a:t>
+            </a:r>
+            <a:r>
+              <a:rPr lang="en-US" altLang="zh-CN" sz="2000" dirty="0" smtClean="0">
+                <a:latin typeface="微软雅黑" panose="020B0503020204020204" pitchFamily="34" charset="-122"/>
+                <a:ea typeface="微软雅黑" panose="020B0503020204020204" pitchFamily="34" charset="-122"/>
+                <a:sym typeface="+mn-ea"/>
+              </a:rPr>
+              <a:t>[name or id]</a:t>
+            </a:r>
+            <a:endParaRPr lang="en-US" altLang="zh-CN" sz="2000" dirty="0" smtClean="0">
+              <a:latin typeface="微软雅黑" panose="020B0503020204020204" pitchFamily="34" charset="-122"/>
+              <a:ea typeface="微软雅黑" panose="020B0503020204020204" pitchFamily="34" charset="-122"/>
+            </a:endParaRPr>
+          </a:p>
+        </p:txBody>
+      </p:sp>
+      <p:sp>
+        <p:nvSpPr>
+          <p:cNvPr id="4" name="文本框 3"/>
+          <p:cNvSpPr txBox="1"/>
+          <p:nvPr/>
+        </p:nvSpPr>
+        <p:spPr>
+          <a:xfrm>
+            <a:off x="1749424" y="70765"/>
+            <a:ext cx="7455535" cy="583565"/>
+          </a:xfrm>
+          <a:prstGeom prst="rect">
+            <a:avLst/>
+          </a:prstGeom>
+          <a:noFill/>
+        </p:spPr>
+        <p:txBody>
+          <a:bodyPr wrap="square" rtlCol="0">
+            <a:spAutoFit/>
+          </a:bodyPr>
+          <a:lstStyle/>
+          <a:p>
+            <a:r>
+              <a:rPr lang="en-US" altLang="zh-CN" sz="3200" dirty="0" smtClean="0">
+                <a:latin typeface="微软雅黑" panose="020B0503020204020204" pitchFamily="34" charset="-122"/>
+                <a:ea typeface="微软雅黑" panose="020B0503020204020204" pitchFamily="34" charset="-122"/>
+              </a:rPr>
+              <a:t>4. pm2</a:t>
+            </a:r>
+            <a:r>
+              <a:rPr lang="zh-CN" altLang="en-US" sz="3200" dirty="0" smtClean="0">
+                <a:latin typeface="微软雅黑" panose="020B0503020204020204" pitchFamily="34" charset="-122"/>
+                <a:ea typeface="微软雅黑" panose="020B0503020204020204" pitchFamily="34" charset="-122"/>
+              </a:rPr>
+              <a:t>基本架构</a:t>
+            </a:r>
+            <a:endParaRPr lang="zh-CN" altLang="en-US" sz="3200" dirty="0" smtClean="0">
+              <a:latin typeface="微软雅黑" panose="020B0503020204020204" pitchFamily="34" charset="-122"/>
+              <a:ea typeface="微软雅黑" panose="020B0503020204020204" pitchFamily="34" charset="-122"/>
+            </a:endParaRPr>
+          </a:p>
+        </p:txBody>
+      </p:sp>
+    </p:spTree>
+  </p:cSld>
+  <p:clrMapOvr>
+    <a:masterClrMapping/>
+  </p:clrMapOvr>
+  <p:transition spd="med">
+    <p:random/>
+  </p:transition>
+  <p:timing>
+    <p:tnLst>
+      <p:par>
+        <p:cTn id="1" dur="indefinite" restart="never" nodeType="tmRoot"/>
+      </p:par>
+    </p:tnLst>
+  </p:timing>
+</p:sld>
+</file>
+
+<file path=ppt/slides/slide7.xml><?xml version="1.0" encoding="utf-8"?>
+<p:sld xmlns:a="http://schemas.openxmlformats.org/drawingml/2006/main" xmlns:r="http://schemas.openxmlformats.org/officeDocument/2006/relationships" xmlns:p="http://schemas.openxmlformats.org/presentationml/2006/main">
+  <p:cSld>
+    <p:spTree>
+      <p:nvGrpSpPr>
+        <p:cNvPr id="1" name=""/>
+        <p:cNvGrpSpPr/>
+        <p:nvPr/>
+      </p:nvGrpSpPr>
+      <p:grpSpPr>
+        <a:xfrm>
+          <a:off x="0" y="0"/>
+          <a:ext cx="0" cy="0"/>
+          <a:chOff x="0" y="0"/>
+          <a:chExt cx="0" cy="0"/>
+        </a:xfrm>
+      </p:grpSpPr>
+      <p:sp>
+        <p:nvSpPr>
+          <p:cNvPr id="3" name="文本框 2"/>
+          <p:cNvSpPr txBox="1">
+            <a:spLocks noChangeArrowheads="1"/>
+          </p:cNvSpPr>
+          <p:nvPr/>
+        </p:nvSpPr>
+        <p:spPr bwMode="auto">
+          <a:xfrm>
+            <a:off x="847042" y="1217728"/>
+            <a:ext cx="10113484" cy="2862322"/>
+          </a:xfrm>
+          <a:prstGeom prst="rect">
+            <a:avLst/>
+          </a:prstGeom>
+          <a:noFill/>
+          <a:ln>
+            <a:noFill/>
+          </a:ln>
+          <a:extLst>
+            <a:ext uri="{909E8E84-426E-40DD-AFC4-6F175D3DCCD1}">
+              <a14:hiddenFill xmlns:a14="http://schemas.microsoft.com/office/drawing/2010/main">
+                <a:solidFill>
+                  <a:srgbClr val="FFFFFF"/>
+                </a:solidFill>
+              </a14:hiddenFill>
+            </a:ext>
+            <a:ext uri="{91240B29-F687-4F45-9708-019B960494DF}">
+              <a14:hiddenLine xmlns:a14="http://schemas.microsoft.com/office/drawing/2010/main" w="9525">
+                <a:solidFill>
+                  <a:srgbClr val="000000"/>
+                </a:solidFill>
+                <a:miter lim="800000"/>
+                <a:headEnd/>
+                <a:tailEnd/>
+              </a14:hiddenLine>
+            </a:ext>
+          </a:extLst>
+        </p:spPr>
+        <p:txBody>
+          <a:bodyPr wrap="square">
+            <a:spAutoFit/>
+          </a:bodyPr>
+          <a:lstStyle>
+            <a:defPPr>
+              <a:defRPr lang="zh-CN"/>
+            </a:defPPr>
+            <a:lvl1pPr algn="l" rtl="0" eaLnBrk="0" fontAlgn="base" hangingPunct="0">
+              <a:spcBef>
+                <a:spcPct val="0"/>
+              </a:spcBef>
+              <a:spcAft>
+                <a:spcPct val="0"/>
+              </a:spcAft>
+              <a:defRPr kern="1200">
+                <a:solidFill>
+                  <a:schemeClr val="tx1"/>
+                </a:solidFill>
+                <a:latin typeface="Arial" panose="020B0604020202090204" pitchFamily="34" charset="0"/>
+                <a:ea typeface="宋体" panose="02010600030101010101" pitchFamily="2" charset="-122"/>
+                <a:cs typeface="+mn-cs"/>
+              </a:defRPr>
+            </a:lvl1pPr>
+            <a:lvl2pPr marL="457200" algn="l" rtl="0" eaLnBrk="0" fontAlgn="base" hangingPunct="0">
+              <a:spcBef>
+                <a:spcPct val="0"/>
+              </a:spcBef>
+              <a:spcAft>
+                <a:spcPct val="0"/>
+              </a:spcAft>
+              <a:defRPr kern="1200">
+                <a:solidFill>
+                  <a:schemeClr val="tx1"/>
+                </a:solidFill>
+                <a:latin typeface="Arial" panose="020B0604020202090204" pitchFamily="34" charset="0"/>
+                <a:ea typeface="宋体" panose="02010600030101010101" pitchFamily="2" charset="-122"/>
+                <a:cs typeface="+mn-cs"/>
+              </a:defRPr>
+            </a:lvl2pPr>
+            <a:lvl3pPr marL="914400" algn="l" rtl="0" eaLnBrk="0" fontAlgn="base" hangingPunct="0">
+              <a:spcBef>
+                <a:spcPct val="0"/>
+              </a:spcBef>
+              <a:spcAft>
+                <a:spcPct val="0"/>
+              </a:spcAft>
+              <a:defRPr kern="1200">
+                <a:solidFill>
+                  <a:schemeClr val="tx1"/>
+                </a:solidFill>
+                <a:latin typeface="Arial" panose="020B0604020202090204" pitchFamily="34" charset="0"/>
+                <a:ea typeface="宋体" panose="02010600030101010101" pitchFamily="2" charset="-122"/>
+                <a:cs typeface="+mn-cs"/>
+              </a:defRPr>
+            </a:lvl3pPr>
+            <a:lvl4pPr marL="1371600" algn="l" rtl="0" eaLnBrk="0" fontAlgn="base" hangingPunct="0">
+              <a:spcBef>
+                <a:spcPct val="0"/>
+              </a:spcBef>
+              <a:spcAft>
+                <a:spcPct val="0"/>
+              </a:spcAft>
+              <a:defRPr kern="1200">
+                <a:solidFill>
+                  <a:schemeClr val="tx1"/>
+                </a:solidFill>
+                <a:latin typeface="Arial" panose="020B0604020202090204" pitchFamily="34" charset="0"/>
+                <a:ea typeface="宋体" panose="02010600030101010101" pitchFamily="2" charset="-122"/>
+                <a:cs typeface="+mn-cs"/>
+              </a:defRPr>
+            </a:lvl4pPr>
+            <a:lvl5pPr marL="1828800" algn="l" rtl="0" eaLnBrk="0" fontAlgn="base" hangingPunct="0">
+              <a:spcBef>
+                <a:spcPct val="0"/>
+              </a:spcBef>
+              <a:spcAft>
+                <a:spcPct val="0"/>
+              </a:spcAft>
+              <a:defRPr kern="1200">
+                <a:solidFill>
+                  <a:schemeClr val="tx1"/>
+                </a:solidFill>
+                <a:latin typeface="Arial" panose="020B0604020202090204" pitchFamily="34" charset="0"/>
+                <a:ea typeface="宋体" panose="02010600030101010101" pitchFamily="2" charset="-122"/>
+                <a:cs typeface="+mn-cs"/>
+              </a:defRPr>
+            </a:lvl5pPr>
+            <a:lvl6pPr marL="2286000" algn="l" defTabSz="914400" rtl="0" eaLnBrk="1" latinLnBrk="0" hangingPunct="1">
+              <a:defRPr kern="1200">
+                <a:solidFill>
+                  <a:schemeClr val="tx1"/>
+                </a:solidFill>
+                <a:latin typeface="Arial" panose="020B0604020202090204" pitchFamily="34" charset="0"/>
+                <a:ea typeface="宋体" panose="02010600030101010101" pitchFamily="2" charset="-122"/>
+                <a:cs typeface="+mn-cs"/>
+              </a:defRPr>
+            </a:lvl6pPr>
+            <a:lvl7pPr marL="2743200" algn="l" defTabSz="914400" rtl="0" eaLnBrk="1" latinLnBrk="0" hangingPunct="1">
+              <a:defRPr kern="1200">
+                <a:solidFill>
+                  <a:schemeClr val="tx1"/>
+                </a:solidFill>
+                <a:latin typeface="Arial" panose="020B0604020202090204" pitchFamily="34" charset="0"/>
+                <a:ea typeface="宋体" panose="02010600030101010101" pitchFamily="2" charset="-122"/>
+                <a:cs typeface="+mn-cs"/>
+              </a:defRPr>
+            </a:lvl7pPr>
+            <a:lvl8pPr marL="3200400" algn="l" defTabSz="914400" rtl="0" eaLnBrk="1" latinLnBrk="0" hangingPunct="1">
+              <a:defRPr kern="1200">
+                <a:solidFill>
+                  <a:schemeClr val="tx1"/>
+                </a:solidFill>
+                <a:latin typeface="Arial" panose="020B0604020202090204" pitchFamily="34" charset="0"/>
+                <a:ea typeface="宋体" panose="02010600030101010101" pitchFamily="2" charset="-122"/>
+                <a:cs typeface="+mn-cs"/>
+              </a:defRPr>
+            </a:lvl8pPr>
+            <a:lvl9pPr marL="3657600" algn="l" defTabSz="914400" rtl="0" eaLnBrk="1" latinLnBrk="0" hangingPunct="1">
+              <a:defRPr kern="1200">
+                <a:solidFill>
+                  <a:schemeClr val="tx1"/>
+                </a:solidFill>
+                <a:latin typeface="Arial" panose="020B0604020202090204" pitchFamily="34" charset="0"/>
+                <a:ea typeface="宋体" panose="02010600030101010101" pitchFamily="2" charset="-122"/>
+                <a:cs typeface="+mn-cs"/>
+              </a:defRPr>
+            </a:lvl9pPr>
+          </a:lstStyle>
+          <a:p>
+            <a:pPr marL="457200" indent="-457200" eaLnBrk="1" hangingPunct="1">
+              <a:lnSpc>
+                <a:spcPct val="150000"/>
+              </a:lnSpc>
+              <a:spcBef>
+                <a:spcPct val="0"/>
+              </a:spcBef>
+              <a:spcAft>
+                <a:spcPts val="0"/>
+              </a:spcAft>
+              <a:buFontTx/>
+              <a:buAutoNum type="arabicPeriod"/>
+            </a:pPr>
+            <a:r>
+              <a:rPr lang="zh-CN" altLang="en-US" sz="2000" dirty="0" smtClean="0">
+                <a:latin typeface="微软雅黑" panose="020B0503020204020204" pitchFamily="34" charset="-122"/>
+                <a:ea typeface="微软雅黑" panose="020B0503020204020204" pitchFamily="34" charset="-122"/>
+              </a:rPr>
+              <a:t>一行代码部署应用程序。</a:t>
+            </a:r>
+            <a:endParaRPr lang="zh-CN" altLang="en-US" sz="2000" dirty="0" smtClean="0">
+              <a:latin typeface="微软雅黑" panose="020B0503020204020204" pitchFamily="34" charset="-122"/>
+              <a:ea typeface="微软雅黑" panose="020B0503020204020204" pitchFamily="34" charset="-122"/>
+            </a:endParaRPr>
+          </a:p>
+          <a:p>
+            <a:pPr marL="457200" indent="-457200" eaLnBrk="1" hangingPunct="1">
+              <a:lnSpc>
+                <a:spcPct val="150000"/>
+              </a:lnSpc>
+              <a:spcBef>
+                <a:spcPct val="0"/>
+              </a:spcBef>
+              <a:spcAft>
+                <a:spcPts val="0"/>
+              </a:spcAft>
+              <a:buFontTx/>
+              <a:buAutoNum type="arabicPeriod"/>
+            </a:pPr>
+            <a:r>
+              <a:rPr lang="zh-CN" altLang="en-US" sz="2000" dirty="0" smtClean="0">
+                <a:latin typeface="微软雅黑" panose="020B0503020204020204" pitchFamily="34" charset="-122"/>
+                <a:ea typeface="微软雅黑" panose="020B0503020204020204" pitchFamily="34" charset="-122"/>
+              </a:rPr>
+              <a:t>程序奔溃或者机器重启是自动重启。</a:t>
+            </a:r>
+            <a:endParaRPr lang="zh-CN" altLang="en-US" sz="2000" dirty="0" smtClean="0">
+              <a:latin typeface="微软雅黑" panose="020B0503020204020204" pitchFamily="34" charset="-122"/>
+              <a:ea typeface="微软雅黑" panose="020B0503020204020204" pitchFamily="34" charset="-122"/>
+            </a:endParaRPr>
+          </a:p>
+          <a:p>
+            <a:pPr marL="457200" indent="-457200" eaLnBrk="1" hangingPunct="1">
+              <a:lnSpc>
+                <a:spcPct val="150000"/>
+              </a:lnSpc>
+              <a:spcBef>
+                <a:spcPct val="0"/>
+              </a:spcBef>
+              <a:spcAft>
+                <a:spcPts val="0"/>
+              </a:spcAft>
+              <a:buFontTx/>
+              <a:buAutoNum type="arabicPeriod"/>
+            </a:pPr>
+            <a:r>
+              <a:rPr lang="zh-CN" altLang="en-US" sz="2000" dirty="0" smtClean="0">
+                <a:latin typeface="微软雅黑" panose="020B0503020204020204" pitchFamily="34" charset="-122"/>
+                <a:ea typeface="微软雅黑" panose="020B0503020204020204" pitchFamily="34" charset="-122"/>
+              </a:rPr>
+              <a:t>内置负载均衡（集群模式）。</a:t>
+            </a:r>
+            <a:endParaRPr lang="zh-CN" altLang="en-US" sz="2000" dirty="0" smtClean="0">
+              <a:latin typeface="微软雅黑" panose="020B0503020204020204" pitchFamily="34" charset="-122"/>
+              <a:ea typeface="微软雅黑" panose="020B0503020204020204" pitchFamily="34" charset="-122"/>
+            </a:endParaRPr>
+          </a:p>
+          <a:p>
+            <a:pPr marL="457200" indent="-457200" eaLnBrk="1" hangingPunct="1">
+              <a:lnSpc>
+                <a:spcPct val="150000"/>
+              </a:lnSpc>
+              <a:spcBef>
+                <a:spcPct val="0"/>
+              </a:spcBef>
+              <a:spcAft>
+                <a:spcPts val="0"/>
+              </a:spcAft>
+              <a:buFontTx/>
+              <a:buAutoNum type="arabicPeriod"/>
+            </a:pPr>
+            <a:r>
+              <a:rPr lang="zh-CN" altLang="en-US" sz="2000" dirty="0" smtClean="0">
+                <a:latin typeface="微软雅黑" panose="020B0503020204020204" pitchFamily="34" charset="-122"/>
+                <a:ea typeface="微软雅黑" panose="020B0503020204020204" pitchFamily="34" charset="-122"/>
+              </a:rPr>
+              <a:t>不停机重载应用程序。</a:t>
+            </a:r>
+            <a:endParaRPr lang="zh-CN" altLang="en-US" sz="2000" dirty="0" smtClean="0">
+              <a:latin typeface="微软雅黑" panose="020B0503020204020204" pitchFamily="34" charset="-122"/>
+              <a:ea typeface="微软雅黑" panose="020B0503020204020204" pitchFamily="34" charset="-122"/>
+            </a:endParaRPr>
+          </a:p>
+          <a:p>
+            <a:pPr marL="457200" indent="-457200" eaLnBrk="1" hangingPunct="1">
+              <a:lnSpc>
+                <a:spcPct val="150000"/>
+              </a:lnSpc>
+              <a:spcBef>
+                <a:spcPct val="0"/>
+              </a:spcBef>
+              <a:spcAft>
+                <a:spcPts val="0"/>
+              </a:spcAft>
+              <a:buFontTx/>
+              <a:buAutoNum type="arabicPeriod"/>
+            </a:pPr>
+            <a:r>
+              <a:rPr lang="zh-CN" altLang="en-US" sz="2000" dirty="0" smtClean="0">
+                <a:latin typeface="微软雅黑" panose="020B0503020204020204" pitchFamily="34" charset="-122"/>
+                <a:ea typeface="微软雅黑" panose="020B0503020204020204" pitchFamily="34" charset="-122"/>
+              </a:rPr>
+              <a:t>更直观的进程管理。</a:t>
+            </a:r>
+            <a:endParaRPr lang="en-US" altLang="zh-CN" sz="2000" dirty="0" smtClean="0">
+              <a:latin typeface="微软雅黑" panose="020B0503020204020204" pitchFamily="34" charset="-122"/>
+              <a:ea typeface="微软雅黑" panose="020B0503020204020204" pitchFamily="34" charset="-122"/>
+            </a:endParaRPr>
+          </a:p>
+          <a:p>
+            <a:pPr marL="457200" indent="-457200" eaLnBrk="1" hangingPunct="1">
+              <a:lnSpc>
+                <a:spcPct val="150000"/>
+              </a:lnSpc>
+              <a:spcBef>
+                <a:spcPct val="0"/>
+              </a:spcBef>
+              <a:spcAft>
+                <a:spcPts val="0"/>
+              </a:spcAft>
+              <a:buFontTx/>
+              <a:buAutoNum type="arabicPeriod"/>
+            </a:pPr>
+            <a:r>
+              <a:rPr lang="zh-CN" altLang="en-US" sz="2000" dirty="0" smtClean="0">
+                <a:latin typeface="微软雅黑" panose="020B0503020204020204" pitchFamily="34" charset="-122"/>
+                <a:ea typeface="微软雅黑" panose="020B0503020204020204" pitchFamily="34" charset="-122"/>
+              </a:rPr>
+              <a:t>简化的日志管理。</a:t>
+            </a:r>
+            <a:endParaRPr lang="zh-CN" altLang="en-US" sz="2000" dirty="0" smtClean="0">
+              <a:latin typeface="微软雅黑" panose="020B0503020204020204" pitchFamily="34" charset="-122"/>
+              <a:ea typeface="微软雅黑" panose="020B0503020204020204" pitchFamily="34" charset="-122"/>
+            </a:endParaRPr>
+          </a:p>
+        </p:txBody>
+      </p:sp>
+      <p:sp>
+        <p:nvSpPr>
+          <p:cNvPr id="4" name="文本框 3"/>
+          <p:cNvSpPr txBox="1"/>
+          <p:nvPr/>
+        </p:nvSpPr>
+        <p:spPr>
+          <a:xfrm>
+            <a:off x="1749424" y="70765"/>
+            <a:ext cx="7455535" cy="583565"/>
+          </a:xfrm>
+          <a:prstGeom prst="rect">
+            <a:avLst/>
+          </a:prstGeom>
+          <a:noFill/>
+        </p:spPr>
+        <p:txBody>
+          <a:bodyPr wrap="square" rtlCol="0">
+            <a:spAutoFit/>
+          </a:bodyPr>
+          <a:lstStyle/>
+          <a:p>
+            <a:r>
+              <a:rPr lang="en-US" altLang="zh-CN" sz="3200" dirty="0" smtClean="0">
+                <a:latin typeface="微软雅黑" panose="020B0503020204020204" pitchFamily="34" charset="-122"/>
+                <a:ea typeface="微软雅黑" panose="020B0503020204020204" pitchFamily="34" charset="-122"/>
+              </a:rPr>
+              <a:t>3. pm2</a:t>
+            </a:r>
+            <a:r>
+              <a:rPr lang="zh-CN" altLang="en-US" sz="3200" dirty="0" smtClean="0">
+                <a:latin typeface="微软雅黑" panose="020B0503020204020204" pitchFamily="34" charset="-122"/>
+                <a:ea typeface="微软雅黑" panose="020B0503020204020204" pitchFamily="34" charset="-122"/>
+              </a:rPr>
+              <a:t>特点？</a:t>
+            </a:r>
+            <a:endParaRPr lang="zh-CN" altLang="en-US" sz="3200" dirty="0" smtClean="0">
+              <a:latin typeface="微软雅黑" panose="020B0503020204020204" pitchFamily="34" charset="-122"/>
+              <a:ea typeface="微软雅黑" panose="020B0503020204020204" pitchFamily="34" charset="-122"/>
+            </a:endParaRPr>
+          </a:p>
+        </p:txBody>
+      </p:sp>
+    </p:spTree>
+  </p:cSld>
+  <p:clrMapOvr>
+    <a:masterClrMapping/>
+  </p:clrMapOvr>
+  <p:transition spd="med">
+    <p:random/>
+  </p:transition>
+  <p:timing>
+    <p:tnLst>
+      <p:par>
+        <p:cTn id="1" dur="indefinite" restart="never" nodeType="tmRoot"/>
+      </p:par>
+    </p:tnLst>
+  </p:timing>
+</p:sld>
+</file>
+
+<file path=ppt/slides/slide8.xml><?xml version="1.0" encoding="utf-8"?>
+<p:sld xmlns:a="http://schemas.openxmlformats.org/drawingml/2006/main" xmlns:r="http://schemas.openxmlformats.org/officeDocument/2006/relationships" xmlns:p="http://schemas.openxmlformats.org/presentationml/2006/main">
+  <p:cSld>
+    <p:spTree>
+      <p:nvGrpSpPr>
+        <p:cNvPr id="1" name=""/>
+        <p:cNvGrpSpPr/>
+        <p:nvPr/>
+      </p:nvGrpSpPr>
+      <p:grpSpPr>
+        <a:xfrm>
+          <a:off x="0" y="0"/>
+          <a:ext cx="0" cy="0"/>
+          <a:chOff x="0" y="0"/>
+          <a:chExt cx="0" cy="0"/>
+        </a:xfrm>
+      </p:grpSpPr>
+      <p:sp>
+        <p:nvSpPr>
+          <p:cNvPr id="6" name="矩形 5"/>
+          <p:cNvSpPr/>
+          <p:nvPr/>
+        </p:nvSpPr>
+        <p:spPr>
+          <a:xfrm>
+            <a:off x="0" y="0"/>
+            <a:ext cx="12192000" cy="6858000"/>
+          </a:xfrm>
+          <a:prstGeom prst="rect">
+            <a:avLst/>
+          </a:prstGeom>
+          <a:solidFill>
+            <a:srgbClr val="0070C0"/>
+          </a:solidFill>
+          <a:ln>
+            <a:noFill/>
+          </a:ln>
+        </p:spPr>
+        <p:style>
+          <a:lnRef idx="2">
+            <a:schemeClr val="accent1">
+              <a:shade val="50000"/>
+            </a:schemeClr>
+          </a:lnRef>
+          <a:fillRef idx="1">
+            <a:schemeClr val="accent1"/>
+          </a:fillRef>
+          <a:effectRef idx="0">
+            <a:schemeClr val="accent1"/>
+          </a:effectRef>
+          <a:fontRef idx="minor">
+            <a:schemeClr val="lt1"/>
+          </a:fontRef>
+        </p:style>
+        <p:txBody>
+          <a:bodyPr rtlCol="0" anchor="ctr"/>
+          <a:lstStyle/>
+          <a:p>
+            <a:pPr algn="ctr"/>
+            <a:endParaRPr lang="zh-CN" altLang="en-US">
+              <a:solidFill>
+                <a:prstClr val="white"/>
+              </a:solidFill>
+              <a:latin typeface="Arial" panose="020B0604020202090204" pitchFamily="34" charset="0"/>
+              <a:ea typeface="微软雅黑" panose="020B0503020204020204" pitchFamily="34" charset="-122"/>
+              <a:sym typeface="Arial" panose="020B0604020202090204" pitchFamily="34" charset="0"/>
+            </a:endParaRPr>
+          </a:p>
+        </p:txBody>
+      </p:sp>
+      <p:sp>
+        <p:nvSpPr>
+          <p:cNvPr id="7" name="文本框 6"/>
+          <p:cNvSpPr txBox="1"/>
+          <p:nvPr/>
+        </p:nvSpPr>
+        <p:spPr>
+          <a:xfrm>
+            <a:off x="341813" y="2936017"/>
+            <a:ext cx="11583795" cy="1198880"/>
+          </a:xfrm>
+          <a:prstGeom prst="rect">
+            <a:avLst/>
+          </a:prstGeom>
+          <a:noFill/>
+        </p:spPr>
+        <p:txBody>
+          <a:bodyPr wrap="square" rtlCol="0">
+            <a:spAutoFit/>
+          </a:bodyPr>
+          <a:lstStyle/>
+          <a:p>
+            <a:pPr algn="r">
+              <a:lnSpc>
+                <a:spcPct val="150000"/>
+              </a:lnSpc>
+            </a:pPr>
+            <a:r>
+              <a:rPr lang="zh-CN" altLang="en-US" sz="4800" b="1" dirty="0" smtClean="0">
+                <a:solidFill>
+                  <a:prstClr val="white"/>
+                </a:solidFill>
+                <a:latin typeface="微软雅黑" panose="020B0503020204020204" pitchFamily="34" charset="-122"/>
+                <a:ea typeface="微软雅黑" panose="020B0503020204020204" pitchFamily="34" charset="-122"/>
+                <a:sym typeface="Arial" panose="020B0604020202090204" pitchFamily="34" charset="0"/>
+              </a:rPr>
+              <a:t>二</a:t>
+            </a:r>
+            <a:r>
+              <a:rPr lang="en-US" altLang="zh-CN" sz="4800" b="1" dirty="0" smtClean="0">
+                <a:solidFill>
+                  <a:prstClr val="white"/>
+                </a:solidFill>
+                <a:latin typeface="微软雅黑" panose="020B0503020204020204" pitchFamily="34" charset="-122"/>
+                <a:ea typeface="微软雅黑" panose="020B0503020204020204" pitchFamily="34" charset="-122"/>
+                <a:sym typeface="Arial" panose="020B0604020202090204" pitchFamily="34" charset="0"/>
+              </a:rPr>
+              <a:t>.</a:t>
+            </a:r>
+            <a:r>
+              <a:rPr lang="zh-CN" altLang="en-US" sz="4800" b="1" dirty="0" smtClean="0">
+                <a:solidFill>
+                  <a:prstClr val="white"/>
+                </a:solidFill>
+                <a:latin typeface="微软雅黑" panose="020B0503020204020204" pitchFamily="34" charset="-122"/>
+                <a:ea typeface="微软雅黑" panose="020B0503020204020204" pitchFamily="34" charset="-122"/>
+                <a:sym typeface="Arial" panose="020B0604020202090204" pitchFamily="34" charset="0"/>
+              </a:rPr>
+              <a:t>集群</a:t>
+            </a:r>
+            <a:endParaRPr lang="zh-CN" altLang="en-US" sz="4800" b="1" dirty="0" smtClean="0">
+              <a:solidFill>
+                <a:prstClr val="white"/>
+              </a:solidFill>
+              <a:latin typeface="微软雅黑" panose="020B0503020204020204" pitchFamily="34" charset="-122"/>
+              <a:ea typeface="微软雅黑" panose="020B0503020204020204" pitchFamily="34" charset="-122"/>
+              <a:sym typeface="Arial" panose="020B0604020202090204" pitchFamily="34" charset="0"/>
+            </a:endParaRPr>
+          </a:p>
+        </p:txBody>
+      </p:sp>
+      <p:cxnSp>
+        <p:nvCxnSpPr>
+          <p:cNvPr id="35" name="直接连接符 34"/>
+          <p:cNvCxnSpPr/>
+          <p:nvPr/>
+        </p:nvCxnSpPr>
+        <p:spPr>
+          <a:xfrm>
+            <a:off x="1262743" y="4162246"/>
+            <a:ext cx="10857370" cy="0"/>
+          </a:xfrm>
+          <a:prstGeom prst="line">
+            <a:avLst/>
+          </a:prstGeom>
+          <a:ln w="12700">
+            <a:solidFill>
+              <a:schemeClr val="bg1"/>
+            </a:solidFill>
+          </a:ln>
+        </p:spPr>
+        <p:style>
+          <a:lnRef idx="1">
+            <a:schemeClr val="accent1"/>
+          </a:lnRef>
+          <a:fillRef idx="0">
+            <a:schemeClr val="accent1"/>
+          </a:fillRef>
+          <a:effectRef idx="0">
+            <a:schemeClr val="accent1"/>
+          </a:effectRef>
+          <a:fontRef idx="minor">
+            <a:schemeClr val="tx1"/>
+          </a:fontRef>
+        </p:style>
+      </p:cxnSp>
+    </p:spTree>
+  </p:cSld>
+  <p:clrMapOvr>
+    <a:masterClrMapping/>
+  </p:clrMapOvr>
+  <p:transition spd="med">
+    <p:random/>
+  </p:transition>
+  <p:timing>
+    <p:tnLst>
+      <p:par>
+        <p:cTn id="1" dur="indefinite" restart="never" nodeType="tmRoot">
+          <p:childTnLst>
+            <p:seq concurrent="1" nextAc="seek">
+              <p:cTn id="2" dur="indefinite" nodeType="mainSeq">
+                <p:childTnLst>
+                  <p:par>
+                    <p:cTn id="3" fill="hold">
+                      <p:stCondLst>
+                        <p:cond delay="indefinite"/>
+                        <p:cond evt="onBegin" delay="0">
+                          <p:tn val="2"/>
+                        </p:cond>
+                      </p:stCondLst>
+                      <p:childTnLst>
+                        <p:par>
+                          <p:cTn id="4" fill="hold">
+                            <p:stCondLst>
+                              <p:cond delay="0"/>
+                            </p:stCondLst>
+                            <p:childTnLst>
+                              <p:par>
+                                <p:cTn id="5" presetID="22" presetClass="entr" presetSubtype="2" fill="hold" nodeType="withEffect">
+                                  <p:stCondLst>
+                                    <p:cond delay="250"/>
+                                  </p:stCondLst>
+                                  <p:childTnLst>
+                                    <p:set>
+                                      <p:cBhvr>
+                                        <p:cTn id="6" dur="1" fill="hold">
+                                          <p:stCondLst>
+                                            <p:cond delay="0"/>
+                                          </p:stCondLst>
+                                        </p:cTn>
+                                        <p:tgtEl>
+                                          <p:spTgt spid="35"/>
+                                        </p:tgtEl>
+                                        <p:attrNameLst>
+                                          <p:attrName>style.visibility</p:attrName>
+                                        </p:attrNameLst>
+                                      </p:cBhvr>
+                                      <p:to>
+                                        <p:strVal val="visible"/>
+                                      </p:to>
+                                    </p:set>
+                                    <p:animEffect transition="in" filter="wipe(right)">
+                                      <p:cBhvr>
+                                        <p:cTn id="7" dur="500"/>
+                                        <p:tgtEl>
+                                          <p:spTgt spid="35"/>
+                                        </p:tgtEl>
+                                      </p:cBhvr>
+                                    </p:animEffect>
+                                  </p:childTnLst>
+                                </p:cTn>
+                              </p:par>
+                              <p:par>
+                                <p:cTn id="8" presetID="42" presetClass="entr" presetSubtype="0" fill="hold" grpId="0" nodeType="withEffect">
+                                  <p:stCondLst>
+                                    <p:cond delay="500"/>
+                                  </p:stCondLst>
+                                  <p:childTnLst>
+                                    <p:set>
+                                      <p:cBhvr>
+                                        <p:cTn id="9" dur="1" fill="hold">
+                                          <p:stCondLst>
+                                            <p:cond delay="0"/>
+                                          </p:stCondLst>
+                                        </p:cTn>
+                                        <p:tgtEl>
+                                          <p:spTgt spid="7"/>
+                                        </p:tgtEl>
+                                        <p:attrNameLst>
+                                          <p:attrName>style.visibility</p:attrName>
+                                        </p:attrNameLst>
+                                      </p:cBhvr>
+                                      <p:to>
+                                        <p:strVal val="visible"/>
+                                      </p:to>
+                                    </p:set>
+                                    <p:animEffect transition="in" filter="fade">
+                                      <p:cBhvr>
+                                        <p:cTn id="10" dur="500"/>
+                                        <p:tgtEl>
+                                          <p:spTgt spid="7"/>
+                                        </p:tgtEl>
+                                      </p:cBhvr>
+                                    </p:animEffect>
+                                    <p:anim calcmode="lin" valueType="num">
+                                      <p:cBhvr>
+                                        <p:cTn id="11" dur="500" fill="hold"/>
+                                        <p:tgtEl>
+                                          <p:spTgt spid="7"/>
+                                        </p:tgtEl>
+                                        <p:attrNameLst>
+                                          <p:attrName>ppt_x</p:attrName>
+                                        </p:attrNameLst>
+                                      </p:cBhvr>
+                                      <p:tavLst>
+                                        <p:tav tm="0">
+                                          <p:val>
+                                            <p:strVal val="#ppt_x"/>
+                                          </p:val>
+                                        </p:tav>
+                                        <p:tav tm="100000">
+                                          <p:val>
+                                            <p:strVal val="#ppt_x"/>
+                                          </p:val>
+                                        </p:tav>
+                                      </p:tavLst>
+                                    </p:anim>
+                                    <p:anim calcmode="lin" valueType="num">
+                                      <p:cBhvr>
+                                        <p:cTn id="12" dur="500" fill="hold"/>
+                                        <p:tgtEl>
+                                          <p:spTgt spid="7"/>
+                                        </p:tgtEl>
+                                        <p:attrNameLst>
+                                          <p:attrName>ppt_y</p:attrName>
+                                        </p:attrNameLst>
+                                      </p:cBhvr>
+                                      <p:tavLst>
+                                        <p:tav tm="0">
+                                          <p:val>
+                                            <p:strVal val="#ppt_y+.1"/>
+                                          </p:val>
+                                        </p:tav>
+                                        <p:tav tm="100000">
+                                          <p:val>
+                                            <p:strVal val="#ppt_y"/>
+                                          </p:val>
+                                        </p:tav>
+                                      </p:tavLst>
+                                    </p:anim>
+                                  </p:childTnLst>
+                                </p:cTn>
+                              </p:par>
+                            </p:childTnLst>
+                          </p:cTn>
+                        </p:par>
+                      </p:childTnLst>
+                    </p:cTn>
+                  </p:par>
+                </p:childTnLst>
+              </p:cTn>
+              <p:prevCondLst>
+                <p:cond evt="onPrev" delay="0">
+                  <p:tgtEl>
+                    <p:sldTgt/>
+                  </p:tgtEl>
+                </p:cond>
+              </p:prevCondLst>
+              <p:nextCondLst>
+                <p:cond evt="onNext" delay="0">
+                  <p:tgtEl>
+                    <p:sldTgt/>
+                  </p:tgtEl>
+                </p:cond>
+              </p:nextCondLst>
+            </p:seq>
+          </p:childTnLst>
+        </p:cTn>
+      </p:par>
+    </p:tnLst>
+    <p:bldLst>
+      <p:bldP spid="7" grpId="0"/>
+    </p:bldLst>
+  </p:timing>
+</p:sld>
+</file>
+
+<file path=ppt/slides/slide9.xml><?xml version="1.0" encoding="utf-8"?>
+<p:sld xmlns:a="http://schemas.openxmlformats.org/drawingml/2006/main" xmlns:r="http://schemas.openxmlformats.org/officeDocument/2006/relationships" xmlns:p="http://schemas.openxmlformats.org/presentationml/2006/main">
+  <p:cSld>
+    <p:spTree>
+      <p:nvGrpSpPr>
+        <p:cNvPr id="1" name=""/>
+        <p:cNvGrpSpPr/>
+        <p:nvPr/>
+      </p:nvGrpSpPr>
+      <p:grpSpPr>
+        <a:xfrm>
+          <a:off x="0" y="0"/>
+          <a:ext cx="0" cy="0"/>
+          <a:chOff x="0" y="0"/>
+          <a:chExt cx="0" cy="0"/>
+        </a:xfrm>
+      </p:grpSpPr>
+      <p:sp>
+        <p:nvSpPr>
+          <p:cNvPr id="3" name="文本框 2"/>
+          <p:cNvSpPr txBox="1">
+            <a:spLocks noChangeArrowheads="1"/>
+          </p:cNvSpPr>
+          <p:nvPr/>
+        </p:nvSpPr>
+        <p:spPr bwMode="auto">
+          <a:xfrm>
+            <a:off x="813435" y="793115"/>
+            <a:ext cx="10482580" cy="3046095"/>
+          </a:xfrm>
+          <a:prstGeom prst="rect">
+            <a:avLst/>
+          </a:prstGeom>
+          <a:noFill/>
+          <a:ln>
+            <a:noFill/>
+          </a:ln>
+          <a:extLst>
+            <a:ext uri="{909E8E84-426E-40DD-AFC4-6F175D3DCCD1}">
+              <a14:hiddenFill xmlns:a14="http://schemas.microsoft.com/office/drawing/2010/main">
+                <a:solidFill>
+                  <a:srgbClr val="FFFFFF"/>
+                </a:solidFill>
+              </a14:hiddenFill>
+            </a:ext>
+            <a:ext uri="{91240B29-F687-4F45-9708-019B960494DF}">
+              <a14:hiddenLine xmlns:a14="http://schemas.microsoft.com/office/drawing/2010/main" w="9525">
+                <a:solidFill>
+                  <a:srgbClr val="000000"/>
+                </a:solidFill>
+                <a:miter lim="800000"/>
+                <a:headEnd/>
+                <a:tailEnd/>
+              </a14:hiddenLine>
+            </a:ext>
+          </a:extLst>
+        </p:spPr>
+        <p:txBody>
+          <a:bodyPr wrap="square">
+            <a:spAutoFit/>
+          </a:bodyPr>
+          <a:lstStyle>
+            <a:defPPr>
+              <a:defRPr lang="zh-CN"/>
+            </a:defPPr>
+            <a:lvl1pPr algn="l" rtl="0" eaLnBrk="0" fontAlgn="base" hangingPunct="0">
+              <a:spcBef>
+                <a:spcPct val="0"/>
+              </a:spcBef>
+              <a:spcAft>
+                <a:spcPct val="0"/>
+              </a:spcAft>
+              <a:defRPr kern="1200">
+                <a:solidFill>
+                  <a:schemeClr val="tx1"/>
+                </a:solidFill>
+                <a:latin typeface="Arial" panose="020B0604020202090204" pitchFamily="34" charset="0"/>
+                <a:ea typeface="宋体" panose="02010600030101010101" pitchFamily="2" charset="-122"/>
+                <a:cs typeface="+mn-cs"/>
+              </a:defRPr>
+            </a:lvl1pPr>
+            <a:lvl2pPr marL="457200" algn="l" rtl="0" eaLnBrk="0" fontAlgn="base" hangingPunct="0">
+              <a:spcBef>
+                <a:spcPct val="0"/>
+              </a:spcBef>
+              <a:spcAft>
+                <a:spcPct val="0"/>
+              </a:spcAft>
+              <a:defRPr kern="1200">
+                <a:solidFill>
+                  <a:schemeClr val="tx1"/>
+                </a:solidFill>
+                <a:latin typeface="Arial" panose="020B0604020202090204" pitchFamily="34" charset="0"/>
+                <a:ea typeface="宋体" panose="02010600030101010101" pitchFamily="2" charset="-122"/>
+                <a:cs typeface="+mn-cs"/>
+              </a:defRPr>
+            </a:lvl2pPr>
+            <a:lvl3pPr marL="914400" algn="l" rtl="0" eaLnBrk="0" fontAlgn="base" hangingPunct="0">
+              <a:spcBef>
+                <a:spcPct val="0"/>
+              </a:spcBef>
+              <a:spcAft>
+                <a:spcPct val="0"/>
+              </a:spcAft>
+              <a:defRPr kern="1200">
+                <a:solidFill>
+                  <a:schemeClr val="tx1"/>
+                </a:solidFill>
+                <a:latin typeface="Arial" panose="020B0604020202090204" pitchFamily="34" charset="0"/>
+                <a:ea typeface="宋体" panose="02010600030101010101" pitchFamily="2" charset="-122"/>
+                <a:cs typeface="+mn-cs"/>
+              </a:defRPr>
+            </a:lvl3pPr>
+            <a:lvl4pPr marL="1371600" algn="l" rtl="0" eaLnBrk="0" fontAlgn="base" hangingPunct="0">
+              <a:spcBef>
+                <a:spcPct val="0"/>
+              </a:spcBef>
+              <a:spcAft>
+                <a:spcPct val="0"/>
+              </a:spcAft>
+              <a:defRPr kern="1200">
+                <a:solidFill>
+                  <a:schemeClr val="tx1"/>
+                </a:solidFill>
+                <a:latin typeface="Arial" panose="020B0604020202090204" pitchFamily="34" charset="0"/>
+                <a:ea typeface="宋体" panose="02010600030101010101" pitchFamily="2" charset="-122"/>
+                <a:cs typeface="+mn-cs"/>
+              </a:defRPr>
+            </a:lvl4pPr>
+            <a:lvl5pPr marL="1828800" algn="l" rtl="0" eaLnBrk="0" fontAlgn="base" hangingPunct="0">
+              <a:spcBef>
+                <a:spcPct val="0"/>
+              </a:spcBef>
+              <a:spcAft>
+                <a:spcPct val="0"/>
+              </a:spcAft>
+              <a:defRPr kern="1200">
+                <a:solidFill>
+                  <a:schemeClr val="tx1"/>
+                </a:solidFill>
+                <a:latin typeface="Arial" panose="020B0604020202090204" pitchFamily="34" charset="0"/>
+                <a:ea typeface="宋体" panose="02010600030101010101" pitchFamily="2" charset="-122"/>
+                <a:cs typeface="+mn-cs"/>
+              </a:defRPr>
+            </a:lvl5pPr>
+            <a:lvl6pPr marL="2286000" algn="l" defTabSz="914400" rtl="0" eaLnBrk="1" latinLnBrk="0" hangingPunct="1">
+              <a:defRPr kern="1200">
+                <a:solidFill>
+                  <a:schemeClr val="tx1"/>
+                </a:solidFill>
+                <a:latin typeface="Arial" panose="020B0604020202090204" pitchFamily="34" charset="0"/>
+                <a:ea typeface="宋体" panose="02010600030101010101" pitchFamily="2" charset="-122"/>
+                <a:cs typeface="+mn-cs"/>
+              </a:defRPr>
+            </a:lvl6pPr>
+            <a:lvl7pPr marL="2743200" algn="l" defTabSz="914400" rtl="0" eaLnBrk="1" latinLnBrk="0" hangingPunct="1">
+              <a:defRPr kern="1200">
+                <a:solidFill>
+                  <a:schemeClr val="tx1"/>
+                </a:solidFill>
+                <a:latin typeface="Arial" panose="020B0604020202090204" pitchFamily="34" charset="0"/>
+                <a:ea typeface="宋体" panose="02010600030101010101" pitchFamily="2" charset="-122"/>
+                <a:cs typeface="+mn-cs"/>
+              </a:defRPr>
+            </a:lvl7pPr>
+            <a:lvl8pPr marL="3200400" algn="l" defTabSz="914400" rtl="0" eaLnBrk="1" latinLnBrk="0" hangingPunct="1">
+              <a:defRPr kern="1200">
+                <a:solidFill>
+                  <a:schemeClr val="tx1"/>
+                </a:solidFill>
+                <a:latin typeface="Arial" panose="020B0604020202090204" pitchFamily="34" charset="0"/>
+                <a:ea typeface="宋体" panose="02010600030101010101" pitchFamily="2" charset="-122"/>
+                <a:cs typeface="+mn-cs"/>
+              </a:defRPr>
+            </a:lvl8pPr>
+            <a:lvl9pPr marL="3657600" algn="l" defTabSz="914400" rtl="0" eaLnBrk="1" latinLnBrk="0" hangingPunct="1">
+              <a:defRPr kern="1200">
+                <a:solidFill>
+                  <a:schemeClr val="tx1"/>
+                </a:solidFill>
+                <a:latin typeface="Arial" panose="020B0604020202090204" pitchFamily="34" charset="0"/>
+                <a:ea typeface="宋体" panose="02010600030101010101" pitchFamily="2" charset="-122"/>
+                <a:cs typeface="+mn-cs"/>
+              </a:defRPr>
+            </a:lvl9pPr>
+          </a:lstStyle>
+          <a:p>
+            <a:pPr marL="457200" indent="-457200" eaLnBrk="1" hangingPunct="1">
+              <a:lnSpc>
+                <a:spcPct val="150000"/>
+              </a:lnSpc>
+              <a:spcBef>
+                <a:spcPct val="0"/>
+              </a:spcBef>
+              <a:spcAft>
+                <a:spcPts val="0"/>
+              </a:spcAft>
+              <a:buFontTx/>
+              <a:buAutoNum type="arabicPeriod"/>
+            </a:pPr>
+            <a:r>
+              <a:rPr lang="zh-CN" altLang="en-US" sz="2000" dirty="0" smtClean="0">
+                <a:latin typeface="微软雅黑" panose="020B0503020204020204" pitchFamily="34" charset="-122"/>
+                <a:ea typeface="微软雅黑" panose="020B0503020204020204" pitchFamily="34" charset="-122"/>
+              </a:rPr>
+              <a:t>石器时代：同步</a:t>
+            </a:r>
+            <a:endParaRPr lang="zh-CN" altLang="en-US" sz="2000" dirty="0" smtClean="0">
+              <a:latin typeface="微软雅黑" panose="020B0503020204020204" pitchFamily="34" charset="-122"/>
+              <a:ea typeface="微软雅黑" panose="020B0503020204020204" pitchFamily="34" charset="-122"/>
+            </a:endParaRPr>
+          </a:p>
+          <a:p>
+            <a:pPr lvl="1" indent="0" eaLnBrk="1" hangingPunct="1">
+              <a:lnSpc>
+                <a:spcPct val="150000"/>
+              </a:lnSpc>
+              <a:spcBef>
+                <a:spcPct val="0"/>
+              </a:spcBef>
+              <a:spcAft>
+                <a:spcPts val="0"/>
+              </a:spcAft>
+              <a:buFontTx/>
+              <a:buNone/>
+            </a:pPr>
+            <a:r>
+              <a:rPr lang="zh-CN" altLang="en-US" sz="1200" dirty="0" smtClean="0">
+                <a:latin typeface="微软雅黑" panose="020B0503020204020204" pitchFamily="34" charset="-122"/>
+                <a:ea typeface="微软雅黑" panose="020B0503020204020204" pitchFamily="34" charset="-122"/>
+              </a:rPr>
+              <a:t>qps为1/N（N为每次响应服务耗时）</a:t>
+            </a:r>
+            <a:endParaRPr lang="zh-CN" altLang="en-US" sz="1200" dirty="0" smtClean="0">
+              <a:latin typeface="微软雅黑" panose="020B0503020204020204" pitchFamily="34" charset="-122"/>
+              <a:ea typeface="微软雅黑" panose="020B0503020204020204" pitchFamily="34" charset="-122"/>
+            </a:endParaRPr>
+          </a:p>
+          <a:p>
+            <a:pPr marL="457200" indent="-457200" eaLnBrk="1" hangingPunct="1">
+              <a:lnSpc>
+                <a:spcPct val="150000"/>
+              </a:lnSpc>
+              <a:spcBef>
+                <a:spcPct val="0"/>
+              </a:spcBef>
+              <a:spcAft>
+                <a:spcPts val="0"/>
+              </a:spcAft>
+              <a:buFontTx/>
+              <a:buAutoNum type="arabicPeriod"/>
+            </a:pPr>
+            <a:r>
+              <a:rPr lang="zh-CN" altLang="en-US" sz="2000" dirty="0" smtClean="0">
+                <a:latin typeface="微软雅黑" panose="020B0503020204020204" pitchFamily="34" charset="-122"/>
+                <a:ea typeface="微软雅黑" panose="020B0503020204020204" pitchFamily="34" charset="-122"/>
+              </a:rPr>
+              <a:t>青铜时代：复制进程</a:t>
+            </a:r>
+            <a:endParaRPr lang="zh-CN" altLang="en-US" sz="2000" dirty="0" smtClean="0">
+              <a:latin typeface="微软雅黑" panose="020B0503020204020204" pitchFamily="34" charset="-122"/>
+              <a:ea typeface="微软雅黑" panose="020B0503020204020204" pitchFamily="34" charset="-122"/>
+            </a:endParaRPr>
+          </a:p>
+          <a:p>
+            <a:pPr lvl="1" indent="0" eaLnBrk="1" hangingPunct="1">
+              <a:lnSpc>
+                <a:spcPct val="150000"/>
+              </a:lnSpc>
+              <a:spcBef>
+                <a:spcPct val="0"/>
+              </a:spcBef>
+              <a:spcAft>
+                <a:spcPts val="0"/>
+              </a:spcAft>
+              <a:buFontTx/>
+              <a:buNone/>
+            </a:pPr>
+            <a:r>
+              <a:rPr lang="zh-CN" altLang="en-US" sz="1200" dirty="0" smtClean="0">
+                <a:latin typeface="微软雅黑" panose="020B0503020204020204" pitchFamily="34" charset="-122"/>
+                <a:ea typeface="微软雅黑" panose="020B0503020204020204" pitchFamily="34" charset="-122"/>
+              </a:rPr>
+              <a:t>qps为M/N(M进程上线数）</a:t>
+            </a:r>
+            <a:endParaRPr lang="zh-CN" altLang="en-US" sz="1200" dirty="0" smtClean="0">
+              <a:latin typeface="微软雅黑" panose="020B0503020204020204" pitchFamily="34" charset="-122"/>
+              <a:ea typeface="微软雅黑" panose="020B0503020204020204" pitchFamily="34" charset="-122"/>
+            </a:endParaRPr>
+          </a:p>
+          <a:p>
+            <a:pPr marL="457200" indent="-457200" eaLnBrk="1" hangingPunct="1">
+              <a:lnSpc>
+                <a:spcPct val="150000"/>
+              </a:lnSpc>
+              <a:spcBef>
+                <a:spcPct val="0"/>
+              </a:spcBef>
+              <a:spcAft>
+                <a:spcPts val="0"/>
+              </a:spcAft>
+              <a:buFontTx/>
+              <a:buAutoNum type="arabicPeriod"/>
+            </a:pPr>
+            <a:r>
+              <a:rPr lang="zh-CN" altLang="en-US" sz="2000" dirty="0" smtClean="0">
+                <a:latin typeface="微软雅黑" panose="020B0503020204020204" pitchFamily="34" charset="-122"/>
+                <a:ea typeface="微软雅黑" panose="020B0503020204020204" pitchFamily="34" charset="-122"/>
+              </a:rPr>
+              <a:t>白银时代：多线程</a:t>
+            </a:r>
+            <a:endParaRPr lang="zh-CN" altLang="en-US" sz="2000" dirty="0" smtClean="0">
+              <a:latin typeface="微软雅黑" panose="020B0503020204020204" pitchFamily="34" charset="-122"/>
+              <a:ea typeface="微软雅黑" panose="020B0503020204020204" pitchFamily="34" charset="-122"/>
+            </a:endParaRPr>
+          </a:p>
+          <a:p>
+            <a:pPr lvl="1" indent="0" eaLnBrk="1" hangingPunct="1">
+              <a:lnSpc>
+                <a:spcPct val="150000"/>
+              </a:lnSpc>
+              <a:spcBef>
+                <a:spcPct val="0"/>
+              </a:spcBef>
+              <a:spcAft>
+                <a:spcPts val="0"/>
+              </a:spcAft>
+              <a:buFontTx/>
+              <a:buNone/>
+            </a:pPr>
+            <a:r>
+              <a:rPr lang="zh-CN" altLang="en-US" sz="1200" dirty="0" smtClean="0">
+                <a:latin typeface="微软雅黑" panose="020B0503020204020204" pitchFamily="34" charset="-122"/>
+                <a:ea typeface="微软雅黑" panose="020B0503020204020204" pitchFamily="34" charset="-122"/>
+              </a:rPr>
+              <a:t>qps为M*L/N（L为线程占用进程的资源）</a:t>
+            </a:r>
+            <a:endParaRPr lang="zh-CN" altLang="en-US" sz="1200" dirty="0" smtClean="0">
+              <a:latin typeface="微软雅黑" panose="020B0503020204020204" pitchFamily="34" charset="-122"/>
+              <a:ea typeface="微软雅黑" panose="020B0503020204020204" pitchFamily="34" charset="-122"/>
+            </a:endParaRPr>
+          </a:p>
+          <a:p>
+            <a:pPr marL="457200" indent="-457200" eaLnBrk="1" hangingPunct="1">
+              <a:lnSpc>
+                <a:spcPct val="150000"/>
+              </a:lnSpc>
+              <a:spcBef>
+                <a:spcPct val="0"/>
+              </a:spcBef>
+              <a:spcAft>
+                <a:spcPts val="0"/>
+              </a:spcAft>
+              <a:buFontTx/>
+              <a:buAutoNum type="arabicPeriod"/>
+            </a:pPr>
+            <a:r>
+              <a:rPr lang="zh-CN" altLang="en-US" sz="2000" dirty="0" smtClean="0">
+                <a:latin typeface="微软雅黑" panose="020B0503020204020204" pitchFamily="34" charset="-122"/>
+                <a:ea typeface="微软雅黑" panose="020B0503020204020204" pitchFamily="34" charset="-122"/>
+              </a:rPr>
+              <a:t>黄金时代：事件驱动</a:t>
+            </a:r>
+            <a:endParaRPr lang="zh-CN" altLang="en-US" sz="2000" dirty="0" smtClean="0">
+              <a:latin typeface="微软雅黑" panose="020B0503020204020204" pitchFamily="34" charset="-122"/>
+              <a:ea typeface="微软雅黑" panose="020B0503020204020204" pitchFamily="34" charset="-122"/>
+            </a:endParaRPr>
+          </a:p>
+          <a:p>
+            <a:pPr lvl="1" indent="0" eaLnBrk="1" hangingPunct="1">
+              <a:lnSpc>
+                <a:spcPct val="150000"/>
+              </a:lnSpc>
+              <a:spcBef>
+                <a:spcPct val="0"/>
+              </a:spcBef>
+              <a:spcAft>
+                <a:spcPts val="0"/>
+              </a:spcAft>
+              <a:buFontTx/>
+              <a:buNone/>
+            </a:pPr>
+            <a:endParaRPr lang="zh-CN" altLang="en-US" sz="1200" dirty="0" smtClean="0">
+              <a:latin typeface="微软雅黑" panose="020B0503020204020204" pitchFamily="34" charset="-122"/>
+              <a:ea typeface="微软雅黑" panose="020B0503020204020204" pitchFamily="34" charset="-122"/>
+            </a:endParaRPr>
+          </a:p>
+        </p:txBody>
+      </p:sp>
+      <p:sp>
+        <p:nvSpPr>
+          <p:cNvPr id="4" name="文本框 3"/>
+          <p:cNvSpPr txBox="1"/>
+          <p:nvPr/>
+        </p:nvSpPr>
+        <p:spPr>
+          <a:xfrm>
+            <a:off x="1749424" y="70765"/>
+            <a:ext cx="7455535" cy="583565"/>
+          </a:xfrm>
+          <a:prstGeom prst="rect">
+            <a:avLst/>
+          </a:prstGeom>
+          <a:noFill/>
+        </p:spPr>
+        <p:txBody>
+          <a:bodyPr wrap="square" rtlCol="0">
+            <a:spAutoFit/>
+          </a:bodyPr>
+          <a:lstStyle/>
+          <a:p>
+            <a:r>
+              <a:rPr lang="en-US" altLang="zh-CN" sz="3200" dirty="0" smtClean="0">
+                <a:latin typeface="微软雅黑" panose="020B0503020204020204" pitchFamily="34" charset="-122"/>
+                <a:ea typeface="微软雅黑" panose="020B0503020204020204" pitchFamily="34" charset="-122"/>
+              </a:rPr>
+              <a:t>1. </a:t>
+            </a:r>
+            <a:r>
+              <a:rPr sz="3200" dirty="0" smtClean="0">
+                <a:latin typeface="微软雅黑" panose="020B0503020204020204" pitchFamily="34" charset="-122"/>
+                <a:ea typeface="微软雅黑" panose="020B0503020204020204" pitchFamily="34" charset="-122"/>
+              </a:rPr>
+              <a:t>服务模型的变迁</a:t>
+            </a:r>
+            <a:endParaRPr sz="3200" dirty="0" smtClean="0">
+              <a:latin typeface="微软雅黑" panose="020B0503020204020204" pitchFamily="34" charset="-122"/>
+              <a:ea typeface="微软雅黑" panose="020B0503020204020204" pitchFamily="34" charset="-122"/>
+            </a:endParaRPr>
+          </a:p>
+        </p:txBody>
+      </p:sp>
+    </p:spTree>
+  </p:cSld>
+  <p:clrMapOvr>
+    <a:masterClrMapping/>
+  </p:clrMapOvr>
+  <p:transition spd="med">
+    <p:random/>
+  </p:transition>
+  <p:timing>
+    <p:tnLst>
+      <p:par>
+        <p:cTn id="1" dur="indefinite" restart="never" nodeType="tmRoot"/>
+      </p:par>
+    </p:tnLst>
+  </p:timing>
+</p:sld>
+</file>
+
 <file path=ppt/theme/theme1.xml><?xml version="1.0" encoding="utf-8"?>
 <a:theme xmlns:a="http://schemas.openxmlformats.org/drawingml/2006/main" name="Office 主题">
   <a:themeElements>
@@ -5590,7 +11579,7 @@
     </a:clrScheme>
     <a:fontScheme name="Office">
       <a:majorFont>
-        <a:latin typeface="Calibri Light" panose="020F0302020204030204"/>
+        <a:latin typeface="Calibri Light"/>
         <a:ea typeface=""/>
         <a:cs typeface=""/>
         <a:font script="Jpan" typeface="ＭＳ Ｐゴシック"/>
@@ -5625,7 +11614,7 @@
         <a:font script="Geor" typeface="Sylfaen"/>
       </a:majorFont>
       <a:minorFont>
-        <a:latin typeface="Calibri" panose="020F0502020204030204"/>
+        <a:latin typeface="Calibri"/>
         <a:ea typeface=""/>
         <a:cs typeface=""/>
         <a:font script="Jpan" typeface="ＭＳ Ｐゴシック"/>
@@ -5798,8 +11787,6 @@
       </a:bgFillStyleLst>
     </a:fmtScheme>
   </a:themeElements>
-  <a:objectDefaults/>
-  <a:extraClrSchemeLst/>
   <a:extLst>
     <a:ext uri="{05A4C25C-085E-4340-85A3-A5531E510DB2}">
       <thm15:themeFamily xmlns:thm15="http://schemas.microsoft.com/office/thememl/2012/main" name="Office Theme" id="{62F939B6-93AF-4DB8-9C6B-D6C7DFDC589F}" vid="{4A3C46E8-61CC-4603-A589-7422A47A8E4A}"/>
@@ -5851,7 +11838,7 @@
     </a:clrScheme>
     <a:fontScheme name="Office">
       <a:majorFont>
-        <a:latin typeface="Calibri Light" panose="020F0302020204030204"/>
+        <a:latin typeface="Calibri Light"/>
         <a:ea typeface=""/>
         <a:cs typeface=""/>
         <a:font script="Jpan" typeface="ＭＳ Ｐゴシック"/>
@@ -5886,7 +11873,7 @@
         <a:font script="Geor" typeface="Sylfaen"/>
       </a:majorFont>
       <a:minorFont>
-        <a:latin typeface="Calibri" panose="020F0502020204030204"/>
+        <a:latin typeface="Calibri"/>
         <a:ea typeface=""/>
         <a:cs typeface=""/>
         <a:font script="Jpan" typeface="ＭＳ Ｐゴシック"/>
@@ -6059,8 +12046,6 @@
       </a:bgFillStyleLst>
     </a:fmtScheme>
   </a:themeElements>
-  <a:objectDefaults/>
-  <a:extraClrSchemeLst/>
   <a:extLst>
     <a:ext uri="{05A4C25C-085E-4340-85A3-A5531E510DB2}">
       <thm15:themeFamily xmlns:thm15="http://schemas.microsoft.com/office/thememl/2012/main" name="Office Theme" id="{62F939B6-93AF-4DB8-9C6B-D6C7DFDC589F}" vid="{4A3C46E8-61CC-4603-A589-7422A47A8E4A}"/>

--- a/pm2/pm2.pptx
+++ b/pm2/pm2.pptx
@@ -13,8 +13,8 @@
     <p:sldId id="358" r:id="rId5"/>
     <p:sldId id="372" r:id="rId7"/>
     <p:sldId id="374" r:id="rId8"/>
-    <p:sldId id="373" r:id="rId9"/>
-    <p:sldId id="357" r:id="rId10"/>
+    <p:sldId id="357" r:id="rId9"/>
+    <p:sldId id="373" r:id="rId10"/>
     <p:sldId id="362" r:id="rId11"/>
     <p:sldId id="361" r:id="rId12"/>
     <p:sldId id="363" r:id="rId13"/>
@@ -24,7 +24,10 @@
     <p:sldId id="367" r:id="rId17"/>
     <p:sldId id="368" r:id="rId18"/>
     <p:sldId id="369" r:id="rId19"/>
-    <p:sldId id="266" r:id="rId20"/>
+    <p:sldId id="387" r:id="rId20"/>
+    <p:sldId id="388" r:id="rId21"/>
+    <p:sldId id="389" r:id="rId22"/>
+    <p:sldId id="266" r:id="rId23"/>
   </p:sldIdLst>
   <p:sldSz cx="12192000" cy="6858000"/>
   <p:notesSz cx="6858000" cy="9144000"/>
@@ -505,6 +508,662 @@
         <p:txBody>
           <a:bodyPr/>
           <a:p>
+            <a:r>
+              <a:rPr lang="en-US" altLang="zh-CN"/>
+              <a:t>restart</a:t>
+            </a:r>
+            <a:r>
+              <a:rPr lang="zh-CN" altLang="en-US"/>
+              <a:t>与</a:t>
+            </a:r>
+            <a:r>
+              <a:rPr lang="en-US" altLang="zh-CN"/>
+              <a:t>reload</a:t>
+            </a:r>
+            <a:r>
+              <a:rPr lang="zh-CN" altLang="en-US"/>
+              <a:t>的区别？</a:t>
+            </a:r>
+            <a:r>
+              <a:rPr>
+                <a:sym typeface="+mn-ea"/>
+              </a:rPr>
+              <a:t>0秒停机重新加载</a:t>
+            </a:r>
+            <a:endParaRPr lang="zh-CN" altLang="en-US">
+              <a:sym typeface="+mn-ea"/>
+            </a:endParaRPr>
+          </a:p>
+          <a:p>
+            <a:endParaRPr lang="zh-CN" altLang="en-US"/>
+          </a:p>
+          <a:p>
+            <a:endParaRPr lang="zh-CN" altLang="en-US"/>
+          </a:p>
+          <a:p>
+            <a:endParaRPr lang="zh-CN" altLang="en-US"/>
+          </a:p>
+        </p:txBody>
+      </p:sp>
+    </p:spTree>
+  </p:cSld>
+  <p:clrMapOvr>
+    <a:masterClrMapping/>
+  </p:clrMapOvr>
+</p:notes>
+</file>
+
+<file path=ppt/notesSlides/notesSlide10.xml><?xml version="1.0" encoding="utf-8"?>
+<p:notes xmlns:a="http://schemas.openxmlformats.org/drawingml/2006/main" xmlns:r="http://schemas.openxmlformats.org/officeDocument/2006/relationships" xmlns:p="http://schemas.openxmlformats.org/presentationml/2006/main">
+  <p:cSld>
+    <p:spTree>
+      <p:nvGrpSpPr>
+        <p:cNvPr id="1" name=""/>
+        <p:cNvGrpSpPr/>
+        <p:nvPr/>
+      </p:nvGrpSpPr>
+      <p:grpSpPr/>
+      <p:sp>
+        <p:nvSpPr>
+          <p:cNvPr id="2" name="幻灯片图像占位符 1"/>
+          <p:cNvSpPr/>
+          <p:nvPr>
+            <p:ph type="sldImg" idx="2"/>
+          </p:nvPr>
+        </p:nvSpPr>
+        <p:spPr/>
+      </p:sp>
+      <p:sp>
+        <p:nvSpPr>
+          <p:cNvPr id="3" name="文本占位符 2"/>
+          <p:cNvSpPr/>
+          <p:nvPr>
+            <p:ph type="body" idx="3"/>
+          </p:nvPr>
+        </p:nvSpPr>
+        <p:spPr/>
+        <p:txBody>
+          <a:bodyPr/>
+          <a:p>
+            <a:r>
+              <a:rPr lang="zh-CN" altLang="en-US"/>
+              <a:t>有了父子进程直接的相关事件之后，就可以在这些关系直接创建出需要的机制。master2.js</a:t>
+            </a:r>
+            <a:r>
+              <a:rPr lang="en-US" altLang="zh-CN"/>
+              <a:t>, child.js, </a:t>
+            </a:r>
+            <a:r>
+              <a:rPr lang="zh-CN" altLang="en-US"/>
+              <a:t>主动杀死进程，查看重启情况。</a:t>
+            </a:r>
+            <a:endParaRPr lang="zh-CN" altLang="en-US"/>
+          </a:p>
+          <a:p>
+            <a:r>
+              <a:rPr lang="zh-CN" altLang="en-US"/>
+              <a:t>进阶：</a:t>
+            </a:r>
+            <a:endParaRPr lang="zh-CN" altLang="en-US"/>
+          </a:p>
+          <a:p>
+            <a:r>
+              <a:rPr lang="en-US" altLang="zh-CN"/>
+              <a:t>1. </a:t>
+            </a:r>
+            <a:r>
+              <a:rPr lang="zh-CN" altLang="en-US"/>
+              <a:t>子进程添加自杀行为，在发生异常的时候，像主进程发送一个信号，主进程收到信号立即重启一个进程来服务，子进程等所有链接断开后退出进程。</a:t>
+            </a:r>
+            <a:endParaRPr lang="zh-CN" altLang="en-US"/>
+          </a:p>
+          <a:p>
+            <a:r>
+              <a:rPr lang="en-US" altLang="zh-CN"/>
+              <a:t>2. </a:t>
+            </a:r>
+            <a:r>
+              <a:rPr lang="zh-CN" altLang="en-US"/>
+              <a:t>限量重启，无线重启肯定有大问题。要报警。。</a:t>
+            </a:r>
+            <a:endParaRPr lang="zh-CN" altLang="en-US"/>
+          </a:p>
+          <a:p>
+            <a:r>
+              <a:rPr lang="zh-CN" altLang="en-US"/>
+              <a:t>最后，放入一张架构图</a:t>
+            </a:r>
+            <a:endParaRPr lang="zh-CN" altLang="en-US"/>
+          </a:p>
+          <a:p>
+            <a:endParaRPr lang="zh-CN" altLang="en-US"/>
+          </a:p>
+        </p:txBody>
+      </p:sp>
+    </p:spTree>
+  </p:cSld>
+  <p:clrMapOvr>
+    <a:masterClrMapping/>
+  </p:clrMapOvr>
+</p:notes>
+</file>
+
+<file path=ppt/notesSlides/notesSlide11.xml><?xml version="1.0" encoding="utf-8"?>
+<p:notes xmlns:a="http://schemas.openxmlformats.org/drawingml/2006/main" xmlns:r="http://schemas.openxmlformats.org/officeDocument/2006/relationships" xmlns:p="http://schemas.openxmlformats.org/presentationml/2006/main">
+  <p:cSld>
+    <p:spTree>
+      <p:nvGrpSpPr>
+        <p:cNvPr id="1" name=""/>
+        <p:cNvGrpSpPr/>
+        <p:nvPr/>
+      </p:nvGrpSpPr>
+      <p:grpSpPr/>
+      <p:sp>
+        <p:nvSpPr>
+          <p:cNvPr id="2" name="幻灯片图像占位符 1"/>
+          <p:cNvSpPr/>
+          <p:nvPr>
+            <p:ph type="sldImg" idx="2"/>
+          </p:nvPr>
+        </p:nvSpPr>
+        <p:spPr/>
+      </p:sp>
+      <p:sp>
+        <p:nvSpPr>
+          <p:cNvPr id="3" name="文本占位符 2"/>
+          <p:cNvSpPr/>
+          <p:nvPr>
+            <p:ph type="body" idx="3"/>
+          </p:nvPr>
+        </p:nvSpPr>
+        <p:spPr/>
+        <p:txBody>
+          <a:bodyPr/>
+          <a:p>
+            <a:r>
+              <a:rPr lang="en-US" altLang="zh-CN"/>
+              <a:t>1. </a:t>
+            </a:r>
+            <a:r>
+              <a:rPr lang="zh-CN" altLang="en-US"/>
+              <a:t>抢占式策略：对于</a:t>
+            </a:r>
+            <a:r>
+              <a:rPr lang="en-US" altLang="zh-CN"/>
+              <a:t>node</a:t>
+            </a:r>
+            <a:r>
+              <a:rPr lang="zh-CN" altLang="en-US"/>
+              <a:t>来说，它的繁忙情况由</a:t>
+            </a:r>
+            <a:r>
+              <a:rPr lang="en-US" altLang="zh-CN"/>
+              <a:t>CPU</a:t>
+            </a:r>
+            <a:r>
+              <a:rPr lang="zh-CN" altLang="en-US"/>
+              <a:t>和</a:t>
+            </a:r>
+            <a:r>
+              <a:rPr lang="en-US" altLang="zh-CN"/>
+              <a:t>I/O</a:t>
+            </a:r>
+            <a:r>
+              <a:rPr lang="zh-CN" altLang="en-US"/>
+              <a:t>两部分组成，影响抢占的主要是</a:t>
+            </a:r>
+            <a:r>
+              <a:rPr lang="en-US" altLang="zh-CN"/>
+              <a:t>CPU</a:t>
+            </a:r>
+            <a:r>
+              <a:rPr lang="zh-CN" altLang="en-US"/>
+              <a:t>的繁忙度。但是对于不同的业务，可能存在</a:t>
+            </a:r>
+            <a:r>
+              <a:rPr lang="en-US" altLang="zh-CN"/>
+              <a:t>I/O</a:t>
+            </a:r>
+            <a:r>
+              <a:rPr lang="zh-CN" altLang="en-US"/>
+              <a:t>繁忙，</a:t>
+            </a:r>
+            <a:r>
+              <a:rPr lang="en-US" altLang="zh-CN"/>
+              <a:t>CPU</a:t>
+            </a:r>
+            <a:r>
+              <a:rPr lang="zh-CN" altLang="en-US"/>
+              <a:t>空闲的情况，这就可能造成负载不均的情况。</a:t>
+            </a:r>
+            <a:endParaRPr lang="zh-CN" altLang="en-US"/>
+          </a:p>
+          <a:p>
+            <a:endParaRPr lang="zh-CN" altLang="en-US"/>
+          </a:p>
+          <a:p>
+            <a:r>
+              <a:rPr lang="en-US" altLang="zh-CN"/>
+              <a:t>2. </a:t>
+            </a:r>
+            <a:r>
+              <a:rPr lang="zh-CN" altLang="en-US"/>
+              <a:t>轮叫调度： </a:t>
+            </a:r>
+            <a:r>
+              <a:rPr lang="zh-CN" altLang="en-US" dirty="0" smtClean="0">
+                <a:latin typeface="微软雅黑" panose="020B0503020204020204" pitchFamily="34" charset="-122"/>
+                <a:ea typeface="微软雅黑" panose="020B0503020204020204" pitchFamily="34" charset="-122"/>
+                <a:sym typeface="+mn-ea"/>
+              </a:rPr>
+              <a:t>由主进程接收连接，一次分发给工作进程，每次选择第</a:t>
+            </a:r>
+            <a:r>
+              <a:rPr lang="en-US" altLang="zh-CN" dirty="0" smtClean="0">
+                <a:latin typeface="微软雅黑" panose="020B0503020204020204" pitchFamily="34" charset="-122"/>
+                <a:ea typeface="微软雅黑" panose="020B0503020204020204" pitchFamily="34" charset="-122"/>
+                <a:sym typeface="+mn-ea"/>
+              </a:rPr>
+              <a:t>i = (i + 1) % n</a:t>
+            </a:r>
+            <a:r>
+              <a:rPr lang="zh-CN" altLang="en-US" dirty="0" smtClean="0">
+                <a:latin typeface="微软雅黑" panose="020B0503020204020204" pitchFamily="34" charset="-122"/>
+                <a:ea typeface="微软雅黑" panose="020B0503020204020204" pitchFamily="34" charset="-122"/>
+                <a:sym typeface="+mn-ea"/>
+              </a:rPr>
+              <a:t>个进程</a:t>
+            </a:r>
+            <a:endParaRPr lang="zh-CN" altLang="en-US"/>
+          </a:p>
+        </p:txBody>
+      </p:sp>
+    </p:spTree>
+  </p:cSld>
+  <p:clrMapOvr>
+    <a:masterClrMapping/>
+  </p:clrMapOvr>
+</p:notes>
+</file>
+
+<file path=ppt/notesSlides/notesSlide12.xml><?xml version="1.0" encoding="utf-8"?>
+<p:notes xmlns:a="http://schemas.openxmlformats.org/drawingml/2006/main" xmlns:r="http://schemas.openxmlformats.org/officeDocument/2006/relationships" xmlns:p="http://schemas.openxmlformats.org/presentationml/2006/main">
+  <p:cSld>
+    <p:spTree>
+      <p:nvGrpSpPr>
+        <p:cNvPr id="1" name=""/>
+        <p:cNvGrpSpPr/>
+        <p:nvPr/>
+      </p:nvGrpSpPr>
+      <p:grpSpPr/>
+      <p:sp>
+        <p:nvSpPr>
+          <p:cNvPr id="2" name="幻灯片图像占位符 1"/>
+          <p:cNvSpPr/>
+          <p:nvPr>
+            <p:ph type="sldImg" idx="2"/>
+          </p:nvPr>
+        </p:nvSpPr>
+        <p:spPr/>
+      </p:sp>
+      <p:sp>
+        <p:nvSpPr>
+          <p:cNvPr id="3" name="文本占位符 2"/>
+          <p:cNvSpPr/>
+          <p:nvPr>
+            <p:ph type="body" idx="3"/>
+          </p:nvPr>
+        </p:nvSpPr>
+        <p:spPr/>
+        <p:txBody>
+          <a:bodyPr/>
+          <a:p>
+            <a:endParaRPr lang="zh-CN" altLang="en-US"/>
+          </a:p>
+          <a:p>
+            <a:r>
+              <a:rPr lang="zh-CN" altLang="en-US"/>
+              <a:t>通知进程： 通知</a:t>
+            </a:r>
+            <a:r>
+              <a:rPr lang="en-US" altLang="zh-CN"/>
+              <a:t>+</a:t>
+            </a:r>
+            <a:r>
+              <a:rPr lang="zh-CN" altLang="en-US"/>
+              <a:t>轮训，工作进程和第三方数据之间加一个通知服务，工作进程接收通知服务的通知，同时通知服务轮训第三方数据变化。</a:t>
+            </a:r>
+            <a:endParaRPr lang="zh-CN" altLang="en-US"/>
+          </a:p>
+        </p:txBody>
+      </p:sp>
+    </p:spTree>
+  </p:cSld>
+  <p:clrMapOvr>
+    <a:masterClrMapping/>
+  </p:clrMapOvr>
+</p:notes>
+</file>
+
+<file path=ppt/notesSlides/notesSlide13.xml><?xml version="1.0" encoding="utf-8"?>
+<p:notes xmlns:a="http://schemas.openxmlformats.org/drawingml/2006/main" xmlns:r="http://schemas.openxmlformats.org/officeDocument/2006/relationships" xmlns:p="http://schemas.openxmlformats.org/presentationml/2006/main">
+  <p:cSld>
+    <p:spTree>
+      <p:nvGrpSpPr>
+        <p:cNvPr id="1" name=""/>
+        <p:cNvGrpSpPr/>
+        <p:nvPr/>
+      </p:nvGrpSpPr>
+      <p:grpSpPr/>
+      <p:sp>
+        <p:nvSpPr>
+          <p:cNvPr id="2" name="幻灯片图像占位符 1"/>
+          <p:cNvSpPr/>
+          <p:nvPr>
+            <p:ph type="sldImg" idx="2"/>
+          </p:nvPr>
+        </p:nvSpPr>
+        <p:spPr/>
+      </p:sp>
+      <p:sp>
+        <p:nvSpPr>
+          <p:cNvPr id="3" name="文本占位符 2"/>
+          <p:cNvSpPr/>
+          <p:nvPr>
+            <p:ph type="body" idx="3"/>
+          </p:nvPr>
+        </p:nvSpPr>
+        <p:spPr/>
+        <p:txBody>
+          <a:bodyPr/>
+          <a:p>
+            <a:r>
+              <a:rPr lang="zh-CN" altLang="en-US"/>
+              <a:t>看示例代码cluster.js</a:t>
+            </a:r>
+            <a:endParaRPr lang="zh-CN" altLang="en-US"/>
+          </a:p>
+          <a:p>
+            <a:endParaRPr lang="zh-CN" altLang="en-US"/>
+          </a:p>
+        </p:txBody>
+      </p:sp>
+    </p:spTree>
+  </p:cSld>
+  <p:clrMapOvr>
+    <a:masterClrMapping/>
+  </p:clrMapOvr>
+</p:notes>
+</file>
+
+<file path=ppt/notesSlides/notesSlide14.xml><?xml version="1.0" encoding="utf-8"?>
+<p:notes xmlns:a="http://schemas.openxmlformats.org/drawingml/2006/main" xmlns:r="http://schemas.openxmlformats.org/officeDocument/2006/relationships" xmlns:p="http://schemas.openxmlformats.org/presentationml/2006/main">
+  <p:cSld>
+    <p:spTree>
+      <p:nvGrpSpPr>
+        <p:cNvPr id="1" name=""/>
+        <p:cNvGrpSpPr/>
+        <p:nvPr/>
+      </p:nvGrpSpPr>
+      <p:grpSpPr/>
+      <p:sp>
+        <p:nvSpPr>
+          <p:cNvPr id="2" name="幻灯片图像占位符 1"/>
+          <p:cNvSpPr/>
+          <p:nvPr>
+            <p:ph type="sldImg" idx="2"/>
+          </p:nvPr>
+        </p:nvSpPr>
+        <p:spPr/>
+      </p:sp>
+      <p:sp>
+        <p:nvSpPr>
+          <p:cNvPr id="3" name="文本占位符 2"/>
+          <p:cNvSpPr/>
+          <p:nvPr>
+            <p:ph type="body" idx="3"/>
+          </p:nvPr>
+        </p:nvSpPr>
+        <p:spPr/>
+        <p:txBody>
+          <a:bodyPr/>
+          <a:p>
+            <a:r>
+              <a:rPr lang="en-US" altLang="zh-CN"/>
+              <a:t>1. cluster</a:t>
+            </a:r>
+            <a:r>
+              <a:rPr lang="zh-CN" altLang="en-US"/>
+              <a:t>内部隐式创建</a:t>
+            </a:r>
+            <a:r>
+              <a:rPr lang="en-US" altLang="zh-CN"/>
+              <a:t>tcp</a:t>
+            </a:r>
+            <a:r>
+              <a:rPr lang="zh-CN" altLang="en-US"/>
+              <a:t>服务的方式对使用者来说是透明的，</a:t>
+            </a:r>
+            <a:r>
+              <a:rPr lang="en-US" altLang="zh-CN"/>
+              <a:t>cluster</a:t>
+            </a:r>
+            <a:r>
+              <a:rPr lang="zh-CN" altLang="en-US"/>
+              <a:t>启动时，它内部启动</a:t>
+            </a:r>
+            <a:r>
+              <a:rPr lang="en-US" altLang="zh-CN"/>
+              <a:t>tcp</a:t>
+            </a:r>
+            <a:r>
+              <a:rPr lang="zh-CN" altLang="en-US"/>
+              <a:t>服务，</a:t>
+            </a:r>
+            <a:r>
+              <a:rPr lang="en-US" altLang="zh-CN"/>
+              <a:t>fork</a:t>
+            </a:r>
+            <a:r>
+              <a:rPr lang="zh-CN" altLang="en-US"/>
+              <a:t>子进程时，将</a:t>
+            </a:r>
+            <a:r>
+              <a:rPr lang="en-US" altLang="zh-CN"/>
+              <a:t>tcp</a:t>
+            </a:r>
+            <a:r>
+              <a:rPr lang="zh-CN" altLang="en-US"/>
+              <a:t>服务器端的</a:t>
+            </a:r>
+            <a:r>
+              <a:rPr lang="en-US" altLang="zh-CN"/>
+              <a:t>socket</a:t>
+            </a:r>
+            <a:r>
+              <a:rPr lang="zh-CN" altLang="en-US"/>
+              <a:t>文件描述符发送给工作进程</a:t>
+            </a:r>
+            <a:r>
+              <a:rPr lang="zh-CN" altLang="en-US"/>
+              <a:t>；</a:t>
+            </a:r>
+            <a:r>
+              <a:rPr lang="zh-CN" altLang="en-US"/>
+              <a:t>但也正式这种使用方式使得它不如直接使用</a:t>
+            </a:r>
+            <a:r>
+              <a:rPr lang="en-US" altLang="zh-CN"/>
+              <a:t>child_process</a:t>
+            </a:r>
+            <a:r>
+              <a:rPr lang="zh-CN" altLang="en-US"/>
+              <a:t>那样灵活。在</a:t>
+            </a:r>
+            <a:r>
+              <a:rPr lang="en-US" altLang="zh-CN"/>
+              <a:t>cluster</a:t>
+            </a:r>
+            <a:r>
+              <a:rPr lang="zh-CN" altLang="en-US"/>
+              <a:t>模块应用中，一个主进程只能管理一组工作进程，而</a:t>
+            </a:r>
+            <a:r>
+              <a:rPr lang="en-US" altLang="zh-CN"/>
+              <a:t>child_process</a:t>
+            </a:r>
+            <a:r>
+              <a:rPr lang="zh-CN" altLang="en-US"/>
+              <a:t>则可以更灵活地控制工作进程，可以控制多组工作进程。</a:t>
+            </a:r>
+            <a:endParaRPr lang="zh-CN" altLang="en-US"/>
+          </a:p>
+          <a:p>
+            <a:endParaRPr lang="zh-CN" altLang="en-US"/>
+          </a:p>
+        </p:txBody>
+      </p:sp>
+    </p:spTree>
+  </p:cSld>
+  <p:clrMapOvr>
+    <a:masterClrMapping/>
+  </p:clrMapOvr>
+</p:notes>
+</file>
+
+<file path=ppt/notesSlides/notesSlide15.xml><?xml version="1.0" encoding="utf-8"?>
+<p:notes xmlns:a="http://schemas.openxmlformats.org/drawingml/2006/main" xmlns:r="http://schemas.openxmlformats.org/officeDocument/2006/relationships" xmlns:p="http://schemas.openxmlformats.org/presentationml/2006/main">
+  <p:cSld>
+    <p:spTree>
+      <p:nvGrpSpPr>
+        <p:cNvPr id="1" name=""/>
+        <p:cNvGrpSpPr/>
+        <p:nvPr/>
+      </p:nvGrpSpPr>
+      <p:grpSpPr/>
+      <p:sp>
+        <p:nvSpPr>
+          <p:cNvPr id="2" name="幻灯片图像占位符 1"/>
+          <p:cNvSpPr/>
+          <p:nvPr>
+            <p:ph type="sldImg" idx="2"/>
+          </p:nvPr>
+        </p:nvSpPr>
+        <p:spPr/>
+      </p:sp>
+      <p:sp>
+        <p:nvSpPr>
+          <p:cNvPr id="3" name="文本占位符 2"/>
+          <p:cNvSpPr/>
+          <p:nvPr>
+            <p:ph type="body" idx="3"/>
+          </p:nvPr>
+        </p:nvSpPr>
+        <p:spPr/>
+        <p:txBody>
+          <a:bodyPr/>
+          <a:p>
+            <a:r>
+              <a:rPr lang="zh-CN" altLang="en-US"/>
+              <a:t>这些事件大多跟</a:t>
+            </a:r>
+            <a:r>
+              <a:rPr lang="en-US" altLang="zh-CN"/>
+              <a:t>child_process</a:t>
+            </a:r>
+            <a:r>
+              <a:rPr lang="zh-CN" altLang="en-US"/>
+              <a:t>模块的事件相关，在进程间消息传递的基础上完成的封装。这些事件对于应用的健壮性已经足够了。</a:t>
+            </a:r>
+            <a:endParaRPr lang="zh-CN" altLang="en-US"/>
+          </a:p>
+          <a:p>
+            <a:endParaRPr lang="zh-CN" altLang="en-US"/>
+          </a:p>
+          <a:p>
+            <a:r>
+              <a:rPr lang="zh-CN" altLang="en-US"/>
+              <a:t>结束语：尽管</a:t>
+            </a:r>
+            <a:r>
+              <a:rPr lang="en-US" altLang="zh-CN"/>
+              <a:t>node</a:t>
+            </a:r>
+            <a:r>
+              <a:rPr lang="zh-CN" altLang="en-US"/>
+              <a:t>从单线程的角度来讲比较脆弱，既不能充分利用多核</a:t>
+            </a:r>
+            <a:r>
+              <a:rPr lang="en-US" altLang="zh-CN"/>
+              <a:t>cpu</a:t>
+            </a:r>
+            <a:r>
+              <a:rPr lang="zh-CN" altLang="en-US"/>
+              <a:t>资源，稳定性也无法得到保障；但是群体的力量是强大的，通过简单的主从模式，就可以将应用提升一个档次。当然，实际业务中，我们的机构可能远比主从模式复杂，但是每个子进程应当简单到只做好一件事儿，然后通过进程通信将它们连接起来。符合</a:t>
+            </a:r>
+            <a:r>
+              <a:rPr lang="en-US" altLang="zh-CN"/>
+              <a:t>unix</a:t>
+            </a:r>
+            <a:r>
+              <a:rPr lang="zh-CN" altLang="en-US"/>
+              <a:t>的设计理念，将复杂分解为简单，将简单组合成强大。</a:t>
+            </a:r>
+            <a:endParaRPr lang="zh-CN" altLang="en-US"/>
+          </a:p>
+          <a:p>
+            <a:r>
+              <a:rPr lang="zh-CN" altLang="en-US"/>
+              <a:t>什么？ </a:t>
+            </a:r>
+            <a:r>
+              <a:rPr lang="zh-CN" altLang="en-US"/>
+              <a:t>主进程出问题？  当然是要做好监控了！！！</a:t>
+            </a:r>
+            <a:endParaRPr lang="zh-CN" altLang="en-US"/>
+          </a:p>
+        </p:txBody>
+      </p:sp>
+    </p:spTree>
+  </p:cSld>
+  <p:clrMapOvr>
+    <a:masterClrMapping/>
+  </p:clrMapOvr>
+</p:notes>
+</file>
+
+<file path=ppt/notesSlides/notesSlide16.xml><?xml version="1.0" encoding="utf-8"?>
+<p:notes xmlns:a="http://schemas.openxmlformats.org/drawingml/2006/main" xmlns:r="http://schemas.openxmlformats.org/officeDocument/2006/relationships" xmlns:p="http://schemas.openxmlformats.org/presentationml/2006/main">
+  <p:cSld>
+    <p:spTree>
+      <p:nvGrpSpPr>
+        <p:cNvPr id="1" name=""/>
+        <p:cNvGrpSpPr/>
+        <p:nvPr/>
+      </p:nvGrpSpPr>
+      <p:grpSpPr/>
+      <p:sp>
+        <p:nvSpPr>
+          <p:cNvPr id="2" name="幻灯片图像占位符 1"/>
+          <p:cNvSpPr/>
+          <p:nvPr>
+            <p:ph type="sldImg" idx="2"/>
+          </p:nvPr>
+        </p:nvSpPr>
+        <p:spPr/>
+      </p:sp>
+      <p:sp>
+        <p:nvSpPr>
+          <p:cNvPr id="3" name="文本占位符 2"/>
+          <p:cNvSpPr/>
+          <p:nvPr>
+            <p:ph type="body" idx="3"/>
+          </p:nvPr>
+        </p:nvSpPr>
+        <p:spPr/>
+        <p:txBody>
+          <a:bodyPr/>
+          <a:p>
             <a:endParaRPr lang="zh-CN" altLang="en-US"/>
           </a:p>
         </p:txBody>
@@ -550,80 +1209,93 @@
           <a:bodyPr/>
           <a:p>
             <a:r>
-              <a:rPr lang="en-US" altLang="zh-CN" dirty="0" smtClean="0">
-                <a:latin typeface="微软雅黑" panose="020B0503020204020204" pitchFamily="34" charset="-122"/>
-                <a:ea typeface="微软雅黑" panose="020B0503020204020204" pitchFamily="34" charset="-122"/>
-                <a:sym typeface="+mn-ea"/>
-              </a:rPr>
-              <a:t>1.</a:t>
-            </a:r>
-            <a:r>
-              <a:rPr lang="zh-CN" altLang="en-US" dirty="0" smtClean="0">
-                <a:latin typeface="微软雅黑" panose="020B0503020204020204" pitchFamily="34" charset="-122"/>
-                <a:ea typeface="微软雅黑" panose="020B0503020204020204" pitchFamily="34" charset="-122"/>
-                <a:sym typeface="+mn-ea"/>
-              </a:rPr>
-              <a:t>服务器一次只为一个请求服务，所有请求按次序等待服务。</a:t>
-            </a:r>
-            <a:endParaRPr lang="zh-CN" altLang="en-US" dirty="0" smtClean="0">
-              <a:latin typeface="微软雅黑" panose="020B0503020204020204" pitchFamily="34" charset="-122"/>
-              <a:ea typeface="微软雅黑" panose="020B0503020204020204" pitchFamily="34" charset="-122"/>
-              <a:sym typeface="+mn-ea"/>
-            </a:endParaRPr>
+              <a:rPr lang="zh-CN" altLang="en-US"/>
+              <a:t>内建负载均衡，无需改动任何代码</a:t>
+            </a:r>
+            <a:endParaRPr lang="en-US" altLang="zh-CN"/>
           </a:p>
           <a:p>
             <a:r>
               <a:rPr lang="en-US" altLang="zh-CN"/>
-              <a:t>2.</a:t>
-            </a:r>
-            <a:r>
-              <a:rPr lang="zh-CN" altLang="en-US" dirty="0" smtClean="0">
-                <a:latin typeface="微软雅黑" panose="020B0503020204020204" pitchFamily="34" charset="-122"/>
-                <a:ea typeface="微软雅黑" panose="020B0503020204020204" pitchFamily="34" charset="-122"/>
-                <a:sym typeface="+mn-ea"/>
-              </a:rPr>
-              <a:t>通过进程的复制同时服务更多的请求和用户，每一个链接都需要一个进程来服务，代价昂贵；复制进程的同时，需要复制进程内部状态，相同的状态会在内存中存在很多份，造成浪费；并且复制进程由于要复制较多的数据，启动较为缓慢。</a:t>
-            </a:r>
-            <a:endParaRPr lang="zh-CN" altLang="en-US" dirty="0" smtClean="0">
-              <a:latin typeface="微软雅黑" panose="020B0503020204020204" pitchFamily="34" charset="-122"/>
-              <a:ea typeface="微软雅黑" panose="020B0503020204020204" pitchFamily="34" charset="-122"/>
-              <a:sym typeface="+mn-ea"/>
-            </a:endParaRPr>
+              <a:t>watch</a:t>
+            </a:r>
+            <a:r>
+              <a:rPr lang="zh-CN" altLang="en-US"/>
+              <a:t>：当前目录及其子目录下文件有变动自动重启</a:t>
+            </a:r>
+            <a:endParaRPr lang="zh-CN" altLang="en-US"/>
+          </a:p>
+          <a:p>
+            <a:endParaRPr lang="zh-CN" altLang="en-US"/>
+          </a:p>
+          <a:p>
+            <a:r>
+              <a:rPr lang="zh-CN" altLang="en-US"/>
+              <a:t>重启策略：</a:t>
+            </a:r>
+            <a:endParaRPr lang="zh-CN" altLang="en-US"/>
           </a:p>
           <a:p>
             <a:r>
               <a:rPr lang="en-US" altLang="zh-CN"/>
-              <a:t>3. </a:t>
-            </a:r>
-            <a:r>
-              <a:rPr lang="zh-CN" altLang="en-US" dirty="0" smtClean="0">
-                <a:latin typeface="微软雅黑" panose="020B0503020204020204" pitchFamily="34" charset="-122"/>
-                <a:ea typeface="微软雅黑" panose="020B0503020204020204" pitchFamily="34" charset="-122"/>
-                <a:sym typeface="+mn-ea"/>
-              </a:rPr>
-              <a:t>为解决进程复制中造成的浪费，多线程被引入服务模型，一个线程服务一次请求。线程开销相对较小，并且可以共享数据，利用线程池可以减少线程创建和销毁的代价。但是每个线程也拥有自己独立的堆栈，需要占用一定的空间；另外由于一个cpu核心一次只能做一件事情，操作系统只能通过将cpu切分为时间片的方法，让线程可以较为均匀地使用cpu资源，但是在切换线程的时候也需要切换线程的上下文，当线程数较多时，时间将会被耗用在上下文切换中。所以在大并发量时，多线程结构还是无法做到强大的伸缩性。</a:t>
-            </a:r>
-            <a:endParaRPr lang="zh-CN" altLang="en-US" dirty="0" smtClean="0">
-              <a:latin typeface="微软雅黑" panose="020B0503020204020204" pitchFamily="34" charset="-122"/>
-              <a:ea typeface="微软雅黑" panose="020B0503020204020204" pitchFamily="34" charset="-122"/>
-              <a:sym typeface="+mn-ea"/>
-            </a:endParaRPr>
-          </a:p>
-          <a:p>
-            <a:pPr marL="0" lvl="1"/>
+              <a:t>1.指数退避重启延迟</a:t>
+            </a:r>
+            <a:r>
+              <a:rPr lang="zh-CN" altLang="en-US"/>
+              <a:t>（通过设置一个延迟重启时间控制exp_backoff_restart_delay，最多累加到</a:t>
+            </a:r>
             <a:r>
               <a:rPr lang="en-US" altLang="zh-CN"/>
-              <a:t>4.</a:t>
-            </a:r>
-            <a:r>
-              <a:rPr lang="zh-CN" altLang="en-US" dirty="0" smtClean="0">
-                <a:latin typeface="微软雅黑" panose="020B0503020204020204" pitchFamily="34" charset="-122"/>
-                <a:ea typeface="微软雅黑" panose="020B0503020204020204" pitchFamily="34" charset="-122"/>
-                <a:sym typeface="+mn-ea"/>
-              </a:rPr>
-              <a:t>多线程的服务模型服役了很长一段时间，apache就是采用多进程/多线程模型实现，但是当并发增长上万时，内存耗用的问题就暴露了出来，这就是著名的c10k问题。为解决高并发问题，基于事件驱动的服务模型就出现了，就像node与nginx都是基于事件驱动的方式实现的，采用单线程避免了不必要的内存开销和上下文切换开销。但是事件驱动存在的问题有：1.cpu的利用率，2.进程的健壮性。单进程架构以php最为知名，php中没有线程支持，它的健壮性是由它给每个请求建立独立的上下文来实现。但是对于node来说，所有请求的上下文都是统一的，所有健壮性是亟需解决的问题。由于所有处理都在单线程上进行，影响事件驱动服务模型性能的点在于cpu的计算能力，不受多进程或者多线程模式中资源上线的影响，可伸缩性较前两者高。如果解决掉多核cpu的利用问题，带来的性能上升非常可观。</a:t>
-            </a:r>
-            <a:endParaRPr lang="en-US" altLang="zh-CN"/>
+              <a:t>15000ms</a:t>
+            </a:r>
+            <a:r>
+              <a:rPr lang="zh-CN" altLang="en-US"/>
+              <a:t>，正常工作</a:t>
+            </a:r>
+            <a:r>
+              <a:rPr lang="en-US" altLang="zh-CN"/>
+              <a:t>30S</a:t>
+            </a:r>
+            <a:r>
+              <a:rPr lang="zh-CN" altLang="en-US"/>
+              <a:t>后，自动充值延迟重启时间为</a:t>
+            </a:r>
+            <a:r>
+              <a:rPr lang="en-US" altLang="zh-CN"/>
+              <a:t>0</a:t>
+            </a:r>
+            <a:r>
+              <a:rPr lang="zh-CN" altLang="en-US"/>
+              <a:t>）</a:t>
+            </a:r>
+            <a:endParaRPr lang="zh-CN" altLang="en-US"/>
+          </a:p>
+          <a:p>
+            <a:r>
+              <a:rPr lang="en-US" altLang="zh-CN"/>
+              <a:t>2. </a:t>
+            </a:r>
+            <a:r>
+              <a:rPr lang="zh-CN" altLang="en-US"/>
+              <a:t>基于内存的重启策略（</a:t>
+            </a:r>
+            <a:r>
+              <a:rPr lang="en-US" altLang="zh-CN"/>
+              <a:t>pm2</a:t>
+            </a:r>
+            <a:r>
+              <a:rPr lang="zh-CN" altLang="en-US"/>
+              <a:t>每个</a:t>
+            </a:r>
+            <a:r>
+              <a:rPr lang="en-US" altLang="zh-CN"/>
+              <a:t>30s</a:t>
+            </a:r>
+            <a:r>
+              <a:rPr lang="zh-CN" altLang="en-US"/>
+              <a:t>检测一次内存，当达到设置的阈值的时候，会自动重启）</a:t>
+            </a:r>
+            <a:endParaRPr lang="zh-CN" altLang="en-US"/>
           </a:p>
         </p:txBody>
       </p:sp>
@@ -667,26 +1339,6 @@
         <p:txBody>
           <a:bodyPr/>
           <a:p>
-            <a:r>
-              <a:rPr lang="zh-CN" altLang="en-US"/>
-              <a:t>演示代码</a:t>
-            </a:r>
-            <a:r>
-              <a:rPr lang="en-US" altLang="zh-CN"/>
-              <a:t>workder.js</a:t>
-            </a:r>
-            <a:r>
-              <a:rPr lang="zh-CN" altLang="en-US"/>
-              <a:t>和</a:t>
-            </a:r>
-            <a:r>
-              <a:rPr lang="en-US" altLang="zh-CN"/>
-              <a:t>master.js</a:t>
-            </a:r>
-            <a:r>
-              <a:rPr lang="zh-CN" altLang="en-US"/>
-              <a:t>，通过ps aux | grep workder.js查看进程数, kill -s 9 pid杀死进程，得出主从模式。</a:t>
-            </a:r>
             <a:endParaRPr lang="zh-CN" altLang="en-US"/>
           </a:p>
         </p:txBody>
@@ -732,80 +1384,43 @@
           <a:bodyPr/>
           <a:p>
             <a:r>
+              <a:rPr lang="en-US" altLang="zh-CN"/>
+              <a:t>1.</a:t>
+            </a:r>
+            <a:r>
               <a:rPr lang="zh-CN" altLang="en-US"/>
-              <a:t>先说进程通信，</a:t>
-            </a:r>
-            <a:r>
-              <a:rPr lang="zh-CN" altLang="en-US">
-                <a:sym typeface="+mn-ea"/>
-              </a:rPr>
-              <a:t>ipc是为了让不同进程能够互相访问资源并协调工作，</a:t>
+              <a:t>解释架构图：</a:t>
             </a:r>
             <a:r>
               <a:rPr lang="zh-CN" altLang="en-US"/>
-              <a:t>node如何实现进程通信（可考虑一下浏览器中webworkder，与其api相似），主要是管道技术实现的进程通信，父进程在创建子进程时会先创建</a:t>
-            </a:r>
+              <a:t>atan.js提供了程序的退出、杀死等方法；God.js 负责维护进程的正常运行，当有异常退出时能保证重启。God进程启动后一直运行，它相当于cluster中的Master进程，守护者worker进程的正常运行。</a:t>
+            </a:r>
+            <a:endParaRPr lang="zh-CN" altLang="en-US"/>
+          </a:p>
+          <a:p>
             <a:r>
               <a:rPr lang="en-US" altLang="zh-CN"/>
-              <a:t>ipc</a:t>
+              <a:t>2. </a:t>
             </a:r>
             <a:r>
               <a:rPr lang="zh-CN" altLang="en-US"/>
-              <a:t>，然后子进程创建之后链接上</a:t>
+              <a:t>以pm2 start app.js </a:t>
             </a:r>
             <a:r>
               <a:rPr lang="en-US" altLang="zh-CN"/>
-              <a:t>ipc</a:t>
+              <a:t>i 4</a:t>
             </a:r>
             <a:r>
               <a:rPr lang="zh-CN" altLang="en-US"/>
-              <a:t>。</a:t>
-            </a:r>
-            <a:endParaRPr lang="zh-CN" altLang="en-US"/>
-          </a:p>
-          <a:p>
+              <a:t>为列，说明</a:t>
+            </a:r>
+            <a:r>
+              <a:rPr lang="en-US" altLang="zh-CN"/>
+              <a:t>pm2</a:t>
+            </a:r>
             <a:r>
               <a:rPr lang="zh-CN" altLang="en-US"/>
-              <a:t>然后说如何监听相同的端口。演示代码</a:t>
-            </a:r>
-            <a:r>
-              <a:rPr lang="en-US" altLang="zh-CN"/>
-              <a:t>workder1.js, master1.js</a:t>
-            </a:r>
-            <a:r>
-              <a:rPr lang="zh-CN" altLang="en-US"/>
-              <a:t>。解决方案是监听不同端口，然后在主进程上还可以做负载均衡，但是进程每次接收到一个链接都会用掉一个文件描述符，由主进程接收再传递给子进程处理，需要消耗两个文件描述符（翻倍）。如何解决？</a:t>
-            </a:r>
-            <a:endParaRPr lang="zh-CN" altLang="en-US"/>
-          </a:p>
-          <a:p>
-            <a:r>
-              <a:rPr lang="zh-CN" altLang="en-US"/>
-              <a:t>最后引入句柄，</a:t>
-            </a:r>
-            <a:r>
-              <a:rPr lang="en-US" altLang="zh-CN"/>
-              <a:t>node</a:t>
-            </a:r>
-            <a:r>
-              <a:rPr lang="zh-CN" altLang="en-US"/>
-              <a:t>再</a:t>
-            </a:r>
-            <a:r>
-              <a:rPr lang="en-US" altLang="zh-CN"/>
-              <a:t>v0.5.9</a:t>
-            </a:r>
-            <a:r>
-              <a:rPr lang="zh-CN" altLang="en-US"/>
-              <a:t>引入进程间传递句柄的功能。演示</a:t>
-            </a:r>
-            <a:r>
-              <a:rPr lang="en-US" altLang="zh-CN"/>
-              <a:t>parent.js</a:t>
-            </a:r>
-            <a:r>
-              <a:rPr lang="zh-CN" altLang="en-US"/>
-              <a:t>，然后新窗口curl 'http://127.0.0.1:8000/'，父进程和子进程都有可能接收到。</a:t>
+              <a:t>的执行流程。</a:t>
             </a:r>
             <a:endParaRPr lang="zh-CN" altLang="en-US"/>
           </a:p>
@@ -855,20 +1470,78 @@
           <a:bodyPr/>
           <a:p>
             <a:r>
-              <a:rPr lang="zh-CN" altLang="en-US"/>
-              <a:t>搭建好集群，充分利用了多核</a:t>
-            </a:r>
+              <a:rPr lang="en-US" altLang="zh-CN" dirty="0" smtClean="0">
+                <a:latin typeface="微软雅黑" panose="020B0503020204020204" pitchFamily="34" charset="-122"/>
+                <a:ea typeface="微软雅黑" panose="020B0503020204020204" pitchFamily="34" charset="-122"/>
+                <a:sym typeface="+mn-ea"/>
+              </a:rPr>
+              <a:t>1.</a:t>
+            </a:r>
+            <a:r>
+              <a:rPr lang="zh-CN" altLang="en-US" dirty="0" smtClean="0">
+                <a:latin typeface="微软雅黑" panose="020B0503020204020204" pitchFamily="34" charset="-122"/>
+                <a:ea typeface="微软雅黑" panose="020B0503020204020204" pitchFamily="34" charset="-122"/>
+                <a:sym typeface="+mn-ea"/>
+              </a:rPr>
+              <a:t>服务器一次只为一个请求服务，所有请求按次序等待服务。</a:t>
+            </a:r>
+            <a:endParaRPr lang="zh-CN" altLang="en-US" dirty="0" smtClean="0">
+              <a:latin typeface="微软雅黑" panose="020B0503020204020204" pitchFamily="34" charset="-122"/>
+              <a:ea typeface="微软雅黑" panose="020B0503020204020204" pitchFamily="34" charset="-122"/>
+              <a:sym typeface="+mn-ea"/>
+            </a:endParaRPr>
+          </a:p>
+          <a:p>
             <a:r>
               <a:rPr lang="en-US" altLang="zh-CN"/>
-              <a:t>cpu</a:t>
-            </a:r>
-            <a:r>
-              <a:rPr lang="zh-CN" altLang="en-US"/>
-              <a:t>资源，似乎就可以迎接客户端大量请求了。但是</a:t>
-            </a:r>
+              <a:t>2.</a:t>
+            </a:r>
+            <a:r>
+              <a:rPr lang="zh-CN" altLang="en-US" dirty="0" smtClean="0">
+                <a:latin typeface="微软雅黑" panose="020B0503020204020204" pitchFamily="34" charset="-122"/>
+                <a:ea typeface="微软雅黑" panose="020B0503020204020204" pitchFamily="34" charset="-122"/>
+                <a:sym typeface="+mn-ea"/>
+              </a:rPr>
+              <a:t>通过进程的复制同时服务更多的请求和用户，每一个链接都需要一个进程来服务，代价昂贵；复制进程的同时，需要复制进程内部状态，相同的状态会在内存中存在很多份，造成浪费；并且复制进程由于要复制较多的数据，启动较为缓慢。</a:t>
+            </a:r>
+            <a:endParaRPr lang="zh-CN" altLang="en-US" dirty="0" smtClean="0">
+              <a:latin typeface="微软雅黑" panose="020B0503020204020204" pitchFamily="34" charset="-122"/>
+              <a:ea typeface="微软雅黑" panose="020B0503020204020204" pitchFamily="34" charset="-122"/>
+              <a:sym typeface="+mn-ea"/>
+            </a:endParaRPr>
+          </a:p>
+          <a:p>
             <a:r>
               <a:rPr lang="en-US" altLang="zh-CN"/>
-              <a:t>....</a:t>
+              <a:t>3. </a:t>
+            </a:r>
+            <a:r>
+              <a:rPr lang="zh-CN" altLang="en-US" dirty="0" smtClean="0">
+                <a:latin typeface="微软雅黑" panose="020B0503020204020204" pitchFamily="34" charset="-122"/>
+                <a:ea typeface="微软雅黑" panose="020B0503020204020204" pitchFamily="34" charset="-122"/>
+                <a:sym typeface="+mn-ea"/>
+              </a:rPr>
+              <a:t>为解决进程复制中造成的浪费，多线程被引入服务模型，一个线程服务一次请求。线程开销相对较小，并且可以共享数据，利用线程池可以减少线程创建和销毁的代价。但是每个线程也拥有自己独立的堆栈，需要占用一定的空间；另外由于一个cpu核心一次只能做一件事情，操作系统只能通过将cpu切分为时间片的方法，让线程可以较为均匀地使用cpu资源，但是在切换线程的时候也需要切换线程的上下文，当线程数较多时，时间将会被耗用在上下文切换中。所以在大并发量时，多线程结构还是无法做到强大的伸缩性。</a:t>
+            </a:r>
+            <a:endParaRPr lang="zh-CN" altLang="en-US" dirty="0" smtClean="0">
+              <a:latin typeface="微软雅黑" panose="020B0503020204020204" pitchFamily="34" charset="-122"/>
+              <a:ea typeface="微软雅黑" panose="020B0503020204020204" pitchFamily="34" charset="-122"/>
+              <a:sym typeface="+mn-ea"/>
+            </a:endParaRPr>
+          </a:p>
+          <a:p>
+            <a:pPr marL="0" lvl="1"/>
+            <a:r>
+              <a:rPr lang="en-US" altLang="zh-CN"/>
+              <a:t>4.</a:t>
+            </a:r>
+            <a:r>
+              <a:rPr lang="zh-CN" altLang="en-US" dirty="0" smtClean="0">
+                <a:latin typeface="微软雅黑" panose="020B0503020204020204" pitchFamily="34" charset="-122"/>
+                <a:ea typeface="微软雅黑" panose="020B0503020204020204" pitchFamily="34" charset="-122"/>
+                <a:sym typeface="+mn-ea"/>
+              </a:rPr>
+              <a:t>多线程的服务模型服役了很长一段时间，apache就是采用多进程/多线程模型实现，但是当并发增长上万时，内存耗用的问题就暴露了出来，这就是著名的c10k问题。为解决高并发问题，基于事件驱动的服务模型就出现了，就像node与nginx都是基于事件驱动的方式实现的，采用单线程避免了不必要的内存开销和上下文切换开销。但是事件驱动存在的问题有：1.cpu的利用率，2.进程的健壮性。单进程架构以php最为知名，php中没有线程支持，它的健壮性是由它给每个请求建立独立的上下文来实现。但是对于node来说，所有请求的上下文都是统一的，所有健壮性是亟需解决的问题。由于所有处理都在单线程上进行，影响事件驱动服务模型性能的点在于cpu的计算能力，不受多进程或者多线程模式中资源上线的影响，可伸缩性较前两者高。如果解决掉多核cpu的利用问题，带来的性能上升非常可观。</a:t>
             </a:r>
             <a:endParaRPr lang="en-US" altLang="zh-CN"/>
           </a:p>
@@ -916,21 +1589,25 @@
           <a:p>
             <a:r>
               <a:rPr lang="zh-CN" altLang="en-US"/>
-              <a:t>搭建好集群，充分利用了多核</a:t>
+              <a:t>演示代码</a:t>
             </a:r>
             <a:r>
               <a:rPr lang="en-US" altLang="zh-CN"/>
-              <a:t>cpu</a:t>
+              <a:t>workder.js</a:t>
             </a:r>
             <a:r>
               <a:rPr lang="zh-CN" altLang="en-US"/>
-              <a:t>资源，似乎就可以迎接客户端大量请求了。但是</a:t>
+              <a:t>和</a:t>
             </a:r>
             <a:r>
               <a:rPr lang="en-US" altLang="zh-CN"/>
-              <a:t>....</a:t>
-            </a:r>
-            <a:endParaRPr lang="en-US" altLang="zh-CN"/>
+              <a:t>master.js</a:t>
+            </a:r>
+            <a:r>
+              <a:rPr lang="zh-CN" altLang="en-US"/>
+              <a:t>，通过ps aux | grep workder.js查看进程数, kill -s 9 pid杀死进程，得出主从模式。</a:t>
+            </a:r>
+            <a:endParaRPr lang="zh-CN" altLang="en-US"/>
           </a:p>
         </p:txBody>
       </p:sp>
@@ -976,44 +1653,79 @@
           <a:p>
             <a:r>
               <a:rPr lang="zh-CN" altLang="en-US"/>
-              <a:t>有了父子进程直接的相关事件之后，就可以在这些关系直接创建出需要的机制。master2.js</a:t>
+              <a:t>先说进程通信，</a:t>
+            </a:r>
+            <a:r>
+              <a:rPr lang="zh-CN" altLang="en-US">
+                <a:sym typeface="+mn-ea"/>
+              </a:rPr>
+              <a:t>ipc是为了让不同进程能够互相访问资源并协调工作，</a:t>
+            </a:r>
+            <a:r>
+              <a:rPr lang="zh-CN" altLang="en-US"/>
+              <a:t>node如何实现进程通信（可考虑一下浏览器中webworkder，与其api相似），主要是管道技术实现的进程通信，父进程在创建子进程时会先创建</a:t>
             </a:r>
             <a:r>
               <a:rPr lang="en-US" altLang="zh-CN"/>
-              <a:t>, child.js, </a:t>
+              <a:t>ipc</a:t>
             </a:r>
             <a:r>
               <a:rPr lang="zh-CN" altLang="en-US"/>
-              <a:t>主动杀死进程，查看重启情况。</a:t>
+              <a:t>，然后子进程创建之后链接上</a:t>
+            </a:r>
+            <a:r>
+              <a:rPr lang="en-US" altLang="zh-CN"/>
+              <a:t>ipc</a:t>
+            </a:r>
+            <a:r>
+              <a:rPr lang="zh-CN" altLang="en-US"/>
+              <a:t>。</a:t>
             </a:r>
             <a:endParaRPr lang="zh-CN" altLang="en-US"/>
           </a:p>
           <a:p>
             <a:r>
               <a:rPr lang="zh-CN" altLang="en-US"/>
-              <a:t>进阶：</a:t>
+              <a:t>然后说如何监听相同的端口。演示代码</a:t>
+            </a:r>
+            <a:r>
+              <a:rPr lang="en-US" altLang="zh-CN"/>
+              <a:t>workder1.js, master1.js</a:t>
+            </a:r>
+            <a:r>
+              <a:rPr lang="zh-CN" altLang="en-US"/>
+              <a:t>。解决方案是监听不同端口，然后在主进程上还可以做负载均衡，但是进程每次接收到一个链接都会用掉一个文件描述符，由主进程接收再传递给子进程处理，需要消耗两个文件描述符（翻倍）。如何解决？</a:t>
             </a:r>
             <a:endParaRPr lang="zh-CN" altLang="en-US"/>
           </a:p>
           <a:p>
             <a:r>
+              <a:rPr lang="zh-CN" altLang="en-US"/>
+              <a:t>最后引入句柄，</a:t>
+            </a:r>
+            <a:r>
               <a:rPr lang="en-US" altLang="zh-CN"/>
-              <a:t>1. </a:t>
+              <a:t>node</a:t>
             </a:r>
             <a:r>
               <a:rPr lang="zh-CN" altLang="en-US"/>
-              <a:t>子进程添加自杀行为，在发生异常的时候，像主进程发送一个信号，主进程收到信号立即重启一个进程来服务，子进程等所有链接断开后退出进程。</a:t>
-            </a:r>
-            <a:endParaRPr lang="zh-CN" altLang="en-US"/>
-          </a:p>
-          <a:p>
+              <a:t>再</a:t>
+            </a:r>
             <a:r>
               <a:rPr lang="en-US" altLang="zh-CN"/>
-              <a:t>2. </a:t>
+              <a:t>v0.5.9</a:t>
             </a:r>
             <a:r>
               <a:rPr lang="zh-CN" altLang="en-US"/>
-              <a:t>限量重启，无线重启肯定有大问题。要报警。。</a:t>
+              <a:t>引入进程间传递句柄的功能。演示</a:t>
+            </a:r>
+            <a:r>
+              <a:rPr lang="en-US" altLang="zh-CN"/>
+              <a:t>parent.js</a:t>
+            </a:r>
+            <a:r>
+              <a:rPr lang="zh-CN" altLang="en-US"/>
+              <a:t>，然后新窗口curl 'http://127.0.0.1:8000/'，父进程和子进程都有可能接收到。</a:t>
             </a:r>
             <a:endParaRPr lang="zh-CN" altLang="en-US"/>
           </a:p>
@@ -1063,97 +1775,22 @@
           <a:bodyPr/>
           <a:p>
             <a:r>
+              <a:rPr lang="zh-CN" altLang="en-US"/>
+              <a:t>搭建好集群，充分利用了多核</a:t>
+            </a:r>
+            <a:r>
               <a:rPr lang="en-US" altLang="zh-CN"/>
-              <a:t>1. </a:t>
+              <a:t>cpu</a:t>
             </a:r>
             <a:r>
               <a:rPr lang="zh-CN" altLang="en-US"/>
-              <a:t>抢占式策略：对于</a:t>
+              <a:t>资源，似乎就可以迎接客户端大量请求了。但是</a:t>
             </a:r>
             <a:r>
               <a:rPr lang="en-US" altLang="zh-CN"/>
-              <a:t>node</a:t>
-            </a:r>
-            <a:r>
-              <a:rPr lang="zh-CN" altLang="en-US"/>
-              <a:t>来说，它的繁忙情况由</a:t>
-            </a:r>
-            <a:r>
-              <a:rPr lang="en-US" altLang="zh-CN"/>
-              <a:t>CPU</a:t>
-            </a:r>
-            <a:r>
-              <a:rPr lang="zh-CN" altLang="en-US"/>
-              <a:t>和</a:t>
-            </a:r>
-            <a:r>
-              <a:rPr lang="en-US" altLang="zh-CN"/>
-              <a:t>I/O</a:t>
-            </a:r>
-            <a:r>
-              <a:rPr lang="zh-CN" altLang="en-US"/>
-              <a:t>两部分组成，影响抢占的主要是</a:t>
-            </a:r>
-            <a:r>
-              <a:rPr lang="en-US" altLang="zh-CN"/>
-              <a:t>CPU</a:t>
-            </a:r>
-            <a:r>
-              <a:rPr lang="zh-CN" altLang="en-US"/>
-              <a:t>的繁忙度。但是对于不同的业务，可能存在</a:t>
-            </a:r>
-            <a:r>
-              <a:rPr lang="en-US" altLang="zh-CN"/>
-              <a:t>I/O</a:t>
-            </a:r>
-            <a:r>
-              <a:rPr lang="zh-CN" altLang="en-US"/>
-              <a:t>繁忙，</a:t>
-            </a:r>
-            <a:r>
-              <a:rPr lang="en-US" altLang="zh-CN"/>
-              <a:t>CPU</a:t>
-            </a:r>
-            <a:r>
-              <a:rPr lang="zh-CN" altLang="en-US"/>
-              <a:t>空闲的情况，这就可能造成负载不均的情况。</a:t>
-            </a:r>
-            <a:endParaRPr lang="zh-CN" altLang="en-US"/>
-          </a:p>
-          <a:p>
-            <a:r>
-              <a:rPr lang="en-US" altLang="zh-CN"/>
-              <a:t>2. </a:t>
-            </a:r>
-            <a:r>
-              <a:rPr lang="zh-CN" altLang="en-US"/>
-              <a:t>轮叫调度： </a:t>
-            </a:r>
-            <a:r>
-              <a:rPr lang="zh-CN" altLang="en-US" dirty="0" smtClean="0">
-                <a:latin typeface="微软雅黑" panose="020B0503020204020204" pitchFamily="34" charset="-122"/>
-                <a:ea typeface="微软雅黑" panose="020B0503020204020204" pitchFamily="34" charset="-122"/>
-                <a:sym typeface="+mn-ea"/>
-              </a:rPr>
-              <a:t>由主进程接收连接，一次分发给工作进程，每次选择第</a:t>
-            </a:r>
-            <a:r>
-              <a:rPr lang="en-US" altLang="zh-CN" dirty="0" smtClean="0">
-                <a:latin typeface="微软雅黑" panose="020B0503020204020204" pitchFamily="34" charset="-122"/>
-                <a:ea typeface="微软雅黑" panose="020B0503020204020204" pitchFamily="34" charset="-122"/>
-                <a:sym typeface="+mn-ea"/>
-              </a:rPr>
-              <a:t>i = (i + 1) % n</a:t>
-            </a:r>
-            <a:r>
-              <a:rPr lang="zh-CN" altLang="en-US" dirty="0" smtClean="0">
-                <a:latin typeface="微软雅黑" panose="020B0503020204020204" pitchFamily="34" charset="-122"/>
-                <a:ea typeface="微软雅黑" panose="020B0503020204020204" pitchFamily="34" charset="-122"/>
-                <a:sym typeface="+mn-ea"/>
-              </a:rPr>
-              <a:t>个进程</a:t>
-            </a:r>
-            <a:endParaRPr lang="zh-CN" altLang="en-US"/>
+              <a:t>....</a:t>
+            </a:r>
+            <a:endParaRPr lang="en-US" altLang="zh-CN"/>
           </a:p>
         </p:txBody>
       </p:sp>
@@ -1197,6 +1834,22 @@
         <p:txBody>
           <a:bodyPr/>
           <a:p>
+            <a:r>
+              <a:rPr lang="zh-CN" altLang="en-US"/>
+              <a:t>搭建好集群，充分利用了多核</a:t>
+            </a:r>
+            <a:r>
+              <a:rPr lang="en-US" altLang="zh-CN"/>
+              <a:t>cpu</a:t>
+            </a:r>
+            <a:r>
+              <a:rPr lang="zh-CN" altLang="en-US"/>
+              <a:t>资源，似乎就可以迎接客户端大量请求了。但是</a:t>
+            </a:r>
+            <a:r>
+              <a:rPr lang="en-US" altLang="zh-CN"/>
+              <a:t>....</a:t>
+            </a:r>
             <a:endParaRPr lang="en-US" altLang="zh-CN"/>
           </a:p>
         </p:txBody>
@@ -7537,9 +8190,218 @@
   <p:timing>
     <p:tnLst>
       <p:par>
-        <p:cTn id="1" dur="indefinite" restart="never" nodeType="tmRoot"/>
+        <p:cTn id="1" dur="indefinite" restart="never" nodeType="tmRoot">
+          <p:childTnLst>
+            <p:seq concurrent="1" nextAc="seek">
+              <p:cTn id="2" dur="indefinite" nodeType="mainSeq">
+                <p:childTnLst>
+                  <p:par>
+                    <p:cTn id="3" fill="hold">
+                      <p:stCondLst>
+                        <p:cond delay="indefinite"/>
+                      </p:stCondLst>
+                      <p:childTnLst>
+                        <p:par>
+                          <p:cTn id="4" fill="hold">
+                            <p:stCondLst>
+                              <p:cond delay="0"/>
+                            </p:stCondLst>
+                            <p:childTnLst>
+                              <p:par>
+                                <p:cTn id="5" presetID="2" presetClass="entr" presetSubtype="4" fill="hold" grpId="0" nodeType="clickEffect">
+                                  <p:stCondLst>
+                                    <p:cond delay="0"/>
+                                  </p:stCondLst>
+                                  <p:childTnLst>
+                                    <p:set>
+                                      <p:cBhvr>
+                                        <p:cTn id="6" dur="1" fill="hold">
+                                          <p:stCondLst>
+                                            <p:cond delay="0"/>
+                                          </p:stCondLst>
+                                        </p:cTn>
+                                        <p:tgtEl>
+                                          <p:spTgt spid="3"/>
+                                        </p:tgtEl>
+                                        <p:attrNameLst>
+                                          <p:attrName>style.visibility</p:attrName>
+                                        </p:attrNameLst>
+                                      </p:cBhvr>
+                                      <p:to>
+                                        <p:strVal val="visible"/>
+                                      </p:to>
+                                    </p:set>
+                                    <p:anim calcmode="lin" valueType="num">
+                                      <p:cBhvr additive="base">
+                                        <p:cTn id="7" dur="500" fill="hold"/>
+                                        <p:tgtEl>
+                                          <p:spTgt spid="3"/>
+                                        </p:tgtEl>
+                                        <p:attrNameLst>
+                                          <p:attrName>ppt_x</p:attrName>
+                                        </p:attrNameLst>
+                                      </p:cBhvr>
+                                      <p:tavLst>
+                                        <p:tav tm="0">
+                                          <p:val>
+                                            <p:strVal val="#ppt_x"/>
+                                          </p:val>
+                                        </p:tav>
+                                        <p:tav tm="100000">
+                                          <p:val>
+                                            <p:strVal val="#ppt_x"/>
+                                          </p:val>
+                                        </p:tav>
+                                      </p:tavLst>
+                                    </p:anim>
+                                    <p:anim calcmode="lin" valueType="num">
+                                      <p:cBhvr additive="base">
+                                        <p:cTn id="8" dur="500" fill="hold"/>
+                                        <p:tgtEl>
+                                          <p:spTgt spid="3"/>
+                                        </p:tgtEl>
+                                        <p:attrNameLst>
+                                          <p:attrName>ppt_y</p:attrName>
+                                        </p:attrNameLst>
+                                      </p:cBhvr>
+                                      <p:tavLst>
+                                        <p:tav tm="0">
+                                          <p:val>
+                                            <p:strVal val="1+#ppt_h/2"/>
+                                          </p:val>
+                                        </p:tav>
+                                        <p:tav tm="100000">
+                                          <p:val>
+                                            <p:strVal val="#ppt_y"/>
+                                          </p:val>
+                                        </p:tav>
+                                      </p:tavLst>
+                                    </p:anim>
+                                  </p:childTnLst>
+                                </p:cTn>
+                              </p:par>
+                            </p:childTnLst>
+                          </p:cTn>
+                        </p:par>
+                      </p:childTnLst>
+                    </p:cTn>
+                  </p:par>
+                  <p:par>
+                    <p:cTn id="9" fill="hold">
+                      <p:stCondLst>
+                        <p:cond delay="indefinite"/>
+                      </p:stCondLst>
+                      <p:childTnLst>
+                        <p:par>
+                          <p:cTn id="10" fill="hold">
+                            <p:stCondLst>
+                              <p:cond delay="0"/>
+                            </p:stCondLst>
+                            <p:childTnLst>
+                              <p:par>
+                                <p:cTn id="11" presetID="2" presetClass="entr" presetSubtype="4" fill="hold" grpId="0" nodeType="clickEffect">
+                                  <p:stCondLst>
+                                    <p:cond delay="0"/>
+                                  </p:stCondLst>
+                                  <p:childTnLst>
+                                    <p:set>
+                                      <p:cBhvr>
+                                        <p:cTn id="12" dur="1" fill="hold">
+                                          <p:stCondLst>
+                                            <p:cond delay="0"/>
+                                          </p:stCondLst>
+                                        </p:cTn>
+                                        <p:tgtEl>
+                                          <p:spTgt spid="2"/>
+                                        </p:tgtEl>
+                                        <p:attrNameLst>
+                                          <p:attrName>style.visibility</p:attrName>
+                                        </p:attrNameLst>
+                                      </p:cBhvr>
+                                      <p:to>
+                                        <p:strVal val="visible"/>
+                                      </p:to>
+                                    </p:set>
+                                    <p:anim calcmode="lin" valueType="num">
+                                      <p:cBhvr additive="base">
+                                        <p:cTn id="13" dur="500" fill="hold"/>
+                                        <p:tgtEl>
+                                          <p:spTgt spid="2"/>
+                                        </p:tgtEl>
+                                        <p:attrNameLst>
+                                          <p:attrName>ppt_x</p:attrName>
+                                        </p:attrNameLst>
+                                      </p:cBhvr>
+                                      <p:tavLst>
+                                        <p:tav tm="0">
+                                          <p:val>
+                                            <p:strVal val="#ppt_x"/>
+                                          </p:val>
+                                        </p:tav>
+                                        <p:tav tm="100000">
+                                          <p:val>
+                                            <p:strVal val="#ppt_x"/>
+                                          </p:val>
+                                        </p:tav>
+                                      </p:tavLst>
+                                    </p:anim>
+                                    <p:anim calcmode="lin" valueType="num">
+                                      <p:cBhvr additive="base">
+                                        <p:cTn id="14" dur="500" fill="hold"/>
+                                        <p:tgtEl>
+                                          <p:spTgt spid="2"/>
+                                        </p:tgtEl>
+                                        <p:attrNameLst>
+                                          <p:attrName>ppt_y</p:attrName>
+                                        </p:attrNameLst>
+                                      </p:cBhvr>
+                                      <p:tavLst>
+                                        <p:tav tm="0">
+                                          <p:val>
+                                            <p:strVal val="1+#ppt_h/2"/>
+                                          </p:val>
+                                        </p:tav>
+                                        <p:tav tm="100000">
+                                          <p:val>
+                                            <p:strVal val="#ppt_y"/>
+                                          </p:val>
+                                        </p:tav>
+                                      </p:tavLst>
+                                    </p:anim>
+                                  </p:childTnLst>
+                                </p:cTn>
+                              </p:par>
+                            </p:childTnLst>
+                          </p:cTn>
+                        </p:par>
+                      </p:childTnLst>
+                    </p:cTn>
+                  </p:par>
+                </p:childTnLst>
+              </p:cTn>
+              <p:prevCondLst>
+                <p:cond evt="onPrev" delay="0">
+                  <p:tgtEl>
+                    <p:sldTgt/>
+                  </p:tgtEl>
+                </p:cond>
+              </p:prevCondLst>
+              <p:nextCondLst>
+                <p:cond evt="onNext" delay="0">
+                  <p:tgtEl>
+                    <p:sldTgt/>
+                  </p:tgtEl>
+                </p:cond>
+              </p:nextCondLst>
+            </p:seq>
+          </p:childTnLst>
+        </p:cTn>
       </p:par>
     </p:tnLst>
+    <p:bldLst>
+      <p:bldP spid="3" grpId="0"/>
+      <p:bldP spid="2" grpId="0"/>
+    </p:bldLst>
   </p:timing>
 </p:sld>
 </file>
@@ -7615,7 +8477,7 @@
         <p:spPr bwMode="auto">
           <a:xfrm>
             <a:off x="847042" y="1217728"/>
-            <a:ext cx="10113484" cy="1014730"/>
+            <a:ext cx="10113484" cy="553085"/>
           </a:xfrm>
           <a:prstGeom prst="rect">
             <a:avLst/>
@@ -7799,12 +8661,1437 @@
                 <a:latin typeface="微软雅黑" panose="020B0503020204020204" pitchFamily="34" charset="-122"/>
                 <a:ea typeface="微软雅黑" panose="020B0503020204020204" pitchFamily="34" charset="-122"/>
               </a:rPr>
-              <a:t>默认提供的机制是操作系统的抢占式策略。</a:t>
+              <a:t>进程不宜存放太多数据，会加重垃圾回收的负担，损耗性能。</a:t>
             </a:r>
             <a:endParaRPr lang="zh-CN" altLang="en-US" sz="2000" dirty="0" smtClean="0">
               <a:latin typeface="微软雅黑" panose="020B0503020204020204" pitchFamily="34" charset="-122"/>
               <a:ea typeface="微软雅黑" panose="020B0503020204020204" pitchFamily="34" charset="-122"/>
             </a:endParaRPr>
+          </a:p>
+        </p:txBody>
+      </p:sp>
+      <p:sp>
+        <p:nvSpPr>
+          <p:cNvPr id="2" name="文本框 1"/>
+          <p:cNvSpPr txBox="1">
+            <a:spLocks noChangeArrowheads="1"/>
+          </p:cNvSpPr>
+          <p:nvPr/>
+        </p:nvSpPr>
+        <p:spPr bwMode="auto">
+          <a:xfrm>
+            <a:off x="847042" y="2017828"/>
+            <a:ext cx="10113484" cy="553085"/>
+          </a:xfrm>
+          <a:prstGeom prst="rect">
+            <a:avLst/>
+          </a:prstGeom>
+          <a:noFill/>
+          <a:ln>
+            <a:noFill/>
+          </a:ln>
+          <a:extLst>
+            <a:ext uri="{909E8E84-426E-40DD-AFC4-6F175D3DCCD1}">
+              <a14:hiddenFill xmlns:a14="http://schemas.microsoft.com/office/drawing/2010/main">
+                <a:solidFill>
+                  <a:srgbClr val="FFFFFF"/>
+                </a:solidFill>
+              </a14:hiddenFill>
+            </a:ext>
+            <a:ext uri="{91240B29-F687-4F45-9708-019B960494DF}">
+              <a14:hiddenLine xmlns:a14="http://schemas.microsoft.com/office/drawing/2010/main" w="9525">
+                <a:solidFill>
+                  <a:srgbClr val="000000"/>
+                </a:solidFill>
+                <a:miter lim="800000"/>
+                <a:headEnd/>
+                <a:tailEnd/>
+              </a14:hiddenLine>
+            </a:ext>
+          </a:extLst>
+        </p:spPr>
+        <p:txBody>
+          <a:bodyPr wrap="square">
+            <a:spAutoFit/>
+          </a:bodyPr>
+          <a:lstStyle>
+            <a:defPPr>
+              <a:defRPr lang="zh-CN"/>
+            </a:defPPr>
+            <a:lvl1pPr algn="l" rtl="0" eaLnBrk="0" fontAlgn="base" hangingPunct="0">
+              <a:spcBef>
+                <a:spcPct val="0"/>
+              </a:spcBef>
+              <a:spcAft>
+                <a:spcPct val="0"/>
+              </a:spcAft>
+              <a:defRPr kern="1200">
+                <a:solidFill>
+                  <a:schemeClr val="tx1"/>
+                </a:solidFill>
+                <a:latin typeface="Arial" panose="020B0604020202090204" pitchFamily="34" charset="0"/>
+                <a:ea typeface="宋体" panose="02010600030101010101" pitchFamily="2" charset="-122"/>
+                <a:cs typeface="+mn-cs"/>
+              </a:defRPr>
+            </a:lvl1pPr>
+            <a:lvl2pPr marL="457200" algn="l" rtl="0" eaLnBrk="0" fontAlgn="base" hangingPunct="0">
+              <a:spcBef>
+                <a:spcPct val="0"/>
+              </a:spcBef>
+              <a:spcAft>
+                <a:spcPct val="0"/>
+              </a:spcAft>
+              <a:defRPr kern="1200">
+                <a:solidFill>
+                  <a:schemeClr val="tx1"/>
+                </a:solidFill>
+                <a:latin typeface="Arial" panose="020B0604020202090204" pitchFamily="34" charset="0"/>
+                <a:ea typeface="宋体" panose="02010600030101010101" pitchFamily="2" charset="-122"/>
+                <a:cs typeface="+mn-cs"/>
+              </a:defRPr>
+            </a:lvl2pPr>
+            <a:lvl3pPr marL="914400" algn="l" rtl="0" eaLnBrk="0" fontAlgn="base" hangingPunct="0">
+              <a:spcBef>
+                <a:spcPct val="0"/>
+              </a:spcBef>
+              <a:spcAft>
+                <a:spcPct val="0"/>
+              </a:spcAft>
+              <a:defRPr kern="1200">
+                <a:solidFill>
+                  <a:schemeClr val="tx1"/>
+                </a:solidFill>
+                <a:latin typeface="Arial" panose="020B0604020202090204" pitchFamily="34" charset="0"/>
+                <a:ea typeface="宋体" panose="02010600030101010101" pitchFamily="2" charset="-122"/>
+                <a:cs typeface="+mn-cs"/>
+              </a:defRPr>
+            </a:lvl3pPr>
+            <a:lvl4pPr marL="1371600" algn="l" rtl="0" eaLnBrk="0" fontAlgn="base" hangingPunct="0">
+              <a:spcBef>
+                <a:spcPct val="0"/>
+              </a:spcBef>
+              <a:spcAft>
+                <a:spcPct val="0"/>
+              </a:spcAft>
+              <a:defRPr kern="1200">
+                <a:solidFill>
+                  <a:schemeClr val="tx1"/>
+                </a:solidFill>
+                <a:latin typeface="Arial" panose="020B0604020202090204" pitchFamily="34" charset="0"/>
+                <a:ea typeface="宋体" panose="02010600030101010101" pitchFamily="2" charset="-122"/>
+                <a:cs typeface="+mn-cs"/>
+              </a:defRPr>
+            </a:lvl4pPr>
+            <a:lvl5pPr marL="1828800" algn="l" rtl="0" eaLnBrk="0" fontAlgn="base" hangingPunct="0">
+              <a:spcBef>
+                <a:spcPct val="0"/>
+              </a:spcBef>
+              <a:spcAft>
+                <a:spcPct val="0"/>
+              </a:spcAft>
+              <a:defRPr kern="1200">
+                <a:solidFill>
+                  <a:schemeClr val="tx1"/>
+                </a:solidFill>
+                <a:latin typeface="Arial" panose="020B0604020202090204" pitchFamily="34" charset="0"/>
+                <a:ea typeface="宋体" panose="02010600030101010101" pitchFamily="2" charset="-122"/>
+                <a:cs typeface="+mn-cs"/>
+              </a:defRPr>
+            </a:lvl5pPr>
+            <a:lvl6pPr marL="2286000" algn="l" defTabSz="914400" rtl="0" eaLnBrk="1" latinLnBrk="0" hangingPunct="1">
+              <a:defRPr kern="1200">
+                <a:solidFill>
+                  <a:schemeClr val="tx1"/>
+                </a:solidFill>
+                <a:latin typeface="Arial" panose="020B0604020202090204" pitchFamily="34" charset="0"/>
+                <a:ea typeface="宋体" panose="02010600030101010101" pitchFamily="2" charset="-122"/>
+                <a:cs typeface="+mn-cs"/>
+              </a:defRPr>
+            </a:lvl6pPr>
+            <a:lvl7pPr marL="2743200" algn="l" defTabSz="914400" rtl="0" eaLnBrk="1" latinLnBrk="0" hangingPunct="1">
+              <a:defRPr kern="1200">
+                <a:solidFill>
+                  <a:schemeClr val="tx1"/>
+                </a:solidFill>
+                <a:latin typeface="Arial" panose="020B0604020202090204" pitchFamily="34" charset="0"/>
+                <a:ea typeface="宋体" panose="02010600030101010101" pitchFamily="2" charset="-122"/>
+                <a:cs typeface="+mn-cs"/>
+              </a:defRPr>
+            </a:lvl7pPr>
+            <a:lvl8pPr marL="3200400" algn="l" defTabSz="914400" rtl="0" eaLnBrk="1" latinLnBrk="0" hangingPunct="1">
+              <a:defRPr kern="1200">
+                <a:solidFill>
+                  <a:schemeClr val="tx1"/>
+                </a:solidFill>
+                <a:latin typeface="Arial" panose="020B0604020202090204" pitchFamily="34" charset="0"/>
+                <a:ea typeface="宋体" panose="02010600030101010101" pitchFamily="2" charset="-122"/>
+                <a:cs typeface="+mn-cs"/>
+              </a:defRPr>
+            </a:lvl8pPr>
+            <a:lvl9pPr marL="3657600" algn="l" defTabSz="914400" rtl="0" eaLnBrk="1" latinLnBrk="0" hangingPunct="1">
+              <a:defRPr kern="1200">
+                <a:solidFill>
+                  <a:schemeClr val="tx1"/>
+                </a:solidFill>
+                <a:latin typeface="Arial" panose="020B0604020202090204" pitchFamily="34" charset="0"/>
+                <a:ea typeface="宋体" panose="02010600030101010101" pitchFamily="2" charset="-122"/>
+                <a:cs typeface="+mn-cs"/>
+              </a:defRPr>
+            </a:lvl9pPr>
+          </a:lstStyle>
+          <a:p>
+            <a:pPr indent="0" eaLnBrk="1" hangingPunct="1">
+              <a:lnSpc>
+                <a:spcPct val="150000"/>
+              </a:lnSpc>
+              <a:spcBef>
+                <a:spcPct val="0"/>
+              </a:spcBef>
+              <a:spcAft>
+                <a:spcPts val="0"/>
+              </a:spcAft>
+              <a:buFontTx/>
+              <a:buNone/>
+            </a:pPr>
+            <a:r>
+              <a:rPr lang="zh-CN" altLang="en-US" sz="2000" dirty="0" smtClean="0">
+                <a:latin typeface="微软雅黑" panose="020B0503020204020204" pitchFamily="34" charset="-122"/>
+                <a:ea typeface="微软雅黑" panose="020B0503020204020204" pitchFamily="34" charset="-122"/>
+              </a:rPr>
+              <a:t>第三方存储：</a:t>
+            </a:r>
+            <a:endParaRPr lang="zh-CN" altLang="en-US" sz="2000" dirty="0" smtClean="0">
+              <a:latin typeface="微软雅黑" panose="020B0503020204020204" pitchFamily="34" charset="-122"/>
+              <a:ea typeface="微软雅黑" panose="020B0503020204020204" pitchFamily="34" charset="-122"/>
+            </a:endParaRPr>
+          </a:p>
+        </p:txBody>
+      </p:sp>
+      <p:sp>
+        <p:nvSpPr>
+          <p:cNvPr id="5" name="文本框 4"/>
+          <p:cNvSpPr txBox="1">
+            <a:spLocks noChangeArrowheads="1"/>
+          </p:cNvSpPr>
+          <p:nvPr/>
+        </p:nvSpPr>
+        <p:spPr bwMode="auto">
+          <a:xfrm>
+            <a:off x="847042" y="2795703"/>
+            <a:ext cx="10113484" cy="553085"/>
+          </a:xfrm>
+          <a:prstGeom prst="rect">
+            <a:avLst/>
+          </a:prstGeom>
+          <a:noFill/>
+          <a:ln>
+            <a:noFill/>
+          </a:ln>
+          <a:extLst>
+            <a:ext uri="{909E8E84-426E-40DD-AFC4-6F175D3DCCD1}">
+              <a14:hiddenFill xmlns:a14="http://schemas.microsoft.com/office/drawing/2010/main">
+                <a:solidFill>
+                  <a:srgbClr val="FFFFFF"/>
+                </a:solidFill>
+              </a14:hiddenFill>
+            </a:ext>
+            <a:ext uri="{91240B29-F687-4F45-9708-019B960494DF}">
+              <a14:hiddenLine xmlns:a14="http://schemas.microsoft.com/office/drawing/2010/main" w="9525">
+                <a:solidFill>
+                  <a:srgbClr val="000000"/>
+                </a:solidFill>
+                <a:miter lim="800000"/>
+                <a:headEnd/>
+                <a:tailEnd/>
+              </a14:hiddenLine>
+            </a:ext>
+          </a:extLst>
+        </p:spPr>
+        <p:txBody>
+          <a:bodyPr wrap="square">
+            <a:spAutoFit/>
+          </a:bodyPr>
+          <a:lstStyle>
+            <a:defPPr>
+              <a:defRPr lang="zh-CN"/>
+            </a:defPPr>
+            <a:lvl1pPr algn="l" rtl="0" eaLnBrk="0" fontAlgn="base" hangingPunct="0">
+              <a:spcBef>
+                <a:spcPct val="0"/>
+              </a:spcBef>
+              <a:spcAft>
+                <a:spcPct val="0"/>
+              </a:spcAft>
+              <a:defRPr kern="1200">
+                <a:solidFill>
+                  <a:schemeClr val="tx1"/>
+                </a:solidFill>
+                <a:latin typeface="Arial" panose="020B0604020202090204" pitchFamily="34" charset="0"/>
+                <a:ea typeface="宋体" panose="02010600030101010101" pitchFamily="2" charset="-122"/>
+                <a:cs typeface="+mn-cs"/>
+              </a:defRPr>
+            </a:lvl1pPr>
+            <a:lvl2pPr marL="457200" algn="l" rtl="0" eaLnBrk="0" fontAlgn="base" hangingPunct="0">
+              <a:spcBef>
+                <a:spcPct val="0"/>
+              </a:spcBef>
+              <a:spcAft>
+                <a:spcPct val="0"/>
+              </a:spcAft>
+              <a:defRPr kern="1200">
+                <a:solidFill>
+                  <a:schemeClr val="tx1"/>
+                </a:solidFill>
+                <a:latin typeface="Arial" panose="020B0604020202090204" pitchFamily="34" charset="0"/>
+                <a:ea typeface="宋体" panose="02010600030101010101" pitchFamily="2" charset="-122"/>
+                <a:cs typeface="+mn-cs"/>
+              </a:defRPr>
+            </a:lvl2pPr>
+            <a:lvl3pPr marL="914400" algn="l" rtl="0" eaLnBrk="0" fontAlgn="base" hangingPunct="0">
+              <a:spcBef>
+                <a:spcPct val="0"/>
+              </a:spcBef>
+              <a:spcAft>
+                <a:spcPct val="0"/>
+              </a:spcAft>
+              <a:defRPr kern="1200">
+                <a:solidFill>
+                  <a:schemeClr val="tx1"/>
+                </a:solidFill>
+                <a:latin typeface="Arial" panose="020B0604020202090204" pitchFamily="34" charset="0"/>
+                <a:ea typeface="宋体" panose="02010600030101010101" pitchFamily="2" charset="-122"/>
+                <a:cs typeface="+mn-cs"/>
+              </a:defRPr>
+            </a:lvl3pPr>
+            <a:lvl4pPr marL="1371600" algn="l" rtl="0" eaLnBrk="0" fontAlgn="base" hangingPunct="0">
+              <a:spcBef>
+                <a:spcPct val="0"/>
+              </a:spcBef>
+              <a:spcAft>
+                <a:spcPct val="0"/>
+              </a:spcAft>
+              <a:defRPr kern="1200">
+                <a:solidFill>
+                  <a:schemeClr val="tx1"/>
+                </a:solidFill>
+                <a:latin typeface="Arial" panose="020B0604020202090204" pitchFamily="34" charset="0"/>
+                <a:ea typeface="宋体" panose="02010600030101010101" pitchFamily="2" charset="-122"/>
+                <a:cs typeface="+mn-cs"/>
+              </a:defRPr>
+            </a:lvl4pPr>
+            <a:lvl5pPr marL="1828800" algn="l" rtl="0" eaLnBrk="0" fontAlgn="base" hangingPunct="0">
+              <a:spcBef>
+                <a:spcPct val="0"/>
+              </a:spcBef>
+              <a:spcAft>
+                <a:spcPct val="0"/>
+              </a:spcAft>
+              <a:defRPr kern="1200">
+                <a:solidFill>
+                  <a:schemeClr val="tx1"/>
+                </a:solidFill>
+                <a:latin typeface="Arial" panose="020B0604020202090204" pitchFamily="34" charset="0"/>
+                <a:ea typeface="宋体" panose="02010600030101010101" pitchFamily="2" charset="-122"/>
+                <a:cs typeface="+mn-cs"/>
+              </a:defRPr>
+            </a:lvl5pPr>
+            <a:lvl6pPr marL="2286000" algn="l" defTabSz="914400" rtl="0" eaLnBrk="1" latinLnBrk="0" hangingPunct="1">
+              <a:defRPr kern="1200">
+                <a:solidFill>
+                  <a:schemeClr val="tx1"/>
+                </a:solidFill>
+                <a:latin typeface="Arial" panose="020B0604020202090204" pitchFamily="34" charset="0"/>
+                <a:ea typeface="宋体" panose="02010600030101010101" pitchFamily="2" charset="-122"/>
+                <a:cs typeface="+mn-cs"/>
+              </a:defRPr>
+            </a:lvl6pPr>
+            <a:lvl7pPr marL="2743200" algn="l" defTabSz="914400" rtl="0" eaLnBrk="1" latinLnBrk="0" hangingPunct="1">
+              <a:defRPr kern="1200">
+                <a:solidFill>
+                  <a:schemeClr val="tx1"/>
+                </a:solidFill>
+                <a:latin typeface="Arial" panose="020B0604020202090204" pitchFamily="34" charset="0"/>
+                <a:ea typeface="宋体" panose="02010600030101010101" pitchFamily="2" charset="-122"/>
+                <a:cs typeface="+mn-cs"/>
+              </a:defRPr>
+            </a:lvl7pPr>
+            <a:lvl8pPr marL="3200400" algn="l" defTabSz="914400" rtl="0" eaLnBrk="1" latinLnBrk="0" hangingPunct="1">
+              <a:defRPr kern="1200">
+                <a:solidFill>
+                  <a:schemeClr val="tx1"/>
+                </a:solidFill>
+                <a:latin typeface="Arial" panose="020B0604020202090204" pitchFamily="34" charset="0"/>
+                <a:ea typeface="宋体" panose="02010600030101010101" pitchFamily="2" charset="-122"/>
+                <a:cs typeface="+mn-cs"/>
+              </a:defRPr>
+            </a:lvl8pPr>
+            <a:lvl9pPr marL="3657600" algn="l" defTabSz="914400" rtl="0" eaLnBrk="1" latinLnBrk="0" hangingPunct="1">
+              <a:defRPr kern="1200">
+                <a:solidFill>
+                  <a:schemeClr val="tx1"/>
+                </a:solidFill>
+                <a:latin typeface="Arial" panose="020B0604020202090204" pitchFamily="34" charset="0"/>
+                <a:ea typeface="宋体" panose="02010600030101010101" pitchFamily="2" charset="-122"/>
+                <a:cs typeface="+mn-cs"/>
+              </a:defRPr>
+            </a:lvl9pPr>
+          </a:lstStyle>
+          <a:p>
+            <a:pPr indent="0" eaLnBrk="1" hangingPunct="1">
+              <a:lnSpc>
+                <a:spcPct val="150000"/>
+              </a:lnSpc>
+              <a:spcBef>
+                <a:spcPct val="0"/>
+              </a:spcBef>
+              <a:spcAft>
+                <a:spcPts val="0"/>
+              </a:spcAft>
+              <a:buFontTx/>
+              <a:buNone/>
+            </a:pPr>
+            <a:r>
+              <a:rPr lang="en-US" altLang="zh-CN" sz="2000" dirty="0" smtClean="0">
+                <a:latin typeface="微软雅黑" panose="020B0503020204020204" pitchFamily="34" charset="-122"/>
+                <a:ea typeface="微软雅黑" panose="020B0503020204020204" pitchFamily="34" charset="-122"/>
+              </a:rPr>
+              <a:t>1. </a:t>
+            </a:r>
+            <a:r>
+              <a:rPr lang="zh-CN" altLang="en-US" sz="2000" dirty="0" smtClean="0">
+                <a:latin typeface="微软雅黑" panose="020B0503020204020204" pitchFamily="34" charset="-122"/>
+                <a:ea typeface="微软雅黑" panose="020B0503020204020204" pitchFamily="34" charset="-122"/>
+              </a:rPr>
+              <a:t>轮训？</a:t>
+            </a:r>
+            <a:endParaRPr lang="zh-CN" altLang="en-US" sz="2000" dirty="0" smtClean="0">
+              <a:latin typeface="微软雅黑" panose="020B0503020204020204" pitchFamily="34" charset="-122"/>
+              <a:ea typeface="微软雅黑" panose="020B0503020204020204" pitchFamily="34" charset="-122"/>
+            </a:endParaRPr>
+          </a:p>
+        </p:txBody>
+      </p:sp>
+      <p:sp>
+        <p:nvSpPr>
+          <p:cNvPr id="6" name="文本框 5"/>
+          <p:cNvSpPr txBox="1">
+            <a:spLocks noChangeArrowheads="1"/>
+          </p:cNvSpPr>
+          <p:nvPr/>
+        </p:nvSpPr>
+        <p:spPr bwMode="auto">
+          <a:xfrm>
+            <a:off x="847042" y="3573578"/>
+            <a:ext cx="10113484" cy="553085"/>
+          </a:xfrm>
+          <a:prstGeom prst="rect">
+            <a:avLst/>
+          </a:prstGeom>
+          <a:noFill/>
+          <a:ln>
+            <a:noFill/>
+          </a:ln>
+          <a:extLst>
+            <a:ext uri="{909E8E84-426E-40DD-AFC4-6F175D3DCCD1}">
+              <a14:hiddenFill xmlns:a14="http://schemas.microsoft.com/office/drawing/2010/main">
+                <a:solidFill>
+                  <a:srgbClr val="FFFFFF"/>
+                </a:solidFill>
+              </a14:hiddenFill>
+            </a:ext>
+            <a:ext uri="{91240B29-F687-4F45-9708-019B960494DF}">
+              <a14:hiddenLine xmlns:a14="http://schemas.microsoft.com/office/drawing/2010/main" w="9525">
+                <a:solidFill>
+                  <a:srgbClr val="000000"/>
+                </a:solidFill>
+                <a:miter lim="800000"/>
+                <a:headEnd/>
+                <a:tailEnd/>
+              </a14:hiddenLine>
+            </a:ext>
+          </a:extLst>
+        </p:spPr>
+        <p:txBody>
+          <a:bodyPr wrap="square">
+            <a:spAutoFit/>
+          </a:bodyPr>
+          <a:lstStyle>
+            <a:defPPr>
+              <a:defRPr lang="zh-CN"/>
+            </a:defPPr>
+            <a:lvl1pPr algn="l" rtl="0" eaLnBrk="0" fontAlgn="base" hangingPunct="0">
+              <a:spcBef>
+                <a:spcPct val="0"/>
+              </a:spcBef>
+              <a:spcAft>
+                <a:spcPct val="0"/>
+              </a:spcAft>
+              <a:defRPr kern="1200">
+                <a:solidFill>
+                  <a:schemeClr val="tx1"/>
+                </a:solidFill>
+                <a:latin typeface="Arial" panose="020B0604020202090204" pitchFamily="34" charset="0"/>
+                <a:ea typeface="宋体" panose="02010600030101010101" pitchFamily="2" charset="-122"/>
+                <a:cs typeface="+mn-cs"/>
+              </a:defRPr>
+            </a:lvl1pPr>
+            <a:lvl2pPr marL="457200" algn="l" rtl="0" eaLnBrk="0" fontAlgn="base" hangingPunct="0">
+              <a:spcBef>
+                <a:spcPct val="0"/>
+              </a:spcBef>
+              <a:spcAft>
+                <a:spcPct val="0"/>
+              </a:spcAft>
+              <a:defRPr kern="1200">
+                <a:solidFill>
+                  <a:schemeClr val="tx1"/>
+                </a:solidFill>
+                <a:latin typeface="Arial" panose="020B0604020202090204" pitchFamily="34" charset="0"/>
+                <a:ea typeface="宋体" panose="02010600030101010101" pitchFamily="2" charset="-122"/>
+                <a:cs typeface="+mn-cs"/>
+              </a:defRPr>
+            </a:lvl2pPr>
+            <a:lvl3pPr marL="914400" algn="l" rtl="0" eaLnBrk="0" fontAlgn="base" hangingPunct="0">
+              <a:spcBef>
+                <a:spcPct val="0"/>
+              </a:spcBef>
+              <a:spcAft>
+                <a:spcPct val="0"/>
+              </a:spcAft>
+              <a:defRPr kern="1200">
+                <a:solidFill>
+                  <a:schemeClr val="tx1"/>
+                </a:solidFill>
+                <a:latin typeface="Arial" panose="020B0604020202090204" pitchFamily="34" charset="0"/>
+                <a:ea typeface="宋体" panose="02010600030101010101" pitchFamily="2" charset="-122"/>
+                <a:cs typeface="+mn-cs"/>
+              </a:defRPr>
+            </a:lvl3pPr>
+            <a:lvl4pPr marL="1371600" algn="l" rtl="0" eaLnBrk="0" fontAlgn="base" hangingPunct="0">
+              <a:spcBef>
+                <a:spcPct val="0"/>
+              </a:spcBef>
+              <a:spcAft>
+                <a:spcPct val="0"/>
+              </a:spcAft>
+              <a:defRPr kern="1200">
+                <a:solidFill>
+                  <a:schemeClr val="tx1"/>
+                </a:solidFill>
+                <a:latin typeface="Arial" panose="020B0604020202090204" pitchFamily="34" charset="0"/>
+                <a:ea typeface="宋体" panose="02010600030101010101" pitchFamily="2" charset="-122"/>
+                <a:cs typeface="+mn-cs"/>
+              </a:defRPr>
+            </a:lvl4pPr>
+            <a:lvl5pPr marL="1828800" algn="l" rtl="0" eaLnBrk="0" fontAlgn="base" hangingPunct="0">
+              <a:spcBef>
+                <a:spcPct val="0"/>
+              </a:spcBef>
+              <a:spcAft>
+                <a:spcPct val="0"/>
+              </a:spcAft>
+              <a:defRPr kern="1200">
+                <a:solidFill>
+                  <a:schemeClr val="tx1"/>
+                </a:solidFill>
+                <a:latin typeface="Arial" panose="020B0604020202090204" pitchFamily="34" charset="0"/>
+                <a:ea typeface="宋体" panose="02010600030101010101" pitchFamily="2" charset="-122"/>
+                <a:cs typeface="+mn-cs"/>
+              </a:defRPr>
+            </a:lvl5pPr>
+            <a:lvl6pPr marL="2286000" algn="l" defTabSz="914400" rtl="0" eaLnBrk="1" latinLnBrk="0" hangingPunct="1">
+              <a:defRPr kern="1200">
+                <a:solidFill>
+                  <a:schemeClr val="tx1"/>
+                </a:solidFill>
+                <a:latin typeface="Arial" panose="020B0604020202090204" pitchFamily="34" charset="0"/>
+                <a:ea typeface="宋体" panose="02010600030101010101" pitchFamily="2" charset="-122"/>
+                <a:cs typeface="+mn-cs"/>
+              </a:defRPr>
+            </a:lvl6pPr>
+            <a:lvl7pPr marL="2743200" algn="l" defTabSz="914400" rtl="0" eaLnBrk="1" latinLnBrk="0" hangingPunct="1">
+              <a:defRPr kern="1200">
+                <a:solidFill>
+                  <a:schemeClr val="tx1"/>
+                </a:solidFill>
+                <a:latin typeface="Arial" panose="020B0604020202090204" pitchFamily="34" charset="0"/>
+                <a:ea typeface="宋体" panose="02010600030101010101" pitchFamily="2" charset="-122"/>
+                <a:cs typeface="+mn-cs"/>
+              </a:defRPr>
+            </a:lvl7pPr>
+            <a:lvl8pPr marL="3200400" algn="l" defTabSz="914400" rtl="0" eaLnBrk="1" latinLnBrk="0" hangingPunct="1">
+              <a:defRPr kern="1200">
+                <a:solidFill>
+                  <a:schemeClr val="tx1"/>
+                </a:solidFill>
+                <a:latin typeface="Arial" panose="020B0604020202090204" pitchFamily="34" charset="0"/>
+                <a:ea typeface="宋体" panose="02010600030101010101" pitchFamily="2" charset="-122"/>
+                <a:cs typeface="+mn-cs"/>
+              </a:defRPr>
+            </a:lvl8pPr>
+            <a:lvl9pPr marL="3657600" algn="l" defTabSz="914400" rtl="0" eaLnBrk="1" latinLnBrk="0" hangingPunct="1">
+              <a:defRPr kern="1200">
+                <a:solidFill>
+                  <a:schemeClr val="tx1"/>
+                </a:solidFill>
+                <a:latin typeface="Arial" panose="020B0604020202090204" pitchFamily="34" charset="0"/>
+                <a:ea typeface="宋体" panose="02010600030101010101" pitchFamily="2" charset="-122"/>
+                <a:cs typeface="+mn-cs"/>
+              </a:defRPr>
+            </a:lvl9pPr>
+          </a:lstStyle>
+          <a:p>
+            <a:pPr indent="0" eaLnBrk="1" hangingPunct="1">
+              <a:lnSpc>
+                <a:spcPct val="150000"/>
+              </a:lnSpc>
+              <a:spcBef>
+                <a:spcPct val="0"/>
+              </a:spcBef>
+              <a:spcAft>
+                <a:spcPts val="0"/>
+              </a:spcAft>
+              <a:buFontTx/>
+              <a:buNone/>
+            </a:pPr>
+            <a:r>
+              <a:rPr lang="en-US" altLang="zh-CN" sz="2000" dirty="0" smtClean="0">
+                <a:latin typeface="微软雅黑" panose="020B0503020204020204" pitchFamily="34" charset="-122"/>
+                <a:ea typeface="微软雅黑" panose="020B0503020204020204" pitchFamily="34" charset="-122"/>
+              </a:rPr>
+              <a:t>2. </a:t>
+            </a:r>
+            <a:r>
+              <a:rPr lang="zh-CN" altLang="en-US" sz="2000" dirty="0" smtClean="0">
+                <a:latin typeface="微软雅黑" panose="020B0503020204020204" pitchFamily="34" charset="-122"/>
+                <a:ea typeface="微软雅黑" panose="020B0503020204020204" pitchFamily="34" charset="-122"/>
+                <a:sym typeface="+mn-ea"/>
+              </a:rPr>
+              <a:t>通知进程</a:t>
+            </a:r>
+            <a:r>
+              <a:rPr lang="en-US" altLang="zh-CN" sz="2000" dirty="0" smtClean="0">
+                <a:latin typeface="微软雅黑" panose="020B0503020204020204" pitchFamily="34" charset="-122"/>
+                <a:ea typeface="微软雅黑" panose="020B0503020204020204" pitchFamily="34" charset="-122"/>
+                <a:sym typeface="+mn-ea"/>
+              </a:rPr>
+              <a:t>--</a:t>
+            </a:r>
+            <a:r>
+              <a:rPr lang="zh-CN" altLang="en-US" sz="2000" dirty="0" smtClean="0">
+                <a:latin typeface="微软雅黑" panose="020B0503020204020204" pitchFamily="34" charset="-122"/>
+                <a:ea typeface="微软雅黑" panose="020B0503020204020204" pitchFamily="34" charset="-122"/>
+                <a:sym typeface="+mn-ea"/>
+              </a:rPr>
+              <a:t>一种改进方式</a:t>
+            </a:r>
+            <a:endParaRPr lang="zh-CN" altLang="en-US" sz="2000" dirty="0" smtClean="0">
+              <a:latin typeface="微软雅黑" panose="020B0503020204020204" pitchFamily="34" charset="-122"/>
+              <a:ea typeface="微软雅黑" panose="020B0503020204020204" pitchFamily="34" charset="-122"/>
+            </a:endParaRPr>
+          </a:p>
+        </p:txBody>
+      </p:sp>
+      <p:pic>
+        <p:nvPicPr>
+          <p:cNvPr id="7" name="图片 6"/>
+          <p:cNvPicPr>
+            <a:picLocks noChangeAspect="1"/>
+          </p:cNvPicPr>
+          <p:nvPr/>
+        </p:nvPicPr>
+        <p:blipFill>
+          <a:blip r:embed="rId1"/>
+          <a:stretch>
+            <a:fillRect/>
+          </a:stretch>
+        </p:blipFill>
+        <p:spPr>
+          <a:xfrm>
+            <a:off x="5850255" y="1854835"/>
+            <a:ext cx="4959985" cy="4470400"/>
+          </a:xfrm>
+          <a:prstGeom prst="rect">
+            <a:avLst/>
+          </a:prstGeom>
+        </p:spPr>
+      </p:pic>
+    </p:spTree>
+  </p:cSld>
+  <p:clrMapOvr>
+    <a:masterClrMapping/>
+  </p:clrMapOvr>
+  <p:transition spd="med">
+    <p:random/>
+  </p:transition>
+  <p:timing>
+    <p:tnLst>
+      <p:par>
+        <p:cTn id="1" dur="indefinite" restart="never" nodeType="tmRoot">
+          <p:childTnLst>
+            <p:seq concurrent="1" nextAc="seek">
+              <p:cTn id="2" dur="indefinite" nodeType="mainSeq">
+                <p:childTnLst>
+                  <p:par>
+                    <p:cTn id="3" fill="hold">
+                      <p:stCondLst>
+                        <p:cond delay="indefinite"/>
+                      </p:stCondLst>
+                      <p:childTnLst>
+                        <p:par>
+                          <p:cTn id="4" fill="hold">
+                            <p:stCondLst>
+                              <p:cond delay="0"/>
+                            </p:stCondLst>
+                            <p:childTnLst>
+                              <p:par>
+                                <p:cTn id="5" presetID="2" presetClass="entr" presetSubtype="4" fill="hold" grpId="0" nodeType="clickEffect">
+                                  <p:stCondLst>
+                                    <p:cond delay="0"/>
+                                  </p:stCondLst>
+                                  <p:childTnLst>
+                                    <p:set>
+                                      <p:cBhvr>
+                                        <p:cTn id="6" dur="1" fill="hold">
+                                          <p:stCondLst>
+                                            <p:cond delay="0"/>
+                                          </p:stCondLst>
+                                        </p:cTn>
+                                        <p:tgtEl>
+                                          <p:spTgt spid="3"/>
+                                        </p:tgtEl>
+                                        <p:attrNameLst>
+                                          <p:attrName>style.visibility</p:attrName>
+                                        </p:attrNameLst>
+                                      </p:cBhvr>
+                                      <p:to>
+                                        <p:strVal val="visible"/>
+                                      </p:to>
+                                    </p:set>
+                                    <p:anim calcmode="lin" valueType="num">
+                                      <p:cBhvr additive="base">
+                                        <p:cTn id="7" dur="500" fill="hold"/>
+                                        <p:tgtEl>
+                                          <p:spTgt spid="3"/>
+                                        </p:tgtEl>
+                                        <p:attrNameLst>
+                                          <p:attrName>ppt_x</p:attrName>
+                                        </p:attrNameLst>
+                                      </p:cBhvr>
+                                      <p:tavLst>
+                                        <p:tav tm="0">
+                                          <p:val>
+                                            <p:strVal val="#ppt_x"/>
+                                          </p:val>
+                                        </p:tav>
+                                        <p:tav tm="100000">
+                                          <p:val>
+                                            <p:strVal val="#ppt_x"/>
+                                          </p:val>
+                                        </p:tav>
+                                      </p:tavLst>
+                                    </p:anim>
+                                    <p:anim calcmode="lin" valueType="num">
+                                      <p:cBhvr additive="base">
+                                        <p:cTn id="8" dur="500" fill="hold"/>
+                                        <p:tgtEl>
+                                          <p:spTgt spid="3"/>
+                                        </p:tgtEl>
+                                        <p:attrNameLst>
+                                          <p:attrName>ppt_y</p:attrName>
+                                        </p:attrNameLst>
+                                      </p:cBhvr>
+                                      <p:tavLst>
+                                        <p:tav tm="0">
+                                          <p:val>
+                                            <p:strVal val="1+#ppt_h/2"/>
+                                          </p:val>
+                                        </p:tav>
+                                        <p:tav tm="100000">
+                                          <p:val>
+                                            <p:strVal val="#ppt_y"/>
+                                          </p:val>
+                                        </p:tav>
+                                      </p:tavLst>
+                                    </p:anim>
+                                  </p:childTnLst>
+                                </p:cTn>
+                              </p:par>
+                            </p:childTnLst>
+                          </p:cTn>
+                        </p:par>
+                      </p:childTnLst>
+                    </p:cTn>
+                  </p:par>
+                  <p:par>
+                    <p:cTn id="9" fill="hold">
+                      <p:stCondLst>
+                        <p:cond delay="indefinite"/>
+                      </p:stCondLst>
+                      <p:childTnLst>
+                        <p:par>
+                          <p:cTn id="10" fill="hold">
+                            <p:stCondLst>
+                              <p:cond delay="0"/>
+                            </p:stCondLst>
+                            <p:childTnLst>
+                              <p:par>
+                                <p:cTn id="11" presetID="2" presetClass="entr" presetSubtype="4" fill="hold" grpId="0" nodeType="clickEffect">
+                                  <p:stCondLst>
+                                    <p:cond delay="0"/>
+                                  </p:stCondLst>
+                                  <p:childTnLst>
+                                    <p:set>
+                                      <p:cBhvr>
+                                        <p:cTn id="12" dur="1" fill="hold">
+                                          <p:stCondLst>
+                                            <p:cond delay="0"/>
+                                          </p:stCondLst>
+                                        </p:cTn>
+                                        <p:tgtEl>
+                                          <p:spTgt spid="2"/>
+                                        </p:tgtEl>
+                                        <p:attrNameLst>
+                                          <p:attrName>style.visibility</p:attrName>
+                                        </p:attrNameLst>
+                                      </p:cBhvr>
+                                      <p:to>
+                                        <p:strVal val="visible"/>
+                                      </p:to>
+                                    </p:set>
+                                    <p:anim calcmode="lin" valueType="num">
+                                      <p:cBhvr additive="base">
+                                        <p:cTn id="13" dur="500" fill="hold"/>
+                                        <p:tgtEl>
+                                          <p:spTgt spid="2"/>
+                                        </p:tgtEl>
+                                        <p:attrNameLst>
+                                          <p:attrName>ppt_x</p:attrName>
+                                        </p:attrNameLst>
+                                      </p:cBhvr>
+                                      <p:tavLst>
+                                        <p:tav tm="0">
+                                          <p:val>
+                                            <p:strVal val="#ppt_x"/>
+                                          </p:val>
+                                        </p:tav>
+                                        <p:tav tm="100000">
+                                          <p:val>
+                                            <p:strVal val="#ppt_x"/>
+                                          </p:val>
+                                        </p:tav>
+                                      </p:tavLst>
+                                    </p:anim>
+                                    <p:anim calcmode="lin" valueType="num">
+                                      <p:cBhvr additive="base">
+                                        <p:cTn id="14" dur="500" fill="hold"/>
+                                        <p:tgtEl>
+                                          <p:spTgt spid="2"/>
+                                        </p:tgtEl>
+                                        <p:attrNameLst>
+                                          <p:attrName>ppt_y</p:attrName>
+                                        </p:attrNameLst>
+                                      </p:cBhvr>
+                                      <p:tavLst>
+                                        <p:tav tm="0">
+                                          <p:val>
+                                            <p:strVal val="1+#ppt_h/2"/>
+                                          </p:val>
+                                        </p:tav>
+                                        <p:tav tm="100000">
+                                          <p:val>
+                                            <p:strVal val="#ppt_y"/>
+                                          </p:val>
+                                        </p:tav>
+                                      </p:tavLst>
+                                    </p:anim>
+                                  </p:childTnLst>
+                                </p:cTn>
+                              </p:par>
+                            </p:childTnLst>
+                          </p:cTn>
+                        </p:par>
+                      </p:childTnLst>
+                    </p:cTn>
+                  </p:par>
+                  <p:par>
+                    <p:cTn id="15" fill="hold">
+                      <p:stCondLst>
+                        <p:cond delay="indefinite"/>
+                      </p:stCondLst>
+                      <p:childTnLst>
+                        <p:par>
+                          <p:cTn id="16" fill="hold">
+                            <p:stCondLst>
+                              <p:cond delay="0"/>
+                            </p:stCondLst>
+                            <p:childTnLst>
+                              <p:par>
+                                <p:cTn id="17" presetID="2" presetClass="entr" presetSubtype="4" fill="hold" grpId="0" nodeType="clickEffect">
+                                  <p:stCondLst>
+                                    <p:cond delay="0"/>
+                                  </p:stCondLst>
+                                  <p:childTnLst>
+                                    <p:set>
+                                      <p:cBhvr>
+                                        <p:cTn id="18" dur="1" fill="hold">
+                                          <p:stCondLst>
+                                            <p:cond delay="0"/>
+                                          </p:stCondLst>
+                                        </p:cTn>
+                                        <p:tgtEl>
+                                          <p:spTgt spid="5"/>
+                                        </p:tgtEl>
+                                        <p:attrNameLst>
+                                          <p:attrName>style.visibility</p:attrName>
+                                        </p:attrNameLst>
+                                      </p:cBhvr>
+                                      <p:to>
+                                        <p:strVal val="visible"/>
+                                      </p:to>
+                                    </p:set>
+                                    <p:anim calcmode="lin" valueType="num">
+                                      <p:cBhvr additive="base">
+                                        <p:cTn id="19" dur="500" fill="hold"/>
+                                        <p:tgtEl>
+                                          <p:spTgt spid="5"/>
+                                        </p:tgtEl>
+                                        <p:attrNameLst>
+                                          <p:attrName>ppt_x</p:attrName>
+                                        </p:attrNameLst>
+                                      </p:cBhvr>
+                                      <p:tavLst>
+                                        <p:tav tm="0">
+                                          <p:val>
+                                            <p:strVal val="#ppt_x"/>
+                                          </p:val>
+                                        </p:tav>
+                                        <p:tav tm="100000">
+                                          <p:val>
+                                            <p:strVal val="#ppt_x"/>
+                                          </p:val>
+                                        </p:tav>
+                                      </p:tavLst>
+                                    </p:anim>
+                                    <p:anim calcmode="lin" valueType="num">
+                                      <p:cBhvr additive="base">
+                                        <p:cTn id="20" dur="500" fill="hold"/>
+                                        <p:tgtEl>
+                                          <p:spTgt spid="5"/>
+                                        </p:tgtEl>
+                                        <p:attrNameLst>
+                                          <p:attrName>ppt_y</p:attrName>
+                                        </p:attrNameLst>
+                                      </p:cBhvr>
+                                      <p:tavLst>
+                                        <p:tav tm="0">
+                                          <p:val>
+                                            <p:strVal val="1+#ppt_h/2"/>
+                                          </p:val>
+                                        </p:tav>
+                                        <p:tav tm="100000">
+                                          <p:val>
+                                            <p:strVal val="#ppt_y"/>
+                                          </p:val>
+                                        </p:tav>
+                                      </p:tavLst>
+                                    </p:anim>
+                                  </p:childTnLst>
+                                </p:cTn>
+                              </p:par>
+                            </p:childTnLst>
+                          </p:cTn>
+                        </p:par>
+                      </p:childTnLst>
+                    </p:cTn>
+                  </p:par>
+                  <p:par>
+                    <p:cTn id="21" fill="hold">
+                      <p:stCondLst>
+                        <p:cond delay="indefinite"/>
+                      </p:stCondLst>
+                      <p:childTnLst>
+                        <p:par>
+                          <p:cTn id="22" fill="hold">
+                            <p:stCondLst>
+                              <p:cond delay="0"/>
+                            </p:stCondLst>
+                            <p:childTnLst>
+                              <p:par>
+                                <p:cTn id="23" presetID="2" presetClass="entr" presetSubtype="4" fill="hold" grpId="0" nodeType="clickEffect">
+                                  <p:stCondLst>
+                                    <p:cond delay="0"/>
+                                  </p:stCondLst>
+                                  <p:childTnLst>
+                                    <p:set>
+                                      <p:cBhvr>
+                                        <p:cTn id="24" dur="1" fill="hold">
+                                          <p:stCondLst>
+                                            <p:cond delay="0"/>
+                                          </p:stCondLst>
+                                        </p:cTn>
+                                        <p:tgtEl>
+                                          <p:spTgt spid="6"/>
+                                        </p:tgtEl>
+                                        <p:attrNameLst>
+                                          <p:attrName>style.visibility</p:attrName>
+                                        </p:attrNameLst>
+                                      </p:cBhvr>
+                                      <p:to>
+                                        <p:strVal val="visible"/>
+                                      </p:to>
+                                    </p:set>
+                                    <p:anim calcmode="lin" valueType="num">
+                                      <p:cBhvr additive="base">
+                                        <p:cTn id="25" dur="500" fill="hold"/>
+                                        <p:tgtEl>
+                                          <p:spTgt spid="6"/>
+                                        </p:tgtEl>
+                                        <p:attrNameLst>
+                                          <p:attrName>ppt_x</p:attrName>
+                                        </p:attrNameLst>
+                                      </p:cBhvr>
+                                      <p:tavLst>
+                                        <p:tav tm="0">
+                                          <p:val>
+                                            <p:strVal val="#ppt_x"/>
+                                          </p:val>
+                                        </p:tav>
+                                        <p:tav tm="100000">
+                                          <p:val>
+                                            <p:strVal val="#ppt_x"/>
+                                          </p:val>
+                                        </p:tav>
+                                      </p:tavLst>
+                                    </p:anim>
+                                    <p:anim calcmode="lin" valueType="num">
+                                      <p:cBhvr additive="base">
+                                        <p:cTn id="26" dur="500" fill="hold"/>
+                                        <p:tgtEl>
+                                          <p:spTgt spid="6"/>
+                                        </p:tgtEl>
+                                        <p:attrNameLst>
+                                          <p:attrName>ppt_y</p:attrName>
+                                        </p:attrNameLst>
+                                      </p:cBhvr>
+                                      <p:tavLst>
+                                        <p:tav tm="0">
+                                          <p:val>
+                                            <p:strVal val="1+#ppt_h/2"/>
+                                          </p:val>
+                                        </p:tav>
+                                        <p:tav tm="100000">
+                                          <p:val>
+                                            <p:strVal val="#ppt_y"/>
+                                          </p:val>
+                                        </p:tav>
+                                      </p:tavLst>
+                                    </p:anim>
+                                  </p:childTnLst>
+                                </p:cTn>
+                              </p:par>
+                            </p:childTnLst>
+                          </p:cTn>
+                        </p:par>
+                      </p:childTnLst>
+                    </p:cTn>
+                  </p:par>
+                  <p:par>
+                    <p:cTn id="27" fill="hold">
+                      <p:stCondLst>
+                        <p:cond delay="indefinite"/>
+                      </p:stCondLst>
+                      <p:childTnLst>
+                        <p:par>
+                          <p:cTn id="28" fill="hold">
+                            <p:stCondLst>
+                              <p:cond delay="0"/>
+                            </p:stCondLst>
+                            <p:childTnLst>
+                              <p:par>
+                                <p:cTn id="29" presetID="2" presetClass="entr" presetSubtype="4" fill="hold" nodeType="clickEffect">
+                                  <p:stCondLst>
+                                    <p:cond delay="0"/>
+                                  </p:stCondLst>
+                                  <p:childTnLst>
+                                    <p:set>
+                                      <p:cBhvr>
+                                        <p:cTn id="30" dur="1" fill="hold">
+                                          <p:stCondLst>
+                                            <p:cond delay="0"/>
+                                          </p:stCondLst>
+                                        </p:cTn>
+                                        <p:tgtEl>
+                                          <p:spTgt spid="7"/>
+                                        </p:tgtEl>
+                                        <p:attrNameLst>
+                                          <p:attrName>style.visibility</p:attrName>
+                                        </p:attrNameLst>
+                                      </p:cBhvr>
+                                      <p:to>
+                                        <p:strVal val="visible"/>
+                                      </p:to>
+                                    </p:set>
+                                    <p:anim calcmode="lin" valueType="num">
+                                      <p:cBhvr additive="base">
+                                        <p:cTn id="31" dur="500" fill="hold"/>
+                                        <p:tgtEl>
+                                          <p:spTgt spid="7"/>
+                                        </p:tgtEl>
+                                        <p:attrNameLst>
+                                          <p:attrName>ppt_x</p:attrName>
+                                        </p:attrNameLst>
+                                      </p:cBhvr>
+                                      <p:tavLst>
+                                        <p:tav tm="0">
+                                          <p:val>
+                                            <p:strVal val="#ppt_x"/>
+                                          </p:val>
+                                        </p:tav>
+                                        <p:tav tm="100000">
+                                          <p:val>
+                                            <p:strVal val="#ppt_x"/>
+                                          </p:val>
+                                        </p:tav>
+                                      </p:tavLst>
+                                    </p:anim>
+                                    <p:anim calcmode="lin" valueType="num">
+                                      <p:cBhvr additive="base">
+                                        <p:cTn id="32" dur="500" fill="hold"/>
+                                        <p:tgtEl>
+                                          <p:spTgt spid="7"/>
+                                        </p:tgtEl>
+                                        <p:attrNameLst>
+                                          <p:attrName>ppt_y</p:attrName>
+                                        </p:attrNameLst>
+                                      </p:cBhvr>
+                                      <p:tavLst>
+                                        <p:tav tm="0">
+                                          <p:val>
+                                            <p:strVal val="1+#ppt_h/2"/>
+                                          </p:val>
+                                        </p:tav>
+                                        <p:tav tm="100000">
+                                          <p:val>
+                                            <p:strVal val="#ppt_y"/>
+                                          </p:val>
+                                        </p:tav>
+                                      </p:tavLst>
+                                    </p:anim>
+                                  </p:childTnLst>
+                                </p:cTn>
+                              </p:par>
+                            </p:childTnLst>
+                          </p:cTn>
+                        </p:par>
+                      </p:childTnLst>
+                    </p:cTn>
+                  </p:par>
+                </p:childTnLst>
+              </p:cTn>
+              <p:prevCondLst>
+                <p:cond evt="onPrev" delay="0">
+                  <p:tgtEl>
+                    <p:sldTgt/>
+                  </p:tgtEl>
+                </p:cond>
+              </p:prevCondLst>
+              <p:nextCondLst>
+                <p:cond evt="onNext" delay="0">
+                  <p:tgtEl>
+                    <p:sldTgt/>
+                  </p:tgtEl>
+                </p:cond>
+              </p:nextCondLst>
+            </p:seq>
+          </p:childTnLst>
+        </p:cTn>
+      </p:par>
+    </p:tnLst>
+    <p:bldLst>
+      <p:bldP spid="3" grpId="0"/>
+      <p:bldP spid="2" grpId="0"/>
+      <p:bldP spid="5" grpId="0"/>
+      <p:bldP spid="6" grpId="0"/>
+    </p:bldLst>
+  </p:timing>
+</p:sld>
+</file>
+
+<file path=ppt/slides/slide17.xml><?xml version="1.0" encoding="utf-8"?>
+<p:sld xmlns:a="http://schemas.openxmlformats.org/drawingml/2006/main" xmlns:r="http://schemas.openxmlformats.org/officeDocument/2006/relationships" xmlns:p="http://schemas.openxmlformats.org/presentationml/2006/main">
+  <p:cSld>
+    <p:spTree>
+      <p:nvGrpSpPr>
+        <p:cNvPr id="1" name=""/>
+        <p:cNvGrpSpPr/>
+        <p:nvPr/>
+      </p:nvGrpSpPr>
+      <p:grpSpPr>
+        <a:xfrm>
+          <a:off x="0" y="0"/>
+          <a:ext cx="0" cy="0"/>
+          <a:chOff x="0" y="0"/>
+          <a:chExt cx="0" cy="0"/>
+        </a:xfrm>
+      </p:grpSpPr>
+      <p:sp>
+        <p:nvSpPr>
+          <p:cNvPr id="4" name="文本框 3"/>
+          <p:cNvSpPr txBox="1"/>
+          <p:nvPr/>
+        </p:nvSpPr>
+        <p:spPr>
+          <a:xfrm>
+            <a:off x="1749424" y="70765"/>
+            <a:ext cx="7455535" cy="583565"/>
+          </a:xfrm>
+          <a:prstGeom prst="rect">
+            <a:avLst/>
+          </a:prstGeom>
+          <a:noFill/>
+        </p:spPr>
+        <p:txBody>
+          <a:bodyPr wrap="square" rtlCol="0">
+            <a:spAutoFit/>
+          </a:bodyPr>
+          <a:lstStyle/>
+          <a:p>
+            <a:r>
+              <a:rPr lang="en-US" altLang="zh-CN" sz="3200" dirty="0" smtClean="0">
+                <a:latin typeface="微软雅黑" panose="020B0503020204020204" pitchFamily="34" charset="-122"/>
+                <a:ea typeface="微软雅黑" panose="020B0503020204020204" pitchFamily="34" charset="-122"/>
+              </a:rPr>
+              <a:t>4 cluster</a:t>
+            </a:r>
+            <a:r>
+              <a:rPr lang="zh-CN" altLang="en-US" sz="3200" dirty="0" smtClean="0">
+                <a:latin typeface="微软雅黑" panose="020B0503020204020204" pitchFamily="34" charset="-122"/>
+                <a:ea typeface="微软雅黑" panose="020B0503020204020204" pitchFamily="34" charset="-122"/>
+              </a:rPr>
+              <a:t>模块</a:t>
+            </a:r>
+            <a:endParaRPr lang="zh-CN" altLang="en-US" sz="3200" dirty="0" smtClean="0">
+              <a:latin typeface="微软雅黑" panose="020B0503020204020204" pitchFamily="34" charset="-122"/>
+              <a:ea typeface="微软雅黑" panose="020B0503020204020204" pitchFamily="34" charset="-122"/>
+            </a:endParaRPr>
+          </a:p>
+        </p:txBody>
+      </p:sp>
+      <p:sp>
+        <p:nvSpPr>
+          <p:cNvPr id="3" name="文本框 2"/>
+          <p:cNvSpPr txBox="1">
+            <a:spLocks noChangeArrowheads="1"/>
+          </p:cNvSpPr>
+          <p:nvPr/>
+        </p:nvSpPr>
+        <p:spPr bwMode="auto">
+          <a:xfrm>
+            <a:off x="847042" y="1217728"/>
+            <a:ext cx="10113484" cy="1014730"/>
+          </a:xfrm>
+          <a:prstGeom prst="rect">
+            <a:avLst/>
+          </a:prstGeom>
+          <a:noFill/>
+          <a:ln>
+            <a:noFill/>
+          </a:ln>
+          <a:extLst>
+            <a:ext uri="{909E8E84-426E-40DD-AFC4-6F175D3DCCD1}">
+              <a14:hiddenFill xmlns:a14="http://schemas.microsoft.com/office/drawing/2010/main">
+                <a:solidFill>
+                  <a:srgbClr val="FFFFFF"/>
+                </a:solidFill>
+              </a14:hiddenFill>
+            </a:ext>
+            <a:ext uri="{91240B29-F687-4F45-9708-019B960494DF}">
+              <a14:hiddenLine xmlns:a14="http://schemas.microsoft.com/office/drawing/2010/main" w="9525">
+                <a:solidFill>
+                  <a:srgbClr val="000000"/>
+                </a:solidFill>
+                <a:miter lim="800000"/>
+                <a:headEnd/>
+                <a:tailEnd/>
+              </a14:hiddenLine>
+            </a:ext>
+          </a:extLst>
+        </p:spPr>
+        <p:txBody>
+          <a:bodyPr wrap="square">
+            <a:spAutoFit/>
+          </a:bodyPr>
+          <a:lstStyle>
+            <a:defPPr>
+              <a:defRPr lang="zh-CN"/>
+            </a:defPPr>
+            <a:lvl1pPr algn="l" rtl="0" eaLnBrk="0" fontAlgn="base" hangingPunct="0">
+              <a:spcBef>
+                <a:spcPct val="0"/>
+              </a:spcBef>
+              <a:spcAft>
+                <a:spcPct val="0"/>
+              </a:spcAft>
+              <a:defRPr kern="1200">
+                <a:solidFill>
+                  <a:schemeClr val="tx1"/>
+                </a:solidFill>
+                <a:latin typeface="Arial" panose="020B0604020202090204" pitchFamily="34" charset="0"/>
+                <a:ea typeface="宋体" panose="02010600030101010101" pitchFamily="2" charset="-122"/>
+                <a:cs typeface="+mn-cs"/>
+              </a:defRPr>
+            </a:lvl1pPr>
+            <a:lvl2pPr marL="457200" algn="l" rtl="0" eaLnBrk="0" fontAlgn="base" hangingPunct="0">
+              <a:spcBef>
+                <a:spcPct val="0"/>
+              </a:spcBef>
+              <a:spcAft>
+                <a:spcPct val="0"/>
+              </a:spcAft>
+              <a:defRPr kern="1200">
+                <a:solidFill>
+                  <a:schemeClr val="tx1"/>
+                </a:solidFill>
+                <a:latin typeface="Arial" panose="020B0604020202090204" pitchFamily="34" charset="0"/>
+                <a:ea typeface="宋体" panose="02010600030101010101" pitchFamily="2" charset="-122"/>
+                <a:cs typeface="+mn-cs"/>
+              </a:defRPr>
+            </a:lvl2pPr>
+            <a:lvl3pPr marL="914400" algn="l" rtl="0" eaLnBrk="0" fontAlgn="base" hangingPunct="0">
+              <a:spcBef>
+                <a:spcPct val="0"/>
+              </a:spcBef>
+              <a:spcAft>
+                <a:spcPct val="0"/>
+              </a:spcAft>
+              <a:defRPr kern="1200">
+                <a:solidFill>
+                  <a:schemeClr val="tx1"/>
+                </a:solidFill>
+                <a:latin typeface="Arial" panose="020B0604020202090204" pitchFamily="34" charset="0"/>
+                <a:ea typeface="宋体" panose="02010600030101010101" pitchFamily="2" charset="-122"/>
+                <a:cs typeface="+mn-cs"/>
+              </a:defRPr>
+            </a:lvl3pPr>
+            <a:lvl4pPr marL="1371600" algn="l" rtl="0" eaLnBrk="0" fontAlgn="base" hangingPunct="0">
+              <a:spcBef>
+                <a:spcPct val="0"/>
+              </a:spcBef>
+              <a:spcAft>
+                <a:spcPct val="0"/>
+              </a:spcAft>
+              <a:defRPr kern="1200">
+                <a:solidFill>
+                  <a:schemeClr val="tx1"/>
+                </a:solidFill>
+                <a:latin typeface="Arial" panose="020B0604020202090204" pitchFamily="34" charset="0"/>
+                <a:ea typeface="宋体" panose="02010600030101010101" pitchFamily="2" charset="-122"/>
+                <a:cs typeface="+mn-cs"/>
+              </a:defRPr>
+            </a:lvl4pPr>
+            <a:lvl5pPr marL="1828800" algn="l" rtl="0" eaLnBrk="0" fontAlgn="base" hangingPunct="0">
+              <a:spcBef>
+                <a:spcPct val="0"/>
+              </a:spcBef>
+              <a:spcAft>
+                <a:spcPct val="0"/>
+              </a:spcAft>
+              <a:defRPr kern="1200">
+                <a:solidFill>
+                  <a:schemeClr val="tx1"/>
+                </a:solidFill>
+                <a:latin typeface="Arial" panose="020B0604020202090204" pitchFamily="34" charset="0"/>
+                <a:ea typeface="宋体" panose="02010600030101010101" pitchFamily="2" charset="-122"/>
+                <a:cs typeface="+mn-cs"/>
+              </a:defRPr>
+            </a:lvl5pPr>
+            <a:lvl6pPr marL="2286000" algn="l" defTabSz="914400" rtl="0" eaLnBrk="1" latinLnBrk="0" hangingPunct="1">
+              <a:defRPr kern="1200">
+                <a:solidFill>
+                  <a:schemeClr val="tx1"/>
+                </a:solidFill>
+                <a:latin typeface="Arial" panose="020B0604020202090204" pitchFamily="34" charset="0"/>
+                <a:ea typeface="宋体" panose="02010600030101010101" pitchFamily="2" charset="-122"/>
+                <a:cs typeface="+mn-cs"/>
+              </a:defRPr>
+            </a:lvl6pPr>
+            <a:lvl7pPr marL="2743200" algn="l" defTabSz="914400" rtl="0" eaLnBrk="1" latinLnBrk="0" hangingPunct="1">
+              <a:defRPr kern="1200">
+                <a:solidFill>
+                  <a:schemeClr val="tx1"/>
+                </a:solidFill>
+                <a:latin typeface="Arial" panose="020B0604020202090204" pitchFamily="34" charset="0"/>
+                <a:ea typeface="宋体" panose="02010600030101010101" pitchFamily="2" charset="-122"/>
+                <a:cs typeface="+mn-cs"/>
+              </a:defRPr>
+            </a:lvl7pPr>
+            <a:lvl8pPr marL="3200400" algn="l" defTabSz="914400" rtl="0" eaLnBrk="1" latinLnBrk="0" hangingPunct="1">
+              <a:defRPr kern="1200">
+                <a:solidFill>
+                  <a:schemeClr val="tx1"/>
+                </a:solidFill>
+                <a:latin typeface="Arial" panose="020B0604020202090204" pitchFamily="34" charset="0"/>
+                <a:ea typeface="宋体" panose="02010600030101010101" pitchFamily="2" charset="-122"/>
+                <a:cs typeface="+mn-cs"/>
+              </a:defRPr>
+            </a:lvl8pPr>
+            <a:lvl9pPr marL="3657600" algn="l" defTabSz="914400" rtl="0" eaLnBrk="1" latinLnBrk="0" hangingPunct="1">
+              <a:defRPr kern="1200">
+                <a:solidFill>
+                  <a:schemeClr val="tx1"/>
+                </a:solidFill>
+                <a:latin typeface="Arial" panose="020B0604020202090204" pitchFamily="34" charset="0"/>
+                <a:ea typeface="宋体" panose="02010600030101010101" pitchFamily="2" charset="-122"/>
+                <a:cs typeface="+mn-cs"/>
+              </a:defRPr>
+            </a:lvl9pPr>
+          </a:lstStyle>
+          <a:p>
+            <a:pPr indent="0" eaLnBrk="1" hangingPunct="1">
+              <a:lnSpc>
+                <a:spcPct val="150000"/>
+              </a:lnSpc>
+              <a:spcBef>
+                <a:spcPct val="0"/>
+              </a:spcBef>
+              <a:spcAft>
+                <a:spcPts val="0"/>
+              </a:spcAft>
+              <a:buFontTx/>
+              <a:buNone/>
+            </a:pPr>
+            <a:r>
+              <a:rPr lang="zh-CN" altLang="en-US" sz="2000">
+                <a:sym typeface="+mn-ea"/>
+              </a:rPr>
+              <a:t>前面讲的都是如何通过</a:t>
+            </a:r>
+            <a:r>
+              <a:rPr lang="en-US" altLang="zh-CN" sz="2000">
+                <a:sym typeface="+mn-ea"/>
+              </a:rPr>
+              <a:t>node</a:t>
+            </a:r>
+            <a:r>
+              <a:rPr lang="zh-CN" altLang="en-US" sz="2000">
+                <a:sym typeface="+mn-ea"/>
+              </a:rPr>
+              <a:t>的</a:t>
+            </a:r>
+            <a:r>
+              <a:rPr lang="en-US" altLang="zh-CN" sz="2000">
+                <a:sym typeface="+mn-ea"/>
+              </a:rPr>
+              <a:t>child_process</a:t>
+            </a:r>
+            <a:r>
+              <a:rPr lang="zh-CN" altLang="en-US" sz="2000">
+                <a:sym typeface="+mn-ea"/>
+              </a:rPr>
+              <a:t>模块构建强大的单机集群，比较复杂。</a:t>
+            </a:r>
+            <a:endParaRPr lang="zh-CN" altLang="en-US" sz="2000"/>
           </a:p>
           <a:p>
             <a:pPr indent="0" eaLnBrk="1" hangingPunct="1">
@@ -7821,6 +10108,2120 @@
               <a:buNone/>
             </a:pPr>
             <a:endParaRPr lang="zh-CN" altLang="en-US" sz="2000" dirty="0" smtClean="0">
+              <a:latin typeface="微软雅黑" panose="020B0503020204020204" pitchFamily="34" charset="-122"/>
+              <a:ea typeface="微软雅黑" panose="020B0503020204020204" pitchFamily="34" charset="-122"/>
+            </a:endParaRPr>
+          </a:p>
+        </p:txBody>
+      </p:sp>
+      <p:sp>
+        <p:nvSpPr>
+          <p:cNvPr id="2" name="文本框 1"/>
+          <p:cNvSpPr txBox="1">
+            <a:spLocks noChangeArrowheads="1"/>
+          </p:cNvSpPr>
+          <p:nvPr/>
+        </p:nvSpPr>
+        <p:spPr bwMode="auto">
+          <a:xfrm>
+            <a:off x="847042" y="2232458"/>
+            <a:ext cx="10113484" cy="1014730"/>
+          </a:xfrm>
+          <a:prstGeom prst="rect">
+            <a:avLst/>
+          </a:prstGeom>
+          <a:noFill/>
+          <a:ln>
+            <a:noFill/>
+          </a:ln>
+          <a:extLst>
+            <a:ext uri="{909E8E84-426E-40DD-AFC4-6F175D3DCCD1}">
+              <a14:hiddenFill xmlns:a14="http://schemas.microsoft.com/office/drawing/2010/main">
+                <a:solidFill>
+                  <a:srgbClr val="FFFFFF"/>
+                </a:solidFill>
+              </a14:hiddenFill>
+            </a:ext>
+            <a:ext uri="{91240B29-F687-4F45-9708-019B960494DF}">
+              <a14:hiddenLine xmlns:a14="http://schemas.microsoft.com/office/drawing/2010/main" w="9525">
+                <a:solidFill>
+                  <a:srgbClr val="000000"/>
+                </a:solidFill>
+                <a:miter lim="800000"/>
+                <a:headEnd/>
+                <a:tailEnd/>
+              </a14:hiddenLine>
+            </a:ext>
+          </a:extLst>
+        </p:spPr>
+        <p:txBody>
+          <a:bodyPr wrap="square">
+            <a:spAutoFit/>
+          </a:bodyPr>
+          <a:lstStyle>
+            <a:defPPr>
+              <a:defRPr lang="zh-CN"/>
+            </a:defPPr>
+            <a:lvl1pPr algn="l" rtl="0" eaLnBrk="0" fontAlgn="base" hangingPunct="0">
+              <a:spcBef>
+                <a:spcPct val="0"/>
+              </a:spcBef>
+              <a:spcAft>
+                <a:spcPct val="0"/>
+              </a:spcAft>
+              <a:defRPr kern="1200">
+                <a:solidFill>
+                  <a:schemeClr val="tx1"/>
+                </a:solidFill>
+                <a:latin typeface="Arial" panose="020B0604020202090204" pitchFamily="34" charset="0"/>
+                <a:ea typeface="宋体" panose="02010600030101010101" pitchFamily="2" charset="-122"/>
+                <a:cs typeface="+mn-cs"/>
+              </a:defRPr>
+            </a:lvl1pPr>
+            <a:lvl2pPr marL="457200" algn="l" rtl="0" eaLnBrk="0" fontAlgn="base" hangingPunct="0">
+              <a:spcBef>
+                <a:spcPct val="0"/>
+              </a:spcBef>
+              <a:spcAft>
+                <a:spcPct val="0"/>
+              </a:spcAft>
+              <a:defRPr kern="1200">
+                <a:solidFill>
+                  <a:schemeClr val="tx1"/>
+                </a:solidFill>
+                <a:latin typeface="Arial" panose="020B0604020202090204" pitchFamily="34" charset="0"/>
+                <a:ea typeface="宋体" panose="02010600030101010101" pitchFamily="2" charset="-122"/>
+                <a:cs typeface="+mn-cs"/>
+              </a:defRPr>
+            </a:lvl2pPr>
+            <a:lvl3pPr marL="914400" algn="l" rtl="0" eaLnBrk="0" fontAlgn="base" hangingPunct="0">
+              <a:spcBef>
+                <a:spcPct val="0"/>
+              </a:spcBef>
+              <a:spcAft>
+                <a:spcPct val="0"/>
+              </a:spcAft>
+              <a:defRPr kern="1200">
+                <a:solidFill>
+                  <a:schemeClr val="tx1"/>
+                </a:solidFill>
+                <a:latin typeface="Arial" panose="020B0604020202090204" pitchFamily="34" charset="0"/>
+                <a:ea typeface="宋体" panose="02010600030101010101" pitchFamily="2" charset="-122"/>
+                <a:cs typeface="+mn-cs"/>
+              </a:defRPr>
+            </a:lvl3pPr>
+            <a:lvl4pPr marL="1371600" algn="l" rtl="0" eaLnBrk="0" fontAlgn="base" hangingPunct="0">
+              <a:spcBef>
+                <a:spcPct val="0"/>
+              </a:spcBef>
+              <a:spcAft>
+                <a:spcPct val="0"/>
+              </a:spcAft>
+              <a:defRPr kern="1200">
+                <a:solidFill>
+                  <a:schemeClr val="tx1"/>
+                </a:solidFill>
+                <a:latin typeface="Arial" panose="020B0604020202090204" pitchFamily="34" charset="0"/>
+                <a:ea typeface="宋体" panose="02010600030101010101" pitchFamily="2" charset="-122"/>
+                <a:cs typeface="+mn-cs"/>
+              </a:defRPr>
+            </a:lvl4pPr>
+            <a:lvl5pPr marL="1828800" algn="l" rtl="0" eaLnBrk="0" fontAlgn="base" hangingPunct="0">
+              <a:spcBef>
+                <a:spcPct val="0"/>
+              </a:spcBef>
+              <a:spcAft>
+                <a:spcPct val="0"/>
+              </a:spcAft>
+              <a:defRPr kern="1200">
+                <a:solidFill>
+                  <a:schemeClr val="tx1"/>
+                </a:solidFill>
+                <a:latin typeface="Arial" panose="020B0604020202090204" pitchFamily="34" charset="0"/>
+                <a:ea typeface="宋体" panose="02010600030101010101" pitchFamily="2" charset="-122"/>
+                <a:cs typeface="+mn-cs"/>
+              </a:defRPr>
+            </a:lvl5pPr>
+            <a:lvl6pPr marL="2286000" algn="l" defTabSz="914400" rtl="0" eaLnBrk="1" latinLnBrk="0" hangingPunct="1">
+              <a:defRPr kern="1200">
+                <a:solidFill>
+                  <a:schemeClr val="tx1"/>
+                </a:solidFill>
+                <a:latin typeface="Arial" panose="020B0604020202090204" pitchFamily="34" charset="0"/>
+                <a:ea typeface="宋体" panose="02010600030101010101" pitchFamily="2" charset="-122"/>
+                <a:cs typeface="+mn-cs"/>
+              </a:defRPr>
+            </a:lvl6pPr>
+            <a:lvl7pPr marL="2743200" algn="l" defTabSz="914400" rtl="0" eaLnBrk="1" latinLnBrk="0" hangingPunct="1">
+              <a:defRPr kern="1200">
+                <a:solidFill>
+                  <a:schemeClr val="tx1"/>
+                </a:solidFill>
+                <a:latin typeface="Arial" panose="020B0604020202090204" pitchFamily="34" charset="0"/>
+                <a:ea typeface="宋体" panose="02010600030101010101" pitchFamily="2" charset="-122"/>
+                <a:cs typeface="+mn-cs"/>
+              </a:defRPr>
+            </a:lvl7pPr>
+            <a:lvl8pPr marL="3200400" algn="l" defTabSz="914400" rtl="0" eaLnBrk="1" latinLnBrk="0" hangingPunct="1">
+              <a:defRPr kern="1200">
+                <a:solidFill>
+                  <a:schemeClr val="tx1"/>
+                </a:solidFill>
+                <a:latin typeface="Arial" panose="020B0604020202090204" pitchFamily="34" charset="0"/>
+                <a:ea typeface="宋体" panose="02010600030101010101" pitchFamily="2" charset="-122"/>
+                <a:cs typeface="+mn-cs"/>
+              </a:defRPr>
+            </a:lvl8pPr>
+            <a:lvl9pPr marL="3657600" algn="l" defTabSz="914400" rtl="0" eaLnBrk="1" latinLnBrk="0" hangingPunct="1">
+              <a:defRPr kern="1200">
+                <a:solidFill>
+                  <a:schemeClr val="tx1"/>
+                </a:solidFill>
+                <a:latin typeface="Arial" panose="020B0604020202090204" pitchFamily="34" charset="0"/>
+                <a:ea typeface="宋体" panose="02010600030101010101" pitchFamily="2" charset="-122"/>
+                <a:cs typeface="+mn-cs"/>
+              </a:defRPr>
+            </a:lvl9pPr>
+          </a:lstStyle>
+          <a:p>
+            <a:pPr indent="0" eaLnBrk="1" hangingPunct="1">
+              <a:lnSpc>
+                <a:spcPct val="150000"/>
+              </a:lnSpc>
+              <a:spcBef>
+                <a:spcPct val="0"/>
+              </a:spcBef>
+              <a:spcAft>
+                <a:spcPts val="0"/>
+              </a:spcAft>
+              <a:buFontTx/>
+              <a:buNone/>
+            </a:pPr>
+            <a:r>
+              <a:rPr lang="en-US" altLang="zh-CN" sz="2000">
+                <a:sym typeface="+mn-ea"/>
+              </a:rPr>
+              <a:t>node</a:t>
+            </a:r>
+            <a:r>
+              <a:rPr lang="zh-CN" altLang="en-US" sz="2000">
+                <a:sym typeface="+mn-ea"/>
+              </a:rPr>
+              <a:t>在</a:t>
+            </a:r>
+            <a:r>
+              <a:rPr lang="en-US" altLang="zh-CN" sz="2000">
+                <a:sym typeface="+mn-ea"/>
+              </a:rPr>
+              <a:t>V0.8</a:t>
+            </a:r>
+            <a:r>
+              <a:rPr lang="zh-CN" altLang="en-US" sz="2000">
+                <a:sym typeface="+mn-ea"/>
+              </a:rPr>
+              <a:t>版本新增了</a:t>
+            </a:r>
+            <a:r>
+              <a:rPr lang="en-US" altLang="zh-CN" sz="2000">
+                <a:sym typeface="+mn-ea"/>
+              </a:rPr>
+              <a:t>cluster</a:t>
+            </a:r>
+            <a:r>
+              <a:rPr lang="zh-CN" altLang="en-US" sz="2000">
+                <a:sym typeface="+mn-ea"/>
+              </a:rPr>
+              <a:t>模块，用以解决多核</a:t>
+            </a:r>
+            <a:r>
+              <a:rPr lang="en-US" altLang="zh-CN" sz="2000">
+                <a:sym typeface="+mn-ea"/>
+              </a:rPr>
+              <a:t>cpu</a:t>
+            </a:r>
+            <a:r>
+              <a:rPr lang="zh-CN" altLang="en-US" sz="2000">
+                <a:sym typeface="+mn-ea"/>
+              </a:rPr>
+              <a:t>的利用率问题，同时提供了比较完善的</a:t>
+            </a:r>
+            <a:r>
+              <a:rPr lang="en-US" altLang="zh-CN" sz="2000">
+                <a:sym typeface="+mn-ea"/>
+              </a:rPr>
+              <a:t>api</a:t>
+            </a:r>
+            <a:r>
+              <a:rPr lang="zh-CN" altLang="en-US" sz="2000">
+                <a:sym typeface="+mn-ea"/>
+              </a:rPr>
+              <a:t>，用以处理进程的健壮性问题。</a:t>
+            </a:r>
+            <a:endParaRPr lang="zh-CN" altLang="en-US" sz="2000" dirty="0" smtClean="0">
+              <a:latin typeface="微软雅黑" panose="020B0503020204020204" pitchFamily="34" charset="-122"/>
+              <a:ea typeface="微软雅黑" panose="020B0503020204020204" pitchFamily="34" charset="-122"/>
+            </a:endParaRPr>
+          </a:p>
+        </p:txBody>
+      </p:sp>
+    </p:spTree>
+  </p:cSld>
+  <p:clrMapOvr>
+    <a:masterClrMapping/>
+  </p:clrMapOvr>
+  <p:transition spd="med">
+    <p:random/>
+  </p:transition>
+  <p:timing>
+    <p:tnLst>
+      <p:par>
+        <p:cTn id="1" dur="indefinite" restart="never" nodeType="tmRoot">
+          <p:childTnLst>
+            <p:seq concurrent="1" nextAc="seek">
+              <p:cTn id="2" dur="indefinite" nodeType="mainSeq">
+                <p:childTnLst>
+                  <p:par>
+                    <p:cTn id="3" fill="hold">
+                      <p:stCondLst>
+                        <p:cond delay="indefinite"/>
+                      </p:stCondLst>
+                      <p:childTnLst>
+                        <p:par>
+                          <p:cTn id="4" fill="hold">
+                            <p:stCondLst>
+                              <p:cond delay="0"/>
+                            </p:stCondLst>
+                            <p:childTnLst>
+                              <p:par>
+                                <p:cTn id="5" presetID="2" presetClass="entr" presetSubtype="4" fill="hold" grpId="0" nodeType="clickEffect">
+                                  <p:stCondLst>
+                                    <p:cond delay="0"/>
+                                  </p:stCondLst>
+                                  <p:childTnLst>
+                                    <p:set>
+                                      <p:cBhvr>
+                                        <p:cTn id="6" dur="1" fill="hold">
+                                          <p:stCondLst>
+                                            <p:cond delay="0"/>
+                                          </p:stCondLst>
+                                        </p:cTn>
+                                        <p:tgtEl>
+                                          <p:spTgt spid="3"/>
+                                        </p:tgtEl>
+                                        <p:attrNameLst>
+                                          <p:attrName>style.visibility</p:attrName>
+                                        </p:attrNameLst>
+                                      </p:cBhvr>
+                                      <p:to>
+                                        <p:strVal val="visible"/>
+                                      </p:to>
+                                    </p:set>
+                                    <p:anim calcmode="lin" valueType="num">
+                                      <p:cBhvr additive="base">
+                                        <p:cTn id="7" dur="500" fill="hold"/>
+                                        <p:tgtEl>
+                                          <p:spTgt spid="3"/>
+                                        </p:tgtEl>
+                                        <p:attrNameLst>
+                                          <p:attrName>ppt_x</p:attrName>
+                                        </p:attrNameLst>
+                                      </p:cBhvr>
+                                      <p:tavLst>
+                                        <p:tav tm="0">
+                                          <p:val>
+                                            <p:strVal val="#ppt_x"/>
+                                          </p:val>
+                                        </p:tav>
+                                        <p:tav tm="100000">
+                                          <p:val>
+                                            <p:strVal val="#ppt_x"/>
+                                          </p:val>
+                                        </p:tav>
+                                      </p:tavLst>
+                                    </p:anim>
+                                    <p:anim calcmode="lin" valueType="num">
+                                      <p:cBhvr additive="base">
+                                        <p:cTn id="8" dur="500" fill="hold"/>
+                                        <p:tgtEl>
+                                          <p:spTgt spid="3"/>
+                                        </p:tgtEl>
+                                        <p:attrNameLst>
+                                          <p:attrName>ppt_y</p:attrName>
+                                        </p:attrNameLst>
+                                      </p:cBhvr>
+                                      <p:tavLst>
+                                        <p:tav tm="0">
+                                          <p:val>
+                                            <p:strVal val="1+#ppt_h/2"/>
+                                          </p:val>
+                                        </p:tav>
+                                        <p:tav tm="100000">
+                                          <p:val>
+                                            <p:strVal val="#ppt_y"/>
+                                          </p:val>
+                                        </p:tav>
+                                      </p:tavLst>
+                                    </p:anim>
+                                  </p:childTnLst>
+                                </p:cTn>
+                              </p:par>
+                            </p:childTnLst>
+                          </p:cTn>
+                        </p:par>
+                      </p:childTnLst>
+                    </p:cTn>
+                  </p:par>
+                  <p:par>
+                    <p:cTn id="9" fill="hold">
+                      <p:stCondLst>
+                        <p:cond delay="indefinite"/>
+                      </p:stCondLst>
+                      <p:childTnLst>
+                        <p:par>
+                          <p:cTn id="10" fill="hold">
+                            <p:stCondLst>
+                              <p:cond delay="0"/>
+                            </p:stCondLst>
+                            <p:childTnLst>
+                              <p:par>
+                                <p:cTn id="11" presetID="2" presetClass="entr" presetSubtype="4" fill="hold" grpId="0" nodeType="clickEffect">
+                                  <p:stCondLst>
+                                    <p:cond delay="0"/>
+                                  </p:stCondLst>
+                                  <p:childTnLst>
+                                    <p:set>
+                                      <p:cBhvr>
+                                        <p:cTn id="12" dur="1" fill="hold">
+                                          <p:stCondLst>
+                                            <p:cond delay="0"/>
+                                          </p:stCondLst>
+                                        </p:cTn>
+                                        <p:tgtEl>
+                                          <p:spTgt spid="2"/>
+                                        </p:tgtEl>
+                                        <p:attrNameLst>
+                                          <p:attrName>style.visibility</p:attrName>
+                                        </p:attrNameLst>
+                                      </p:cBhvr>
+                                      <p:to>
+                                        <p:strVal val="visible"/>
+                                      </p:to>
+                                    </p:set>
+                                    <p:anim calcmode="lin" valueType="num">
+                                      <p:cBhvr additive="base">
+                                        <p:cTn id="13" dur="500" fill="hold"/>
+                                        <p:tgtEl>
+                                          <p:spTgt spid="2"/>
+                                        </p:tgtEl>
+                                        <p:attrNameLst>
+                                          <p:attrName>ppt_x</p:attrName>
+                                        </p:attrNameLst>
+                                      </p:cBhvr>
+                                      <p:tavLst>
+                                        <p:tav tm="0">
+                                          <p:val>
+                                            <p:strVal val="#ppt_x"/>
+                                          </p:val>
+                                        </p:tav>
+                                        <p:tav tm="100000">
+                                          <p:val>
+                                            <p:strVal val="#ppt_x"/>
+                                          </p:val>
+                                        </p:tav>
+                                      </p:tavLst>
+                                    </p:anim>
+                                    <p:anim calcmode="lin" valueType="num">
+                                      <p:cBhvr additive="base">
+                                        <p:cTn id="14" dur="500" fill="hold"/>
+                                        <p:tgtEl>
+                                          <p:spTgt spid="2"/>
+                                        </p:tgtEl>
+                                        <p:attrNameLst>
+                                          <p:attrName>ppt_y</p:attrName>
+                                        </p:attrNameLst>
+                                      </p:cBhvr>
+                                      <p:tavLst>
+                                        <p:tav tm="0">
+                                          <p:val>
+                                            <p:strVal val="1+#ppt_h/2"/>
+                                          </p:val>
+                                        </p:tav>
+                                        <p:tav tm="100000">
+                                          <p:val>
+                                            <p:strVal val="#ppt_y"/>
+                                          </p:val>
+                                        </p:tav>
+                                      </p:tavLst>
+                                    </p:anim>
+                                  </p:childTnLst>
+                                </p:cTn>
+                              </p:par>
+                            </p:childTnLst>
+                          </p:cTn>
+                        </p:par>
+                      </p:childTnLst>
+                    </p:cTn>
+                  </p:par>
+                </p:childTnLst>
+              </p:cTn>
+              <p:prevCondLst>
+                <p:cond evt="onPrev" delay="0">
+                  <p:tgtEl>
+                    <p:sldTgt/>
+                  </p:tgtEl>
+                </p:cond>
+              </p:prevCondLst>
+              <p:nextCondLst>
+                <p:cond evt="onNext" delay="0">
+                  <p:tgtEl>
+                    <p:sldTgt/>
+                  </p:tgtEl>
+                </p:cond>
+              </p:nextCondLst>
+            </p:seq>
+          </p:childTnLst>
+        </p:cTn>
+      </p:par>
+    </p:tnLst>
+    <p:bldLst>
+      <p:bldP spid="3" grpId="0"/>
+      <p:bldP spid="2" grpId="0"/>
+    </p:bldLst>
+  </p:timing>
+</p:sld>
+</file>
+
+<file path=ppt/slides/slide18.xml><?xml version="1.0" encoding="utf-8"?>
+<p:sld xmlns:a="http://schemas.openxmlformats.org/drawingml/2006/main" xmlns:r="http://schemas.openxmlformats.org/officeDocument/2006/relationships" xmlns:p="http://schemas.openxmlformats.org/presentationml/2006/main">
+  <p:cSld>
+    <p:spTree>
+      <p:nvGrpSpPr>
+        <p:cNvPr id="1" name=""/>
+        <p:cNvGrpSpPr/>
+        <p:nvPr/>
+      </p:nvGrpSpPr>
+      <p:grpSpPr>
+        <a:xfrm>
+          <a:off x="0" y="0"/>
+          <a:ext cx="0" cy="0"/>
+          <a:chOff x="0" y="0"/>
+          <a:chExt cx="0" cy="0"/>
+        </a:xfrm>
+      </p:grpSpPr>
+      <p:sp>
+        <p:nvSpPr>
+          <p:cNvPr id="4" name="文本框 3"/>
+          <p:cNvSpPr txBox="1"/>
+          <p:nvPr/>
+        </p:nvSpPr>
+        <p:spPr>
+          <a:xfrm>
+            <a:off x="1749424" y="70765"/>
+            <a:ext cx="7455535" cy="583565"/>
+          </a:xfrm>
+          <a:prstGeom prst="rect">
+            <a:avLst/>
+          </a:prstGeom>
+          <a:noFill/>
+        </p:spPr>
+        <p:txBody>
+          <a:bodyPr wrap="square" rtlCol="0">
+            <a:spAutoFit/>
+          </a:bodyPr>
+          <a:lstStyle/>
+          <a:p>
+            <a:r>
+              <a:rPr lang="en-US" altLang="zh-CN" sz="3200" dirty="0" smtClean="0">
+                <a:latin typeface="微软雅黑" panose="020B0503020204020204" pitchFamily="34" charset="-122"/>
+                <a:ea typeface="微软雅黑" panose="020B0503020204020204" pitchFamily="34" charset="-122"/>
+              </a:rPr>
+              <a:t>4.1 cluster</a:t>
+            </a:r>
+            <a:r>
+              <a:rPr lang="zh-CN" altLang="en-US" sz="3200" dirty="0" smtClean="0">
+                <a:latin typeface="微软雅黑" panose="020B0503020204020204" pitchFamily="34" charset="-122"/>
+                <a:ea typeface="微软雅黑" panose="020B0503020204020204" pitchFamily="34" charset="-122"/>
+              </a:rPr>
+              <a:t>与</a:t>
+            </a:r>
+            <a:r>
+              <a:rPr lang="en-US" altLang="zh-CN" sz="3200" dirty="0" smtClean="0">
+                <a:latin typeface="微软雅黑" panose="020B0503020204020204" pitchFamily="34" charset="-122"/>
+                <a:ea typeface="微软雅黑" panose="020B0503020204020204" pitchFamily="34" charset="-122"/>
+              </a:rPr>
+              <a:t>child_process</a:t>
+            </a:r>
+            <a:endParaRPr lang="en-US" altLang="zh-CN" sz="3200" dirty="0" smtClean="0">
+              <a:latin typeface="微软雅黑" panose="020B0503020204020204" pitchFamily="34" charset="-122"/>
+              <a:ea typeface="微软雅黑" panose="020B0503020204020204" pitchFamily="34" charset="-122"/>
+            </a:endParaRPr>
+          </a:p>
+        </p:txBody>
+      </p:sp>
+      <p:sp>
+        <p:nvSpPr>
+          <p:cNvPr id="3" name="文本框 2"/>
+          <p:cNvSpPr txBox="1">
+            <a:spLocks noChangeArrowheads="1"/>
+          </p:cNvSpPr>
+          <p:nvPr/>
+        </p:nvSpPr>
+        <p:spPr bwMode="auto">
+          <a:xfrm>
+            <a:off x="847042" y="1217728"/>
+            <a:ext cx="10113484" cy="553085"/>
+          </a:xfrm>
+          <a:prstGeom prst="rect">
+            <a:avLst/>
+          </a:prstGeom>
+          <a:noFill/>
+          <a:ln>
+            <a:noFill/>
+          </a:ln>
+          <a:extLst>
+            <a:ext uri="{909E8E84-426E-40DD-AFC4-6F175D3DCCD1}">
+              <a14:hiddenFill xmlns:a14="http://schemas.microsoft.com/office/drawing/2010/main">
+                <a:solidFill>
+                  <a:srgbClr val="FFFFFF"/>
+                </a:solidFill>
+              </a14:hiddenFill>
+            </a:ext>
+            <a:ext uri="{91240B29-F687-4F45-9708-019B960494DF}">
+              <a14:hiddenLine xmlns:a14="http://schemas.microsoft.com/office/drawing/2010/main" w="9525">
+                <a:solidFill>
+                  <a:srgbClr val="000000"/>
+                </a:solidFill>
+                <a:miter lim="800000"/>
+                <a:headEnd/>
+                <a:tailEnd/>
+              </a14:hiddenLine>
+            </a:ext>
+          </a:extLst>
+        </p:spPr>
+        <p:txBody>
+          <a:bodyPr wrap="square">
+            <a:spAutoFit/>
+          </a:bodyPr>
+          <a:lstStyle>
+            <a:defPPr>
+              <a:defRPr lang="zh-CN"/>
+            </a:defPPr>
+            <a:lvl1pPr algn="l" rtl="0" eaLnBrk="0" fontAlgn="base" hangingPunct="0">
+              <a:spcBef>
+                <a:spcPct val="0"/>
+              </a:spcBef>
+              <a:spcAft>
+                <a:spcPct val="0"/>
+              </a:spcAft>
+              <a:defRPr kern="1200">
+                <a:solidFill>
+                  <a:schemeClr val="tx1"/>
+                </a:solidFill>
+                <a:latin typeface="Arial" panose="020B0604020202090204" pitchFamily="34" charset="0"/>
+                <a:ea typeface="宋体" panose="02010600030101010101" pitchFamily="2" charset="-122"/>
+                <a:cs typeface="+mn-cs"/>
+              </a:defRPr>
+            </a:lvl1pPr>
+            <a:lvl2pPr marL="457200" algn="l" rtl="0" eaLnBrk="0" fontAlgn="base" hangingPunct="0">
+              <a:spcBef>
+                <a:spcPct val="0"/>
+              </a:spcBef>
+              <a:spcAft>
+                <a:spcPct val="0"/>
+              </a:spcAft>
+              <a:defRPr kern="1200">
+                <a:solidFill>
+                  <a:schemeClr val="tx1"/>
+                </a:solidFill>
+                <a:latin typeface="Arial" panose="020B0604020202090204" pitchFamily="34" charset="0"/>
+                <a:ea typeface="宋体" panose="02010600030101010101" pitchFamily="2" charset="-122"/>
+                <a:cs typeface="+mn-cs"/>
+              </a:defRPr>
+            </a:lvl2pPr>
+            <a:lvl3pPr marL="914400" algn="l" rtl="0" eaLnBrk="0" fontAlgn="base" hangingPunct="0">
+              <a:spcBef>
+                <a:spcPct val="0"/>
+              </a:spcBef>
+              <a:spcAft>
+                <a:spcPct val="0"/>
+              </a:spcAft>
+              <a:defRPr kern="1200">
+                <a:solidFill>
+                  <a:schemeClr val="tx1"/>
+                </a:solidFill>
+                <a:latin typeface="Arial" panose="020B0604020202090204" pitchFamily="34" charset="0"/>
+                <a:ea typeface="宋体" panose="02010600030101010101" pitchFamily="2" charset="-122"/>
+                <a:cs typeface="+mn-cs"/>
+              </a:defRPr>
+            </a:lvl3pPr>
+            <a:lvl4pPr marL="1371600" algn="l" rtl="0" eaLnBrk="0" fontAlgn="base" hangingPunct="0">
+              <a:spcBef>
+                <a:spcPct val="0"/>
+              </a:spcBef>
+              <a:spcAft>
+                <a:spcPct val="0"/>
+              </a:spcAft>
+              <a:defRPr kern="1200">
+                <a:solidFill>
+                  <a:schemeClr val="tx1"/>
+                </a:solidFill>
+                <a:latin typeface="Arial" panose="020B0604020202090204" pitchFamily="34" charset="0"/>
+                <a:ea typeface="宋体" panose="02010600030101010101" pitchFamily="2" charset="-122"/>
+                <a:cs typeface="+mn-cs"/>
+              </a:defRPr>
+            </a:lvl4pPr>
+            <a:lvl5pPr marL="1828800" algn="l" rtl="0" eaLnBrk="0" fontAlgn="base" hangingPunct="0">
+              <a:spcBef>
+                <a:spcPct val="0"/>
+              </a:spcBef>
+              <a:spcAft>
+                <a:spcPct val="0"/>
+              </a:spcAft>
+              <a:defRPr kern="1200">
+                <a:solidFill>
+                  <a:schemeClr val="tx1"/>
+                </a:solidFill>
+                <a:latin typeface="Arial" panose="020B0604020202090204" pitchFamily="34" charset="0"/>
+                <a:ea typeface="宋体" panose="02010600030101010101" pitchFamily="2" charset="-122"/>
+                <a:cs typeface="+mn-cs"/>
+              </a:defRPr>
+            </a:lvl5pPr>
+            <a:lvl6pPr marL="2286000" algn="l" defTabSz="914400" rtl="0" eaLnBrk="1" latinLnBrk="0" hangingPunct="1">
+              <a:defRPr kern="1200">
+                <a:solidFill>
+                  <a:schemeClr val="tx1"/>
+                </a:solidFill>
+                <a:latin typeface="Arial" panose="020B0604020202090204" pitchFamily="34" charset="0"/>
+                <a:ea typeface="宋体" panose="02010600030101010101" pitchFamily="2" charset="-122"/>
+                <a:cs typeface="+mn-cs"/>
+              </a:defRPr>
+            </a:lvl6pPr>
+            <a:lvl7pPr marL="2743200" algn="l" defTabSz="914400" rtl="0" eaLnBrk="1" latinLnBrk="0" hangingPunct="1">
+              <a:defRPr kern="1200">
+                <a:solidFill>
+                  <a:schemeClr val="tx1"/>
+                </a:solidFill>
+                <a:latin typeface="Arial" panose="020B0604020202090204" pitchFamily="34" charset="0"/>
+                <a:ea typeface="宋体" panose="02010600030101010101" pitchFamily="2" charset="-122"/>
+                <a:cs typeface="+mn-cs"/>
+              </a:defRPr>
+            </a:lvl7pPr>
+            <a:lvl8pPr marL="3200400" algn="l" defTabSz="914400" rtl="0" eaLnBrk="1" latinLnBrk="0" hangingPunct="1">
+              <a:defRPr kern="1200">
+                <a:solidFill>
+                  <a:schemeClr val="tx1"/>
+                </a:solidFill>
+                <a:latin typeface="Arial" panose="020B0604020202090204" pitchFamily="34" charset="0"/>
+                <a:ea typeface="宋体" panose="02010600030101010101" pitchFamily="2" charset="-122"/>
+                <a:cs typeface="+mn-cs"/>
+              </a:defRPr>
+            </a:lvl8pPr>
+            <a:lvl9pPr marL="3657600" algn="l" defTabSz="914400" rtl="0" eaLnBrk="1" latinLnBrk="0" hangingPunct="1">
+              <a:defRPr kern="1200">
+                <a:solidFill>
+                  <a:schemeClr val="tx1"/>
+                </a:solidFill>
+                <a:latin typeface="Arial" panose="020B0604020202090204" pitchFamily="34" charset="0"/>
+                <a:ea typeface="宋体" panose="02010600030101010101" pitchFamily="2" charset="-122"/>
+                <a:cs typeface="+mn-cs"/>
+              </a:defRPr>
+            </a:lvl9pPr>
+          </a:lstStyle>
+          <a:p>
+            <a:pPr indent="0" eaLnBrk="1" hangingPunct="1">
+              <a:lnSpc>
+                <a:spcPct val="150000"/>
+              </a:lnSpc>
+              <a:spcBef>
+                <a:spcPct val="0"/>
+              </a:spcBef>
+              <a:spcAft>
+                <a:spcPts val="0"/>
+              </a:spcAft>
+              <a:buFontTx/>
+              <a:buNone/>
+            </a:pPr>
+            <a:r>
+              <a:rPr lang="zh-CN" altLang="en-US" sz="2000">
+                <a:sym typeface="+mn-ea"/>
+              </a:rPr>
+              <a:t>通俗的讲，</a:t>
+            </a:r>
+            <a:r>
+              <a:rPr lang="en-US" altLang="zh-CN" sz="2000">
+                <a:sym typeface="+mn-ea"/>
+              </a:rPr>
+              <a:t>cluster</a:t>
+            </a:r>
+            <a:r>
+              <a:rPr lang="zh-CN" altLang="en-US" sz="2000">
+                <a:sym typeface="+mn-ea"/>
+              </a:rPr>
+              <a:t>就是</a:t>
+            </a:r>
+            <a:r>
+              <a:rPr lang="en-US" altLang="zh-CN" sz="2000">
+                <a:sym typeface="+mn-ea"/>
+              </a:rPr>
+              <a:t>child_process</a:t>
+            </a:r>
+            <a:r>
+              <a:rPr lang="zh-CN" altLang="en-US" sz="2000">
+                <a:sym typeface="+mn-ea"/>
+              </a:rPr>
+              <a:t>与</a:t>
+            </a:r>
+            <a:r>
+              <a:rPr lang="en-US" altLang="zh-CN" sz="2000">
+                <a:sym typeface="+mn-ea"/>
+              </a:rPr>
+              <a:t>net</a:t>
+            </a:r>
+            <a:r>
+              <a:rPr lang="zh-CN" altLang="en-US" sz="2000">
+                <a:sym typeface="+mn-ea"/>
+              </a:rPr>
+              <a:t>模块的组合应用</a:t>
+            </a:r>
+            <a:endParaRPr lang="zh-CN" altLang="en-US" sz="2000">
+              <a:sym typeface="+mn-ea"/>
+            </a:endParaRPr>
+          </a:p>
+        </p:txBody>
+      </p:sp>
+    </p:spTree>
+  </p:cSld>
+  <p:clrMapOvr>
+    <a:masterClrMapping/>
+  </p:clrMapOvr>
+  <p:transition spd="med">
+    <p:random/>
+  </p:transition>
+  <p:timing>
+    <p:tnLst>
+      <p:par>
+        <p:cTn id="1" dur="indefinite" restart="never" nodeType="tmRoot">
+          <p:childTnLst>
+            <p:seq concurrent="1" nextAc="seek">
+              <p:cTn id="2" dur="indefinite" nodeType="mainSeq">
+                <p:childTnLst>
+                  <p:par>
+                    <p:cTn id="3" fill="hold">
+                      <p:stCondLst>
+                        <p:cond delay="indefinite"/>
+                      </p:stCondLst>
+                      <p:childTnLst>
+                        <p:par>
+                          <p:cTn id="4" fill="hold">
+                            <p:stCondLst>
+                              <p:cond delay="0"/>
+                            </p:stCondLst>
+                            <p:childTnLst>
+                              <p:par>
+                                <p:cTn id="5" presetID="2" presetClass="entr" presetSubtype="4" fill="hold" grpId="0" nodeType="clickEffect">
+                                  <p:stCondLst>
+                                    <p:cond delay="0"/>
+                                  </p:stCondLst>
+                                  <p:childTnLst>
+                                    <p:set>
+                                      <p:cBhvr>
+                                        <p:cTn id="6" dur="1" fill="hold">
+                                          <p:stCondLst>
+                                            <p:cond delay="0"/>
+                                          </p:stCondLst>
+                                        </p:cTn>
+                                        <p:tgtEl>
+                                          <p:spTgt spid="3"/>
+                                        </p:tgtEl>
+                                        <p:attrNameLst>
+                                          <p:attrName>style.visibility</p:attrName>
+                                        </p:attrNameLst>
+                                      </p:cBhvr>
+                                      <p:to>
+                                        <p:strVal val="visible"/>
+                                      </p:to>
+                                    </p:set>
+                                    <p:anim calcmode="lin" valueType="num">
+                                      <p:cBhvr additive="base">
+                                        <p:cTn id="7" dur="500" fill="hold"/>
+                                        <p:tgtEl>
+                                          <p:spTgt spid="3"/>
+                                        </p:tgtEl>
+                                        <p:attrNameLst>
+                                          <p:attrName>ppt_x</p:attrName>
+                                        </p:attrNameLst>
+                                      </p:cBhvr>
+                                      <p:tavLst>
+                                        <p:tav tm="0">
+                                          <p:val>
+                                            <p:strVal val="#ppt_x"/>
+                                          </p:val>
+                                        </p:tav>
+                                        <p:tav tm="100000">
+                                          <p:val>
+                                            <p:strVal val="#ppt_x"/>
+                                          </p:val>
+                                        </p:tav>
+                                      </p:tavLst>
+                                    </p:anim>
+                                    <p:anim calcmode="lin" valueType="num">
+                                      <p:cBhvr additive="base">
+                                        <p:cTn id="8" dur="500" fill="hold"/>
+                                        <p:tgtEl>
+                                          <p:spTgt spid="3"/>
+                                        </p:tgtEl>
+                                        <p:attrNameLst>
+                                          <p:attrName>ppt_y</p:attrName>
+                                        </p:attrNameLst>
+                                      </p:cBhvr>
+                                      <p:tavLst>
+                                        <p:tav tm="0">
+                                          <p:val>
+                                            <p:strVal val="1+#ppt_h/2"/>
+                                          </p:val>
+                                        </p:tav>
+                                        <p:tav tm="100000">
+                                          <p:val>
+                                            <p:strVal val="#ppt_y"/>
+                                          </p:val>
+                                        </p:tav>
+                                      </p:tavLst>
+                                    </p:anim>
+                                  </p:childTnLst>
+                                </p:cTn>
+                              </p:par>
+                            </p:childTnLst>
+                          </p:cTn>
+                        </p:par>
+                      </p:childTnLst>
+                    </p:cTn>
+                  </p:par>
+                </p:childTnLst>
+              </p:cTn>
+              <p:prevCondLst>
+                <p:cond evt="onPrev" delay="0">
+                  <p:tgtEl>
+                    <p:sldTgt/>
+                  </p:tgtEl>
+                </p:cond>
+              </p:prevCondLst>
+              <p:nextCondLst>
+                <p:cond evt="onNext" delay="0">
+                  <p:tgtEl>
+                    <p:sldTgt/>
+                  </p:tgtEl>
+                </p:cond>
+              </p:nextCondLst>
+            </p:seq>
+          </p:childTnLst>
+        </p:cTn>
+      </p:par>
+    </p:tnLst>
+    <p:bldLst>
+      <p:bldP spid="3" grpId="0"/>
+    </p:bldLst>
+  </p:timing>
+</p:sld>
+</file>
+
+<file path=ppt/slides/slide19.xml><?xml version="1.0" encoding="utf-8"?>
+<p:sld xmlns:a="http://schemas.openxmlformats.org/drawingml/2006/main" xmlns:r="http://schemas.openxmlformats.org/officeDocument/2006/relationships" xmlns:p="http://schemas.openxmlformats.org/presentationml/2006/main">
+  <p:cSld>
+    <p:spTree>
+      <p:nvGrpSpPr>
+        <p:cNvPr id="1" name=""/>
+        <p:cNvGrpSpPr/>
+        <p:nvPr/>
+      </p:nvGrpSpPr>
+      <p:grpSpPr>
+        <a:xfrm>
+          <a:off x="0" y="0"/>
+          <a:ext cx="0" cy="0"/>
+          <a:chOff x="0" y="0"/>
+          <a:chExt cx="0" cy="0"/>
+        </a:xfrm>
+      </p:grpSpPr>
+      <p:sp>
+        <p:nvSpPr>
+          <p:cNvPr id="4" name="文本框 3"/>
+          <p:cNvSpPr txBox="1"/>
+          <p:nvPr/>
+        </p:nvSpPr>
+        <p:spPr>
+          <a:xfrm>
+            <a:off x="1749424" y="70765"/>
+            <a:ext cx="7455535" cy="583565"/>
+          </a:xfrm>
+          <a:prstGeom prst="rect">
+            <a:avLst/>
+          </a:prstGeom>
+          <a:noFill/>
+        </p:spPr>
+        <p:txBody>
+          <a:bodyPr wrap="square" rtlCol="0">
+            <a:spAutoFit/>
+          </a:bodyPr>
+          <a:lstStyle/>
+          <a:p>
+            <a:r>
+              <a:rPr lang="en-US" altLang="zh-CN" sz="3200" dirty="0" smtClean="0">
+                <a:latin typeface="微软雅黑" panose="020B0503020204020204" pitchFamily="34" charset="-122"/>
+                <a:ea typeface="微软雅黑" panose="020B0503020204020204" pitchFamily="34" charset="-122"/>
+              </a:rPr>
+              <a:t>4.1 cluster</a:t>
+            </a:r>
+            <a:r>
+              <a:rPr lang="zh-CN" altLang="en-US" sz="3200" dirty="0" smtClean="0">
+                <a:latin typeface="微软雅黑" panose="020B0503020204020204" pitchFamily="34" charset="-122"/>
+                <a:ea typeface="微软雅黑" panose="020B0503020204020204" pitchFamily="34" charset="-122"/>
+              </a:rPr>
+              <a:t>事件</a:t>
+            </a:r>
+            <a:endParaRPr lang="zh-CN" altLang="en-US" sz="3200" dirty="0" smtClean="0">
+              <a:latin typeface="微软雅黑" panose="020B0503020204020204" pitchFamily="34" charset="-122"/>
+              <a:ea typeface="微软雅黑" panose="020B0503020204020204" pitchFamily="34" charset="-122"/>
+            </a:endParaRPr>
+          </a:p>
+        </p:txBody>
+      </p:sp>
+      <p:sp>
+        <p:nvSpPr>
+          <p:cNvPr id="3" name="文本框 2"/>
+          <p:cNvSpPr txBox="1">
+            <a:spLocks noChangeArrowheads="1"/>
+          </p:cNvSpPr>
+          <p:nvPr/>
+        </p:nvSpPr>
+        <p:spPr bwMode="auto">
+          <a:xfrm>
+            <a:off x="847042" y="1217728"/>
+            <a:ext cx="10113484" cy="553085"/>
+          </a:xfrm>
+          <a:prstGeom prst="rect">
+            <a:avLst/>
+          </a:prstGeom>
+          <a:noFill/>
+          <a:ln>
+            <a:noFill/>
+          </a:ln>
+          <a:extLst>
+            <a:ext uri="{909E8E84-426E-40DD-AFC4-6F175D3DCCD1}">
+              <a14:hiddenFill xmlns:a14="http://schemas.microsoft.com/office/drawing/2010/main">
+                <a:solidFill>
+                  <a:srgbClr val="FFFFFF"/>
+                </a:solidFill>
+              </a14:hiddenFill>
+            </a:ext>
+            <a:ext uri="{91240B29-F687-4F45-9708-019B960494DF}">
+              <a14:hiddenLine xmlns:a14="http://schemas.microsoft.com/office/drawing/2010/main" w="9525">
+                <a:solidFill>
+                  <a:srgbClr val="000000"/>
+                </a:solidFill>
+                <a:miter lim="800000"/>
+                <a:headEnd/>
+                <a:tailEnd/>
+              </a14:hiddenLine>
+            </a:ext>
+          </a:extLst>
+        </p:spPr>
+        <p:txBody>
+          <a:bodyPr wrap="square">
+            <a:spAutoFit/>
+          </a:bodyPr>
+          <a:lstStyle>
+            <a:defPPr>
+              <a:defRPr lang="zh-CN"/>
+            </a:defPPr>
+            <a:lvl1pPr algn="l" rtl="0" eaLnBrk="0" fontAlgn="base" hangingPunct="0">
+              <a:spcBef>
+                <a:spcPct val="0"/>
+              </a:spcBef>
+              <a:spcAft>
+                <a:spcPct val="0"/>
+              </a:spcAft>
+              <a:defRPr kern="1200">
+                <a:solidFill>
+                  <a:schemeClr val="tx1"/>
+                </a:solidFill>
+                <a:latin typeface="Arial" panose="020B0604020202090204" pitchFamily="34" charset="0"/>
+                <a:ea typeface="宋体" panose="02010600030101010101" pitchFamily="2" charset="-122"/>
+                <a:cs typeface="+mn-cs"/>
+              </a:defRPr>
+            </a:lvl1pPr>
+            <a:lvl2pPr marL="457200" algn="l" rtl="0" eaLnBrk="0" fontAlgn="base" hangingPunct="0">
+              <a:spcBef>
+                <a:spcPct val="0"/>
+              </a:spcBef>
+              <a:spcAft>
+                <a:spcPct val="0"/>
+              </a:spcAft>
+              <a:defRPr kern="1200">
+                <a:solidFill>
+                  <a:schemeClr val="tx1"/>
+                </a:solidFill>
+                <a:latin typeface="Arial" panose="020B0604020202090204" pitchFamily="34" charset="0"/>
+                <a:ea typeface="宋体" panose="02010600030101010101" pitchFamily="2" charset="-122"/>
+                <a:cs typeface="+mn-cs"/>
+              </a:defRPr>
+            </a:lvl2pPr>
+            <a:lvl3pPr marL="914400" algn="l" rtl="0" eaLnBrk="0" fontAlgn="base" hangingPunct="0">
+              <a:spcBef>
+                <a:spcPct val="0"/>
+              </a:spcBef>
+              <a:spcAft>
+                <a:spcPct val="0"/>
+              </a:spcAft>
+              <a:defRPr kern="1200">
+                <a:solidFill>
+                  <a:schemeClr val="tx1"/>
+                </a:solidFill>
+                <a:latin typeface="Arial" panose="020B0604020202090204" pitchFamily="34" charset="0"/>
+                <a:ea typeface="宋体" panose="02010600030101010101" pitchFamily="2" charset="-122"/>
+                <a:cs typeface="+mn-cs"/>
+              </a:defRPr>
+            </a:lvl3pPr>
+            <a:lvl4pPr marL="1371600" algn="l" rtl="0" eaLnBrk="0" fontAlgn="base" hangingPunct="0">
+              <a:spcBef>
+                <a:spcPct val="0"/>
+              </a:spcBef>
+              <a:spcAft>
+                <a:spcPct val="0"/>
+              </a:spcAft>
+              <a:defRPr kern="1200">
+                <a:solidFill>
+                  <a:schemeClr val="tx1"/>
+                </a:solidFill>
+                <a:latin typeface="Arial" panose="020B0604020202090204" pitchFamily="34" charset="0"/>
+                <a:ea typeface="宋体" panose="02010600030101010101" pitchFamily="2" charset="-122"/>
+                <a:cs typeface="+mn-cs"/>
+              </a:defRPr>
+            </a:lvl4pPr>
+            <a:lvl5pPr marL="1828800" algn="l" rtl="0" eaLnBrk="0" fontAlgn="base" hangingPunct="0">
+              <a:spcBef>
+                <a:spcPct val="0"/>
+              </a:spcBef>
+              <a:spcAft>
+                <a:spcPct val="0"/>
+              </a:spcAft>
+              <a:defRPr kern="1200">
+                <a:solidFill>
+                  <a:schemeClr val="tx1"/>
+                </a:solidFill>
+                <a:latin typeface="Arial" panose="020B0604020202090204" pitchFamily="34" charset="0"/>
+                <a:ea typeface="宋体" panose="02010600030101010101" pitchFamily="2" charset="-122"/>
+                <a:cs typeface="+mn-cs"/>
+              </a:defRPr>
+            </a:lvl5pPr>
+            <a:lvl6pPr marL="2286000" algn="l" defTabSz="914400" rtl="0" eaLnBrk="1" latinLnBrk="0" hangingPunct="1">
+              <a:defRPr kern="1200">
+                <a:solidFill>
+                  <a:schemeClr val="tx1"/>
+                </a:solidFill>
+                <a:latin typeface="Arial" panose="020B0604020202090204" pitchFamily="34" charset="0"/>
+                <a:ea typeface="宋体" panose="02010600030101010101" pitchFamily="2" charset="-122"/>
+                <a:cs typeface="+mn-cs"/>
+              </a:defRPr>
+            </a:lvl6pPr>
+            <a:lvl7pPr marL="2743200" algn="l" defTabSz="914400" rtl="0" eaLnBrk="1" latinLnBrk="0" hangingPunct="1">
+              <a:defRPr kern="1200">
+                <a:solidFill>
+                  <a:schemeClr val="tx1"/>
+                </a:solidFill>
+                <a:latin typeface="Arial" panose="020B0604020202090204" pitchFamily="34" charset="0"/>
+                <a:ea typeface="宋体" panose="02010600030101010101" pitchFamily="2" charset="-122"/>
+                <a:cs typeface="+mn-cs"/>
+              </a:defRPr>
+            </a:lvl7pPr>
+            <a:lvl8pPr marL="3200400" algn="l" defTabSz="914400" rtl="0" eaLnBrk="1" latinLnBrk="0" hangingPunct="1">
+              <a:defRPr kern="1200">
+                <a:solidFill>
+                  <a:schemeClr val="tx1"/>
+                </a:solidFill>
+                <a:latin typeface="Arial" panose="020B0604020202090204" pitchFamily="34" charset="0"/>
+                <a:ea typeface="宋体" panose="02010600030101010101" pitchFamily="2" charset="-122"/>
+                <a:cs typeface="+mn-cs"/>
+              </a:defRPr>
+            </a:lvl8pPr>
+            <a:lvl9pPr marL="3657600" algn="l" defTabSz="914400" rtl="0" eaLnBrk="1" latinLnBrk="0" hangingPunct="1">
+              <a:defRPr kern="1200">
+                <a:solidFill>
+                  <a:schemeClr val="tx1"/>
+                </a:solidFill>
+                <a:latin typeface="Arial" panose="020B0604020202090204" pitchFamily="34" charset="0"/>
+                <a:ea typeface="宋体" panose="02010600030101010101" pitchFamily="2" charset="-122"/>
+                <a:cs typeface="+mn-cs"/>
+              </a:defRPr>
+            </a:lvl9pPr>
+          </a:lstStyle>
+          <a:p>
+            <a:pPr indent="0" eaLnBrk="1" hangingPunct="1">
+              <a:lnSpc>
+                <a:spcPct val="150000"/>
+              </a:lnSpc>
+              <a:spcBef>
+                <a:spcPct val="0"/>
+              </a:spcBef>
+              <a:spcAft>
+                <a:spcPts val="0"/>
+              </a:spcAft>
+              <a:buFontTx/>
+              <a:buNone/>
+            </a:pPr>
+            <a:r>
+              <a:rPr lang="zh-CN" altLang="en-US" sz="2000">
+                <a:sym typeface="+mn-ea"/>
+              </a:rPr>
+              <a:t>对于健壮性的处理，</a:t>
+            </a:r>
+            <a:r>
+              <a:rPr lang="en-US" altLang="zh-CN" sz="2000">
+                <a:sym typeface="+mn-ea"/>
+              </a:rPr>
+              <a:t>cluster</a:t>
+            </a:r>
+            <a:r>
+              <a:rPr lang="zh-CN" altLang="en-US" sz="2000">
+                <a:sym typeface="+mn-ea"/>
+              </a:rPr>
+              <a:t>模块也暴露了许多事件：</a:t>
+            </a:r>
+            <a:endParaRPr lang="zh-CN" altLang="en-US" sz="2000">
+              <a:sym typeface="+mn-ea"/>
+            </a:endParaRPr>
+          </a:p>
+        </p:txBody>
+      </p:sp>
+      <p:sp>
+        <p:nvSpPr>
+          <p:cNvPr id="2" name="文本框 1"/>
+          <p:cNvSpPr txBox="1">
+            <a:spLocks noChangeArrowheads="1"/>
+          </p:cNvSpPr>
+          <p:nvPr/>
+        </p:nvSpPr>
+        <p:spPr bwMode="auto">
+          <a:xfrm>
+            <a:off x="847042" y="2045768"/>
+            <a:ext cx="10113484" cy="3784600"/>
+          </a:xfrm>
+          <a:prstGeom prst="rect">
+            <a:avLst/>
+          </a:prstGeom>
+          <a:noFill/>
+          <a:ln>
+            <a:noFill/>
+          </a:ln>
+          <a:extLst>
+            <a:ext uri="{909E8E84-426E-40DD-AFC4-6F175D3DCCD1}">
+              <a14:hiddenFill xmlns:a14="http://schemas.microsoft.com/office/drawing/2010/main">
+                <a:solidFill>
+                  <a:srgbClr val="FFFFFF"/>
+                </a:solidFill>
+              </a14:hiddenFill>
+            </a:ext>
+            <a:ext uri="{91240B29-F687-4F45-9708-019B960494DF}">
+              <a14:hiddenLine xmlns:a14="http://schemas.microsoft.com/office/drawing/2010/main" w="9525">
+                <a:solidFill>
+                  <a:srgbClr val="000000"/>
+                </a:solidFill>
+                <a:miter lim="800000"/>
+                <a:headEnd/>
+                <a:tailEnd/>
+              </a14:hiddenLine>
+            </a:ext>
+          </a:extLst>
+        </p:spPr>
+        <p:txBody>
+          <a:bodyPr wrap="square">
+            <a:spAutoFit/>
+          </a:bodyPr>
+          <a:lstStyle>
+            <a:defPPr>
+              <a:defRPr lang="zh-CN"/>
+            </a:defPPr>
+            <a:lvl1pPr algn="l" rtl="0" eaLnBrk="0" fontAlgn="base" hangingPunct="0">
+              <a:spcBef>
+                <a:spcPct val="0"/>
+              </a:spcBef>
+              <a:spcAft>
+                <a:spcPct val="0"/>
+              </a:spcAft>
+              <a:defRPr kern="1200">
+                <a:solidFill>
+                  <a:schemeClr val="tx1"/>
+                </a:solidFill>
+                <a:latin typeface="Arial" panose="020B0604020202090204" pitchFamily="34" charset="0"/>
+                <a:ea typeface="宋体" panose="02010600030101010101" pitchFamily="2" charset="-122"/>
+                <a:cs typeface="+mn-cs"/>
+              </a:defRPr>
+            </a:lvl1pPr>
+            <a:lvl2pPr marL="457200" algn="l" rtl="0" eaLnBrk="0" fontAlgn="base" hangingPunct="0">
+              <a:spcBef>
+                <a:spcPct val="0"/>
+              </a:spcBef>
+              <a:spcAft>
+                <a:spcPct val="0"/>
+              </a:spcAft>
+              <a:defRPr kern="1200">
+                <a:solidFill>
+                  <a:schemeClr val="tx1"/>
+                </a:solidFill>
+                <a:latin typeface="Arial" panose="020B0604020202090204" pitchFamily="34" charset="0"/>
+                <a:ea typeface="宋体" panose="02010600030101010101" pitchFamily="2" charset="-122"/>
+                <a:cs typeface="+mn-cs"/>
+              </a:defRPr>
+            </a:lvl2pPr>
+            <a:lvl3pPr marL="914400" algn="l" rtl="0" eaLnBrk="0" fontAlgn="base" hangingPunct="0">
+              <a:spcBef>
+                <a:spcPct val="0"/>
+              </a:spcBef>
+              <a:spcAft>
+                <a:spcPct val="0"/>
+              </a:spcAft>
+              <a:defRPr kern="1200">
+                <a:solidFill>
+                  <a:schemeClr val="tx1"/>
+                </a:solidFill>
+                <a:latin typeface="Arial" panose="020B0604020202090204" pitchFamily="34" charset="0"/>
+                <a:ea typeface="宋体" panose="02010600030101010101" pitchFamily="2" charset="-122"/>
+                <a:cs typeface="+mn-cs"/>
+              </a:defRPr>
+            </a:lvl3pPr>
+            <a:lvl4pPr marL="1371600" algn="l" rtl="0" eaLnBrk="0" fontAlgn="base" hangingPunct="0">
+              <a:spcBef>
+                <a:spcPct val="0"/>
+              </a:spcBef>
+              <a:spcAft>
+                <a:spcPct val="0"/>
+              </a:spcAft>
+              <a:defRPr kern="1200">
+                <a:solidFill>
+                  <a:schemeClr val="tx1"/>
+                </a:solidFill>
+                <a:latin typeface="Arial" panose="020B0604020202090204" pitchFamily="34" charset="0"/>
+                <a:ea typeface="宋体" panose="02010600030101010101" pitchFamily="2" charset="-122"/>
+                <a:cs typeface="+mn-cs"/>
+              </a:defRPr>
+            </a:lvl4pPr>
+            <a:lvl5pPr marL="1828800" algn="l" rtl="0" eaLnBrk="0" fontAlgn="base" hangingPunct="0">
+              <a:spcBef>
+                <a:spcPct val="0"/>
+              </a:spcBef>
+              <a:spcAft>
+                <a:spcPct val="0"/>
+              </a:spcAft>
+              <a:defRPr kern="1200">
+                <a:solidFill>
+                  <a:schemeClr val="tx1"/>
+                </a:solidFill>
+                <a:latin typeface="Arial" panose="020B0604020202090204" pitchFamily="34" charset="0"/>
+                <a:ea typeface="宋体" panose="02010600030101010101" pitchFamily="2" charset="-122"/>
+                <a:cs typeface="+mn-cs"/>
+              </a:defRPr>
+            </a:lvl5pPr>
+            <a:lvl6pPr marL="2286000" algn="l" defTabSz="914400" rtl="0" eaLnBrk="1" latinLnBrk="0" hangingPunct="1">
+              <a:defRPr kern="1200">
+                <a:solidFill>
+                  <a:schemeClr val="tx1"/>
+                </a:solidFill>
+                <a:latin typeface="Arial" panose="020B0604020202090204" pitchFamily="34" charset="0"/>
+                <a:ea typeface="宋体" panose="02010600030101010101" pitchFamily="2" charset="-122"/>
+                <a:cs typeface="+mn-cs"/>
+              </a:defRPr>
+            </a:lvl6pPr>
+            <a:lvl7pPr marL="2743200" algn="l" defTabSz="914400" rtl="0" eaLnBrk="1" latinLnBrk="0" hangingPunct="1">
+              <a:defRPr kern="1200">
+                <a:solidFill>
+                  <a:schemeClr val="tx1"/>
+                </a:solidFill>
+                <a:latin typeface="Arial" panose="020B0604020202090204" pitchFamily="34" charset="0"/>
+                <a:ea typeface="宋体" panose="02010600030101010101" pitchFamily="2" charset="-122"/>
+                <a:cs typeface="+mn-cs"/>
+              </a:defRPr>
+            </a:lvl7pPr>
+            <a:lvl8pPr marL="3200400" algn="l" defTabSz="914400" rtl="0" eaLnBrk="1" latinLnBrk="0" hangingPunct="1">
+              <a:defRPr kern="1200">
+                <a:solidFill>
+                  <a:schemeClr val="tx1"/>
+                </a:solidFill>
+                <a:latin typeface="Arial" panose="020B0604020202090204" pitchFamily="34" charset="0"/>
+                <a:ea typeface="宋体" panose="02010600030101010101" pitchFamily="2" charset="-122"/>
+                <a:cs typeface="+mn-cs"/>
+              </a:defRPr>
+            </a:lvl8pPr>
+            <a:lvl9pPr marL="3657600" algn="l" defTabSz="914400" rtl="0" eaLnBrk="1" latinLnBrk="0" hangingPunct="1">
+              <a:defRPr kern="1200">
+                <a:solidFill>
+                  <a:schemeClr val="tx1"/>
+                </a:solidFill>
+                <a:latin typeface="Arial" panose="020B0604020202090204" pitchFamily="34" charset="0"/>
+                <a:ea typeface="宋体" panose="02010600030101010101" pitchFamily="2" charset="-122"/>
+                <a:cs typeface="+mn-cs"/>
+              </a:defRPr>
+            </a:lvl9pPr>
+          </a:lstStyle>
+          <a:p>
+            <a:pPr indent="0" eaLnBrk="1" hangingPunct="1">
+              <a:lnSpc>
+                <a:spcPct val="150000"/>
+              </a:lnSpc>
+              <a:spcBef>
+                <a:spcPct val="0"/>
+              </a:spcBef>
+              <a:spcAft>
+                <a:spcPts val="0"/>
+              </a:spcAft>
+              <a:buFontTx/>
+              <a:buNone/>
+            </a:pPr>
+            <a:r>
+              <a:rPr lang="en-US" altLang="zh-CN" sz="2000" dirty="0" smtClean="0">
+                <a:latin typeface="微软雅黑" panose="020B0503020204020204" pitchFamily="34" charset="-122"/>
+                <a:ea typeface="微软雅黑" panose="020B0503020204020204" pitchFamily="34" charset="-122"/>
+              </a:rPr>
+              <a:t>fork</a:t>
+            </a:r>
+            <a:r>
+              <a:rPr lang="zh-CN" altLang="en-US" sz="2000" dirty="0" smtClean="0">
+                <a:latin typeface="微软雅黑" panose="020B0503020204020204" pitchFamily="34" charset="-122"/>
+                <a:ea typeface="微软雅黑" panose="020B0503020204020204" pitchFamily="34" charset="-122"/>
+              </a:rPr>
+              <a:t>： 复制一个工作进程后出发该事件</a:t>
+            </a:r>
+            <a:endParaRPr lang="zh-CN" altLang="en-US" sz="2000" dirty="0" smtClean="0">
+              <a:latin typeface="微软雅黑" panose="020B0503020204020204" pitchFamily="34" charset="-122"/>
+              <a:ea typeface="微软雅黑" panose="020B0503020204020204" pitchFamily="34" charset="-122"/>
+            </a:endParaRPr>
+          </a:p>
+          <a:p>
+            <a:pPr indent="0" eaLnBrk="1" hangingPunct="1">
+              <a:lnSpc>
+                <a:spcPct val="150000"/>
+              </a:lnSpc>
+              <a:spcBef>
+                <a:spcPct val="0"/>
+              </a:spcBef>
+              <a:spcAft>
+                <a:spcPts val="0"/>
+              </a:spcAft>
+              <a:buFontTx/>
+              <a:buNone/>
+            </a:pPr>
+            <a:r>
+              <a:rPr lang="en-US" altLang="zh-CN" sz="2000" dirty="0" smtClean="0">
+                <a:latin typeface="微软雅黑" panose="020B0503020204020204" pitchFamily="34" charset="-122"/>
+                <a:ea typeface="微软雅黑" panose="020B0503020204020204" pitchFamily="34" charset="-122"/>
+              </a:rPr>
+              <a:t>online</a:t>
+            </a:r>
+            <a:r>
+              <a:rPr lang="zh-CN" altLang="en-US" sz="2000" dirty="0" smtClean="0">
+                <a:latin typeface="微软雅黑" panose="020B0503020204020204" pitchFamily="34" charset="-122"/>
+                <a:ea typeface="微软雅黑" panose="020B0503020204020204" pitchFamily="34" charset="-122"/>
+              </a:rPr>
+              <a:t>：复制好一个工作进程后，工作进程主动发送一条</a:t>
+            </a:r>
+            <a:r>
+              <a:rPr lang="en-US" altLang="zh-CN" sz="2000" dirty="0" smtClean="0">
+                <a:latin typeface="微软雅黑" panose="020B0503020204020204" pitchFamily="34" charset="-122"/>
+                <a:ea typeface="微软雅黑" panose="020B0503020204020204" pitchFamily="34" charset="-122"/>
+              </a:rPr>
+              <a:t>online</a:t>
+            </a:r>
+            <a:r>
+              <a:rPr lang="zh-CN" altLang="en-US" sz="2000" dirty="0" smtClean="0">
+                <a:latin typeface="微软雅黑" panose="020B0503020204020204" pitchFamily="34" charset="-122"/>
+                <a:ea typeface="微软雅黑" panose="020B0503020204020204" pitchFamily="34" charset="-122"/>
+              </a:rPr>
+              <a:t>消息给主进程，主进程收到消息后，触发该事件。</a:t>
+            </a:r>
+            <a:endParaRPr lang="zh-CN" altLang="en-US" sz="2000" dirty="0" smtClean="0">
+              <a:latin typeface="微软雅黑" panose="020B0503020204020204" pitchFamily="34" charset="-122"/>
+              <a:ea typeface="微软雅黑" panose="020B0503020204020204" pitchFamily="34" charset="-122"/>
+            </a:endParaRPr>
+          </a:p>
+          <a:p>
+            <a:pPr indent="0" eaLnBrk="1" hangingPunct="1">
+              <a:lnSpc>
+                <a:spcPct val="150000"/>
+              </a:lnSpc>
+              <a:spcBef>
+                <a:spcPct val="0"/>
+              </a:spcBef>
+              <a:spcAft>
+                <a:spcPts val="0"/>
+              </a:spcAft>
+              <a:buFontTx/>
+              <a:buNone/>
+            </a:pPr>
+            <a:r>
+              <a:rPr lang="en-US" altLang="zh-CN" sz="2000" dirty="0" smtClean="0">
+                <a:latin typeface="微软雅黑" panose="020B0503020204020204" pitchFamily="34" charset="-122"/>
+                <a:ea typeface="微软雅黑" panose="020B0503020204020204" pitchFamily="34" charset="-122"/>
+              </a:rPr>
+              <a:t>listening</a:t>
+            </a:r>
+            <a:r>
+              <a:rPr lang="zh-CN" altLang="en-US" sz="2000" dirty="0" smtClean="0">
+                <a:latin typeface="微软雅黑" panose="020B0503020204020204" pitchFamily="34" charset="-122"/>
+                <a:ea typeface="微软雅黑" panose="020B0503020204020204" pitchFamily="34" charset="-122"/>
+              </a:rPr>
+              <a:t>：工作进程中调用</a:t>
+            </a:r>
+            <a:r>
+              <a:rPr lang="en-US" altLang="zh-CN" sz="2000" dirty="0" smtClean="0">
+                <a:latin typeface="微软雅黑" panose="020B0503020204020204" pitchFamily="34" charset="-122"/>
+                <a:ea typeface="微软雅黑" panose="020B0503020204020204" pitchFamily="34" charset="-122"/>
+              </a:rPr>
+              <a:t>listen()</a:t>
+            </a:r>
+            <a:r>
+              <a:rPr lang="zh-CN" altLang="en-US" sz="2000" dirty="0" smtClean="0">
+                <a:latin typeface="微软雅黑" panose="020B0503020204020204" pitchFamily="34" charset="-122"/>
+                <a:ea typeface="微软雅黑" panose="020B0503020204020204" pitchFamily="34" charset="-122"/>
+              </a:rPr>
+              <a:t>（共享了服务器端</a:t>
+            </a:r>
+            <a:r>
+              <a:rPr lang="en-US" altLang="zh-CN" sz="2000" dirty="0" smtClean="0">
+                <a:latin typeface="微软雅黑" panose="020B0503020204020204" pitchFamily="34" charset="-122"/>
+                <a:ea typeface="微软雅黑" panose="020B0503020204020204" pitchFamily="34" charset="-122"/>
+              </a:rPr>
+              <a:t>socket</a:t>
+            </a:r>
+            <a:r>
+              <a:rPr lang="zh-CN" altLang="en-US" sz="2000" dirty="0" smtClean="0">
+                <a:latin typeface="微软雅黑" panose="020B0503020204020204" pitchFamily="34" charset="-122"/>
+                <a:ea typeface="微软雅黑" panose="020B0503020204020204" pitchFamily="34" charset="-122"/>
+              </a:rPr>
+              <a:t>）后，发送一条</a:t>
+            </a:r>
+            <a:r>
+              <a:rPr lang="en-US" altLang="zh-CN" sz="2000" dirty="0" smtClean="0">
+                <a:latin typeface="微软雅黑" panose="020B0503020204020204" pitchFamily="34" charset="-122"/>
+                <a:ea typeface="微软雅黑" panose="020B0503020204020204" pitchFamily="34" charset="-122"/>
+              </a:rPr>
+              <a:t>listening</a:t>
+            </a:r>
+            <a:r>
+              <a:rPr lang="zh-CN" altLang="en-US" sz="2000" dirty="0" smtClean="0">
+                <a:latin typeface="微软雅黑" panose="020B0503020204020204" pitchFamily="34" charset="-122"/>
+                <a:ea typeface="微软雅黑" panose="020B0503020204020204" pitchFamily="34" charset="-122"/>
+              </a:rPr>
+              <a:t>消息给主进程，主进程收到该消息，触发该事件。</a:t>
+            </a:r>
+            <a:endParaRPr lang="zh-CN" altLang="en-US" sz="2000" dirty="0" smtClean="0">
+              <a:latin typeface="微软雅黑" panose="020B0503020204020204" pitchFamily="34" charset="-122"/>
+              <a:ea typeface="微软雅黑" panose="020B0503020204020204" pitchFamily="34" charset="-122"/>
+            </a:endParaRPr>
+          </a:p>
+          <a:p>
+            <a:pPr indent="0" eaLnBrk="1" hangingPunct="1">
+              <a:lnSpc>
+                <a:spcPct val="150000"/>
+              </a:lnSpc>
+              <a:spcBef>
+                <a:spcPct val="0"/>
+              </a:spcBef>
+              <a:spcAft>
+                <a:spcPts val="0"/>
+              </a:spcAft>
+              <a:buFontTx/>
+              <a:buNone/>
+            </a:pPr>
+            <a:r>
+              <a:rPr lang="en-US" altLang="zh-CN" sz="2000" dirty="0" smtClean="0">
+                <a:latin typeface="微软雅黑" panose="020B0503020204020204" pitchFamily="34" charset="-122"/>
+                <a:ea typeface="微软雅黑" panose="020B0503020204020204" pitchFamily="34" charset="-122"/>
+              </a:rPr>
+              <a:t>disconnect</a:t>
+            </a:r>
+            <a:r>
+              <a:rPr lang="zh-CN" altLang="en-US" sz="2000" dirty="0" smtClean="0">
+                <a:latin typeface="微软雅黑" panose="020B0503020204020204" pitchFamily="34" charset="-122"/>
+                <a:ea typeface="微软雅黑" panose="020B0503020204020204" pitchFamily="34" charset="-122"/>
+              </a:rPr>
+              <a:t>： 主进程和工作进程之间</a:t>
+            </a:r>
+            <a:r>
+              <a:rPr lang="en-US" altLang="zh-CN" sz="2000" dirty="0" smtClean="0">
+                <a:latin typeface="微软雅黑" panose="020B0503020204020204" pitchFamily="34" charset="-122"/>
+                <a:ea typeface="微软雅黑" panose="020B0503020204020204" pitchFamily="34" charset="-122"/>
+              </a:rPr>
+              <a:t>IPC</a:t>
+            </a:r>
+            <a:r>
+              <a:rPr lang="zh-CN" altLang="en-US" sz="2000" dirty="0" smtClean="0">
+                <a:latin typeface="微软雅黑" panose="020B0503020204020204" pitchFamily="34" charset="-122"/>
+                <a:ea typeface="微软雅黑" panose="020B0503020204020204" pitchFamily="34" charset="-122"/>
+              </a:rPr>
+              <a:t>通道断开后会触发该事件。</a:t>
+            </a:r>
+            <a:endParaRPr lang="zh-CN" altLang="en-US" sz="2000" dirty="0" smtClean="0">
+              <a:latin typeface="微软雅黑" panose="020B0503020204020204" pitchFamily="34" charset="-122"/>
+              <a:ea typeface="微软雅黑" panose="020B0503020204020204" pitchFamily="34" charset="-122"/>
+            </a:endParaRPr>
+          </a:p>
+          <a:p>
+            <a:pPr indent="0" eaLnBrk="1" hangingPunct="1">
+              <a:lnSpc>
+                <a:spcPct val="150000"/>
+              </a:lnSpc>
+              <a:spcBef>
+                <a:spcPct val="0"/>
+              </a:spcBef>
+              <a:spcAft>
+                <a:spcPts val="0"/>
+              </a:spcAft>
+              <a:buFontTx/>
+              <a:buNone/>
+            </a:pPr>
+            <a:r>
+              <a:rPr lang="en-US" altLang="zh-CN" sz="2000" dirty="0" smtClean="0">
+                <a:latin typeface="微软雅黑" panose="020B0503020204020204" pitchFamily="34" charset="-122"/>
+                <a:ea typeface="微软雅黑" panose="020B0503020204020204" pitchFamily="34" charset="-122"/>
+              </a:rPr>
+              <a:t>exit</a:t>
+            </a:r>
+            <a:r>
+              <a:rPr lang="zh-CN" altLang="en-US" sz="2000" dirty="0" smtClean="0">
+                <a:latin typeface="微软雅黑" panose="020B0503020204020204" pitchFamily="34" charset="-122"/>
+                <a:ea typeface="微软雅黑" panose="020B0503020204020204" pitchFamily="34" charset="-122"/>
+              </a:rPr>
+              <a:t>：有工作进程退出时触发该事件。</a:t>
+            </a:r>
+            <a:endParaRPr lang="zh-CN" altLang="en-US" sz="2000" dirty="0" smtClean="0">
+              <a:latin typeface="微软雅黑" panose="020B0503020204020204" pitchFamily="34" charset="-122"/>
+              <a:ea typeface="微软雅黑" panose="020B0503020204020204" pitchFamily="34" charset="-122"/>
+            </a:endParaRPr>
+          </a:p>
+          <a:p>
+            <a:pPr indent="0" eaLnBrk="1" hangingPunct="1">
+              <a:lnSpc>
+                <a:spcPct val="150000"/>
+              </a:lnSpc>
+              <a:spcBef>
+                <a:spcPct val="0"/>
+              </a:spcBef>
+              <a:spcAft>
+                <a:spcPts val="0"/>
+              </a:spcAft>
+              <a:buFontTx/>
+              <a:buNone/>
+            </a:pPr>
+            <a:r>
+              <a:rPr lang="en-US" altLang="zh-CN" sz="2000" dirty="0" smtClean="0">
+                <a:latin typeface="微软雅黑" panose="020B0503020204020204" pitchFamily="34" charset="-122"/>
+                <a:ea typeface="微软雅黑" panose="020B0503020204020204" pitchFamily="34" charset="-122"/>
+              </a:rPr>
+              <a:t>setup</a:t>
+            </a:r>
+            <a:r>
+              <a:rPr lang="zh-CN" altLang="en-US" sz="2000" dirty="0" smtClean="0">
+                <a:latin typeface="微软雅黑" panose="020B0503020204020204" pitchFamily="34" charset="-122"/>
+                <a:ea typeface="微软雅黑" panose="020B0503020204020204" pitchFamily="34" charset="-122"/>
+              </a:rPr>
+              <a:t>：</a:t>
+            </a:r>
+            <a:r>
+              <a:rPr lang="en-US" altLang="zh-CN" sz="2000" dirty="0" smtClean="0">
+                <a:latin typeface="微软雅黑" panose="020B0503020204020204" pitchFamily="34" charset="-122"/>
+                <a:ea typeface="微软雅黑" panose="020B0503020204020204" pitchFamily="34" charset="-122"/>
+              </a:rPr>
+              <a:t>cluster.setupMaster()</a:t>
+            </a:r>
+            <a:r>
+              <a:rPr lang="zh-CN" altLang="en-US" sz="2000" dirty="0" smtClean="0">
+                <a:latin typeface="微软雅黑" panose="020B0503020204020204" pitchFamily="34" charset="-122"/>
+                <a:ea typeface="微软雅黑" panose="020B0503020204020204" pitchFamily="34" charset="-122"/>
+              </a:rPr>
+              <a:t>执行后触发该事件。</a:t>
+            </a:r>
+            <a:endParaRPr lang="zh-CN" altLang="en-US" sz="2000" dirty="0" smtClean="0">
+              <a:latin typeface="微软雅黑" panose="020B0503020204020204" pitchFamily="34" charset="-122"/>
+              <a:ea typeface="微软雅黑" panose="020B0503020204020204" pitchFamily="34" charset="-122"/>
+            </a:endParaRPr>
+          </a:p>
+        </p:txBody>
+      </p:sp>
+    </p:spTree>
+  </p:cSld>
+  <p:clrMapOvr>
+    <a:masterClrMapping/>
+  </p:clrMapOvr>
+  <p:transition spd="med">
+    <p:random/>
+  </p:transition>
+  <p:timing>
+    <p:tnLst>
+      <p:par>
+        <p:cTn id="1" dur="indefinite" restart="never" nodeType="tmRoot">
+          <p:childTnLst>
+            <p:seq concurrent="1" nextAc="seek">
+              <p:cTn id="2" dur="indefinite" nodeType="mainSeq">
+                <p:childTnLst>
+                  <p:par>
+                    <p:cTn id="3" fill="hold">
+                      <p:stCondLst>
+                        <p:cond delay="indefinite"/>
+                      </p:stCondLst>
+                      <p:childTnLst>
+                        <p:par>
+                          <p:cTn id="4" fill="hold">
+                            <p:stCondLst>
+                              <p:cond delay="0"/>
+                            </p:stCondLst>
+                            <p:childTnLst>
+                              <p:par>
+                                <p:cTn id="5" presetID="2" presetClass="entr" presetSubtype="4" fill="hold" grpId="0" nodeType="clickEffect">
+                                  <p:stCondLst>
+                                    <p:cond delay="0"/>
+                                  </p:stCondLst>
+                                  <p:childTnLst>
+                                    <p:set>
+                                      <p:cBhvr>
+                                        <p:cTn id="6" dur="1" fill="hold">
+                                          <p:stCondLst>
+                                            <p:cond delay="0"/>
+                                          </p:stCondLst>
+                                        </p:cTn>
+                                        <p:tgtEl>
+                                          <p:spTgt spid="3"/>
+                                        </p:tgtEl>
+                                        <p:attrNameLst>
+                                          <p:attrName>style.visibility</p:attrName>
+                                        </p:attrNameLst>
+                                      </p:cBhvr>
+                                      <p:to>
+                                        <p:strVal val="visible"/>
+                                      </p:to>
+                                    </p:set>
+                                    <p:anim calcmode="lin" valueType="num">
+                                      <p:cBhvr additive="base">
+                                        <p:cTn id="7" dur="500" fill="hold"/>
+                                        <p:tgtEl>
+                                          <p:spTgt spid="3"/>
+                                        </p:tgtEl>
+                                        <p:attrNameLst>
+                                          <p:attrName>ppt_x</p:attrName>
+                                        </p:attrNameLst>
+                                      </p:cBhvr>
+                                      <p:tavLst>
+                                        <p:tav tm="0">
+                                          <p:val>
+                                            <p:strVal val="#ppt_x"/>
+                                          </p:val>
+                                        </p:tav>
+                                        <p:tav tm="100000">
+                                          <p:val>
+                                            <p:strVal val="#ppt_x"/>
+                                          </p:val>
+                                        </p:tav>
+                                      </p:tavLst>
+                                    </p:anim>
+                                    <p:anim calcmode="lin" valueType="num">
+                                      <p:cBhvr additive="base">
+                                        <p:cTn id="8" dur="500" fill="hold"/>
+                                        <p:tgtEl>
+                                          <p:spTgt spid="3"/>
+                                        </p:tgtEl>
+                                        <p:attrNameLst>
+                                          <p:attrName>ppt_y</p:attrName>
+                                        </p:attrNameLst>
+                                      </p:cBhvr>
+                                      <p:tavLst>
+                                        <p:tav tm="0">
+                                          <p:val>
+                                            <p:strVal val="1+#ppt_h/2"/>
+                                          </p:val>
+                                        </p:tav>
+                                        <p:tav tm="100000">
+                                          <p:val>
+                                            <p:strVal val="#ppt_y"/>
+                                          </p:val>
+                                        </p:tav>
+                                      </p:tavLst>
+                                    </p:anim>
+                                  </p:childTnLst>
+                                </p:cTn>
+                              </p:par>
+                            </p:childTnLst>
+                          </p:cTn>
+                        </p:par>
+                      </p:childTnLst>
+                    </p:cTn>
+                  </p:par>
+                  <p:par>
+                    <p:cTn id="9" fill="hold">
+                      <p:stCondLst>
+                        <p:cond delay="indefinite"/>
+                      </p:stCondLst>
+                      <p:childTnLst>
+                        <p:par>
+                          <p:cTn id="10" fill="hold">
+                            <p:stCondLst>
+                              <p:cond delay="0"/>
+                            </p:stCondLst>
+                            <p:childTnLst>
+                              <p:par>
+                                <p:cTn id="11" presetID="2" presetClass="entr" presetSubtype="4" fill="hold" grpId="0" nodeType="clickEffect">
+                                  <p:stCondLst>
+                                    <p:cond delay="0"/>
+                                  </p:stCondLst>
+                                  <p:childTnLst>
+                                    <p:set>
+                                      <p:cBhvr>
+                                        <p:cTn id="12" dur="1" fill="hold">
+                                          <p:stCondLst>
+                                            <p:cond delay="0"/>
+                                          </p:stCondLst>
+                                        </p:cTn>
+                                        <p:tgtEl>
+                                          <p:spTgt spid="2"/>
+                                        </p:tgtEl>
+                                        <p:attrNameLst>
+                                          <p:attrName>style.visibility</p:attrName>
+                                        </p:attrNameLst>
+                                      </p:cBhvr>
+                                      <p:to>
+                                        <p:strVal val="visible"/>
+                                      </p:to>
+                                    </p:set>
+                                    <p:anim calcmode="lin" valueType="num">
+                                      <p:cBhvr additive="base">
+                                        <p:cTn id="13" dur="500" fill="hold"/>
+                                        <p:tgtEl>
+                                          <p:spTgt spid="2"/>
+                                        </p:tgtEl>
+                                        <p:attrNameLst>
+                                          <p:attrName>ppt_x</p:attrName>
+                                        </p:attrNameLst>
+                                      </p:cBhvr>
+                                      <p:tavLst>
+                                        <p:tav tm="0">
+                                          <p:val>
+                                            <p:strVal val="#ppt_x"/>
+                                          </p:val>
+                                        </p:tav>
+                                        <p:tav tm="100000">
+                                          <p:val>
+                                            <p:strVal val="#ppt_x"/>
+                                          </p:val>
+                                        </p:tav>
+                                      </p:tavLst>
+                                    </p:anim>
+                                    <p:anim calcmode="lin" valueType="num">
+                                      <p:cBhvr additive="base">
+                                        <p:cTn id="14" dur="500" fill="hold"/>
+                                        <p:tgtEl>
+                                          <p:spTgt spid="2"/>
+                                        </p:tgtEl>
+                                        <p:attrNameLst>
+                                          <p:attrName>ppt_y</p:attrName>
+                                        </p:attrNameLst>
+                                      </p:cBhvr>
+                                      <p:tavLst>
+                                        <p:tav tm="0">
+                                          <p:val>
+                                            <p:strVal val="1+#ppt_h/2"/>
+                                          </p:val>
+                                        </p:tav>
+                                        <p:tav tm="100000">
+                                          <p:val>
+                                            <p:strVal val="#ppt_y"/>
+                                          </p:val>
+                                        </p:tav>
+                                      </p:tavLst>
+                                    </p:anim>
+                                  </p:childTnLst>
+                                </p:cTn>
+                              </p:par>
+                            </p:childTnLst>
+                          </p:cTn>
+                        </p:par>
+                      </p:childTnLst>
+                    </p:cTn>
+                  </p:par>
+                </p:childTnLst>
+              </p:cTn>
+              <p:prevCondLst>
+                <p:cond evt="onPrev" delay="0">
+                  <p:tgtEl>
+                    <p:sldTgt/>
+                  </p:tgtEl>
+                </p:cond>
+              </p:prevCondLst>
+              <p:nextCondLst>
+                <p:cond evt="onNext" delay="0">
+                  <p:tgtEl>
+                    <p:sldTgt/>
+                  </p:tgtEl>
+                </p:cond>
+              </p:nextCondLst>
+            </p:seq>
+          </p:childTnLst>
+        </p:cTn>
+      </p:par>
+    </p:tnLst>
+    <p:bldLst>
+      <p:bldP spid="3" grpId="0"/>
+      <p:bldP spid="2" grpId="0"/>
+    </p:bldLst>
+  </p:timing>
+</p:sld>
+</file>
+
+<file path=ppt/slides/slide2.xml><?xml version="1.0" encoding="utf-8"?>
+<p:sld xmlns:a="http://schemas.openxmlformats.org/drawingml/2006/main" xmlns:r="http://schemas.openxmlformats.org/officeDocument/2006/relationships" xmlns:p="http://schemas.openxmlformats.org/presentationml/2006/main">
+  <p:cSld>
+    <p:spTree>
+      <p:nvGrpSpPr>
+        <p:cNvPr id="1" name=""/>
+        <p:cNvGrpSpPr/>
+        <p:nvPr/>
+      </p:nvGrpSpPr>
+      <p:grpSpPr>
+        <a:xfrm>
+          <a:off x="0" y="0"/>
+          <a:ext cx="0" cy="0"/>
+          <a:chOff x="0" y="0"/>
+          <a:chExt cx="0" cy="0"/>
+        </a:xfrm>
+      </p:grpSpPr>
+      <p:sp>
+        <p:nvSpPr>
+          <p:cNvPr id="3" name="文本框 2"/>
+          <p:cNvSpPr txBox="1">
+            <a:spLocks noChangeArrowheads="1"/>
+          </p:cNvSpPr>
+          <p:nvPr/>
+        </p:nvSpPr>
+        <p:spPr bwMode="auto">
+          <a:xfrm>
+            <a:off x="847042" y="1217728"/>
+            <a:ext cx="10113484" cy="1476375"/>
+          </a:xfrm>
+          <a:prstGeom prst="rect">
+            <a:avLst/>
+          </a:prstGeom>
+          <a:noFill/>
+          <a:ln>
+            <a:noFill/>
+          </a:ln>
+          <a:extLst>
+            <a:ext uri="{909E8E84-426E-40DD-AFC4-6F175D3DCCD1}">
+              <a14:hiddenFill xmlns:a14="http://schemas.microsoft.com/office/drawing/2010/main">
+                <a:solidFill>
+                  <a:srgbClr val="FFFFFF"/>
+                </a:solidFill>
+              </a14:hiddenFill>
+            </a:ext>
+            <a:ext uri="{91240B29-F687-4F45-9708-019B960494DF}">
+              <a14:hiddenLine xmlns:a14="http://schemas.microsoft.com/office/drawing/2010/main" w="9525">
+                <a:solidFill>
+                  <a:srgbClr val="000000"/>
+                </a:solidFill>
+                <a:miter lim="800000"/>
+                <a:headEnd/>
+                <a:tailEnd/>
+              </a14:hiddenLine>
+            </a:ext>
+          </a:extLst>
+        </p:spPr>
+        <p:txBody>
+          <a:bodyPr wrap="square">
+            <a:spAutoFit/>
+          </a:bodyPr>
+          <a:lstStyle>
+            <a:defPPr>
+              <a:defRPr lang="zh-CN"/>
+            </a:defPPr>
+            <a:lvl1pPr algn="l" rtl="0" eaLnBrk="0" fontAlgn="base" hangingPunct="0">
+              <a:spcBef>
+                <a:spcPct val="0"/>
+              </a:spcBef>
+              <a:spcAft>
+                <a:spcPct val="0"/>
+              </a:spcAft>
+              <a:defRPr kern="1200">
+                <a:solidFill>
+                  <a:schemeClr val="tx1"/>
+                </a:solidFill>
+                <a:latin typeface="Arial" panose="020B0604020202090204" pitchFamily="34" charset="0"/>
+                <a:ea typeface="宋体" panose="02010600030101010101" pitchFamily="2" charset="-122"/>
+                <a:cs typeface="+mn-cs"/>
+              </a:defRPr>
+            </a:lvl1pPr>
+            <a:lvl2pPr marL="457200" algn="l" rtl="0" eaLnBrk="0" fontAlgn="base" hangingPunct="0">
+              <a:spcBef>
+                <a:spcPct val="0"/>
+              </a:spcBef>
+              <a:spcAft>
+                <a:spcPct val="0"/>
+              </a:spcAft>
+              <a:defRPr kern="1200">
+                <a:solidFill>
+                  <a:schemeClr val="tx1"/>
+                </a:solidFill>
+                <a:latin typeface="Arial" panose="020B0604020202090204" pitchFamily="34" charset="0"/>
+                <a:ea typeface="宋体" panose="02010600030101010101" pitchFamily="2" charset="-122"/>
+                <a:cs typeface="+mn-cs"/>
+              </a:defRPr>
+            </a:lvl2pPr>
+            <a:lvl3pPr marL="914400" algn="l" rtl="0" eaLnBrk="0" fontAlgn="base" hangingPunct="0">
+              <a:spcBef>
+                <a:spcPct val="0"/>
+              </a:spcBef>
+              <a:spcAft>
+                <a:spcPct val="0"/>
+              </a:spcAft>
+              <a:defRPr kern="1200">
+                <a:solidFill>
+                  <a:schemeClr val="tx1"/>
+                </a:solidFill>
+                <a:latin typeface="Arial" panose="020B0604020202090204" pitchFamily="34" charset="0"/>
+                <a:ea typeface="宋体" panose="02010600030101010101" pitchFamily="2" charset="-122"/>
+                <a:cs typeface="+mn-cs"/>
+              </a:defRPr>
+            </a:lvl3pPr>
+            <a:lvl4pPr marL="1371600" algn="l" rtl="0" eaLnBrk="0" fontAlgn="base" hangingPunct="0">
+              <a:spcBef>
+                <a:spcPct val="0"/>
+              </a:spcBef>
+              <a:spcAft>
+                <a:spcPct val="0"/>
+              </a:spcAft>
+              <a:defRPr kern="1200">
+                <a:solidFill>
+                  <a:schemeClr val="tx1"/>
+                </a:solidFill>
+                <a:latin typeface="Arial" panose="020B0604020202090204" pitchFamily="34" charset="0"/>
+                <a:ea typeface="宋体" panose="02010600030101010101" pitchFamily="2" charset="-122"/>
+                <a:cs typeface="+mn-cs"/>
+              </a:defRPr>
+            </a:lvl4pPr>
+            <a:lvl5pPr marL="1828800" algn="l" rtl="0" eaLnBrk="0" fontAlgn="base" hangingPunct="0">
+              <a:spcBef>
+                <a:spcPct val="0"/>
+              </a:spcBef>
+              <a:spcAft>
+                <a:spcPct val="0"/>
+              </a:spcAft>
+              <a:defRPr kern="1200">
+                <a:solidFill>
+                  <a:schemeClr val="tx1"/>
+                </a:solidFill>
+                <a:latin typeface="Arial" panose="020B0604020202090204" pitchFamily="34" charset="0"/>
+                <a:ea typeface="宋体" panose="02010600030101010101" pitchFamily="2" charset="-122"/>
+                <a:cs typeface="+mn-cs"/>
+              </a:defRPr>
+            </a:lvl5pPr>
+            <a:lvl6pPr marL="2286000" algn="l" defTabSz="914400" rtl="0" eaLnBrk="1" latinLnBrk="0" hangingPunct="1">
+              <a:defRPr kern="1200">
+                <a:solidFill>
+                  <a:schemeClr val="tx1"/>
+                </a:solidFill>
+                <a:latin typeface="Arial" panose="020B0604020202090204" pitchFamily="34" charset="0"/>
+                <a:ea typeface="宋体" panose="02010600030101010101" pitchFamily="2" charset="-122"/>
+                <a:cs typeface="+mn-cs"/>
+              </a:defRPr>
+            </a:lvl6pPr>
+            <a:lvl7pPr marL="2743200" algn="l" defTabSz="914400" rtl="0" eaLnBrk="1" latinLnBrk="0" hangingPunct="1">
+              <a:defRPr kern="1200">
+                <a:solidFill>
+                  <a:schemeClr val="tx1"/>
+                </a:solidFill>
+                <a:latin typeface="Arial" panose="020B0604020202090204" pitchFamily="34" charset="0"/>
+                <a:ea typeface="宋体" panose="02010600030101010101" pitchFamily="2" charset="-122"/>
+                <a:cs typeface="+mn-cs"/>
+              </a:defRPr>
+            </a:lvl7pPr>
+            <a:lvl8pPr marL="3200400" algn="l" defTabSz="914400" rtl="0" eaLnBrk="1" latinLnBrk="0" hangingPunct="1">
+              <a:defRPr kern="1200">
+                <a:solidFill>
+                  <a:schemeClr val="tx1"/>
+                </a:solidFill>
+                <a:latin typeface="Arial" panose="020B0604020202090204" pitchFamily="34" charset="0"/>
+                <a:ea typeface="宋体" panose="02010600030101010101" pitchFamily="2" charset="-122"/>
+                <a:cs typeface="+mn-cs"/>
+              </a:defRPr>
+            </a:lvl8pPr>
+            <a:lvl9pPr marL="3657600" algn="l" defTabSz="914400" rtl="0" eaLnBrk="1" latinLnBrk="0" hangingPunct="1">
+              <a:defRPr kern="1200">
+                <a:solidFill>
+                  <a:schemeClr val="tx1"/>
+                </a:solidFill>
+                <a:latin typeface="Arial" panose="020B0604020202090204" pitchFamily="34" charset="0"/>
+                <a:ea typeface="宋体" panose="02010600030101010101" pitchFamily="2" charset="-122"/>
+                <a:cs typeface="+mn-cs"/>
+              </a:defRPr>
+            </a:lvl9pPr>
+          </a:lstStyle>
+          <a:p>
+            <a:pPr eaLnBrk="1" hangingPunct="1">
+              <a:lnSpc>
+                <a:spcPct val="150000"/>
+              </a:lnSpc>
+              <a:spcBef>
+                <a:spcPct val="0"/>
+              </a:spcBef>
+              <a:spcAft>
+                <a:spcPts val="0"/>
+              </a:spcAft>
+              <a:buFontTx/>
+              <a:buNone/>
+            </a:pPr>
+            <a:r>
+              <a:rPr lang="en-US" altLang="zh-CN" sz="2000" dirty="0" smtClean="0">
+                <a:latin typeface="微软雅黑" panose="020B0503020204020204" pitchFamily="34" charset="-122"/>
+                <a:ea typeface="微软雅黑" panose="020B0503020204020204" pitchFamily="34" charset="-122"/>
+              </a:rPr>
+              <a:t>PM2是一个带有负载均衡功能的Node应用的进程管理器。PM2可以利用服务器上的所有CPU，并保证进程永远都活着，0秒的重载，部署管理多个Node项目。PM2是Node线上部署完美的管理工具。</a:t>
+            </a:r>
+            <a:endParaRPr lang="en-US" altLang="zh-CN" sz="2000" dirty="0" smtClean="0">
+              <a:latin typeface="微软雅黑" panose="020B0503020204020204" pitchFamily="34" charset="-122"/>
+              <a:ea typeface="微软雅黑" panose="020B0503020204020204" pitchFamily="34" charset="-122"/>
+            </a:endParaRPr>
+          </a:p>
+        </p:txBody>
+      </p:sp>
+      <p:sp>
+        <p:nvSpPr>
+          <p:cNvPr id="4" name="文本框 3"/>
+          <p:cNvSpPr txBox="1"/>
+          <p:nvPr/>
+        </p:nvSpPr>
+        <p:spPr>
+          <a:xfrm>
+            <a:off x="1749424" y="70765"/>
+            <a:ext cx="7455535" cy="584775"/>
+          </a:xfrm>
+          <a:prstGeom prst="rect">
+            <a:avLst/>
+          </a:prstGeom>
+          <a:noFill/>
+        </p:spPr>
+        <p:txBody>
+          <a:bodyPr wrap="square" rtlCol="0">
+            <a:spAutoFit/>
+          </a:bodyPr>
+          <a:lstStyle/>
+          <a:p>
+            <a:r>
+              <a:rPr lang="en-US" altLang="zh-CN" sz="3200" dirty="0" smtClean="0">
+                <a:latin typeface="微软雅黑" panose="020B0503020204020204" pitchFamily="34" charset="-122"/>
+                <a:ea typeface="微软雅黑" panose="020B0503020204020204" pitchFamily="34" charset="-122"/>
+              </a:rPr>
+              <a:t>1. pm2</a:t>
+            </a:r>
+            <a:r>
+              <a:rPr lang="zh-CN" altLang="en-US" sz="3200" dirty="0" smtClean="0">
+                <a:latin typeface="微软雅黑" panose="020B0503020204020204" pitchFamily="34" charset="-122"/>
+                <a:ea typeface="微软雅黑" panose="020B0503020204020204" pitchFamily="34" charset="-122"/>
+              </a:rPr>
+              <a:t>是什么？</a:t>
+            </a:r>
+            <a:endParaRPr lang="zh-CN" altLang="en-US" sz="3200" dirty="0" smtClean="0">
               <a:latin typeface="微软雅黑" panose="020B0503020204020204" pitchFamily="34" charset="-122"/>
               <a:ea typeface="微软雅黑" panose="020B0503020204020204" pitchFamily="34" charset="-122"/>
             </a:endParaRPr>
@@ -7845,7 +12246,7 @@
 </p:sld>
 </file>
 
-<file path=ppt/slides/slide17.xml><?xml version="1.0" encoding="utf-8"?>
+<file path=ppt/slides/slide20.xml><?xml version="1.0" encoding="utf-8"?>
 <p:sld xmlns:a="http://schemas.openxmlformats.org/drawingml/2006/main" xmlns:r="http://schemas.openxmlformats.org/officeDocument/2006/relationships" xmlns:p="http://schemas.openxmlformats.org/presentationml/2006/main">
   <p:cSld>
     <p:spTree>
@@ -7967,7 +12368,7 @@
         <p:spPr>
           <a:xfrm>
             <a:off x="1" y="2359155"/>
-            <a:ext cx="12191999" cy="1069845"/>
+            <a:ext cx="12191999" cy="1198880"/>
           </a:xfrm>
           <a:prstGeom prst="rect">
             <a:avLst/>
@@ -7994,9 +12395,9 @@
                 <a:ea typeface="微软雅黑" panose="020B0503020204020204" pitchFamily="34" charset="-122"/>
                 <a:sym typeface="Arial" panose="020B0604020202090204" pitchFamily="34" charset="0"/>
               </a:rPr>
-              <a:t>知行合一，让你赢在起跑线！</a:t>
-            </a:r>
-            <a:endParaRPr lang="en-US" altLang="zh-CN" sz="4800" dirty="0" smtClean="0">
+              <a:t>越是危机的时候，我就越兴奋</a:t>
+            </a:r>
+            <a:endParaRPr lang="zh-CN" altLang="en-US" sz="4800" dirty="0" smtClean="0">
               <a:solidFill>
                 <a:prstClr val="white"/>
               </a:solidFill>
@@ -8189,281 +12590,6 @@
 </p:sld>
 </file>
 
-<file path=ppt/slides/slide2.xml><?xml version="1.0" encoding="utf-8"?>
-<p:sld xmlns:a="http://schemas.openxmlformats.org/drawingml/2006/main" xmlns:r="http://schemas.openxmlformats.org/officeDocument/2006/relationships" xmlns:p="http://schemas.openxmlformats.org/presentationml/2006/main">
-  <p:cSld>
-    <p:spTree>
-      <p:nvGrpSpPr>
-        <p:cNvPr id="1" name=""/>
-        <p:cNvGrpSpPr/>
-        <p:nvPr/>
-      </p:nvGrpSpPr>
-      <p:grpSpPr>
-        <a:xfrm>
-          <a:off x="0" y="0"/>
-          <a:ext cx="0" cy="0"/>
-          <a:chOff x="0" y="0"/>
-          <a:chExt cx="0" cy="0"/>
-        </a:xfrm>
-      </p:grpSpPr>
-      <p:sp>
-        <p:nvSpPr>
-          <p:cNvPr id="3" name="文本框 2"/>
-          <p:cNvSpPr txBox="1">
-            <a:spLocks noChangeArrowheads="1"/>
-          </p:cNvSpPr>
-          <p:nvPr/>
-        </p:nvSpPr>
-        <p:spPr bwMode="auto">
-          <a:xfrm>
-            <a:off x="847042" y="1217728"/>
-            <a:ext cx="10113484" cy="1476375"/>
-          </a:xfrm>
-          <a:prstGeom prst="rect">
-            <a:avLst/>
-          </a:prstGeom>
-          <a:noFill/>
-          <a:ln>
-            <a:noFill/>
-          </a:ln>
-          <a:extLst>
-            <a:ext uri="{909E8E84-426E-40DD-AFC4-6F175D3DCCD1}">
-              <a14:hiddenFill xmlns:a14="http://schemas.microsoft.com/office/drawing/2010/main">
-                <a:solidFill>
-                  <a:srgbClr val="FFFFFF"/>
-                </a:solidFill>
-              </a14:hiddenFill>
-            </a:ext>
-            <a:ext uri="{91240B29-F687-4F45-9708-019B960494DF}">
-              <a14:hiddenLine xmlns:a14="http://schemas.microsoft.com/office/drawing/2010/main" w="9525">
-                <a:solidFill>
-                  <a:srgbClr val="000000"/>
-                </a:solidFill>
-                <a:miter lim="800000"/>
-                <a:headEnd/>
-                <a:tailEnd/>
-              </a14:hiddenLine>
-            </a:ext>
-          </a:extLst>
-        </p:spPr>
-        <p:txBody>
-          <a:bodyPr wrap="square">
-            <a:spAutoFit/>
-          </a:bodyPr>
-          <a:lstStyle>
-            <a:defPPr>
-              <a:defRPr lang="zh-CN"/>
-            </a:defPPr>
-            <a:lvl1pPr algn="l" rtl="0" eaLnBrk="0" fontAlgn="base" hangingPunct="0">
-              <a:spcBef>
-                <a:spcPct val="0"/>
-              </a:spcBef>
-              <a:spcAft>
-                <a:spcPct val="0"/>
-              </a:spcAft>
-              <a:defRPr kern="1200">
-                <a:solidFill>
-                  <a:schemeClr val="tx1"/>
-                </a:solidFill>
-                <a:latin typeface="Arial" panose="020B0604020202090204" pitchFamily="34" charset="0"/>
-                <a:ea typeface="宋体" panose="02010600030101010101" pitchFamily="2" charset="-122"/>
-                <a:cs typeface="+mn-cs"/>
-              </a:defRPr>
-            </a:lvl1pPr>
-            <a:lvl2pPr marL="457200" algn="l" rtl="0" eaLnBrk="0" fontAlgn="base" hangingPunct="0">
-              <a:spcBef>
-                <a:spcPct val="0"/>
-              </a:spcBef>
-              <a:spcAft>
-                <a:spcPct val="0"/>
-              </a:spcAft>
-              <a:defRPr kern="1200">
-                <a:solidFill>
-                  <a:schemeClr val="tx1"/>
-                </a:solidFill>
-                <a:latin typeface="Arial" panose="020B0604020202090204" pitchFamily="34" charset="0"/>
-                <a:ea typeface="宋体" panose="02010600030101010101" pitchFamily="2" charset="-122"/>
-                <a:cs typeface="+mn-cs"/>
-              </a:defRPr>
-            </a:lvl2pPr>
-            <a:lvl3pPr marL="914400" algn="l" rtl="0" eaLnBrk="0" fontAlgn="base" hangingPunct="0">
-              <a:spcBef>
-                <a:spcPct val="0"/>
-              </a:spcBef>
-              <a:spcAft>
-                <a:spcPct val="0"/>
-              </a:spcAft>
-              <a:defRPr kern="1200">
-                <a:solidFill>
-                  <a:schemeClr val="tx1"/>
-                </a:solidFill>
-                <a:latin typeface="Arial" panose="020B0604020202090204" pitchFamily="34" charset="0"/>
-                <a:ea typeface="宋体" panose="02010600030101010101" pitchFamily="2" charset="-122"/>
-                <a:cs typeface="+mn-cs"/>
-              </a:defRPr>
-            </a:lvl3pPr>
-            <a:lvl4pPr marL="1371600" algn="l" rtl="0" eaLnBrk="0" fontAlgn="base" hangingPunct="0">
-              <a:spcBef>
-                <a:spcPct val="0"/>
-              </a:spcBef>
-              <a:spcAft>
-                <a:spcPct val="0"/>
-              </a:spcAft>
-              <a:defRPr kern="1200">
-                <a:solidFill>
-                  <a:schemeClr val="tx1"/>
-                </a:solidFill>
-                <a:latin typeface="Arial" panose="020B0604020202090204" pitchFamily="34" charset="0"/>
-                <a:ea typeface="宋体" panose="02010600030101010101" pitchFamily="2" charset="-122"/>
-                <a:cs typeface="+mn-cs"/>
-              </a:defRPr>
-            </a:lvl4pPr>
-            <a:lvl5pPr marL="1828800" algn="l" rtl="0" eaLnBrk="0" fontAlgn="base" hangingPunct="0">
-              <a:spcBef>
-                <a:spcPct val="0"/>
-              </a:spcBef>
-              <a:spcAft>
-                <a:spcPct val="0"/>
-              </a:spcAft>
-              <a:defRPr kern="1200">
-                <a:solidFill>
-                  <a:schemeClr val="tx1"/>
-                </a:solidFill>
-                <a:latin typeface="Arial" panose="020B0604020202090204" pitchFamily="34" charset="0"/>
-                <a:ea typeface="宋体" panose="02010600030101010101" pitchFamily="2" charset="-122"/>
-                <a:cs typeface="+mn-cs"/>
-              </a:defRPr>
-            </a:lvl5pPr>
-            <a:lvl6pPr marL="2286000" algn="l" defTabSz="914400" rtl="0" eaLnBrk="1" latinLnBrk="0" hangingPunct="1">
-              <a:defRPr kern="1200">
-                <a:solidFill>
-                  <a:schemeClr val="tx1"/>
-                </a:solidFill>
-                <a:latin typeface="Arial" panose="020B0604020202090204" pitchFamily="34" charset="0"/>
-                <a:ea typeface="宋体" panose="02010600030101010101" pitchFamily="2" charset="-122"/>
-                <a:cs typeface="+mn-cs"/>
-              </a:defRPr>
-            </a:lvl6pPr>
-            <a:lvl7pPr marL="2743200" algn="l" defTabSz="914400" rtl="0" eaLnBrk="1" latinLnBrk="0" hangingPunct="1">
-              <a:defRPr kern="1200">
-                <a:solidFill>
-                  <a:schemeClr val="tx1"/>
-                </a:solidFill>
-                <a:latin typeface="Arial" panose="020B0604020202090204" pitchFamily="34" charset="0"/>
-                <a:ea typeface="宋体" panose="02010600030101010101" pitchFamily="2" charset="-122"/>
-                <a:cs typeface="+mn-cs"/>
-              </a:defRPr>
-            </a:lvl7pPr>
-            <a:lvl8pPr marL="3200400" algn="l" defTabSz="914400" rtl="0" eaLnBrk="1" latinLnBrk="0" hangingPunct="1">
-              <a:defRPr kern="1200">
-                <a:solidFill>
-                  <a:schemeClr val="tx1"/>
-                </a:solidFill>
-                <a:latin typeface="Arial" panose="020B0604020202090204" pitchFamily="34" charset="0"/>
-                <a:ea typeface="宋体" panose="02010600030101010101" pitchFamily="2" charset="-122"/>
-                <a:cs typeface="+mn-cs"/>
-              </a:defRPr>
-            </a:lvl8pPr>
-            <a:lvl9pPr marL="3657600" algn="l" defTabSz="914400" rtl="0" eaLnBrk="1" latinLnBrk="0" hangingPunct="1">
-              <a:defRPr kern="1200">
-                <a:solidFill>
-                  <a:schemeClr val="tx1"/>
-                </a:solidFill>
-                <a:latin typeface="Arial" panose="020B0604020202090204" pitchFamily="34" charset="0"/>
-                <a:ea typeface="宋体" panose="02010600030101010101" pitchFamily="2" charset="-122"/>
-                <a:cs typeface="+mn-cs"/>
-              </a:defRPr>
-            </a:lvl9pPr>
-          </a:lstStyle>
-          <a:p>
-            <a:pPr eaLnBrk="1" hangingPunct="1">
-              <a:lnSpc>
-                <a:spcPct val="150000"/>
-              </a:lnSpc>
-              <a:spcBef>
-                <a:spcPct val="0"/>
-              </a:spcBef>
-              <a:spcAft>
-                <a:spcPts val="0"/>
-              </a:spcAft>
-              <a:buFontTx/>
-              <a:buNone/>
-            </a:pPr>
-            <a:r>
-              <a:rPr lang="en-US" altLang="zh-CN" sz="2000" dirty="0" smtClean="0">
-                <a:latin typeface="微软雅黑" panose="020B0503020204020204" pitchFamily="34" charset="-122"/>
-                <a:ea typeface="微软雅黑" panose="020B0503020204020204" pitchFamily="34" charset="-122"/>
-              </a:rPr>
-              <a:t>PM2是一个带有负载均衡功能的Node应用的进程管理器。PM2可以利用服务器上的所有CPU，并保证进程永远都活着，0秒的重载，部署管理多个Node项目。PM2是Node线上部署完美的管理工具。</a:t>
-            </a:r>
-            <a:endParaRPr lang="en-US" altLang="zh-CN" sz="2000" dirty="0" smtClean="0">
-              <a:latin typeface="微软雅黑" panose="020B0503020204020204" pitchFamily="34" charset="-122"/>
-              <a:ea typeface="微软雅黑" panose="020B0503020204020204" pitchFamily="34" charset="-122"/>
-            </a:endParaRPr>
-          </a:p>
-        </p:txBody>
-      </p:sp>
-      <p:sp>
-        <p:nvSpPr>
-          <p:cNvPr id="4" name="文本框 3"/>
-          <p:cNvSpPr txBox="1"/>
-          <p:nvPr/>
-        </p:nvSpPr>
-        <p:spPr>
-          <a:xfrm>
-            <a:off x="1749424" y="70765"/>
-            <a:ext cx="7455535" cy="584775"/>
-          </a:xfrm>
-          <a:prstGeom prst="rect">
-            <a:avLst/>
-          </a:prstGeom>
-          <a:noFill/>
-        </p:spPr>
-        <p:txBody>
-          <a:bodyPr wrap="square" rtlCol="0">
-            <a:spAutoFit/>
-          </a:bodyPr>
-          <a:lstStyle/>
-          <a:p>
-            <a:r>
-              <a:rPr lang="en-US" altLang="zh-CN" sz="3200" dirty="0" smtClean="0">
-                <a:latin typeface="微软雅黑" panose="020B0503020204020204" pitchFamily="34" charset="-122"/>
-                <a:ea typeface="微软雅黑" panose="020B0503020204020204" pitchFamily="34" charset="-122"/>
-              </a:rPr>
-              <a:t>1. pm2</a:t>
-            </a:r>
-            <a:r>
-              <a:rPr lang="zh-CN" altLang="en-US" sz="3200" dirty="0" smtClean="0">
-                <a:latin typeface="微软雅黑" panose="020B0503020204020204" pitchFamily="34" charset="-122"/>
-                <a:ea typeface="微软雅黑" panose="020B0503020204020204" pitchFamily="34" charset="-122"/>
-              </a:rPr>
-              <a:t>是什么？</a:t>
-            </a:r>
-            <a:endParaRPr lang="zh-CN" altLang="en-US" sz="3200" dirty="0" smtClean="0">
-              <a:latin typeface="微软雅黑" panose="020B0503020204020204" pitchFamily="34" charset="-122"/>
-              <a:ea typeface="微软雅黑" panose="020B0503020204020204" pitchFamily="34" charset="-122"/>
-            </a:endParaRPr>
-          </a:p>
-        </p:txBody>
-      </p:sp>
-    </p:spTree>
-  </p:cSld>
-  <p:clrMapOvr>
-    <a:masterClrMapping/>
-  </p:clrMapOvr>
-  <p:transition spd="med">
-    <p:random/>
-  </p:transition>
-  <p:timing>
-    <p:tnLst>
-      <p:par>
-        <p:cTn id="1" dur="indefinite" restart="never" nodeType="tmRoot"/>
-      </p:par>
-    </p:tnLst>
-  </p:timing>
-</p:sld>
-</file>
-
 <file path=ppt/slides/slide3.xml><?xml version="1.0" encoding="utf-8"?>
 <p:sld xmlns:a="http://schemas.openxmlformats.org/drawingml/2006/main" xmlns:r="http://schemas.openxmlformats.org/officeDocument/2006/relationships" xmlns:p="http://schemas.openxmlformats.org/presentationml/2006/main">
   <p:cSld>
@@ -8957,7 +13083,7 @@
         <p:spPr bwMode="auto">
           <a:xfrm>
             <a:off x="847042" y="1225348"/>
-            <a:ext cx="10113484" cy="3784600"/>
+            <a:ext cx="10113484" cy="553085"/>
           </a:xfrm>
           <a:prstGeom prst="rect">
             <a:avLst/>
@@ -9134,197 +13260,7 @@
                 <a:latin typeface="微软雅黑" panose="020B0503020204020204" pitchFamily="34" charset="-122"/>
                 <a:ea typeface="微软雅黑" panose="020B0503020204020204" pitchFamily="34" charset="-122"/>
               </a:rPr>
-              <a:t>npm install pm2 -g ： 全局安装</a:t>
-            </a:r>
-            <a:endParaRPr lang="en-US" altLang="zh-CN" sz="2000" dirty="0" smtClean="0">
-              <a:latin typeface="微软雅黑" panose="020B0503020204020204" pitchFamily="34" charset="-122"/>
-              <a:ea typeface="微软雅黑" panose="020B0503020204020204" pitchFamily="34" charset="-122"/>
-            </a:endParaRPr>
-          </a:p>
-          <a:p>
-            <a:pPr eaLnBrk="1" hangingPunct="1">
-              <a:lnSpc>
-                <a:spcPct val="150000"/>
-              </a:lnSpc>
-              <a:spcBef>
-                <a:spcPct val="0"/>
-              </a:spcBef>
-              <a:spcAft>
-                <a:spcPts val="0"/>
-              </a:spcAft>
-              <a:buFontTx/>
-              <a:buNone/>
-            </a:pPr>
-            <a:r>
-              <a:rPr lang="en-US" altLang="zh-CN" sz="2000" dirty="0" smtClean="0">
-                <a:latin typeface="微软雅黑" panose="020B0503020204020204" pitchFamily="34" charset="-122"/>
-                <a:ea typeface="微软雅黑" panose="020B0503020204020204" pitchFamily="34" charset="-122"/>
-              </a:rPr>
-              <a:t>pm2 start app.js ： 启动服务，入口文件是app.js</a:t>
-            </a:r>
-            <a:endParaRPr lang="en-US" altLang="zh-CN" sz="2000" dirty="0" smtClean="0">
-              <a:latin typeface="微软雅黑" panose="020B0503020204020204" pitchFamily="34" charset="-122"/>
-              <a:ea typeface="微软雅黑" panose="020B0503020204020204" pitchFamily="34" charset="-122"/>
-            </a:endParaRPr>
-          </a:p>
-          <a:p>
-            <a:pPr eaLnBrk="1" hangingPunct="1">
-              <a:lnSpc>
-                <a:spcPct val="150000"/>
-              </a:lnSpc>
-              <a:spcBef>
-                <a:spcPct val="0"/>
-              </a:spcBef>
-              <a:spcAft>
-                <a:spcPts val="0"/>
-              </a:spcAft>
-              <a:buFontTx/>
-              <a:buNone/>
-            </a:pPr>
-            <a:r>
-              <a:rPr lang="en-US" altLang="zh-CN" sz="2000" dirty="0" smtClean="0">
-                <a:latin typeface="微软雅黑" panose="020B0503020204020204" pitchFamily="34" charset="-122"/>
-                <a:ea typeface="微软雅黑" panose="020B0503020204020204" pitchFamily="34" charset="-122"/>
-              </a:rPr>
-              <a:t>pm2 start app.js -i [n] --name [name] ： 启动n个进程，名字命名为name</a:t>
-            </a:r>
-            <a:endParaRPr lang="en-US" altLang="zh-CN" sz="2000" dirty="0" smtClean="0">
-              <a:latin typeface="微软雅黑" panose="020B0503020204020204" pitchFamily="34" charset="-122"/>
-              <a:ea typeface="微软雅黑" panose="020B0503020204020204" pitchFamily="34" charset="-122"/>
-            </a:endParaRPr>
-          </a:p>
-          <a:p>
-            <a:pPr eaLnBrk="1" hangingPunct="1">
-              <a:lnSpc>
-                <a:spcPct val="150000"/>
-              </a:lnSpc>
-              <a:spcBef>
-                <a:spcPct val="0"/>
-              </a:spcBef>
-              <a:spcAft>
-                <a:spcPts val="0"/>
-              </a:spcAft>
-              <a:buFontTx/>
-              <a:buNone/>
-            </a:pPr>
-            <a:r>
-              <a:rPr lang="en-US" altLang="zh-CN" sz="2000" dirty="0" smtClean="0">
-                <a:latin typeface="微软雅黑" panose="020B0503020204020204" pitchFamily="34" charset="-122"/>
-                <a:ea typeface="微软雅黑" panose="020B0503020204020204" pitchFamily="34" charset="-122"/>
-              </a:rPr>
-              <a:t>npm restart  [name or id] ： 重启服务</a:t>
-            </a:r>
-            <a:endParaRPr lang="en-US" altLang="zh-CN" sz="2000" dirty="0" smtClean="0">
-              <a:latin typeface="微软雅黑" panose="020B0503020204020204" pitchFamily="34" charset="-122"/>
-              <a:ea typeface="微软雅黑" panose="020B0503020204020204" pitchFamily="34" charset="-122"/>
-            </a:endParaRPr>
-          </a:p>
-          <a:p>
-            <a:pPr eaLnBrk="1" hangingPunct="1">
-              <a:lnSpc>
-                <a:spcPct val="150000"/>
-              </a:lnSpc>
-              <a:spcBef>
-                <a:spcPct val="0"/>
-              </a:spcBef>
-              <a:spcAft>
-                <a:spcPts val="0"/>
-              </a:spcAft>
-              <a:buFontTx/>
-              <a:buNone/>
-            </a:pPr>
-            <a:r>
-              <a:rPr lang="en-US" altLang="zh-CN" sz="2000" dirty="0" smtClean="0">
-                <a:latin typeface="微软雅黑" panose="020B0503020204020204" pitchFamily="34" charset="-122"/>
-                <a:ea typeface="微软雅黑" panose="020B0503020204020204" pitchFamily="34" charset="-122"/>
-              </a:rPr>
-              <a:t>npm reload  [name or id] ： 和rastart功能相同，但是可以实现0s的无缝衔接</a:t>
-            </a:r>
-            <a:endParaRPr lang="en-US" altLang="zh-CN" sz="2000" dirty="0" smtClean="0">
-              <a:latin typeface="微软雅黑" panose="020B0503020204020204" pitchFamily="34" charset="-122"/>
-              <a:ea typeface="微软雅黑" panose="020B0503020204020204" pitchFamily="34" charset="-122"/>
-            </a:endParaRPr>
-          </a:p>
-          <a:p>
-            <a:pPr eaLnBrk="1" hangingPunct="1">
-              <a:lnSpc>
-                <a:spcPct val="150000"/>
-              </a:lnSpc>
-              <a:spcBef>
-                <a:spcPct val="0"/>
-              </a:spcBef>
-              <a:spcAft>
-                <a:spcPts val="0"/>
-              </a:spcAft>
-              <a:buFontTx/>
-              <a:buNone/>
-            </a:pPr>
-            <a:r>
-              <a:rPr lang="en-US" altLang="zh-CN" sz="2000" dirty="0" smtClean="0">
-                <a:latin typeface="微软雅黑" panose="020B0503020204020204" pitchFamily="34" charset="-122"/>
-                <a:ea typeface="微软雅黑" panose="020B0503020204020204" pitchFamily="34" charset="-122"/>
-              </a:rPr>
-              <a:t>pm2 start app.js --max_memory_restart 1024M ： 当内存超过1024M时自动重启</a:t>
-            </a:r>
-            <a:endParaRPr lang="en-US" altLang="zh-CN" sz="2000" dirty="0" smtClean="0">
-              <a:latin typeface="微软雅黑" panose="020B0503020204020204" pitchFamily="34" charset="-122"/>
-              <a:ea typeface="微软雅黑" panose="020B0503020204020204" pitchFamily="34" charset="-122"/>
-            </a:endParaRPr>
-          </a:p>
-          <a:p>
-            <a:pPr eaLnBrk="1" hangingPunct="1">
-              <a:lnSpc>
-                <a:spcPct val="150000"/>
-              </a:lnSpc>
-              <a:spcBef>
-                <a:spcPct val="0"/>
-              </a:spcBef>
-              <a:spcAft>
-                <a:spcPts val="0"/>
-              </a:spcAft>
-              <a:buFontTx/>
-              <a:buNone/>
-            </a:pPr>
-            <a:r>
-              <a:rPr lang="en-US" altLang="zh-CN" sz="2000" dirty="0" smtClean="0">
-                <a:latin typeface="微软雅黑" panose="020B0503020204020204" pitchFamily="34" charset="-122"/>
-                <a:ea typeface="微软雅黑" panose="020B0503020204020204" pitchFamily="34" charset="-122"/>
-              </a:rPr>
-              <a:t>pm2 ls</a:t>
-            </a:r>
-            <a:endParaRPr lang="en-US" altLang="zh-CN" sz="2000" dirty="0" smtClean="0">
-              <a:latin typeface="微软雅黑" panose="020B0503020204020204" pitchFamily="34" charset="-122"/>
-              <a:ea typeface="微软雅黑" panose="020B0503020204020204" pitchFamily="34" charset="-122"/>
-            </a:endParaRPr>
-          </a:p>
-          <a:p>
-            <a:pPr eaLnBrk="1" hangingPunct="1">
-              <a:lnSpc>
-                <a:spcPct val="150000"/>
-              </a:lnSpc>
-              <a:spcBef>
-                <a:spcPct val="0"/>
-              </a:spcBef>
-              <a:spcAft>
-                <a:spcPts val="0"/>
-              </a:spcAft>
-              <a:buFontTx/>
-              <a:buNone/>
-            </a:pPr>
-            <a:r>
-              <a:rPr lang="en-US" altLang="zh-CN" sz="2000" dirty="0" smtClean="0">
-                <a:latin typeface="微软雅黑" panose="020B0503020204020204" pitchFamily="34" charset="-122"/>
-                <a:ea typeface="微软雅黑" panose="020B0503020204020204" pitchFamily="34" charset="-122"/>
-              </a:rPr>
-              <a:t>pm2 delete </a:t>
-            </a:r>
-            <a:r>
-              <a:rPr lang="en-US" altLang="zh-CN" sz="2000" dirty="0" smtClean="0">
-                <a:latin typeface="微软雅黑" panose="020B0503020204020204" pitchFamily="34" charset="-122"/>
-                <a:ea typeface="微软雅黑" panose="020B0503020204020204" pitchFamily="34" charset="-122"/>
-                <a:sym typeface="+mn-ea"/>
-              </a:rPr>
-              <a:t>[name or id]</a:t>
+              <a:t> </a:t>
             </a:r>
             <a:endParaRPr lang="en-US" altLang="zh-CN" sz="2000" dirty="0" smtClean="0">
               <a:latin typeface="微软雅黑" panose="020B0503020204020204" pitchFamily="34" charset="-122"/>
@@ -9376,6 +13312,30 @@
           </a:p>
         </p:txBody>
       </p:sp>
+      <p:pic>
+        <p:nvPicPr>
+          <p:cNvPr id="5" name="图片 4"/>
+          <p:cNvPicPr>
+            <a:picLocks noChangeAspect="1"/>
+          </p:cNvPicPr>
+          <p:nvPr/>
+        </p:nvPicPr>
+        <p:blipFill>
+          <a:blip r:embed="rId1"/>
+          <a:stretch>
+            <a:fillRect/>
+          </a:stretch>
+        </p:blipFill>
+        <p:spPr>
+          <a:xfrm>
+            <a:off x="993775" y="1022350"/>
+            <a:ext cx="8966835" cy="4813300"/>
+          </a:xfrm>
+          <a:prstGeom prst="rect">
+            <a:avLst/>
+          </a:prstGeom>
+        </p:spPr>
+      </p:pic>
     </p:spTree>
   </p:cSld>
   <p:clrMapOvr>
@@ -9387,7 +13347,121 @@
   <p:timing>
     <p:tnLst>
       <p:par>
-        <p:cTn id="1" dur="indefinite" restart="never" nodeType="tmRoot"/>
+        <p:cTn id="1" dur="indefinite" restart="never" nodeType="tmRoot">
+          <p:childTnLst>
+            <p:seq concurrent="1" nextAc="seek">
+              <p:cTn id="2" dur="indefinite" nodeType="mainSeq">
+                <p:childTnLst>
+                  <p:par>
+                    <p:cTn id="3" fill="hold">
+                      <p:stCondLst>
+                        <p:cond delay="indefinite"/>
+                      </p:stCondLst>
+                      <p:childTnLst>
+                        <p:par>
+                          <p:cTn id="4" fill="hold">
+                            <p:stCondLst>
+                              <p:cond delay="0"/>
+                            </p:stCondLst>
+                            <p:childTnLst>
+                              <p:par>
+                                <p:cTn id="5" presetID="2" presetClass="entr" presetSubtype="4" fill="hold" nodeType="clickEffect">
+                                  <p:stCondLst>
+                                    <p:cond delay="0"/>
+                                  </p:stCondLst>
+                                  <p:childTnLst>
+                                    <p:set>
+                                      <p:cBhvr>
+                                        <p:cTn id="6" dur="1" fill="hold">
+                                          <p:stCondLst>
+                                            <p:cond delay="0"/>
+                                          </p:stCondLst>
+                                        </p:cTn>
+                                        <p:tgtEl>
+                                          <p:spTgt spid="5"/>
+                                        </p:tgtEl>
+                                        <p:attrNameLst>
+                                          <p:attrName>style.visibility</p:attrName>
+                                        </p:attrNameLst>
+                                      </p:cBhvr>
+                                      <p:to>
+                                        <p:strVal val="visible"/>
+                                      </p:to>
+                                    </p:set>
+                                    <p:anim calcmode="lin" valueType="num">
+                                      <p:cBhvr additive="base">
+                                        <p:cTn id="7" dur="500" fill="hold"/>
+                                        <p:tgtEl>
+                                          <p:spTgt spid="5"/>
+                                        </p:tgtEl>
+                                        <p:attrNameLst>
+                                          <p:attrName>ppt_x</p:attrName>
+                                        </p:attrNameLst>
+                                      </p:cBhvr>
+                                      <p:tavLst>
+                                        <p:tav tm="0">
+                                          <p:val>
+                                            <p:strVal val="#ppt_x"/>
+                                          </p:val>
+                                        </p:tav>
+                                        <p:tav tm="100000">
+                                          <p:val>
+                                            <p:strVal val="#ppt_x"/>
+                                          </p:val>
+                                        </p:tav>
+                                      </p:tavLst>
+                                    </p:anim>
+                                    <p:anim calcmode="lin" valueType="num">
+                                      <p:cBhvr additive="base">
+                                        <p:cTn id="8" dur="500" fill="hold"/>
+                                        <p:tgtEl>
+                                          <p:spTgt spid="5"/>
+                                        </p:tgtEl>
+                                        <p:attrNameLst>
+                                          <p:attrName>ppt_y</p:attrName>
+                                        </p:attrNameLst>
+                                      </p:cBhvr>
+                                      <p:tavLst>
+                                        <p:tav tm="0">
+                                          <p:val>
+                                            <p:strVal val="1+#ppt_h/2"/>
+                                          </p:val>
+                                        </p:tav>
+                                        <p:tav tm="100000">
+                                          <p:val>
+                                            <p:strVal val="#ppt_y"/>
+                                          </p:val>
+                                        </p:tav>
+                                      </p:tavLst>
+                                    </p:anim>
+                                  </p:childTnLst>
+                                </p:cTn>
+                              </p:par>
+                            </p:childTnLst>
+                          </p:cTn>
+                        </p:par>
+                      </p:childTnLst>
+                    </p:cTn>
+                  </p:par>
+                </p:childTnLst>
+              </p:cTn>
+              <p:prevCondLst>
+                <p:cond evt="onPrev" delay="0">
+                  <p:tgtEl>
+                    <p:sldTgt/>
+                  </p:tgtEl>
+                </p:cond>
+              </p:prevCondLst>
+              <p:nextCondLst>
+                <p:cond evt="onNext" delay="0">
+                  <p:tgtEl>
+                    <p:sldTgt/>
+                  </p:tgtEl>
+                </p:cond>
+              </p:nextCondLst>
+            </p:seq>
+          </p:childTnLst>
+        </p:cTn>
       </p:par>
     </p:tnLst>
   </p:timing>
@@ -9413,393 +13487,6 @@
       </p:grpSpPr>
       <p:sp>
         <p:nvSpPr>
-          <p:cNvPr id="3" name="文本框 2"/>
-          <p:cNvSpPr txBox="1">
-            <a:spLocks noChangeArrowheads="1"/>
-          </p:cNvSpPr>
-          <p:nvPr/>
-        </p:nvSpPr>
-        <p:spPr bwMode="auto">
-          <a:xfrm>
-            <a:off x="847042" y="1225348"/>
-            <a:ext cx="10113484" cy="3784600"/>
-          </a:xfrm>
-          <a:prstGeom prst="rect">
-            <a:avLst/>
-          </a:prstGeom>
-          <a:noFill/>
-          <a:ln>
-            <a:noFill/>
-          </a:ln>
-          <a:extLst>
-            <a:ext uri="{909E8E84-426E-40DD-AFC4-6F175D3DCCD1}">
-              <a14:hiddenFill xmlns:a14="http://schemas.microsoft.com/office/drawing/2010/main">
-                <a:solidFill>
-                  <a:srgbClr val="FFFFFF"/>
-                </a:solidFill>
-              </a14:hiddenFill>
-            </a:ext>
-            <a:ext uri="{91240B29-F687-4F45-9708-019B960494DF}">
-              <a14:hiddenLine xmlns:a14="http://schemas.microsoft.com/office/drawing/2010/main" w="9525">
-                <a:solidFill>
-                  <a:srgbClr val="000000"/>
-                </a:solidFill>
-                <a:miter lim="800000"/>
-                <a:headEnd/>
-                <a:tailEnd/>
-              </a14:hiddenLine>
-            </a:ext>
-          </a:extLst>
-        </p:spPr>
-        <p:txBody>
-          <a:bodyPr wrap="square">
-            <a:spAutoFit/>
-          </a:bodyPr>
-          <a:lstStyle>
-            <a:defPPr>
-              <a:defRPr lang="zh-CN"/>
-            </a:defPPr>
-            <a:lvl1pPr algn="l" rtl="0" eaLnBrk="0" fontAlgn="base" hangingPunct="0">
-              <a:spcBef>
-                <a:spcPct val="0"/>
-              </a:spcBef>
-              <a:spcAft>
-                <a:spcPct val="0"/>
-              </a:spcAft>
-              <a:defRPr kern="1200">
-                <a:solidFill>
-                  <a:schemeClr val="tx1"/>
-                </a:solidFill>
-                <a:latin typeface="Arial" panose="020B0604020202090204" pitchFamily="34" charset="0"/>
-                <a:ea typeface="宋体" panose="02010600030101010101" pitchFamily="2" charset="-122"/>
-                <a:cs typeface="+mn-cs"/>
-              </a:defRPr>
-            </a:lvl1pPr>
-            <a:lvl2pPr marL="457200" algn="l" rtl="0" eaLnBrk="0" fontAlgn="base" hangingPunct="0">
-              <a:spcBef>
-                <a:spcPct val="0"/>
-              </a:spcBef>
-              <a:spcAft>
-                <a:spcPct val="0"/>
-              </a:spcAft>
-              <a:defRPr kern="1200">
-                <a:solidFill>
-                  <a:schemeClr val="tx1"/>
-                </a:solidFill>
-                <a:latin typeface="Arial" panose="020B0604020202090204" pitchFamily="34" charset="0"/>
-                <a:ea typeface="宋体" panose="02010600030101010101" pitchFamily="2" charset="-122"/>
-                <a:cs typeface="+mn-cs"/>
-              </a:defRPr>
-            </a:lvl2pPr>
-            <a:lvl3pPr marL="914400" algn="l" rtl="0" eaLnBrk="0" fontAlgn="base" hangingPunct="0">
-              <a:spcBef>
-                <a:spcPct val="0"/>
-              </a:spcBef>
-              <a:spcAft>
-                <a:spcPct val="0"/>
-              </a:spcAft>
-              <a:defRPr kern="1200">
-                <a:solidFill>
-                  <a:schemeClr val="tx1"/>
-                </a:solidFill>
-                <a:latin typeface="Arial" panose="020B0604020202090204" pitchFamily="34" charset="0"/>
-                <a:ea typeface="宋体" panose="02010600030101010101" pitchFamily="2" charset="-122"/>
-                <a:cs typeface="+mn-cs"/>
-              </a:defRPr>
-            </a:lvl3pPr>
-            <a:lvl4pPr marL="1371600" algn="l" rtl="0" eaLnBrk="0" fontAlgn="base" hangingPunct="0">
-              <a:spcBef>
-                <a:spcPct val="0"/>
-              </a:spcBef>
-              <a:spcAft>
-                <a:spcPct val="0"/>
-              </a:spcAft>
-              <a:defRPr kern="1200">
-                <a:solidFill>
-                  <a:schemeClr val="tx1"/>
-                </a:solidFill>
-                <a:latin typeface="Arial" panose="020B0604020202090204" pitchFamily="34" charset="0"/>
-                <a:ea typeface="宋体" panose="02010600030101010101" pitchFamily="2" charset="-122"/>
-                <a:cs typeface="+mn-cs"/>
-              </a:defRPr>
-            </a:lvl4pPr>
-            <a:lvl5pPr marL="1828800" algn="l" rtl="0" eaLnBrk="0" fontAlgn="base" hangingPunct="0">
-              <a:spcBef>
-                <a:spcPct val="0"/>
-              </a:spcBef>
-              <a:spcAft>
-                <a:spcPct val="0"/>
-              </a:spcAft>
-              <a:defRPr kern="1200">
-                <a:solidFill>
-                  <a:schemeClr val="tx1"/>
-                </a:solidFill>
-                <a:latin typeface="Arial" panose="020B0604020202090204" pitchFamily="34" charset="0"/>
-                <a:ea typeface="宋体" panose="02010600030101010101" pitchFamily="2" charset="-122"/>
-                <a:cs typeface="+mn-cs"/>
-              </a:defRPr>
-            </a:lvl5pPr>
-            <a:lvl6pPr marL="2286000" algn="l" defTabSz="914400" rtl="0" eaLnBrk="1" latinLnBrk="0" hangingPunct="1">
-              <a:defRPr kern="1200">
-                <a:solidFill>
-                  <a:schemeClr val="tx1"/>
-                </a:solidFill>
-                <a:latin typeface="Arial" panose="020B0604020202090204" pitchFamily="34" charset="0"/>
-                <a:ea typeface="宋体" panose="02010600030101010101" pitchFamily="2" charset="-122"/>
-                <a:cs typeface="+mn-cs"/>
-              </a:defRPr>
-            </a:lvl6pPr>
-            <a:lvl7pPr marL="2743200" algn="l" defTabSz="914400" rtl="0" eaLnBrk="1" latinLnBrk="0" hangingPunct="1">
-              <a:defRPr kern="1200">
-                <a:solidFill>
-                  <a:schemeClr val="tx1"/>
-                </a:solidFill>
-                <a:latin typeface="Arial" panose="020B0604020202090204" pitchFamily="34" charset="0"/>
-                <a:ea typeface="宋体" panose="02010600030101010101" pitchFamily="2" charset="-122"/>
-                <a:cs typeface="+mn-cs"/>
-              </a:defRPr>
-            </a:lvl7pPr>
-            <a:lvl8pPr marL="3200400" algn="l" defTabSz="914400" rtl="0" eaLnBrk="1" latinLnBrk="0" hangingPunct="1">
-              <a:defRPr kern="1200">
-                <a:solidFill>
-                  <a:schemeClr val="tx1"/>
-                </a:solidFill>
-                <a:latin typeface="Arial" panose="020B0604020202090204" pitchFamily="34" charset="0"/>
-                <a:ea typeface="宋体" panose="02010600030101010101" pitchFamily="2" charset="-122"/>
-                <a:cs typeface="+mn-cs"/>
-              </a:defRPr>
-            </a:lvl8pPr>
-            <a:lvl9pPr marL="3657600" algn="l" defTabSz="914400" rtl="0" eaLnBrk="1" latinLnBrk="0" hangingPunct="1">
-              <a:defRPr kern="1200">
-                <a:solidFill>
-                  <a:schemeClr val="tx1"/>
-                </a:solidFill>
-                <a:latin typeface="Arial" panose="020B0604020202090204" pitchFamily="34" charset="0"/>
-                <a:ea typeface="宋体" panose="02010600030101010101" pitchFamily="2" charset="-122"/>
-                <a:cs typeface="+mn-cs"/>
-              </a:defRPr>
-            </a:lvl9pPr>
-          </a:lstStyle>
-          <a:p>
-            <a:pPr eaLnBrk="1" hangingPunct="1">
-              <a:lnSpc>
-                <a:spcPct val="150000"/>
-              </a:lnSpc>
-              <a:spcBef>
-                <a:spcPct val="0"/>
-              </a:spcBef>
-              <a:spcAft>
-                <a:spcPts val="0"/>
-              </a:spcAft>
-              <a:buFontTx/>
-              <a:buNone/>
-            </a:pPr>
-            <a:r>
-              <a:rPr lang="en-US" altLang="zh-CN" sz="2000" dirty="0" smtClean="0">
-                <a:latin typeface="微软雅黑" panose="020B0503020204020204" pitchFamily="34" charset="-122"/>
-                <a:ea typeface="微软雅黑" panose="020B0503020204020204" pitchFamily="34" charset="-122"/>
-              </a:rPr>
-              <a:t>npm install pm2 -g ： 全局安装</a:t>
-            </a:r>
-            <a:endParaRPr lang="en-US" altLang="zh-CN" sz="2000" dirty="0" smtClean="0">
-              <a:latin typeface="微软雅黑" panose="020B0503020204020204" pitchFamily="34" charset="-122"/>
-              <a:ea typeface="微软雅黑" panose="020B0503020204020204" pitchFamily="34" charset="-122"/>
-            </a:endParaRPr>
-          </a:p>
-          <a:p>
-            <a:pPr eaLnBrk="1" hangingPunct="1">
-              <a:lnSpc>
-                <a:spcPct val="150000"/>
-              </a:lnSpc>
-              <a:spcBef>
-                <a:spcPct val="0"/>
-              </a:spcBef>
-              <a:spcAft>
-                <a:spcPts val="0"/>
-              </a:spcAft>
-              <a:buFontTx/>
-              <a:buNone/>
-            </a:pPr>
-            <a:r>
-              <a:rPr lang="en-US" altLang="zh-CN" sz="2000" dirty="0" smtClean="0">
-                <a:latin typeface="微软雅黑" panose="020B0503020204020204" pitchFamily="34" charset="-122"/>
-                <a:ea typeface="微软雅黑" panose="020B0503020204020204" pitchFamily="34" charset="-122"/>
-              </a:rPr>
-              <a:t>pm2 start app.js ： 启动服务，入口文件是app.js</a:t>
-            </a:r>
-            <a:endParaRPr lang="en-US" altLang="zh-CN" sz="2000" dirty="0" smtClean="0">
-              <a:latin typeface="微软雅黑" panose="020B0503020204020204" pitchFamily="34" charset="-122"/>
-              <a:ea typeface="微软雅黑" panose="020B0503020204020204" pitchFamily="34" charset="-122"/>
-            </a:endParaRPr>
-          </a:p>
-          <a:p>
-            <a:pPr eaLnBrk="1" hangingPunct="1">
-              <a:lnSpc>
-                <a:spcPct val="150000"/>
-              </a:lnSpc>
-              <a:spcBef>
-                <a:spcPct val="0"/>
-              </a:spcBef>
-              <a:spcAft>
-                <a:spcPts val="0"/>
-              </a:spcAft>
-              <a:buFontTx/>
-              <a:buNone/>
-            </a:pPr>
-            <a:r>
-              <a:rPr lang="en-US" altLang="zh-CN" sz="2000" dirty="0" smtClean="0">
-                <a:latin typeface="微软雅黑" panose="020B0503020204020204" pitchFamily="34" charset="-122"/>
-                <a:ea typeface="微软雅黑" panose="020B0503020204020204" pitchFamily="34" charset="-122"/>
-              </a:rPr>
-              <a:t>pm2 start app.js -i [n] --name [name] --watch ： 启动n个进程，名字命名为name</a:t>
-            </a:r>
-            <a:endParaRPr lang="en-US" altLang="zh-CN" sz="2000" dirty="0" smtClean="0">
-              <a:latin typeface="微软雅黑" panose="020B0503020204020204" pitchFamily="34" charset="-122"/>
-              <a:ea typeface="微软雅黑" panose="020B0503020204020204" pitchFamily="34" charset="-122"/>
-            </a:endParaRPr>
-          </a:p>
-          <a:p>
-            <a:pPr eaLnBrk="1" hangingPunct="1">
-              <a:lnSpc>
-                <a:spcPct val="150000"/>
-              </a:lnSpc>
-              <a:spcBef>
-                <a:spcPct val="0"/>
-              </a:spcBef>
-              <a:spcAft>
-                <a:spcPts val="0"/>
-              </a:spcAft>
-              <a:buFontTx/>
-              <a:buNone/>
-            </a:pPr>
-            <a:r>
-              <a:rPr lang="en-US" altLang="zh-CN" sz="2000" dirty="0" smtClean="0">
-                <a:latin typeface="微软雅黑" panose="020B0503020204020204" pitchFamily="34" charset="-122"/>
-                <a:ea typeface="微软雅黑" panose="020B0503020204020204" pitchFamily="34" charset="-122"/>
-              </a:rPr>
-              <a:t>npm restart  [name or id] ： 重启服务</a:t>
-            </a:r>
-            <a:endParaRPr lang="en-US" altLang="zh-CN" sz="2000" dirty="0" smtClean="0">
-              <a:latin typeface="微软雅黑" panose="020B0503020204020204" pitchFamily="34" charset="-122"/>
-              <a:ea typeface="微软雅黑" panose="020B0503020204020204" pitchFamily="34" charset="-122"/>
-            </a:endParaRPr>
-          </a:p>
-          <a:p>
-            <a:pPr eaLnBrk="1" hangingPunct="1">
-              <a:lnSpc>
-                <a:spcPct val="150000"/>
-              </a:lnSpc>
-              <a:spcBef>
-                <a:spcPct val="0"/>
-              </a:spcBef>
-              <a:spcAft>
-                <a:spcPts val="0"/>
-              </a:spcAft>
-              <a:buFontTx/>
-              <a:buNone/>
-            </a:pPr>
-            <a:r>
-              <a:rPr lang="en-US" altLang="zh-CN" sz="2000" dirty="0" smtClean="0">
-                <a:latin typeface="微软雅黑" panose="020B0503020204020204" pitchFamily="34" charset="-122"/>
-                <a:ea typeface="微软雅黑" panose="020B0503020204020204" pitchFamily="34" charset="-122"/>
-              </a:rPr>
-              <a:t>npm reload  [name or id] ： 和rastart功能相同，但是可以实现0s的无缝衔接</a:t>
-            </a:r>
-            <a:endParaRPr lang="en-US" altLang="zh-CN" sz="2000" dirty="0" smtClean="0">
-              <a:latin typeface="微软雅黑" panose="020B0503020204020204" pitchFamily="34" charset="-122"/>
-              <a:ea typeface="微软雅黑" panose="020B0503020204020204" pitchFamily="34" charset="-122"/>
-            </a:endParaRPr>
-          </a:p>
-          <a:p>
-            <a:pPr eaLnBrk="1" hangingPunct="1">
-              <a:lnSpc>
-                <a:spcPct val="150000"/>
-              </a:lnSpc>
-              <a:spcBef>
-                <a:spcPct val="0"/>
-              </a:spcBef>
-              <a:spcAft>
-                <a:spcPts val="0"/>
-              </a:spcAft>
-              <a:buFontTx/>
-              <a:buNone/>
-            </a:pPr>
-            <a:r>
-              <a:rPr lang="en-US" altLang="zh-CN" sz="2000" dirty="0" smtClean="0">
-                <a:latin typeface="微软雅黑" panose="020B0503020204020204" pitchFamily="34" charset="-122"/>
-                <a:ea typeface="微软雅黑" panose="020B0503020204020204" pitchFamily="34" charset="-122"/>
-              </a:rPr>
-              <a:t>pm2 start app.js --max_memory_restart 1024M ： 当内存超过1024M时自动重启</a:t>
-            </a:r>
-            <a:endParaRPr lang="en-US" altLang="zh-CN" sz="2000" dirty="0" smtClean="0">
-              <a:latin typeface="微软雅黑" panose="020B0503020204020204" pitchFamily="34" charset="-122"/>
-              <a:ea typeface="微软雅黑" panose="020B0503020204020204" pitchFamily="34" charset="-122"/>
-            </a:endParaRPr>
-          </a:p>
-          <a:p>
-            <a:pPr eaLnBrk="1" hangingPunct="1">
-              <a:lnSpc>
-                <a:spcPct val="150000"/>
-              </a:lnSpc>
-              <a:spcBef>
-                <a:spcPct val="0"/>
-              </a:spcBef>
-              <a:spcAft>
-                <a:spcPts val="0"/>
-              </a:spcAft>
-              <a:buFontTx/>
-              <a:buNone/>
-            </a:pPr>
-            <a:r>
-              <a:rPr lang="en-US" altLang="zh-CN" sz="2000" dirty="0" smtClean="0">
-                <a:latin typeface="微软雅黑" panose="020B0503020204020204" pitchFamily="34" charset="-122"/>
-                <a:ea typeface="微软雅黑" panose="020B0503020204020204" pitchFamily="34" charset="-122"/>
-              </a:rPr>
-              <a:t>pm2 ls</a:t>
-            </a:r>
-            <a:endParaRPr lang="en-US" altLang="zh-CN" sz="2000" dirty="0" smtClean="0">
-              <a:latin typeface="微软雅黑" panose="020B0503020204020204" pitchFamily="34" charset="-122"/>
-              <a:ea typeface="微软雅黑" panose="020B0503020204020204" pitchFamily="34" charset="-122"/>
-            </a:endParaRPr>
-          </a:p>
-          <a:p>
-            <a:pPr eaLnBrk="1" hangingPunct="1">
-              <a:lnSpc>
-                <a:spcPct val="150000"/>
-              </a:lnSpc>
-              <a:spcBef>
-                <a:spcPct val="0"/>
-              </a:spcBef>
-              <a:spcAft>
-                <a:spcPts val="0"/>
-              </a:spcAft>
-              <a:buFontTx/>
-              <a:buNone/>
-            </a:pPr>
-            <a:r>
-              <a:rPr lang="en-US" altLang="zh-CN" sz="2000" dirty="0" smtClean="0">
-                <a:latin typeface="微软雅黑" panose="020B0503020204020204" pitchFamily="34" charset="-122"/>
-                <a:ea typeface="微软雅黑" panose="020B0503020204020204" pitchFamily="34" charset="-122"/>
-              </a:rPr>
-              <a:t>pm2 delete </a:t>
-            </a:r>
-            <a:r>
-              <a:rPr lang="en-US" altLang="zh-CN" sz="2000" dirty="0" smtClean="0">
-                <a:latin typeface="微软雅黑" panose="020B0503020204020204" pitchFamily="34" charset="-122"/>
-                <a:ea typeface="微软雅黑" panose="020B0503020204020204" pitchFamily="34" charset="-122"/>
-                <a:sym typeface="+mn-ea"/>
-              </a:rPr>
-              <a:t>[name or id]</a:t>
-            </a:r>
-            <a:endParaRPr lang="en-US" altLang="zh-CN" sz="2000" dirty="0" smtClean="0">
-              <a:latin typeface="微软雅黑" panose="020B0503020204020204" pitchFamily="34" charset="-122"/>
-              <a:ea typeface="微软雅黑" panose="020B0503020204020204" pitchFamily="34" charset="-122"/>
-            </a:endParaRPr>
-          </a:p>
-        </p:txBody>
-      </p:sp>
-      <p:sp>
-        <p:nvSpPr>
           <p:cNvPr id="4" name="文本框 3"/>
           <p:cNvSpPr txBox="1"/>
           <p:nvPr/>
@@ -9841,6 +13528,243 @@
           </a:p>
         </p:txBody>
       </p:sp>
+      <p:graphicFrame>
+        <p:nvGraphicFramePr>
+          <p:cNvPr id="9" name="表格 8"/>
+          <p:cNvGraphicFramePr/>
+          <p:nvPr/>
+        </p:nvGraphicFramePr>
+        <p:xfrm>
+          <a:off x="897890" y="1290955"/>
+          <a:ext cx="10396220" cy="4246880"/>
+        </p:xfrm>
+        <a:graphic>
+          <a:graphicData uri="http://schemas.openxmlformats.org/drawingml/2006/table">
+            <a:tbl>
+              <a:tblPr firstRow="1" bandRow="1">
+                <a:tableStyleId>{5C22544A-7EE6-4342-B048-85BDC9FD1C3A}</a:tableStyleId>
+              </a:tblPr>
+              <a:tblGrid>
+                <a:gridCol w="1585595"/>
+                <a:gridCol w="4191635"/>
+                <a:gridCol w="4618990"/>
+              </a:tblGrid>
+              <a:tr h="451485">
+                <a:tc>
+                  <a:txBody>
+                    <a:bodyPr/>
+                    <a:p>
+                      <a:pPr>
+                        <a:buNone/>
+                      </a:pPr>
+                      <a:endParaRPr lang="zh-CN" altLang="en-US"/>
+                    </a:p>
+                  </a:txBody>
+                  <a:tcPr/>
+                </a:tc>
+                <a:tc>
+                  <a:txBody>
+                    <a:bodyPr/>
+                    <a:p>
+                      <a:pPr>
+                        <a:buNone/>
+                      </a:pPr>
+                      <a:endParaRPr lang="zh-CN" altLang="en-US"/>
+                    </a:p>
+                  </a:txBody>
+                  <a:tcPr/>
+                </a:tc>
+                <a:tc>
+                  <a:txBody>
+                    <a:bodyPr/>
+                    <a:p>
+                      <a:pPr>
+                        <a:buNone/>
+                      </a:pPr>
+                      <a:endParaRPr lang="zh-CN" altLang="en-US"/>
+                    </a:p>
+                  </a:txBody>
+                  <a:tcPr/>
+                </a:tc>
+              </a:tr>
+              <a:tr h="1732915">
+                <a:tc>
+                  <a:txBody>
+                    <a:bodyPr/>
+                    <a:p>
+                      <a:pPr>
+                        <a:buNone/>
+                      </a:pPr>
+                      <a:r>
+                        <a:rPr lang="en-US" altLang="zh-CN"/>
+                        <a:t>fork</a:t>
+                      </a:r>
+                      <a:endParaRPr lang="en-US" altLang="zh-CN"/>
+                    </a:p>
+                  </a:txBody>
+                  <a:tcPr/>
+                </a:tc>
+                <a:tc>
+                  <a:txBody>
+                    <a:bodyPr/>
+                    <a:p>
+                      <a:pPr>
+                        <a:buNone/>
+                      </a:pPr>
+                      <a:r>
+                        <a:rPr lang="zh-CN" altLang="en-US" sz="1800" dirty="0" smtClean="0">
+                          <a:latin typeface="微软雅黑" panose="020B0503020204020204" pitchFamily="34" charset="-122"/>
+                          <a:ea typeface="微软雅黑" panose="020B0503020204020204" pitchFamily="34" charset="-122"/>
+                          <a:sym typeface="+mn-ea"/>
+                        </a:rPr>
+                        <a:t>单实例多进程，常用于多语言混编，比如php、python等，不支持端口复用，需要自己做应用的端口分配和负载均衡的子进程业务代码。</a:t>
+                      </a:r>
+                      <a:endParaRPr lang="zh-CN" altLang="en-US" sz="1800" dirty="0" smtClean="0">
+                        <a:latin typeface="微软雅黑" panose="020B0503020204020204" pitchFamily="34" charset="-122"/>
+                        <a:ea typeface="微软雅黑" panose="020B0503020204020204" pitchFamily="34" charset="-122"/>
+                        <a:sym typeface="+mn-ea"/>
+                      </a:endParaRPr>
+                    </a:p>
+                    <a:p>
+                      <a:pPr>
+                        <a:buNone/>
+                      </a:pPr>
+                      <a:endParaRPr lang="zh-CN" altLang="en-US"/>
+                    </a:p>
+                  </a:txBody>
+                  <a:tcPr/>
+                </a:tc>
+                <a:tc>
+                  <a:txBody>
+                    <a:bodyPr/>
+                    <a:p>
+                      <a:pPr>
+                        <a:buNone/>
+                      </a:pPr>
+                      <a:r>
+                        <a:rPr sz="1800" dirty="0" smtClean="0">
+                          <a:latin typeface="微软雅黑" panose="020B0503020204020204" pitchFamily="34" charset="-122"/>
+                          <a:ea typeface="微软雅黑" panose="020B0503020204020204" pitchFamily="34" charset="-122"/>
+                          <a:sym typeface="+mn-ea"/>
+                        </a:rPr>
+                        <a:t>缺点就是单服务器实例容易由于异常会导致服务器实例崩溃。</a:t>
+                      </a:r>
+                      <a:endParaRPr sz="1800" dirty="0" smtClean="0">
+                        <a:latin typeface="微软雅黑" panose="020B0503020204020204" pitchFamily="34" charset="-122"/>
+                        <a:ea typeface="微软雅黑" panose="020B0503020204020204" pitchFamily="34" charset="-122"/>
+                        <a:sym typeface="+mn-ea"/>
+                      </a:endParaRPr>
+                    </a:p>
+                    <a:p>
+                      <a:pPr>
+                        <a:buNone/>
+                      </a:pPr>
+                      <a:r>
+                        <a:rPr lang="zh-CN" sz="1800" dirty="0" smtClean="0">
+                          <a:latin typeface="微软雅黑" panose="020B0503020204020204" pitchFamily="34" charset="-122"/>
+                          <a:ea typeface="微软雅黑" panose="020B0503020204020204" pitchFamily="34" charset="-122"/>
+                          <a:sym typeface="+mn-ea"/>
+                        </a:rPr>
+                        <a:t>但是该模式下可修改interpreter参数,比如你的代码不是纯js，而是类似coffee script，那么，fork模式可能更适合你。</a:t>
+                      </a:r>
+                      <a:endParaRPr lang="zh-CN" sz="1800" dirty="0" smtClean="0">
+                        <a:latin typeface="微软雅黑" panose="020B0503020204020204" pitchFamily="34" charset="-122"/>
+                        <a:ea typeface="微软雅黑" panose="020B0503020204020204" pitchFamily="34" charset="-122"/>
+                        <a:sym typeface="+mn-ea"/>
+                      </a:endParaRPr>
+                    </a:p>
+                    <a:p>
+                      <a:pPr>
+                        <a:buNone/>
+                      </a:pPr>
+                      <a:endParaRPr lang="zh-CN" altLang="en-US"/>
+                    </a:p>
+                  </a:txBody>
+                  <a:tcPr/>
+                </a:tc>
+              </a:tr>
+              <a:tr h="2058035">
+                <a:tc>
+                  <a:txBody>
+                    <a:bodyPr/>
+                    <a:p>
+                      <a:pPr>
+                        <a:buNone/>
+                      </a:pPr>
+                      <a:r>
+                        <a:rPr lang="en-US" altLang="zh-CN"/>
+                        <a:t>culster</a:t>
+                      </a:r>
+                      <a:endParaRPr lang="en-US" altLang="zh-CN"/>
+                    </a:p>
+                  </a:txBody>
+                  <a:tcPr/>
+                </a:tc>
+                <a:tc>
+                  <a:txBody>
+                    <a:bodyPr/>
+                    <a:p>
+                      <a:pPr>
+                        <a:buNone/>
+                      </a:pPr>
+                      <a:r>
+                        <a:rPr sz="1800" dirty="0" smtClean="0">
+                          <a:latin typeface="微软雅黑" panose="020B0503020204020204" pitchFamily="34" charset="-122"/>
+                          <a:ea typeface="微软雅黑" panose="020B0503020204020204" pitchFamily="34" charset="-122"/>
+                          <a:sym typeface="+mn-ea"/>
+                        </a:rPr>
+                        <a:t>cluster模式，多实例多进程，但是只支持node，端口可以复用，不需要额外的端口配置，0代码实现负载均衡。</a:t>
+                      </a:r>
+                      <a:endParaRPr sz="1800" dirty="0" smtClean="0">
+                        <a:latin typeface="微软雅黑" panose="020B0503020204020204" pitchFamily="34" charset="-122"/>
+                        <a:ea typeface="微软雅黑" panose="020B0503020204020204" pitchFamily="34" charset="-122"/>
+                        <a:sym typeface="+mn-ea"/>
+                      </a:endParaRPr>
+                    </a:p>
+                    <a:p>
+                      <a:pPr>
+                        <a:buNone/>
+                      </a:pPr>
+                      <a:endParaRPr lang="zh-CN" altLang="en-US"/>
+                    </a:p>
+                  </a:txBody>
+                  <a:tcPr/>
+                </a:tc>
+                <a:tc>
+                  <a:txBody>
+                    <a:bodyPr/>
+                    <a:p>
+                      <a:pPr eaLnBrk="1" hangingPunct="1">
+                        <a:lnSpc>
+                          <a:spcPct val="150000"/>
+                        </a:lnSpc>
+                        <a:spcBef>
+                          <a:spcPct val="0"/>
+                        </a:spcBef>
+                        <a:spcAft>
+                          <a:spcPts val="0"/>
+                        </a:spcAft>
+                        <a:buFontTx/>
+                        <a:buNone/>
+                      </a:pPr>
+                      <a:r>
+                        <a:rPr sz="1800" dirty="0" smtClean="0">
+                          <a:latin typeface="微软雅黑" panose="020B0503020204020204" pitchFamily="34" charset="-122"/>
+                          <a:ea typeface="微软雅黑" panose="020B0503020204020204" pitchFamily="34" charset="-122"/>
+                          <a:sym typeface="+mn-ea"/>
+                        </a:rPr>
+                        <a:t>优点就是由于多实例机制，可以保证服务器的容错性，就算出现异常也不会使多个服务器实例同时崩溃。</a:t>
+                      </a:r>
+                      <a:endParaRPr lang="zh-CN" altLang="en-US"/>
+                    </a:p>
+                  </a:txBody>
+                  <a:tcPr/>
+                </a:tc>
+              </a:tr>
+            </a:tbl>
+          </a:graphicData>
+        </a:graphic>
+      </p:graphicFrame>
     </p:spTree>
   </p:cSld>
   <p:clrMapOvr>
@@ -9886,8 +13810,8 @@
         </p:nvSpPr>
         <p:spPr bwMode="auto">
           <a:xfrm>
-            <a:off x="847042" y="1225348"/>
-            <a:ext cx="10113484" cy="3784600"/>
+            <a:off x="847042" y="1217728"/>
+            <a:ext cx="10113484" cy="2862322"/>
           </a:xfrm>
           <a:prstGeom prst="rect">
             <a:avLst/>
@@ -10046,7 +13970,7 @@
             </a:lvl9pPr>
           </a:lstStyle>
           <a:p>
-            <a:pPr eaLnBrk="1" hangingPunct="1">
+            <a:pPr marL="457200" indent="-457200" eaLnBrk="1" hangingPunct="1">
               <a:lnSpc>
                 <a:spcPct val="150000"/>
               </a:lnSpc>
@@ -10057,22 +13981,22 @@
                 <a:spcPts val="0"/>
               </a:spcAft>
               <a:buFontTx/>
-              <a:buNone/>
+              <a:buAutoNum type="arabicPeriod"/>
             </a:pPr>
             <a:r>
-              <a:rPr lang="en-US" altLang="zh-CN" sz="2000" dirty="0" smtClean="0">
+              <a:rPr lang="zh-CN" altLang="en-US" sz="2000" dirty="0" smtClean="0">
                 <a:latin typeface="微软雅黑" panose="020B0503020204020204" pitchFamily="34" charset="-122"/>
                 <a:ea typeface="微软雅黑" panose="020B0503020204020204" pitchFamily="34" charset="-122"/>
               </a:rPr>
-              <a:t>npm install pm2 -g ： 全局安装</a:t>
-            </a:r>
-            <a:endParaRPr lang="en-US" altLang="zh-CN" sz="2000" dirty="0" smtClean="0">
+              <a:t>一行代码部署应用程序。</a:t>
+            </a:r>
+            <a:endParaRPr lang="zh-CN" altLang="en-US" sz="2000" dirty="0" smtClean="0">
               <a:latin typeface="微软雅黑" panose="020B0503020204020204" pitchFamily="34" charset="-122"/>
               <a:ea typeface="微软雅黑" panose="020B0503020204020204" pitchFamily="34" charset="-122"/>
             </a:endParaRPr>
           </a:p>
           <a:p>
-            <a:pPr eaLnBrk="1" hangingPunct="1">
+            <a:pPr marL="457200" indent="-457200" eaLnBrk="1" hangingPunct="1">
               <a:lnSpc>
                 <a:spcPct val="150000"/>
               </a:lnSpc>
@@ -10083,22 +14007,22 @@
                 <a:spcPts val="0"/>
               </a:spcAft>
               <a:buFontTx/>
-              <a:buNone/>
+              <a:buAutoNum type="arabicPeriod"/>
             </a:pPr>
             <a:r>
-              <a:rPr lang="en-US" altLang="zh-CN" sz="2000" dirty="0" smtClean="0">
+              <a:rPr lang="zh-CN" altLang="en-US" sz="2000" dirty="0" smtClean="0">
                 <a:latin typeface="微软雅黑" panose="020B0503020204020204" pitchFamily="34" charset="-122"/>
                 <a:ea typeface="微软雅黑" panose="020B0503020204020204" pitchFamily="34" charset="-122"/>
               </a:rPr>
-              <a:t>pm2 start app.js ： 启动服务，入口文件是app.js</a:t>
-            </a:r>
-            <a:endParaRPr lang="en-US" altLang="zh-CN" sz="2000" dirty="0" smtClean="0">
+              <a:t>程序奔溃或者机器重启是自动重启。</a:t>
+            </a:r>
+            <a:endParaRPr lang="zh-CN" altLang="en-US" sz="2000" dirty="0" smtClean="0">
               <a:latin typeface="微软雅黑" panose="020B0503020204020204" pitchFamily="34" charset="-122"/>
               <a:ea typeface="微软雅黑" panose="020B0503020204020204" pitchFamily="34" charset="-122"/>
             </a:endParaRPr>
           </a:p>
           <a:p>
-            <a:pPr eaLnBrk="1" hangingPunct="1">
+            <a:pPr marL="457200" indent="-457200" eaLnBrk="1" hangingPunct="1">
               <a:lnSpc>
                 <a:spcPct val="150000"/>
               </a:lnSpc>
@@ -10109,22 +14033,22 @@
                 <a:spcPts val="0"/>
               </a:spcAft>
               <a:buFontTx/>
-              <a:buNone/>
+              <a:buAutoNum type="arabicPeriod"/>
             </a:pPr>
             <a:r>
-              <a:rPr lang="en-US" altLang="zh-CN" sz="2000" dirty="0" smtClean="0">
+              <a:rPr lang="zh-CN" altLang="en-US" sz="2000" dirty="0" smtClean="0">
                 <a:latin typeface="微软雅黑" panose="020B0503020204020204" pitchFamily="34" charset="-122"/>
                 <a:ea typeface="微软雅黑" panose="020B0503020204020204" pitchFamily="34" charset="-122"/>
               </a:rPr>
-              <a:t>pm2 start app.js -i [n] --name [name] ： 启动n个进程，名字命名为name</a:t>
-            </a:r>
-            <a:endParaRPr lang="en-US" altLang="zh-CN" sz="2000" dirty="0" smtClean="0">
+              <a:t>内置负载均衡（集群模式）。</a:t>
+            </a:r>
+            <a:endParaRPr lang="zh-CN" altLang="en-US" sz="2000" dirty="0" smtClean="0">
               <a:latin typeface="微软雅黑" panose="020B0503020204020204" pitchFamily="34" charset="-122"/>
               <a:ea typeface="微软雅黑" panose="020B0503020204020204" pitchFamily="34" charset="-122"/>
             </a:endParaRPr>
           </a:p>
           <a:p>
-            <a:pPr eaLnBrk="1" hangingPunct="1">
+            <a:pPr marL="457200" indent="-457200" eaLnBrk="1" hangingPunct="1">
               <a:lnSpc>
                 <a:spcPct val="150000"/>
               </a:lnSpc>
@@ -10135,22 +14059,22 @@
                 <a:spcPts val="0"/>
               </a:spcAft>
               <a:buFontTx/>
-              <a:buNone/>
+              <a:buAutoNum type="arabicPeriod"/>
             </a:pPr>
             <a:r>
-              <a:rPr lang="en-US" altLang="zh-CN" sz="2000" dirty="0" smtClean="0">
+              <a:rPr lang="zh-CN" altLang="en-US" sz="2000" dirty="0" smtClean="0">
                 <a:latin typeface="微软雅黑" panose="020B0503020204020204" pitchFamily="34" charset="-122"/>
                 <a:ea typeface="微软雅黑" panose="020B0503020204020204" pitchFamily="34" charset="-122"/>
               </a:rPr>
-              <a:t>npm restart  [name or id] ： 重启服务</a:t>
-            </a:r>
-            <a:endParaRPr lang="en-US" altLang="zh-CN" sz="2000" dirty="0" smtClean="0">
+              <a:t>不停机重载应用程序。</a:t>
+            </a:r>
+            <a:endParaRPr lang="zh-CN" altLang="en-US" sz="2000" dirty="0" smtClean="0">
               <a:latin typeface="微软雅黑" panose="020B0503020204020204" pitchFamily="34" charset="-122"/>
               <a:ea typeface="微软雅黑" panose="020B0503020204020204" pitchFamily="34" charset="-122"/>
             </a:endParaRPr>
           </a:p>
           <a:p>
-            <a:pPr eaLnBrk="1" hangingPunct="1">
+            <a:pPr marL="457200" indent="-457200" eaLnBrk="1" hangingPunct="1">
               <a:lnSpc>
                 <a:spcPct val="150000"/>
               </a:lnSpc>
@@ -10161,14 +14085,14 @@
                 <a:spcPts val="0"/>
               </a:spcAft>
               <a:buFontTx/>
-              <a:buNone/>
+              <a:buAutoNum type="arabicPeriod"/>
             </a:pPr>
             <a:r>
-              <a:rPr lang="en-US" altLang="zh-CN" sz="2000" dirty="0" smtClean="0">
+              <a:rPr lang="zh-CN" altLang="en-US" sz="2000" dirty="0" smtClean="0">
                 <a:latin typeface="微软雅黑" panose="020B0503020204020204" pitchFamily="34" charset="-122"/>
                 <a:ea typeface="微软雅黑" panose="020B0503020204020204" pitchFamily="34" charset="-122"/>
               </a:rPr>
-              <a:t>npm reload  [name or id] ： 和rastart功能相同，但是可以实现0s的无缝衔接</a:t>
+              <a:t>更直观的进程管理。</a:t>
             </a:r>
             <a:endParaRPr lang="en-US" altLang="zh-CN" sz="2000" dirty="0" smtClean="0">
               <a:latin typeface="微软雅黑" panose="020B0503020204020204" pitchFamily="34" charset="-122"/>
@@ -10176,7 +14100,7 @@
             </a:endParaRPr>
           </a:p>
           <a:p>
-            <a:pPr eaLnBrk="1" hangingPunct="1">
+            <a:pPr marL="457200" indent="-457200" eaLnBrk="1" hangingPunct="1">
               <a:lnSpc>
                 <a:spcPct val="150000"/>
               </a:lnSpc>
@@ -10187,76 +14111,16 @@
                 <a:spcPts val="0"/>
               </a:spcAft>
               <a:buFontTx/>
-              <a:buNone/>
+              <a:buAutoNum type="arabicPeriod"/>
             </a:pPr>
             <a:r>
-              <a:rPr lang="en-US" altLang="zh-CN" sz="2000" dirty="0" smtClean="0">
+              <a:rPr lang="zh-CN" altLang="en-US" sz="2000" dirty="0" smtClean="0">
                 <a:latin typeface="微软雅黑" panose="020B0503020204020204" pitchFamily="34" charset="-122"/>
                 <a:ea typeface="微软雅黑" panose="020B0503020204020204" pitchFamily="34" charset="-122"/>
               </a:rPr>
-              <a:t>pm2 start app.js --max_memory_restart 1024M ： 当内存超过1024M时自动重启</a:t>
-            </a:r>
-            <a:endParaRPr lang="en-US" altLang="zh-CN" sz="2000" dirty="0" smtClean="0">
-              <a:latin typeface="微软雅黑" panose="020B0503020204020204" pitchFamily="34" charset="-122"/>
-              <a:ea typeface="微软雅黑" panose="020B0503020204020204" pitchFamily="34" charset="-122"/>
-            </a:endParaRPr>
-          </a:p>
-          <a:p>
-            <a:pPr eaLnBrk="1" hangingPunct="1">
-              <a:lnSpc>
-                <a:spcPct val="150000"/>
-              </a:lnSpc>
-              <a:spcBef>
-                <a:spcPct val="0"/>
-              </a:spcBef>
-              <a:spcAft>
-                <a:spcPts val="0"/>
-              </a:spcAft>
-              <a:buFontTx/>
-              <a:buNone/>
-            </a:pPr>
-            <a:r>
-              <a:rPr lang="en-US" altLang="zh-CN" sz="2000" dirty="0" smtClean="0">
-                <a:latin typeface="微软雅黑" panose="020B0503020204020204" pitchFamily="34" charset="-122"/>
-                <a:ea typeface="微软雅黑" panose="020B0503020204020204" pitchFamily="34" charset="-122"/>
-              </a:rPr>
-              <a:t>pm2 ls</a:t>
-            </a:r>
-            <a:endParaRPr lang="en-US" altLang="zh-CN" sz="2000" dirty="0" smtClean="0">
-              <a:latin typeface="微软雅黑" panose="020B0503020204020204" pitchFamily="34" charset="-122"/>
-              <a:ea typeface="微软雅黑" panose="020B0503020204020204" pitchFamily="34" charset="-122"/>
-            </a:endParaRPr>
-          </a:p>
-          <a:p>
-            <a:pPr eaLnBrk="1" hangingPunct="1">
-              <a:lnSpc>
-                <a:spcPct val="150000"/>
-              </a:lnSpc>
-              <a:spcBef>
-                <a:spcPct val="0"/>
-              </a:spcBef>
-              <a:spcAft>
-                <a:spcPts val="0"/>
-              </a:spcAft>
-              <a:buFontTx/>
-              <a:buNone/>
-            </a:pPr>
-            <a:r>
-              <a:rPr lang="en-US" altLang="zh-CN" sz="2000" dirty="0" smtClean="0">
-                <a:latin typeface="微软雅黑" panose="020B0503020204020204" pitchFamily="34" charset="-122"/>
-                <a:ea typeface="微软雅黑" panose="020B0503020204020204" pitchFamily="34" charset="-122"/>
-              </a:rPr>
-              <a:t>pm2 delete </a:t>
-            </a:r>
-            <a:r>
-              <a:rPr lang="en-US" altLang="zh-CN" sz="2000" dirty="0" smtClean="0">
-                <a:latin typeface="微软雅黑" panose="020B0503020204020204" pitchFamily="34" charset="-122"/>
-                <a:ea typeface="微软雅黑" panose="020B0503020204020204" pitchFamily="34" charset="-122"/>
-                <a:sym typeface="+mn-ea"/>
-              </a:rPr>
-              <a:t>[name or id]</a:t>
-            </a:r>
-            <a:endParaRPr lang="en-US" altLang="zh-CN" sz="2000" dirty="0" smtClean="0">
+              <a:t>简化的日志管理。</a:t>
+            </a:r>
+            <a:endParaRPr lang="zh-CN" altLang="en-US" sz="2000" dirty="0" smtClean="0">
               <a:latin typeface="微软雅黑" panose="020B0503020204020204" pitchFamily="34" charset="-122"/>
               <a:ea typeface="微软雅黑" panose="020B0503020204020204" pitchFamily="34" charset="-122"/>
             </a:endParaRPr>
@@ -10290,14 +14154,14 @@
                 <a:latin typeface="微软雅黑" panose="020B0503020204020204" pitchFamily="34" charset="-122"/>
                 <a:ea typeface="微软雅黑" panose="020B0503020204020204" pitchFamily="34" charset="-122"/>
               </a:rPr>
-              <a:t>4. pm2</a:t>
+              <a:t>3. pm2</a:t>
             </a:r>
             <a:r>
               <a:rPr lang="zh-CN" altLang="en-US" sz="3200" dirty="0" smtClean="0">
                 <a:latin typeface="微软雅黑" panose="020B0503020204020204" pitchFamily="34" charset="-122"/>
                 <a:ea typeface="微软雅黑" panose="020B0503020204020204" pitchFamily="34" charset="-122"/>
               </a:rPr>
-              <a:t>基本架构</a:t>
+              <a:t>特点？</a:t>
             </a:r>
             <a:endParaRPr lang="zh-CN" altLang="en-US" sz="3200" dirty="0" smtClean="0">
               <a:latin typeface="微软雅黑" panose="020B0503020204020204" pitchFamily="34" charset="-122"/>
@@ -10343,333 +14207,6 @@
       </p:grpSpPr>
       <p:sp>
         <p:nvSpPr>
-          <p:cNvPr id="3" name="文本框 2"/>
-          <p:cNvSpPr txBox="1">
-            <a:spLocks noChangeArrowheads="1"/>
-          </p:cNvSpPr>
-          <p:nvPr/>
-        </p:nvSpPr>
-        <p:spPr bwMode="auto">
-          <a:xfrm>
-            <a:off x="847042" y="1217728"/>
-            <a:ext cx="10113484" cy="2862322"/>
-          </a:xfrm>
-          <a:prstGeom prst="rect">
-            <a:avLst/>
-          </a:prstGeom>
-          <a:noFill/>
-          <a:ln>
-            <a:noFill/>
-          </a:ln>
-          <a:extLst>
-            <a:ext uri="{909E8E84-426E-40DD-AFC4-6F175D3DCCD1}">
-              <a14:hiddenFill xmlns:a14="http://schemas.microsoft.com/office/drawing/2010/main">
-                <a:solidFill>
-                  <a:srgbClr val="FFFFFF"/>
-                </a:solidFill>
-              </a14:hiddenFill>
-            </a:ext>
-            <a:ext uri="{91240B29-F687-4F45-9708-019B960494DF}">
-              <a14:hiddenLine xmlns:a14="http://schemas.microsoft.com/office/drawing/2010/main" w="9525">
-                <a:solidFill>
-                  <a:srgbClr val="000000"/>
-                </a:solidFill>
-                <a:miter lim="800000"/>
-                <a:headEnd/>
-                <a:tailEnd/>
-              </a14:hiddenLine>
-            </a:ext>
-          </a:extLst>
-        </p:spPr>
-        <p:txBody>
-          <a:bodyPr wrap="square">
-            <a:spAutoFit/>
-          </a:bodyPr>
-          <a:lstStyle>
-            <a:defPPr>
-              <a:defRPr lang="zh-CN"/>
-            </a:defPPr>
-            <a:lvl1pPr algn="l" rtl="0" eaLnBrk="0" fontAlgn="base" hangingPunct="0">
-              <a:spcBef>
-                <a:spcPct val="0"/>
-              </a:spcBef>
-              <a:spcAft>
-                <a:spcPct val="0"/>
-              </a:spcAft>
-              <a:defRPr kern="1200">
-                <a:solidFill>
-                  <a:schemeClr val="tx1"/>
-                </a:solidFill>
-                <a:latin typeface="Arial" panose="020B0604020202090204" pitchFamily="34" charset="0"/>
-                <a:ea typeface="宋体" panose="02010600030101010101" pitchFamily="2" charset="-122"/>
-                <a:cs typeface="+mn-cs"/>
-              </a:defRPr>
-            </a:lvl1pPr>
-            <a:lvl2pPr marL="457200" algn="l" rtl="0" eaLnBrk="0" fontAlgn="base" hangingPunct="0">
-              <a:spcBef>
-                <a:spcPct val="0"/>
-              </a:spcBef>
-              <a:spcAft>
-                <a:spcPct val="0"/>
-              </a:spcAft>
-              <a:defRPr kern="1200">
-                <a:solidFill>
-                  <a:schemeClr val="tx1"/>
-                </a:solidFill>
-                <a:latin typeface="Arial" panose="020B0604020202090204" pitchFamily="34" charset="0"/>
-                <a:ea typeface="宋体" panose="02010600030101010101" pitchFamily="2" charset="-122"/>
-                <a:cs typeface="+mn-cs"/>
-              </a:defRPr>
-            </a:lvl2pPr>
-            <a:lvl3pPr marL="914400" algn="l" rtl="0" eaLnBrk="0" fontAlgn="base" hangingPunct="0">
-              <a:spcBef>
-                <a:spcPct val="0"/>
-              </a:spcBef>
-              <a:spcAft>
-                <a:spcPct val="0"/>
-              </a:spcAft>
-              <a:defRPr kern="1200">
-                <a:solidFill>
-                  <a:schemeClr val="tx1"/>
-                </a:solidFill>
-                <a:latin typeface="Arial" panose="020B0604020202090204" pitchFamily="34" charset="0"/>
-                <a:ea typeface="宋体" panose="02010600030101010101" pitchFamily="2" charset="-122"/>
-                <a:cs typeface="+mn-cs"/>
-              </a:defRPr>
-            </a:lvl3pPr>
-            <a:lvl4pPr marL="1371600" algn="l" rtl="0" eaLnBrk="0" fontAlgn="base" hangingPunct="0">
-              <a:spcBef>
-                <a:spcPct val="0"/>
-              </a:spcBef>
-              <a:spcAft>
-                <a:spcPct val="0"/>
-              </a:spcAft>
-              <a:defRPr kern="1200">
-                <a:solidFill>
-                  <a:schemeClr val="tx1"/>
-                </a:solidFill>
-                <a:latin typeface="Arial" panose="020B0604020202090204" pitchFamily="34" charset="0"/>
-                <a:ea typeface="宋体" panose="02010600030101010101" pitchFamily="2" charset="-122"/>
-                <a:cs typeface="+mn-cs"/>
-              </a:defRPr>
-            </a:lvl4pPr>
-            <a:lvl5pPr marL="1828800" algn="l" rtl="0" eaLnBrk="0" fontAlgn="base" hangingPunct="0">
-              <a:spcBef>
-                <a:spcPct val="0"/>
-              </a:spcBef>
-              <a:spcAft>
-                <a:spcPct val="0"/>
-              </a:spcAft>
-              <a:defRPr kern="1200">
-                <a:solidFill>
-                  <a:schemeClr val="tx1"/>
-                </a:solidFill>
-                <a:latin typeface="Arial" panose="020B0604020202090204" pitchFamily="34" charset="0"/>
-                <a:ea typeface="宋体" panose="02010600030101010101" pitchFamily="2" charset="-122"/>
-                <a:cs typeface="+mn-cs"/>
-              </a:defRPr>
-            </a:lvl5pPr>
-            <a:lvl6pPr marL="2286000" algn="l" defTabSz="914400" rtl="0" eaLnBrk="1" latinLnBrk="0" hangingPunct="1">
-              <a:defRPr kern="1200">
-                <a:solidFill>
-                  <a:schemeClr val="tx1"/>
-                </a:solidFill>
-                <a:latin typeface="Arial" panose="020B0604020202090204" pitchFamily="34" charset="0"/>
-                <a:ea typeface="宋体" panose="02010600030101010101" pitchFamily="2" charset="-122"/>
-                <a:cs typeface="+mn-cs"/>
-              </a:defRPr>
-            </a:lvl6pPr>
-            <a:lvl7pPr marL="2743200" algn="l" defTabSz="914400" rtl="0" eaLnBrk="1" latinLnBrk="0" hangingPunct="1">
-              <a:defRPr kern="1200">
-                <a:solidFill>
-                  <a:schemeClr val="tx1"/>
-                </a:solidFill>
-                <a:latin typeface="Arial" panose="020B0604020202090204" pitchFamily="34" charset="0"/>
-                <a:ea typeface="宋体" panose="02010600030101010101" pitchFamily="2" charset="-122"/>
-                <a:cs typeface="+mn-cs"/>
-              </a:defRPr>
-            </a:lvl7pPr>
-            <a:lvl8pPr marL="3200400" algn="l" defTabSz="914400" rtl="0" eaLnBrk="1" latinLnBrk="0" hangingPunct="1">
-              <a:defRPr kern="1200">
-                <a:solidFill>
-                  <a:schemeClr val="tx1"/>
-                </a:solidFill>
-                <a:latin typeface="Arial" panose="020B0604020202090204" pitchFamily="34" charset="0"/>
-                <a:ea typeface="宋体" panose="02010600030101010101" pitchFamily="2" charset="-122"/>
-                <a:cs typeface="+mn-cs"/>
-              </a:defRPr>
-            </a:lvl8pPr>
-            <a:lvl9pPr marL="3657600" algn="l" defTabSz="914400" rtl="0" eaLnBrk="1" latinLnBrk="0" hangingPunct="1">
-              <a:defRPr kern="1200">
-                <a:solidFill>
-                  <a:schemeClr val="tx1"/>
-                </a:solidFill>
-                <a:latin typeface="Arial" panose="020B0604020202090204" pitchFamily="34" charset="0"/>
-                <a:ea typeface="宋体" panose="02010600030101010101" pitchFamily="2" charset="-122"/>
-                <a:cs typeface="+mn-cs"/>
-              </a:defRPr>
-            </a:lvl9pPr>
-          </a:lstStyle>
-          <a:p>
-            <a:pPr marL="457200" indent="-457200" eaLnBrk="1" hangingPunct="1">
-              <a:lnSpc>
-                <a:spcPct val="150000"/>
-              </a:lnSpc>
-              <a:spcBef>
-                <a:spcPct val="0"/>
-              </a:spcBef>
-              <a:spcAft>
-                <a:spcPts val="0"/>
-              </a:spcAft>
-              <a:buFontTx/>
-              <a:buAutoNum type="arabicPeriod"/>
-            </a:pPr>
-            <a:r>
-              <a:rPr lang="zh-CN" altLang="en-US" sz="2000" dirty="0" smtClean="0">
-                <a:latin typeface="微软雅黑" panose="020B0503020204020204" pitchFamily="34" charset="-122"/>
-                <a:ea typeface="微软雅黑" panose="020B0503020204020204" pitchFamily="34" charset="-122"/>
-              </a:rPr>
-              <a:t>一行代码部署应用程序。</a:t>
-            </a:r>
-            <a:endParaRPr lang="zh-CN" altLang="en-US" sz="2000" dirty="0" smtClean="0">
-              <a:latin typeface="微软雅黑" panose="020B0503020204020204" pitchFamily="34" charset="-122"/>
-              <a:ea typeface="微软雅黑" panose="020B0503020204020204" pitchFamily="34" charset="-122"/>
-            </a:endParaRPr>
-          </a:p>
-          <a:p>
-            <a:pPr marL="457200" indent="-457200" eaLnBrk="1" hangingPunct="1">
-              <a:lnSpc>
-                <a:spcPct val="150000"/>
-              </a:lnSpc>
-              <a:spcBef>
-                <a:spcPct val="0"/>
-              </a:spcBef>
-              <a:spcAft>
-                <a:spcPts val="0"/>
-              </a:spcAft>
-              <a:buFontTx/>
-              <a:buAutoNum type="arabicPeriod"/>
-            </a:pPr>
-            <a:r>
-              <a:rPr lang="zh-CN" altLang="en-US" sz="2000" dirty="0" smtClean="0">
-                <a:latin typeface="微软雅黑" panose="020B0503020204020204" pitchFamily="34" charset="-122"/>
-                <a:ea typeface="微软雅黑" panose="020B0503020204020204" pitchFamily="34" charset="-122"/>
-              </a:rPr>
-              <a:t>程序奔溃或者机器重启是自动重启。</a:t>
-            </a:r>
-            <a:endParaRPr lang="zh-CN" altLang="en-US" sz="2000" dirty="0" smtClean="0">
-              <a:latin typeface="微软雅黑" panose="020B0503020204020204" pitchFamily="34" charset="-122"/>
-              <a:ea typeface="微软雅黑" panose="020B0503020204020204" pitchFamily="34" charset="-122"/>
-            </a:endParaRPr>
-          </a:p>
-          <a:p>
-            <a:pPr marL="457200" indent="-457200" eaLnBrk="1" hangingPunct="1">
-              <a:lnSpc>
-                <a:spcPct val="150000"/>
-              </a:lnSpc>
-              <a:spcBef>
-                <a:spcPct val="0"/>
-              </a:spcBef>
-              <a:spcAft>
-                <a:spcPts val="0"/>
-              </a:spcAft>
-              <a:buFontTx/>
-              <a:buAutoNum type="arabicPeriod"/>
-            </a:pPr>
-            <a:r>
-              <a:rPr lang="zh-CN" altLang="en-US" sz="2000" dirty="0" smtClean="0">
-                <a:latin typeface="微软雅黑" panose="020B0503020204020204" pitchFamily="34" charset="-122"/>
-                <a:ea typeface="微软雅黑" panose="020B0503020204020204" pitchFamily="34" charset="-122"/>
-              </a:rPr>
-              <a:t>内置负载均衡（集群模式）。</a:t>
-            </a:r>
-            <a:endParaRPr lang="zh-CN" altLang="en-US" sz="2000" dirty="0" smtClean="0">
-              <a:latin typeface="微软雅黑" panose="020B0503020204020204" pitchFamily="34" charset="-122"/>
-              <a:ea typeface="微软雅黑" panose="020B0503020204020204" pitchFamily="34" charset="-122"/>
-            </a:endParaRPr>
-          </a:p>
-          <a:p>
-            <a:pPr marL="457200" indent="-457200" eaLnBrk="1" hangingPunct="1">
-              <a:lnSpc>
-                <a:spcPct val="150000"/>
-              </a:lnSpc>
-              <a:spcBef>
-                <a:spcPct val="0"/>
-              </a:spcBef>
-              <a:spcAft>
-                <a:spcPts val="0"/>
-              </a:spcAft>
-              <a:buFontTx/>
-              <a:buAutoNum type="arabicPeriod"/>
-            </a:pPr>
-            <a:r>
-              <a:rPr lang="zh-CN" altLang="en-US" sz="2000" dirty="0" smtClean="0">
-                <a:latin typeface="微软雅黑" panose="020B0503020204020204" pitchFamily="34" charset="-122"/>
-                <a:ea typeface="微软雅黑" panose="020B0503020204020204" pitchFamily="34" charset="-122"/>
-              </a:rPr>
-              <a:t>不停机重载应用程序。</a:t>
-            </a:r>
-            <a:endParaRPr lang="zh-CN" altLang="en-US" sz="2000" dirty="0" smtClean="0">
-              <a:latin typeface="微软雅黑" panose="020B0503020204020204" pitchFamily="34" charset="-122"/>
-              <a:ea typeface="微软雅黑" panose="020B0503020204020204" pitchFamily="34" charset="-122"/>
-            </a:endParaRPr>
-          </a:p>
-          <a:p>
-            <a:pPr marL="457200" indent="-457200" eaLnBrk="1" hangingPunct="1">
-              <a:lnSpc>
-                <a:spcPct val="150000"/>
-              </a:lnSpc>
-              <a:spcBef>
-                <a:spcPct val="0"/>
-              </a:spcBef>
-              <a:spcAft>
-                <a:spcPts val="0"/>
-              </a:spcAft>
-              <a:buFontTx/>
-              <a:buAutoNum type="arabicPeriod"/>
-            </a:pPr>
-            <a:r>
-              <a:rPr lang="zh-CN" altLang="en-US" sz="2000" dirty="0" smtClean="0">
-                <a:latin typeface="微软雅黑" panose="020B0503020204020204" pitchFamily="34" charset="-122"/>
-                <a:ea typeface="微软雅黑" panose="020B0503020204020204" pitchFamily="34" charset="-122"/>
-              </a:rPr>
-              <a:t>更直观的进程管理。</a:t>
-            </a:r>
-            <a:endParaRPr lang="en-US" altLang="zh-CN" sz="2000" dirty="0" smtClean="0">
-              <a:latin typeface="微软雅黑" panose="020B0503020204020204" pitchFamily="34" charset="-122"/>
-              <a:ea typeface="微软雅黑" panose="020B0503020204020204" pitchFamily="34" charset="-122"/>
-            </a:endParaRPr>
-          </a:p>
-          <a:p>
-            <a:pPr marL="457200" indent="-457200" eaLnBrk="1" hangingPunct="1">
-              <a:lnSpc>
-                <a:spcPct val="150000"/>
-              </a:lnSpc>
-              <a:spcBef>
-                <a:spcPct val="0"/>
-              </a:spcBef>
-              <a:spcAft>
-                <a:spcPts val="0"/>
-              </a:spcAft>
-              <a:buFontTx/>
-              <a:buAutoNum type="arabicPeriod"/>
-            </a:pPr>
-            <a:r>
-              <a:rPr lang="zh-CN" altLang="en-US" sz="2000" dirty="0" smtClean="0">
-                <a:latin typeface="微软雅黑" panose="020B0503020204020204" pitchFamily="34" charset="-122"/>
-                <a:ea typeface="微软雅黑" panose="020B0503020204020204" pitchFamily="34" charset="-122"/>
-              </a:rPr>
-              <a:t>简化的日志管理。</a:t>
-            </a:r>
-            <a:endParaRPr lang="zh-CN" altLang="en-US" sz="2000" dirty="0" smtClean="0">
-              <a:latin typeface="微软雅黑" panose="020B0503020204020204" pitchFamily="34" charset="-122"/>
-              <a:ea typeface="微软雅黑" panose="020B0503020204020204" pitchFamily="34" charset="-122"/>
-            </a:endParaRPr>
-          </a:p>
-        </p:txBody>
-      </p:sp>
-      <p:sp>
-        <p:nvSpPr>
           <p:cNvPr id="4" name="文本框 3"/>
           <p:cNvSpPr txBox="1"/>
           <p:nvPr/>
@@ -10695,14 +14232,14 @@
                 <a:latin typeface="微软雅黑" panose="020B0503020204020204" pitchFamily="34" charset="-122"/>
                 <a:ea typeface="微软雅黑" panose="020B0503020204020204" pitchFamily="34" charset="-122"/>
               </a:rPr>
-              <a:t>3. pm2</a:t>
+              <a:t>4. pm2</a:t>
             </a:r>
             <a:r>
               <a:rPr lang="zh-CN" altLang="en-US" sz="3200" dirty="0" smtClean="0">
                 <a:latin typeface="微软雅黑" panose="020B0503020204020204" pitchFamily="34" charset="-122"/>
                 <a:ea typeface="微软雅黑" panose="020B0503020204020204" pitchFamily="34" charset="-122"/>
               </a:rPr>
-              <a:t>特点？</a:t>
+              <a:t>基本架构</a:t>
             </a:r>
             <a:endParaRPr lang="zh-CN" altLang="en-US" sz="3200" dirty="0" smtClean="0">
               <a:latin typeface="微软雅黑" panose="020B0503020204020204" pitchFamily="34" charset="-122"/>
@@ -10711,6 +14248,87 @@
           </a:p>
         </p:txBody>
       </p:sp>
+      <p:pic>
+        <p:nvPicPr>
+          <p:cNvPr id="2" name="图片 1"/>
+          <p:cNvPicPr>
+            <a:picLocks noChangeAspect="1"/>
+          </p:cNvPicPr>
+          <p:nvPr/>
+        </p:nvPicPr>
+        <p:blipFill>
+          <a:blip r:embed="rId1"/>
+          <a:stretch>
+            <a:fillRect/>
+          </a:stretch>
+        </p:blipFill>
+        <p:spPr>
+          <a:xfrm>
+            <a:off x="1259205" y="1373505"/>
+            <a:ext cx="9673590" cy="4484370"/>
+          </a:xfrm>
+          <a:prstGeom prst="rect">
+            <a:avLst/>
+          </a:prstGeom>
+        </p:spPr>
+      </p:pic>
+      <p:sp>
+        <p:nvSpPr>
+          <p:cNvPr id="5" name="文本框 4"/>
+          <p:cNvSpPr txBox="1"/>
+          <p:nvPr/>
+        </p:nvSpPr>
+        <p:spPr>
+          <a:xfrm>
+            <a:off x="1259205" y="1373505"/>
+            <a:ext cx="7833995" cy="368300"/>
+          </a:xfrm>
+          <a:prstGeom prst="rect">
+            <a:avLst/>
+          </a:prstGeom>
+          <a:noFill/>
+        </p:spPr>
+        <p:txBody>
+          <a:bodyPr wrap="square" rtlCol="0">
+            <a:spAutoFit/>
+          </a:bodyPr>
+          <a:p>
+            <a:r>
+              <a:rPr lang="zh-CN" altLang="en-US"/>
+              <a:t>pm2 start app.js </a:t>
+            </a:r>
+            <a:r>
+              <a:rPr lang="en-US" altLang="zh-CN"/>
+              <a:t>-i 4</a:t>
+            </a:r>
+            <a:endParaRPr lang="en-US" altLang="zh-CN"/>
+          </a:p>
+        </p:txBody>
+      </p:sp>
+      <p:pic>
+        <p:nvPicPr>
+          <p:cNvPr id="6" name="图片 5"/>
+          <p:cNvPicPr>
+            <a:picLocks noChangeAspect="1"/>
+          </p:cNvPicPr>
+          <p:nvPr/>
+        </p:nvPicPr>
+        <p:blipFill>
+          <a:blip r:embed="rId2"/>
+          <a:stretch>
+            <a:fillRect/>
+          </a:stretch>
+        </p:blipFill>
+        <p:spPr>
+          <a:xfrm>
+            <a:off x="2385060" y="927100"/>
+            <a:ext cx="3536950" cy="5377180"/>
+          </a:xfrm>
+          <a:prstGeom prst="rect">
+            <a:avLst/>
+          </a:prstGeom>
+        </p:spPr>
+      </p:pic>
     </p:spTree>
   </p:cSld>
   <p:clrMapOvr>
@@ -10722,9 +14340,399 @@
   <p:timing>
     <p:tnLst>
       <p:par>
-        <p:cTn id="1" dur="indefinite" restart="never" nodeType="tmRoot"/>
+        <p:cTn id="1" dur="indefinite" restart="never" nodeType="tmRoot">
+          <p:childTnLst>
+            <p:seq concurrent="1" nextAc="seek">
+              <p:cTn id="2" dur="indefinite" nodeType="mainSeq">
+                <p:childTnLst>
+                  <p:par>
+                    <p:cTn id="3" fill="hold">
+                      <p:stCondLst>
+                        <p:cond delay="indefinite"/>
+                      </p:stCondLst>
+                      <p:childTnLst>
+                        <p:par>
+                          <p:cTn id="4" fill="hold">
+                            <p:stCondLst>
+                              <p:cond delay="0"/>
+                            </p:stCondLst>
+                            <p:childTnLst>
+                              <p:par>
+                                <p:cTn id="5" presetID="2" presetClass="entr" presetSubtype="4" fill="hold" nodeType="clickEffect">
+                                  <p:stCondLst>
+                                    <p:cond delay="0"/>
+                                  </p:stCondLst>
+                                  <p:childTnLst>
+                                    <p:set>
+                                      <p:cBhvr>
+                                        <p:cTn id="6" dur="1" fill="hold">
+                                          <p:stCondLst>
+                                            <p:cond delay="0"/>
+                                          </p:stCondLst>
+                                        </p:cTn>
+                                        <p:tgtEl>
+                                          <p:spTgt spid="2"/>
+                                        </p:tgtEl>
+                                        <p:attrNameLst>
+                                          <p:attrName>style.visibility</p:attrName>
+                                        </p:attrNameLst>
+                                      </p:cBhvr>
+                                      <p:to>
+                                        <p:strVal val="visible"/>
+                                      </p:to>
+                                    </p:set>
+                                    <p:anim calcmode="lin" valueType="num">
+                                      <p:cBhvr additive="base">
+                                        <p:cTn id="7" dur="500" fill="hold"/>
+                                        <p:tgtEl>
+                                          <p:spTgt spid="2"/>
+                                        </p:tgtEl>
+                                        <p:attrNameLst>
+                                          <p:attrName>ppt_x</p:attrName>
+                                        </p:attrNameLst>
+                                      </p:cBhvr>
+                                      <p:tavLst>
+                                        <p:tav tm="0">
+                                          <p:val>
+                                            <p:strVal val="#ppt_x"/>
+                                          </p:val>
+                                        </p:tav>
+                                        <p:tav tm="100000">
+                                          <p:val>
+                                            <p:strVal val="#ppt_x"/>
+                                          </p:val>
+                                        </p:tav>
+                                      </p:tavLst>
+                                    </p:anim>
+                                    <p:anim calcmode="lin" valueType="num">
+                                      <p:cBhvr additive="base">
+                                        <p:cTn id="8" dur="500" fill="hold"/>
+                                        <p:tgtEl>
+                                          <p:spTgt spid="2"/>
+                                        </p:tgtEl>
+                                        <p:attrNameLst>
+                                          <p:attrName>ppt_y</p:attrName>
+                                        </p:attrNameLst>
+                                      </p:cBhvr>
+                                      <p:tavLst>
+                                        <p:tav tm="0">
+                                          <p:val>
+                                            <p:strVal val="1+#ppt_h/2"/>
+                                          </p:val>
+                                        </p:tav>
+                                        <p:tav tm="100000">
+                                          <p:val>
+                                            <p:strVal val="#ppt_y"/>
+                                          </p:val>
+                                        </p:tav>
+                                      </p:tavLst>
+                                    </p:anim>
+                                  </p:childTnLst>
+                                </p:cTn>
+                              </p:par>
+                            </p:childTnLst>
+                          </p:cTn>
+                        </p:par>
+                      </p:childTnLst>
+                    </p:cTn>
+                  </p:par>
+                  <p:par>
+                    <p:cTn id="9" fill="hold">
+                      <p:stCondLst>
+                        <p:cond delay="indefinite"/>
+                      </p:stCondLst>
+                      <p:childTnLst>
+                        <p:par>
+                          <p:cTn id="10" fill="hold">
+                            <p:stCondLst>
+                              <p:cond delay="0"/>
+                            </p:stCondLst>
+                            <p:childTnLst>
+                              <p:par>
+                                <p:cTn id="11" presetID="2" presetClass="exit" presetSubtype="4" fill="hold" nodeType="clickEffect">
+                                  <p:stCondLst>
+                                    <p:cond delay="0"/>
+                                  </p:stCondLst>
+                                  <p:childTnLst>
+                                    <p:anim calcmode="lin" valueType="num">
+                                      <p:cBhvr additive="base">
+                                        <p:cTn id="12" dur="500"/>
+                                        <p:tgtEl>
+                                          <p:spTgt spid="2"/>
+                                        </p:tgtEl>
+                                        <p:attrNameLst>
+                                          <p:attrName>ppt_x</p:attrName>
+                                        </p:attrNameLst>
+                                      </p:cBhvr>
+                                      <p:tavLst>
+                                        <p:tav tm="0">
+                                          <p:val>
+                                            <p:strVal val="ppt_x"/>
+                                          </p:val>
+                                        </p:tav>
+                                        <p:tav tm="100000">
+                                          <p:val>
+                                            <p:strVal val="ppt_x"/>
+                                          </p:val>
+                                        </p:tav>
+                                      </p:tavLst>
+                                    </p:anim>
+                                    <p:anim calcmode="lin" valueType="num">
+                                      <p:cBhvr additive="base">
+                                        <p:cTn id="13" dur="500"/>
+                                        <p:tgtEl>
+                                          <p:spTgt spid="2"/>
+                                        </p:tgtEl>
+                                        <p:attrNameLst>
+                                          <p:attrName>ppt_y</p:attrName>
+                                        </p:attrNameLst>
+                                      </p:cBhvr>
+                                      <p:tavLst>
+                                        <p:tav tm="0">
+                                          <p:val>
+                                            <p:strVal val="ppt_y"/>
+                                          </p:val>
+                                        </p:tav>
+                                        <p:tav tm="100000">
+                                          <p:val>
+                                            <p:strVal val="1+ppt_h/2"/>
+                                          </p:val>
+                                        </p:tav>
+                                      </p:tavLst>
+                                    </p:anim>
+                                    <p:set>
+                                      <p:cBhvr>
+                                        <p:cTn id="14" dur="1" fill="hold">
+                                          <p:stCondLst>
+                                            <p:cond delay="499"/>
+                                          </p:stCondLst>
+                                        </p:cTn>
+                                        <p:tgtEl>
+                                          <p:spTgt spid="2"/>
+                                        </p:tgtEl>
+                                        <p:attrNameLst>
+                                          <p:attrName>style.visibility</p:attrName>
+                                        </p:attrNameLst>
+                                      </p:cBhvr>
+                                      <p:to>
+                                        <p:strVal val="hidden"/>
+                                      </p:to>
+                                    </p:set>
+                                  </p:childTnLst>
+                                </p:cTn>
+                              </p:par>
+                            </p:childTnLst>
+                          </p:cTn>
+                        </p:par>
+                      </p:childTnLst>
+                    </p:cTn>
+                  </p:par>
+                  <p:par>
+                    <p:cTn id="15" fill="hold">
+                      <p:stCondLst>
+                        <p:cond delay="indefinite"/>
+                      </p:stCondLst>
+                      <p:childTnLst>
+                        <p:par>
+                          <p:cTn id="16" fill="hold">
+                            <p:stCondLst>
+                              <p:cond delay="0"/>
+                            </p:stCondLst>
+                            <p:childTnLst>
+                              <p:par>
+                                <p:cTn id="17" presetID="2" presetClass="entr" presetSubtype="4" fill="hold" grpId="0" nodeType="clickEffect">
+                                  <p:stCondLst>
+                                    <p:cond delay="0"/>
+                                  </p:stCondLst>
+                                  <p:childTnLst>
+                                    <p:set>
+                                      <p:cBhvr>
+                                        <p:cTn id="18" dur="1" fill="hold">
+                                          <p:stCondLst>
+                                            <p:cond delay="0"/>
+                                          </p:stCondLst>
+                                        </p:cTn>
+                                        <p:tgtEl>
+                                          <p:spTgt spid="5"/>
+                                        </p:tgtEl>
+                                        <p:attrNameLst>
+                                          <p:attrName>style.visibility</p:attrName>
+                                        </p:attrNameLst>
+                                      </p:cBhvr>
+                                      <p:to>
+                                        <p:strVal val="visible"/>
+                                      </p:to>
+                                    </p:set>
+                                    <p:anim calcmode="lin" valueType="num">
+                                      <p:cBhvr additive="base">
+                                        <p:cTn id="19" dur="500" fill="hold"/>
+                                        <p:tgtEl>
+                                          <p:spTgt spid="5"/>
+                                        </p:tgtEl>
+                                        <p:attrNameLst>
+                                          <p:attrName>ppt_x</p:attrName>
+                                        </p:attrNameLst>
+                                      </p:cBhvr>
+                                      <p:tavLst>
+                                        <p:tav tm="0">
+                                          <p:val>
+                                            <p:strVal val="#ppt_x"/>
+                                          </p:val>
+                                        </p:tav>
+                                        <p:tav tm="100000">
+                                          <p:val>
+                                            <p:strVal val="#ppt_x"/>
+                                          </p:val>
+                                        </p:tav>
+                                      </p:tavLst>
+                                    </p:anim>
+                                    <p:anim calcmode="lin" valueType="num">
+                                      <p:cBhvr additive="base">
+                                        <p:cTn id="20" dur="500" fill="hold"/>
+                                        <p:tgtEl>
+                                          <p:spTgt spid="5"/>
+                                        </p:tgtEl>
+                                        <p:attrNameLst>
+                                          <p:attrName>ppt_y</p:attrName>
+                                        </p:attrNameLst>
+                                      </p:cBhvr>
+                                      <p:tavLst>
+                                        <p:tav tm="0">
+                                          <p:val>
+                                            <p:strVal val="1+#ppt_h/2"/>
+                                          </p:val>
+                                        </p:tav>
+                                        <p:tav tm="100000">
+                                          <p:val>
+                                            <p:strVal val="#ppt_y"/>
+                                          </p:val>
+                                        </p:tav>
+                                      </p:tavLst>
+                                    </p:anim>
+                                  </p:childTnLst>
+                                </p:cTn>
+                              </p:par>
+                            </p:childTnLst>
+                          </p:cTn>
+                        </p:par>
+                      </p:childTnLst>
+                    </p:cTn>
+                  </p:par>
+                  <p:par>
+                    <p:cTn id="21" fill="hold">
+                      <p:stCondLst>
+                        <p:cond delay="indefinite"/>
+                      </p:stCondLst>
+                      <p:childTnLst>
+                        <p:par>
+                          <p:cTn id="22" fill="hold">
+                            <p:stCondLst>
+                              <p:cond delay="0"/>
+                            </p:stCondLst>
+                            <p:childTnLst>
+                              <p:par>
+                                <p:cTn id="23" presetID="2" presetClass="entr" presetSubtype="4" fill="hold" nodeType="clickEffect">
+                                  <p:stCondLst>
+                                    <p:cond delay="0"/>
+                                  </p:stCondLst>
+                                  <p:childTnLst>
+                                    <p:set>
+                                      <p:cBhvr>
+                                        <p:cTn id="24" dur="1" fill="hold">
+                                          <p:stCondLst>
+                                            <p:cond delay="0"/>
+                                          </p:stCondLst>
+                                        </p:cTn>
+                                        <p:tgtEl>
+                                          <p:spTgt spid="6"/>
+                                        </p:tgtEl>
+                                        <p:attrNameLst>
+                                          <p:attrName>style.visibility</p:attrName>
+                                        </p:attrNameLst>
+                                      </p:cBhvr>
+                                      <p:to>
+                                        <p:strVal val="visible"/>
+                                      </p:to>
+                                    </p:set>
+                                    <p:anim calcmode="lin" valueType="num">
+                                      <p:cBhvr additive="base">
+                                        <p:cTn id="25" dur="500" fill="hold"/>
+                                        <p:tgtEl>
+                                          <p:spTgt spid="6"/>
+                                        </p:tgtEl>
+                                        <p:attrNameLst>
+                                          <p:attrName>ppt_x</p:attrName>
+                                        </p:attrNameLst>
+                                      </p:cBhvr>
+                                      <p:tavLst>
+                                        <p:tav tm="0">
+                                          <p:val>
+                                            <p:strVal val="#ppt_x"/>
+                                          </p:val>
+                                        </p:tav>
+                                        <p:tav tm="100000">
+                                          <p:val>
+                                            <p:strVal val="#ppt_x"/>
+                                          </p:val>
+                                        </p:tav>
+                                      </p:tavLst>
+                                    </p:anim>
+                                    <p:anim calcmode="lin" valueType="num">
+                                      <p:cBhvr additive="base">
+                                        <p:cTn id="26" dur="500" fill="hold"/>
+                                        <p:tgtEl>
+                                          <p:spTgt spid="6"/>
+                                        </p:tgtEl>
+                                        <p:attrNameLst>
+                                          <p:attrName>ppt_y</p:attrName>
+                                        </p:attrNameLst>
+                                      </p:cBhvr>
+                                      <p:tavLst>
+                                        <p:tav tm="0">
+                                          <p:val>
+                                            <p:strVal val="1+#ppt_h/2"/>
+                                          </p:val>
+                                        </p:tav>
+                                        <p:tav tm="100000">
+                                          <p:val>
+                                            <p:strVal val="#ppt_y"/>
+                                          </p:val>
+                                        </p:tav>
+                                      </p:tavLst>
+                                    </p:anim>
+                                  </p:childTnLst>
+                                </p:cTn>
+                              </p:par>
+                            </p:childTnLst>
+                          </p:cTn>
+                        </p:par>
+                      </p:childTnLst>
+                    </p:cTn>
+                  </p:par>
+                </p:childTnLst>
+              </p:cTn>
+              <p:prevCondLst>
+                <p:cond evt="onPrev" delay="0">
+                  <p:tgtEl>
+                    <p:sldTgt/>
+                  </p:tgtEl>
+                </p:cond>
+              </p:prevCondLst>
+              <p:nextCondLst>
+                <p:cond evt="onNext" delay="0">
+                  <p:tgtEl>
+                    <p:sldTgt/>
+                  </p:tgtEl>
+                </p:cond>
+              </p:nextCondLst>
+            </p:seq>
+          </p:childTnLst>
+        </p:cTn>
       </p:par>
     </p:tnLst>
+    <p:bldLst>
+      <p:bldP spid="5" grpId="0"/>
+    </p:bldLst>
   </p:timing>
 </p:sld>
 </file>
